--- a/Meeting Presentations/06.10.2022_General_meeting.pptx
+++ b/Meeting Presentations/06.10.2022_General_meeting.pptx
@@ -8,6 +8,7 @@
     <p:sldId id="256" r:id="rId2"/>
     <p:sldId id="257" r:id="rId3"/>
     <p:sldId id="258" r:id="rId4"/>
+    <p:sldId id="259" r:id="rId5"/>
   </p:sldIdLst>
   <p:sldSz cx="12192000" cy="6858000"/>
   <p:notesSz cx="6858000" cy="9144000"/>
@@ -106,6 +107,11 @@
       </a:defRPr>
     </a:lvl9pPr>
   </p:defaultTextStyle>
+  <p:extLst>
+    <p:ext uri="{EFAFB233-063F-42B5-8137-9DF3F51BA10A}">
+      <p15:sldGuideLst xmlns:p15="http://schemas.microsoft.com/office/powerpoint/2012/main"/>
+    </p:ext>
+  </p:extLst>
 </p:presentation>
 </file>
 
@@ -265,7 +271,7 @@
           <a:p>
             <a:fld id="{5E7AA473-D82F-4EFF-9DF7-AE6D83C51288}" type="datetime1">
               <a:rPr lang="en-US" smtClean="0"/>
-              <a:t>9/8/2022</a:t>
+              <a:t>9/19/2022</a:t>
             </a:fld>
             <a:endParaRPr lang="en-US"/>
           </a:p>
@@ -519,7 +525,7 @@
           <a:p>
             <a:fld id="{1E12F1F0-FE2D-4C1C-B320-8CB9BE735F0F}" type="datetime1">
               <a:rPr lang="en-US" smtClean="0"/>
-              <a:t>9/8/2022</a:t>
+              <a:t>9/19/2022</a:t>
             </a:fld>
             <a:endParaRPr lang="en-US"/>
           </a:p>
@@ -787,7 +793,7 @@
           <a:p>
             <a:fld id="{2CF1B96C-10FD-4EBC-9029-9652B7535D02}" type="datetime1">
               <a:rPr lang="en-US" smtClean="0"/>
-              <a:t>9/8/2022</a:t>
+              <a:t>9/19/2022</a:t>
             </a:fld>
             <a:endParaRPr lang="en-US"/>
           </a:p>
@@ -1041,7 +1047,7 @@
           <a:p>
             <a:fld id="{14878474-CC00-4A95-9D50-A41C12D1EEC4}" type="datetime1">
               <a:rPr lang="en-US" smtClean="0"/>
-              <a:t>9/8/2022</a:t>
+              <a:t>9/19/2022</a:t>
             </a:fld>
             <a:endParaRPr lang="en-US"/>
           </a:p>
@@ -1319,7 +1325,7 @@
           <a:p>
             <a:fld id="{7F38C8B4-7FBB-408F-BDB9-F0496874AFB2}" type="datetime1">
               <a:rPr lang="en-US" smtClean="0"/>
-              <a:t>9/8/2022</a:t>
+              <a:t>9/19/2022</a:t>
             </a:fld>
             <a:endParaRPr lang="en-US"/>
           </a:p>
@@ -1591,7 +1597,7 @@
           <a:p>
             <a:fld id="{2BB8EE20-A5E2-47D3-8F6D-A2BA7AB2E093}" type="datetime1">
               <a:rPr lang="en-US" smtClean="0"/>
-              <a:t>9/8/2022</a:t>
+              <a:t>9/19/2022</a:t>
             </a:fld>
             <a:endParaRPr lang="en-US"/>
           </a:p>
@@ -2149,7 +2155,7 @@
           <a:p>
             <a:fld id="{3382CF99-132F-413F-B7EF-71A5C33F2ED6}" type="datetime1">
               <a:rPr lang="en-US" smtClean="0"/>
-              <a:t>9/8/2022</a:t>
+              <a:t>9/19/2022</a:t>
             </a:fld>
             <a:endParaRPr lang="en-US"/>
           </a:p>
@@ -2291,7 +2297,7 @@
           <a:p>
             <a:fld id="{1F17AE06-98E0-4D9F-A059-92C3548821BB}" type="datetime1">
               <a:rPr lang="en-US" smtClean="0"/>
-              <a:t>9/8/2022</a:t>
+              <a:t>9/19/2022</a:t>
             </a:fld>
             <a:endParaRPr lang="en-US"/>
           </a:p>
@@ -2404,7 +2410,7 @@
           <a:p>
             <a:fld id="{FFBA00CA-3DDC-4705-B840-978EF5EA0707}" type="datetime1">
               <a:rPr lang="en-US" smtClean="0"/>
-              <a:t>9/8/2022</a:t>
+              <a:t>9/19/2022</a:t>
             </a:fld>
             <a:endParaRPr lang="en-US"/>
           </a:p>
@@ -2723,7 +2729,7 @@
           <a:p>
             <a:fld id="{FC366D49-0BBA-4C5A-AD96-6448CA63451A}" type="datetime1">
               <a:rPr lang="en-US" smtClean="0"/>
-              <a:t>9/8/2022</a:t>
+              <a:t>9/19/2022</a:t>
             </a:fld>
             <a:endParaRPr lang="en-US"/>
           </a:p>
@@ -3020,7 +3026,7 @@
           <a:p>
             <a:fld id="{4F4EB293-A316-472D-A8B4-6947CF1A12B7}" type="datetime1">
               <a:rPr lang="en-US" smtClean="0"/>
-              <a:t>9/8/2022</a:t>
+              <a:t>9/19/2022</a:t>
             </a:fld>
             <a:endParaRPr lang="en-US"/>
           </a:p>
@@ -3299,7 +3305,7 @@
           <a:p>
             <a:fld id="{734BCCD4-CEB1-405B-A443-DD9CBCBEA552}" type="datetime1">
               <a:rPr lang="en-US" smtClean="0"/>
-              <a:t>9/8/2022</a:t>
+              <a:t>9/19/2022</a:t>
             </a:fld>
             <a:endParaRPr lang="en-US"/>
           </a:p>
@@ -4653,6 +4659,176 @@
 </p:sld>
 </file>
 
+<file path=ppt/slides/slide4.xml><?xml version="1.0" encoding="utf-8"?>
+<p:sld xmlns:a="http://schemas.openxmlformats.org/drawingml/2006/main" xmlns:r="http://schemas.openxmlformats.org/officeDocument/2006/relationships" xmlns:p="http://schemas.openxmlformats.org/presentationml/2006/main">
+  <p:cSld>
+    <p:spTree>
+      <p:nvGrpSpPr>
+        <p:cNvPr id="1" name=""/>
+        <p:cNvGrpSpPr/>
+        <p:nvPr/>
+      </p:nvGrpSpPr>
+      <p:grpSpPr>
+        <a:xfrm>
+          <a:off x="0" y="0"/>
+          <a:ext cx="0" cy="0"/>
+          <a:chOff x="0" y="0"/>
+          <a:chExt cx="0" cy="0"/>
+        </a:xfrm>
+      </p:grpSpPr>
+      <p:sp>
+        <p:nvSpPr>
+          <p:cNvPr id="2" name="Title 1">
+            <a:extLst>
+              <a:ext uri="{FF2B5EF4-FFF2-40B4-BE49-F238E27FC236}">
+                <a16:creationId xmlns:a16="http://schemas.microsoft.com/office/drawing/2014/main" id="{0101512F-ECF0-4CDC-8C8D-1FE82858E1A7}"/>
+              </a:ext>
+            </a:extLst>
+          </p:cNvPr>
+          <p:cNvSpPr>
+            <a:spLocks noGrp="1"/>
+          </p:cNvSpPr>
+          <p:nvPr>
+            <p:ph type="title"/>
+          </p:nvPr>
+        </p:nvSpPr>
+        <p:spPr/>
+        <p:txBody>
+          <a:bodyPr/>
+          <a:lstStyle/>
+          <a:p>
+            <a:r>
+              <a:rPr lang="nb-NO" dirty="0"/>
+              <a:t>Plan</a:t>
+            </a:r>
+            <a:endParaRPr lang="en-GB" dirty="0"/>
+          </a:p>
+        </p:txBody>
+      </p:sp>
+      <p:sp>
+        <p:nvSpPr>
+          <p:cNvPr id="3" name="Content Placeholder 2">
+            <a:extLst>
+              <a:ext uri="{FF2B5EF4-FFF2-40B4-BE49-F238E27FC236}">
+                <a16:creationId xmlns:a16="http://schemas.microsoft.com/office/drawing/2014/main" id="{92DD4BF0-2CED-4E4A-BC8C-833B3C2A9C25}"/>
+              </a:ext>
+            </a:extLst>
+          </p:cNvPr>
+          <p:cNvSpPr>
+            <a:spLocks noGrp="1"/>
+          </p:cNvSpPr>
+          <p:nvPr>
+            <p:ph idx="1"/>
+          </p:nvPr>
+        </p:nvSpPr>
+        <p:spPr/>
+        <p:txBody>
+          <a:bodyPr/>
+          <a:lstStyle/>
+          <a:p>
+            <a:r>
+              <a:rPr lang="nb-NO" dirty="0" err="1"/>
+              <a:t>Running</a:t>
+            </a:r>
+            <a:r>
+              <a:rPr lang="nb-NO" dirty="0"/>
+              <a:t> </a:t>
+            </a:r>
+            <a:r>
+              <a:rPr lang="nb-NO" dirty="0" err="1"/>
+              <a:t>models</a:t>
+            </a:r>
+            <a:r>
+              <a:rPr lang="nb-NO" dirty="0"/>
+              <a:t> - </a:t>
+            </a:r>
+            <a:r>
+              <a:rPr lang="nb-NO" dirty="0" err="1"/>
+              <a:t>meanwhile</a:t>
+            </a:r>
+            <a:r>
+              <a:rPr lang="nb-NO" dirty="0"/>
+              <a:t> </a:t>
+            </a:r>
+            <a:r>
+              <a:rPr lang="nb-NO" dirty="0" err="1"/>
+              <a:t>writing</a:t>
+            </a:r>
+            <a:r>
+              <a:rPr lang="nb-NO" dirty="0"/>
+              <a:t> </a:t>
+            </a:r>
+            <a:r>
+              <a:rPr lang="nb-NO" dirty="0" err="1"/>
+              <a:t>theory</a:t>
+            </a:r>
+            <a:endParaRPr lang="nb-NO" dirty="0"/>
+          </a:p>
+          <a:p>
+            <a:r>
+              <a:rPr lang="nb-NO" dirty="0" err="1"/>
+              <a:t>Depending</a:t>
+            </a:r>
+            <a:r>
+              <a:rPr lang="nb-NO" dirty="0"/>
+              <a:t> </a:t>
+            </a:r>
+            <a:r>
+              <a:rPr lang="nb-NO" dirty="0" err="1"/>
+              <a:t>on</a:t>
+            </a:r>
+            <a:r>
+              <a:rPr lang="nb-NO" dirty="0"/>
+              <a:t> </a:t>
+            </a:r>
+            <a:r>
+              <a:rPr lang="nb-NO" dirty="0" err="1"/>
+              <a:t>results</a:t>
+            </a:r>
+            <a:r>
+              <a:rPr lang="nb-NO" dirty="0"/>
+              <a:t> </a:t>
+            </a:r>
+            <a:r>
+              <a:rPr lang="nb-NO" dirty="0" err="1"/>
+              <a:t>change</a:t>
+            </a:r>
+            <a:r>
+              <a:rPr lang="nb-NO" dirty="0"/>
+              <a:t> </a:t>
+            </a:r>
+            <a:r>
+              <a:rPr lang="nb-NO" dirty="0" err="1"/>
+              <a:t>things</a:t>
+            </a:r>
+            <a:r>
+              <a:rPr lang="nb-NO" dirty="0"/>
+              <a:t> </a:t>
+            </a:r>
+            <a:r>
+              <a:rPr lang="nb-NO" dirty="0" err="1"/>
+              <a:t>underway</a:t>
+            </a:r>
+            <a:endParaRPr lang="nb-NO" dirty="0"/>
+          </a:p>
+          <a:p>
+            <a:endParaRPr lang="en-GB" dirty="0"/>
+          </a:p>
+        </p:txBody>
+      </p:sp>
+    </p:spTree>
+    <p:extLst>
+      <p:ext uri="{BB962C8B-B14F-4D97-AF65-F5344CB8AC3E}">
+        <p14:creationId xmlns:p14="http://schemas.microsoft.com/office/powerpoint/2010/main" val="57127397"/>
+      </p:ext>
+    </p:extLst>
+  </p:cSld>
+  <p:clrMapOvr>
+    <a:masterClrMapping/>
+  </p:clrMapOvr>
+</p:sld>
+</file>
+
 <file path=ppt/theme/theme1.xml><?xml version="1.0" encoding="utf-8"?>
 <a:theme xmlns:a="http://schemas.openxmlformats.org/drawingml/2006/main" name="GestaltVTI">
   <a:themeElements>

--- a/Meeting Presentations/06.10.2022_General_meeting.pptx
+++ b/Meeting Presentations/06.10.2022_General_meeting.pptx
@@ -9,6 +9,7 @@
     <p:sldId id="257" r:id="rId3"/>
     <p:sldId id="258" r:id="rId4"/>
     <p:sldId id="259" r:id="rId5"/>
+    <p:sldId id="260" r:id="rId6"/>
   </p:sldIdLst>
   <p:sldSz cx="12192000" cy="6858000"/>
   <p:notesSz cx="6858000" cy="9144000"/>
@@ -271,7 +272,7 @@
           <a:p>
             <a:fld id="{5E7AA473-D82F-4EFF-9DF7-AE6D83C51288}" type="datetime1">
               <a:rPr lang="en-US" smtClean="0"/>
-              <a:t>9/19/2022</a:t>
+              <a:t>9/21/2022</a:t>
             </a:fld>
             <a:endParaRPr lang="en-US"/>
           </a:p>
@@ -525,7 +526,7 @@
           <a:p>
             <a:fld id="{1E12F1F0-FE2D-4C1C-B320-8CB9BE735F0F}" type="datetime1">
               <a:rPr lang="en-US" smtClean="0"/>
-              <a:t>9/19/2022</a:t>
+              <a:t>9/21/2022</a:t>
             </a:fld>
             <a:endParaRPr lang="en-US"/>
           </a:p>
@@ -793,7 +794,7 @@
           <a:p>
             <a:fld id="{2CF1B96C-10FD-4EBC-9029-9652B7535D02}" type="datetime1">
               <a:rPr lang="en-US" smtClean="0"/>
-              <a:t>9/19/2022</a:t>
+              <a:t>9/21/2022</a:t>
             </a:fld>
             <a:endParaRPr lang="en-US"/>
           </a:p>
@@ -1047,7 +1048,7 @@
           <a:p>
             <a:fld id="{14878474-CC00-4A95-9D50-A41C12D1EEC4}" type="datetime1">
               <a:rPr lang="en-US" smtClean="0"/>
-              <a:t>9/19/2022</a:t>
+              <a:t>9/21/2022</a:t>
             </a:fld>
             <a:endParaRPr lang="en-US"/>
           </a:p>
@@ -1325,7 +1326,7 @@
           <a:p>
             <a:fld id="{7F38C8B4-7FBB-408F-BDB9-F0496874AFB2}" type="datetime1">
               <a:rPr lang="en-US" smtClean="0"/>
-              <a:t>9/19/2022</a:t>
+              <a:t>9/21/2022</a:t>
             </a:fld>
             <a:endParaRPr lang="en-US"/>
           </a:p>
@@ -1597,7 +1598,7 @@
           <a:p>
             <a:fld id="{2BB8EE20-A5E2-47D3-8F6D-A2BA7AB2E093}" type="datetime1">
               <a:rPr lang="en-US" smtClean="0"/>
-              <a:t>9/19/2022</a:t>
+              <a:t>9/21/2022</a:t>
             </a:fld>
             <a:endParaRPr lang="en-US"/>
           </a:p>
@@ -2155,7 +2156,7 @@
           <a:p>
             <a:fld id="{3382CF99-132F-413F-B7EF-71A5C33F2ED6}" type="datetime1">
               <a:rPr lang="en-US" smtClean="0"/>
-              <a:t>9/19/2022</a:t>
+              <a:t>9/21/2022</a:t>
             </a:fld>
             <a:endParaRPr lang="en-US"/>
           </a:p>
@@ -2297,7 +2298,7 @@
           <a:p>
             <a:fld id="{1F17AE06-98E0-4D9F-A059-92C3548821BB}" type="datetime1">
               <a:rPr lang="en-US" smtClean="0"/>
-              <a:t>9/19/2022</a:t>
+              <a:t>9/21/2022</a:t>
             </a:fld>
             <a:endParaRPr lang="en-US"/>
           </a:p>
@@ -2410,7 +2411,7 @@
           <a:p>
             <a:fld id="{FFBA00CA-3DDC-4705-B840-978EF5EA0707}" type="datetime1">
               <a:rPr lang="en-US" smtClean="0"/>
-              <a:t>9/19/2022</a:t>
+              <a:t>9/21/2022</a:t>
             </a:fld>
             <a:endParaRPr lang="en-US"/>
           </a:p>
@@ -2729,7 +2730,7 @@
           <a:p>
             <a:fld id="{FC366D49-0BBA-4C5A-AD96-6448CA63451A}" type="datetime1">
               <a:rPr lang="en-US" smtClean="0"/>
-              <a:t>9/19/2022</a:t>
+              <a:t>9/21/2022</a:t>
             </a:fld>
             <a:endParaRPr lang="en-US"/>
           </a:p>
@@ -3026,7 +3027,7 @@
           <a:p>
             <a:fld id="{4F4EB293-A316-472D-A8B4-6947CF1A12B7}" type="datetime1">
               <a:rPr lang="en-US" smtClean="0"/>
-              <a:t>9/19/2022</a:t>
+              <a:t>9/21/2022</a:t>
             </a:fld>
             <a:endParaRPr lang="en-US"/>
           </a:p>
@@ -3305,7 +3306,7 @@
           <a:p>
             <a:fld id="{734BCCD4-CEB1-405B-A443-DD9CBCBEA552}" type="datetime1">
               <a:rPr lang="en-US" smtClean="0"/>
-              <a:t>9/19/2022</a:t>
+              <a:t>9/21/2022</a:t>
             </a:fld>
             <a:endParaRPr lang="en-US"/>
           </a:p>
@@ -4829,6 +4830,116 @@
 </p:sld>
 </file>
 
+<file path=ppt/slides/slide5.xml><?xml version="1.0" encoding="utf-8"?>
+<p:sld xmlns:a="http://schemas.openxmlformats.org/drawingml/2006/main" xmlns:r="http://schemas.openxmlformats.org/officeDocument/2006/relationships" xmlns:p="http://schemas.openxmlformats.org/presentationml/2006/main">
+  <p:cSld>
+    <p:spTree>
+      <p:nvGrpSpPr>
+        <p:cNvPr id="1" name=""/>
+        <p:cNvGrpSpPr/>
+        <p:nvPr/>
+      </p:nvGrpSpPr>
+      <p:grpSpPr>
+        <a:xfrm>
+          <a:off x="0" y="0"/>
+          <a:ext cx="0" cy="0"/>
+          <a:chOff x="0" y="0"/>
+          <a:chExt cx="0" cy="0"/>
+        </a:xfrm>
+      </p:grpSpPr>
+      <p:sp>
+        <p:nvSpPr>
+          <p:cNvPr id="2" name="Title 1">
+            <a:extLst>
+              <a:ext uri="{FF2B5EF4-FFF2-40B4-BE49-F238E27FC236}">
+                <a16:creationId xmlns:a16="http://schemas.microsoft.com/office/drawing/2014/main" id="{12258E73-6AE5-4223-B21E-5F34CFBE2733}"/>
+              </a:ext>
+            </a:extLst>
+          </p:cNvPr>
+          <p:cNvSpPr>
+            <a:spLocks noGrp="1"/>
+          </p:cNvSpPr>
+          <p:nvPr>
+            <p:ph type="title"/>
+          </p:nvPr>
+        </p:nvSpPr>
+        <p:spPr/>
+        <p:txBody>
+          <a:bodyPr/>
+          <a:lstStyle/>
+          <a:p>
+            <a:r>
+              <a:rPr lang="nb-NO" dirty="0" err="1"/>
+              <a:t>Misc</a:t>
+            </a:r>
+            <a:endParaRPr lang="en-GB" dirty="0"/>
+          </a:p>
+        </p:txBody>
+      </p:sp>
+      <p:sp>
+        <p:nvSpPr>
+          <p:cNvPr id="3" name="Content Placeholder 2">
+            <a:extLst>
+              <a:ext uri="{FF2B5EF4-FFF2-40B4-BE49-F238E27FC236}">
+                <a16:creationId xmlns:a16="http://schemas.microsoft.com/office/drawing/2014/main" id="{E9B0CAFF-4335-4587-B8AD-BD8918EA374C}"/>
+              </a:ext>
+            </a:extLst>
+          </p:cNvPr>
+          <p:cNvSpPr>
+            <a:spLocks noGrp="1"/>
+          </p:cNvSpPr>
+          <p:nvPr>
+            <p:ph idx="1"/>
+          </p:nvPr>
+        </p:nvSpPr>
+        <p:spPr/>
+        <p:txBody>
+          <a:bodyPr>
+            <a:normAutofit/>
+          </a:bodyPr>
+          <a:lstStyle/>
+          <a:p>
+            <a:r>
+              <a:rPr lang="nb-NO" sz="1800" dirty="0" err="1"/>
+              <a:t>Causal</a:t>
+            </a:r>
+            <a:r>
+              <a:rPr lang="nb-NO" sz="1800" dirty="0"/>
+              <a:t> </a:t>
+            </a:r>
+            <a:r>
+              <a:rPr lang="nb-NO" sz="1800" dirty="0" err="1"/>
+              <a:t>padding</a:t>
+            </a:r>
+            <a:r>
+              <a:rPr lang="nb-NO" sz="1800" dirty="0"/>
+              <a:t> is not </a:t>
+            </a:r>
+            <a:r>
+              <a:rPr lang="nb-NO" sz="1800" dirty="0" err="1"/>
+              <a:t>supported</a:t>
+            </a:r>
+            <a:r>
+              <a:rPr lang="nb-NO" sz="1800" dirty="0"/>
+              <a:t> for Conv2D</a:t>
+            </a:r>
+            <a:endParaRPr lang="en-GB" sz="1800" dirty="0"/>
+          </a:p>
+        </p:txBody>
+      </p:sp>
+    </p:spTree>
+    <p:extLst>
+      <p:ext uri="{BB962C8B-B14F-4D97-AF65-F5344CB8AC3E}">
+        <p14:creationId xmlns:p14="http://schemas.microsoft.com/office/powerpoint/2010/main" val="1721430244"/>
+      </p:ext>
+    </p:extLst>
+  </p:cSld>
+  <p:clrMapOvr>
+    <a:masterClrMapping/>
+  </p:clrMapOvr>
+</p:sld>
+</file>
+
 <file path=ppt/theme/theme1.xml><?xml version="1.0" encoding="utf-8"?>
 <a:theme xmlns:a="http://schemas.openxmlformats.org/drawingml/2006/main" name="GestaltVTI">
   <a:themeElements>

--- a/Meeting Presentations/06.10.2022_General_meeting.pptx
+++ b/Meeting Presentations/06.10.2022_General_meeting.pptx
@@ -9,7 +9,8 @@
     <p:sldId id="257" r:id="rId3"/>
     <p:sldId id="258" r:id="rId4"/>
     <p:sldId id="259" r:id="rId5"/>
-    <p:sldId id="260" r:id="rId6"/>
+    <p:sldId id="261" r:id="rId6"/>
+    <p:sldId id="260" r:id="rId7"/>
   </p:sldIdLst>
   <p:sldSz cx="12192000" cy="6858000"/>
   <p:notesSz cx="6858000" cy="9144000"/>
@@ -4833,6 +4834,594 @@
 <file path=ppt/slides/slide5.xml><?xml version="1.0" encoding="utf-8"?>
 <p:sld xmlns:a="http://schemas.openxmlformats.org/drawingml/2006/main" xmlns:r="http://schemas.openxmlformats.org/officeDocument/2006/relationships" xmlns:p="http://schemas.openxmlformats.org/presentationml/2006/main">
   <p:cSld>
+    <p:bg>
+      <p:bgPr>
+        <a:solidFill>
+          <a:schemeClr val="bg2"/>
+        </a:solidFill>
+        <a:effectLst/>
+      </p:bgPr>
+    </p:bg>
+    <p:spTree>
+      <p:nvGrpSpPr>
+        <p:cNvPr id="1" name=""/>
+        <p:cNvGrpSpPr/>
+        <p:nvPr/>
+      </p:nvGrpSpPr>
+      <p:grpSpPr>
+        <a:xfrm>
+          <a:off x="0" y="0"/>
+          <a:ext cx="0" cy="0"/>
+          <a:chOff x="0" y="0"/>
+          <a:chExt cx="0" cy="0"/>
+        </a:xfrm>
+      </p:grpSpPr>
+      <p:sp>
+        <p:nvSpPr>
+          <p:cNvPr id="10" name="Rectangle 9">
+            <a:extLst>
+              <a:ext uri="{FF2B5EF4-FFF2-40B4-BE49-F238E27FC236}">
+                <a16:creationId xmlns:a16="http://schemas.microsoft.com/office/drawing/2014/main" id="{ADE57300-C7FF-4578-99A0-42B0295B123C}"/>
+              </a:ext>
+              <a:ext uri="{C183D7F6-B498-43B3-948B-1728B52AA6E4}">
+                <adec:decorative xmlns:adec="http://schemas.microsoft.com/office/drawing/2017/decorative" val="1"/>
+              </a:ext>
+            </a:extLst>
+          </p:cNvPr>
+          <p:cNvSpPr>
+            <a:spLocks noGrp="1" noRot="1" noChangeAspect="1" noMove="1" noResize="1" noEditPoints="1" noAdjustHandles="1" noChangeArrowheads="1" noChangeShapeType="1" noTextEdit="1"/>
+          </p:cNvSpPr>
+          <p:nvPr>
+            <p:extLst>
+              <p:ext uri="{386F3935-93C4-4BCD-93E2-E3B085C9AB24}">
+                <p16:designElem xmlns:p16="http://schemas.microsoft.com/office/powerpoint/2015/main" val="1"/>
+              </p:ext>
+            </p:extLst>
+          </p:nvPr>
+        </p:nvSpPr>
+        <p:spPr>
+          <a:xfrm>
+            <a:off x="517870" y="508090"/>
+            <a:ext cx="5021183" cy="149279"/>
+          </a:xfrm>
+          <a:prstGeom prst="rect">
+            <a:avLst/>
+          </a:prstGeom>
+          <a:solidFill>
+            <a:schemeClr val="tx1"/>
+          </a:solidFill>
+          <a:ln>
+            <a:noFill/>
+          </a:ln>
+        </p:spPr>
+        <p:style>
+          <a:lnRef idx="2">
+            <a:schemeClr val="accent1">
+              <a:shade val="50000"/>
+            </a:schemeClr>
+          </a:lnRef>
+          <a:fillRef idx="1">
+            <a:schemeClr val="accent1"/>
+          </a:fillRef>
+          <a:effectRef idx="0">
+            <a:schemeClr val="accent1"/>
+          </a:effectRef>
+          <a:fontRef idx="minor">
+            <a:schemeClr val="lt1"/>
+          </a:fontRef>
+        </p:style>
+        <p:txBody>
+          <a:bodyPr rtlCol="0" anchor="ctr"/>
+          <a:lstStyle/>
+          <a:p>
+            <a:pPr algn="ctr"/>
+            <a:endParaRPr lang="en-US"/>
+          </a:p>
+        </p:txBody>
+      </p:sp>
+      <p:sp>
+        <p:nvSpPr>
+          <p:cNvPr id="12" name="Rectangle 11">
+            <a:extLst>
+              <a:ext uri="{FF2B5EF4-FFF2-40B4-BE49-F238E27FC236}">
+                <a16:creationId xmlns:a16="http://schemas.microsoft.com/office/drawing/2014/main" id="{F3FF94B3-6D3E-44FE-BB02-A9027C0003C7}"/>
+              </a:ext>
+              <a:ext uri="{C183D7F6-B498-43B3-948B-1728B52AA6E4}">
+                <adec:decorative xmlns:adec="http://schemas.microsoft.com/office/drawing/2017/decorative" val="1"/>
+              </a:ext>
+            </a:extLst>
+          </p:cNvPr>
+          <p:cNvSpPr>
+            <a:spLocks noGrp="1" noRot="1" noChangeAspect="1" noMove="1" noResize="1" noEditPoints="1" noAdjustHandles="1" noChangeArrowheads="1" noChangeShapeType="1" noTextEdit="1"/>
+          </p:cNvSpPr>
+          <p:nvPr>
+            <p:extLst>
+              <p:ext uri="{386F3935-93C4-4BCD-93E2-E3B085C9AB24}">
+                <p16:designElem xmlns:p16="http://schemas.microsoft.com/office/powerpoint/2015/main" val="1"/>
+              </p:ext>
+            </p:extLst>
+          </p:nvPr>
+        </p:nvSpPr>
+        <p:spPr>
+          <a:xfrm>
+            <a:off x="6662168" y="6209925"/>
+            <a:ext cx="5021183" cy="45719"/>
+          </a:xfrm>
+          <a:prstGeom prst="rect">
+            <a:avLst/>
+          </a:prstGeom>
+          <a:solidFill>
+            <a:schemeClr val="tx1"/>
+          </a:solidFill>
+          <a:ln>
+            <a:noFill/>
+          </a:ln>
+        </p:spPr>
+        <p:style>
+          <a:lnRef idx="2">
+            <a:schemeClr val="accent1">
+              <a:shade val="50000"/>
+            </a:schemeClr>
+          </a:lnRef>
+          <a:fillRef idx="1">
+            <a:schemeClr val="accent1"/>
+          </a:fillRef>
+          <a:effectRef idx="0">
+            <a:schemeClr val="accent1"/>
+          </a:effectRef>
+          <a:fontRef idx="minor">
+            <a:schemeClr val="lt1"/>
+          </a:fontRef>
+        </p:style>
+        <p:txBody>
+          <a:bodyPr rtlCol="0" anchor="ctr"/>
+          <a:lstStyle/>
+          <a:p>
+            <a:pPr algn="ctr"/>
+            <a:endParaRPr lang="en-US"/>
+          </a:p>
+        </p:txBody>
+      </p:sp>
+      <p:sp useBgFill="1">
+        <p:nvSpPr>
+          <p:cNvPr id="14" name="Rectangle 13">
+            <a:extLst>
+              <a:ext uri="{FF2B5EF4-FFF2-40B4-BE49-F238E27FC236}">
+                <a16:creationId xmlns:a16="http://schemas.microsoft.com/office/drawing/2014/main" id="{FF9FFCE1-E057-415B-A971-88EC7E22AF15}"/>
+              </a:ext>
+              <a:ext uri="{C183D7F6-B498-43B3-948B-1728B52AA6E4}">
+                <adec:decorative xmlns:adec="http://schemas.microsoft.com/office/drawing/2017/decorative" val="1"/>
+              </a:ext>
+            </a:extLst>
+          </p:cNvPr>
+          <p:cNvSpPr>
+            <a:spLocks noGrp="1" noRot="1" noChangeAspect="1" noMove="1" noResize="1" noEditPoints="1" noAdjustHandles="1" noChangeArrowheads="1" noChangeShapeType="1" noTextEdit="1"/>
+          </p:cNvSpPr>
+          <p:nvPr>
+            <p:extLst>
+              <p:ext uri="{386F3935-93C4-4BCD-93E2-E3B085C9AB24}">
+                <p16:designElem xmlns:p16="http://schemas.microsoft.com/office/powerpoint/2015/main" val="1"/>
+              </p:ext>
+            </p:extLst>
+          </p:nvPr>
+        </p:nvSpPr>
+        <p:spPr>
+          <a:xfrm>
+            <a:off x="0" y="0"/>
+            <a:ext cx="12188952" cy="6857995"/>
+          </a:xfrm>
+          <a:prstGeom prst="rect">
+            <a:avLst/>
+          </a:prstGeom>
+          <a:ln>
+            <a:noFill/>
+          </a:ln>
+        </p:spPr>
+        <p:style>
+          <a:lnRef idx="2">
+            <a:schemeClr val="accent1">
+              <a:shade val="50000"/>
+            </a:schemeClr>
+          </a:lnRef>
+          <a:fillRef idx="1">
+            <a:schemeClr val="accent1"/>
+          </a:fillRef>
+          <a:effectRef idx="0">
+            <a:schemeClr val="accent1"/>
+          </a:effectRef>
+          <a:fontRef idx="minor">
+            <a:schemeClr val="lt1"/>
+          </a:fontRef>
+        </p:style>
+        <p:txBody>
+          <a:bodyPr rtlCol="0" anchor="ctr"/>
+          <a:lstStyle/>
+          <a:p>
+            <a:pPr algn="ctr"/>
+            <a:endParaRPr lang="en-US" dirty="0"/>
+          </a:p>
+        </p:txBody>
+      </p:sp>
+      <p:sp>
+        <p:nvSpPr>
+          <p:cNvPr id="2" name="Title 1">
+            <a:extLst>
+              <a:ext uri="{FF2B5EF4-FFF2-40B4-BE49-F238E27FC236}">
+                <a16:creationId xmlns:a16="http://schemas.microsoft.com/office/drawing/2014/main" id="{A2375C35-4668-4D4D-8F04-63FDABAFBB6D}"/>
+              </a:ext>
+            </a:extLst>
+          </p:cNvPr>
+          <p:cNvSpPr>
+            <a:spLocks noGrp="1"/>
+          </p:cNvSpPr>
+          <p:nvPr>
+            <p:ph type="title"/>
+          </p:nvPr>
+        </p:nvSpPr>
+        <p:spPr>
+          <a:xfrm>
+            <a:off x="5555052" y="971397"/>
+            <a:ext cx="5870184" cy="2333778"/>
+          </a:xfrm>
+        </p:spPr>
+        <p:txBody>
+          <a:bodyPr vert="horz" lIns="91440" tIns="45720" rIns="91440" bIns="45720" rtlCol="0" anchor="t">
+            <a:normAutofit/>
+          </a:bodyPr>
+          <a:lstStyle/>
+          <a:p>
+            <a:r>
+              <a:rPr lang="en-US"/>
+              <a:t>Data cleaning</a:t>
+            </a:r>
+          </a:p>
+        </p:txBody>
+      </p:sp>
+      <p:sp>
+        <p:nvSpPr>
+          <p:cNvPr id="16" name="Rectangle 15">
+            <a:extLst>
+              <a:ext uri="{FF2B5EF4-FFF2-40B4-BE49-F238E27FC236}">
+                <a16:creationId xmlns:a16="http://schemas.microsoft.com/office/drawing/2014/main" id="{B2C335F7-F61C-4EB4-80F2-4B1438FE66BB}"/>
+              </a:ext>
+              <a:ext uri="{C183D7F6-B498-43B3-948B-1728B52AA6E4}">
+                <adec:decorative xmlns:adec="http://schemas.microsoft.com/office/drawing/2017/decorative" val="1"/>
+              </a:ext>
+            </a:extLst>
+          </p:cNvPr>
+          <p:cNvSpPr>
+            <a:spLocks noGrp="1" noRot="1" noChangeAspect="1" noMove="1" noResize="1" noEditPoints="1" noAdjustHandles="1" noChangeArrowheads="1" noChangeShapeType="1" noTextEdit="1"/>
+          </p:cNvSpPr>
+          <p:nvPr>
+            <p:extLst>
+              <p:ext uri="{386F3935-93C4-4BCD-93E2-E3B085C9AB24}">
+                <p16:designElem xmlns:p16="http://schemas.microsoft.com/office/powerpoint/2015/main" val="1"/>
+              </p:ext>
+            </p:extLst>
+          </p:nvPr>
+        </p:nvSpPr>
+        <p:spPr>
+          <a:xfrm>
+            <a:off x="5559321" y="508090"/>
+            <a:ext cx="6114810" cy="149279"/>
+          </a:xfrm>
+          <a:prstGeom prst="rect">
+            <a:avLst/>
+          </a:prstGeom>
+          <a:solidFill>
+            <a:schemeClr val="tx1"/>
+          </a:solidFill>
+          <a:ln>
+            <a:noFill/>
+          </a:ln>
+        </p:spPr>
+        <p:style>
+          <a:lnRef idx="2">
+            <a:schemeClr val="accent1">
+              <a:shade val="50000"/>
+            </a:schemeClr>
+          </a:lnRef>
+          <a:fillRef idx="1">
+            <a:schemeClr val="accent1"/>
+          </a:fillRef>
+          <a:effectRef idx="0">
+            <a:schemeClr val="accent1"/>
+          </a:effectRef>
+          <a:fontRef idx="minor">
+            <a:schemeClr val="lt1"/>
+          </a:fontRef>
+        </p:style>
+        <p:txBody>
+          <a:bodyPr rtlCol="0" anchor="ctr"/>
+          <a:lstStyle/>
+          <a:p>
+            <a:pPr algn="ctr"/>
+            <a:endParaRPr lang="en-US"/>
+          </a:p>
+        </p:txBody>
+      </p:sp>
+      <p:pic>
+        <p:nvPicPr>
+          <p:cNvPr id="5" name="Content Placeholder 4" descr="A picture containing night sky, ocean floor&#10;&#10;Description automatically generated">
+            <a:extLst>
+              <a:ext uri="{FF2B5EF4-FFF2-40B4-BE49-F238E27FC236}">
+                <a16:creationId xmlns:a16="http://schemas.microsoft.com/office/drawing/2014/main" id="{A174DC51-8E45-403D-A994-68A8C8F681E6}"/>
+              </a:ext>
+            </a:extLst>
+          </p:cNvPr>
+          <p:cNvPicPr>
+            <a:picLocks noGrp="1" noChangeAspect="1"/>
+          </p:cNvPicPr>
+          <p:nvPr>
+            <p:ph idx="1"/>
+          </p:nvPr>
+        </p:nvPicPr>
+        <p:blipFill>
+          <a:blip r:embed="rId2">
+            <a:extLst>
+              <a:ext uri="{28A0092B-C50C-407E-A947-70E740481C1C}">
+                <a14:useLocalDpi xmlns:a14="http://schemas.microsoft.com/office/drawing/2010/main" val="0"/>
+              </a:ext>
+            </a:extLst>
+          </a:blip>
+          <a:stretch>
+            <a:fillRect/>
+          </a:stretch>
+        </p:blipFill>
+        <p:spPr>
+          <a:xfrm>
+            <a:off x="1228320" y="657369"/>
+            <a:ext cx="2693892" cy="5387785"/>
+          </a:xfrm>
+          <a:prstGeom prst="rect">
+            <a:avLst/>
+          </a:prstGeom>
+        </p:spPr>
+      </p:pic>
+      <p:sp>
+        <p:nvSpPr>
+          <p:cNvPr id="18" name="Rectangle 17">
+            <a:extLst>
+              <a:ext uri="{FF2B5EF4-FFF2-40B4-BE49-F238E27FC236}">
+                <a16:creationId xmlns:a16="http://schemas.microsoft.com/office/drawing/2014/main" id="{D58401B5-5F1B-4D21-9AC3-AAEC8D366502}"/>
+              </a:ext>
+              <a:ext uri="{C183D7F6-B498-43B3-948B-1728B52AA6E4}">
+                <adec:decorative xmlns:adec="http://schemas.microsoft.com/office/drawing/2017/decorative" val="1"/>
+              </a:ext>
+            </a:extLst>
+          </p:cNvPr>
+          <p:cNvSpPr>
+            <a:spLocks noGrp="1" noRot="1" noChangeAspect="1" noMove="1" noResize="1" noEditPoints="1" noAdjustHandles="1" noChangeArrowheads="1" noChangeShapeType="1" noTextEdit="1"/>
+          </p:cNvSpPr>
+          <p:nvPr>
+            <p:extLst>
+              <p:ext uri="{386F3935-93C4-4BCD-93E2-E3B085C9AB24}">
+                <p16:designElem xmlns:p16="http://schemas.microsoft.com/office/powerpoint/2015/main" val="1"/>
+              </p:ext>
+            </p:extLst>
+          </p:nvPr>
+        </p:nvSpPr>
+        <p:spPr>
+          <a:xfrm>
+            <a:off x="517870" y="6209925"/>
+            <a:ext cx="4114800" cy="45719"/>
+          </a:xfrm>
+          <a:prstGeom prst="rect">
+            <a:avLst/>
+          </a:prstGeom>
+          <a:solidFill>
+            <a:schemeClr val="tx1"/>
+          </a:solidFill>
+          <a:ln>
+            <a:noFill/>
+          </a:ln>
+        </p:spPr>
+        <p:style>
+          <a:lnRef idx="2">
+            <a:schemeClr val="accent1">
+              <a:shade val="50000"/>
+            </a:schemeClr>
+          </a:lnRef>
+          <a:fillRef idx="1">
+            <a:schemeClr val="accent1"/>
+          </a:fillRef>
+          <a:effectRef idx="0">
+            <a:schemeClr val="accent1"/>
+          </a:effectRef>
+          <a:fontRef idx="minor">
+            <a:schemeClr val="lt1"/>
+          </a:fontRef>
+        </p:style>
+        <p:txBody>
+          <a:bodyPr rtlCol="0" anchor="ctr"/>
+          <a:lstStyle/>
+          <a:p>
+            <a:pPr algn="ctr"/>
+            <a:endParaRPr lang="en-US"/>
+          </a:p>
+        </p:txBody>
+      </p:sp>
+      <p:sp>
+        <p:nvSpPr>
+          <p:cNvPr id="6" name="TextBox 5">
+            <a:extLst>
+              <a:ext uri="{FF2B5EF4-FFF2-40B4-BE49-F238E27FC236}">
+                <a16:creationId xmlns:a16="http://schemas.microsoft.com/office/drawing/2014/main" id="{8CB32B29-1AC6-4E45-A552-E847271AC979}"/>
+              </a:ext>
+            </a:extLst>
+          </p:cNvPr>
+          <p:cNvSpPr txBox="1"/>
+          <p:nvPr/>
+        </p:nvSpPr>
+        <p:spPr>
+          <a:xfrm>
+            <a:off x="5555052" y="2267339"/>
+            <a:ext cx="6128299" cy="1200329"/>
+          </a:xfrm>
+          <a:prstGeom prst="rect">
+            <a:avLst/>
+          </a:prstGeom>
+          <a:noFill/>
+        </p:spPr>
+        <p:txBody>
+          <a:bodyPr wrap="square" rtlCol="0">
+            <a:spAutoFit/>
+          </a:bodyPr>
+          <a:lstStyle/>
+          <a:p>
+            <a:r>
+              <a:rPr lang="nb-NO" dirty="0"/>
+              <a:t>The </a:t>
+            </a:r>
+            <a:r>
+              <a:rPr lang="nb-NO" dirty="0" err="1"/>
+              <a:t>left</a:t>
+            </a:r>
+            <a:r>
+              <a:rPr lang="nb-NO" dirty="0"/>
+              <a:t>-most side </a:t>
+            </a:r>
+            <a:r>
+              <a:rPr lang="nb-NO" dirty="0" err="1"/>
+              <a:t>of</a:t>
+            </a:r>
+            <a:r>
+              <a:rPr lang="nb-NO" dirty="0"/>
+              <a:t> </a:t>
+            </a:r>
+            <a:r>
+              <a:rPr lang="nb-NO" dirty="0" err="1"/>
+              <a:t>the</a:t>
+            </a:r>
+            <a:r>
+              <a:rPr lang="nb-NO" dirty="0"/>
+              <a:t> image </a:t>
+            </a:r>
+            <a:r>
+              <a:rPr lang="nb-NO" dirty="0" err="1"/>
+              <a:t>contains</a:t>
+            </a:r>
+            <a:r>
+              <a:rPr lang="nb-NO" dirty="0"/>
+              <a:t> </a:t>
+            </a:r>
+            <a:r>
+              <a:rPr lang="nb-NO" dirty="0" err="1"/>
+              <a:t>some</a:t>
+            </a:r>
+            <a:r>
+              <a:rPr lang="nb-NO" dirty="0"/>
+              <a:t> </a:t>
+            </a:r>
+            <a:r>
+              <a:rPr lang="nb-NO" dirty="0" err="1"/>
+              <a:t>anomalous</a:t>
+            </a:r>
+            <a:r>
+              <a:rPr lang="nb-NO" dirty="0"/>
+              <a:t> data </a:t>
+            </a:r>
+            <a:r>
+              <a:rPr lang="nb-NO" dirty="0" err="1"/>
+              <a:t>which</a:t>
+            </a:r>
+            <a:r>
+              <a:rPr lang="nb-NO" dirty="0"/>
+              <a:t> </a:t>
+            </a:r>
+            <a:r>
+              <a:rPr lang="nb-NO" dirty="0" err="1"/>
+              <a:t>can</a:t>
+            </a:r>
+            <a:r>
+              <a:rPr lang="nb-NO" dirty="0"/>
+              <a:t> </a:t>
+            </a:r>
+            <a:r>
+              <a:rPr lang="nb-NO" dirty="0" err="1"/>
+              <a:t>throw</a:t>
+            </a:r>
+            <a:r>
+              <a:rPr lang="nb-NO" dirty="0"/>
+              <a:t> </a:t>
+            </a:r>
+            <a:r>
+              <a:rPr lang="nb-NO" dirty="0" err="1"/>
+              <a:t>off</a:t>
+            </a:r>
+            <a:r>
+              <a:rPr lang="nb-NO" dirty="0"/>
+              <a:t> </a:t>
+            </a:r>
+            <a:r>
+              <a:rPr lang="nb-NO" dirty="0" err="1"/>
+              <a:t>the</a:t>
+            </a:r>
+            <a:r>
+              <a:rPr lang="nb-NO" dirty="0"/>
+              <a:t> ML training</a:t>
+            </a:r>
+          </a:p>
+          <a:p>
+            <a:endParaRPr lang="nb-NO" dirty="0"/>
+          </a:p>
+          <a:p>
+            <a:r>
+              <a:rPr lang="nb-NO" dirty="0" err="1"/>
+              <a:t>These</a:t>
+            </a:r>
+            <a:r>
+              <a:rPr lang="nb-NO" dirty="0"/>
+              <a:t> traces </a:t>
+            </a:r>
+            <a:r>
+              <a:rPr lang="nb-NO" dirty="0" err="1"/>
+              <a:t>should</a:t>
+            </a:r>
+            <a:r>
+              <a:rPr lang="nb-NO" dirty="0"/>
+              <a:t> be </a:t>
+            </a:r>
+            <a:r>
+              <a:rPr lang="nb-NO" dirty="0" err="1"/>
+              <a:t>removed</a:t>
+            </a:r>
+            <a:r>
+              <a:rPr lang="nb-NO" dirty="0"/>
+              <a:t> from </a:t>
+            </a:r>
+            <a:r>
+              <a:rPr lang="nb-NO" dirty="0" err="1"/>
+              <a:t>the</a:t>
+            </a:r>
+            <a:r>
+              <a:rPr lang="nb-NO" dirty="0"/>
+              <a:t> data </a:t>
+            </a:r>
+            <a:r>
+              <a:rPr lang="nb-NO" dirty="0" err="1"/>
+              <a:t>set</a:t>
+            </a:r>
+            <a:endParaRPr lang="en-GB" dirty="0"/>
+          </a:p>
+        </p:txBody>
+      </p:sp>
+    </p:spTree>
+    <p:extLst>
+      <p:ext uri="{BB962C8B-B14F-4D97-AF65-F5344CB8AC3E}">
+        <p14:creationId xmlns:p14="http://schemas.microsoft.com/office/powerpoint/2010/main" val="3045047177"/>
+      </p:ext>
+    </p:extLst>
+  </p:cSld>
+  <p:clrMapOvr>
+    <a:masterClrMapping/>
+  </p:clrMapOvr>
+</p:sld>
+</file>
+
+<file path=ppt/slides/slide6.xml><?xml version="1.0" encoding="utf-8"?>
+<p:sld xmlns:a="http://schemas.openxmlformats.org/drawingml/2006/main" xmlns:r="http://schemas.openxmlformats.org/officeDocument/2006/relationships" xmlns:p="http://schemas.openxmlformats.org/presentationml/2006/main">
+  <p:cSld>
     <p:spTree>
       <p:nvGrpSpPr>
         <p:cNvPr id="1" name=""/>

--- a/Meeting Presentations/06.10.2022_General_meeting.pptx
+++ b/Meeting Presentations/06.10.2022_General_meeting.pptx
@@ -8,9 +8,10 @@
     <p:sldId id="256" r:id="rId2"/>
     <p:sldId id="257" r:id="rId3"/>
     <p:sldId id="258" r:id="rId4"/>
-    <p:sldId id="259" r:id="rId5"/>
-    <p:sldId id="261" r:id="rId6"/>
-    <p:sldId id="260" r:id="rId7"/>
+    <p:sldId id="262" r:id="rId5"/>
+    <p:sldId id="259" r:id="rId6"/>
+    <p:sldId id="261" r:id="rId7"/>
+    <p:sldId id="260" r:id="rId8"/>
   </p:sldIdLst>
   <p:sldSz cx="12192000" cy="6858000"/>
   <p:notesSz cx="6858000" cy="9144000"/>
@@ -273,7 +274,7 @@
           <a:p>
             <a:fld id="{5E7AA473-D82F-4EFF-9DF7-AE6D83C51288}" type="datetime1">
               <a:rPr lang="en-US" smtClean="0"/>
-              <a:t>9/21/2022</a:t>
+              <a:t>9/28/2022</a:t>
             </a:fld>
             <a:endParaRPr lang="en-US"/>
           </a:p>
@@ -527,7 +528,7 @@
           <a:p>
             <a:fld id="{1E12F1F0-FE2D-4C1C-B320-8CB9BE735F0F}" type="datetime1">
               <a:rPr lang="en-US" smtClean="0"/>
-              <a:t>9/21/2022</a:t>
+              <a:t>9/28/2022</a:t>
             </a:fld>
             <a:endParaRPr lang="en-US"/>
           </a:p>
@@ -795,7 +796,7 @@
           <a:p>
             <a:fld id="{2CF1B96C-10FD-4EBC-9029-9652B7535D02}" type="datetime1">
               <a:rPr lang="en-US" smtClean="0"/>
-              <a:t>9/21/2022</a:t>
+              <a:t>9/28/2022</a:t>
             </a:fld>
             <a:endParaRPr lang="en-US"/>
           </a:p>
@@ -1049,7 +1050,7 @@
           <a:p>
             <a:fld id="{14878474-CC00-4A95-9D50-A41C12D1EEC4}" type="datetime1">
               <a:rPr lang="en-US" smtClean="0"/>
-              <a:t>9/21/2022</a:t>
+              <a:t>9/28/2022</a:t>
             </a:fld>
             <a:endParaRPr lang="en-US"/>
           </a:p>
@@ -1327,7 +1328,7 @@
           <a:p>
             <a:fld id="{7F38C8B4-7FBB-408F-BDB9-F0496874AFB2}" type="datetime1">
               <a:rPr lang="en-US" smtClean="0"/>
-              <a:t>9/21/2022</a:t>
+              <a:t>9/28/2022</a:t>
             </a:fld>
             <a:endParaRPr lang="en-US"/>
           </a:p>
@@ -1599,7 +1600,7 @@
           <a:p>
             <a:fld id="{2BB8EE20-A5E2-47D3-8F6D-A2BA7AB2E093}" type="datetime1">
               <a:rPr lang="en-US" smtClean="0"/>
-              <a:t>9/21/2022</a:t>
+              <a:t>9/28/2022</a:t>
             </a:fld>
             <a:endParaRPr lang="en-US"/>
           </a:p>
@@ -2157,7 +2158,7 @@
           <a:p>
             <a:fld id="{3382CF99-132F-413F-B7EF-71A5C33F2ED6}" type="datetime1">
               <a:rPr lang="en-US" smtClean="0"/>
-              <a:t>9/21/2022</a:t>
+              <a:t>9/28/2022</a:t>
             </a:fld>
             <a:endParaRPr lang="en-US"/>
           </a:p>
@@ -2299,7 +2300,7 @@
           <a:p>
             <a:fld id="{1F17AE06-98E0-4D9F-A059-92C3548821BB}" type="datetime1">
               <a:rPr lang="en-US" smtClean="0"/>
-              <a:t>9/21/2022</a:t>
+              <a:t>9/28/2022</a:t>
             </a:fld>
             <a:endParaRPr lang="en-US"/>
           </a:p>
@@ -2412,7 +2413,7 @@
           <a:p>
             <a:fld id="{FFBA00CA-3DDC-4705-B840-978EF5EA0707}" type="datetime1">
               <a:rPr lang="en-US" smtClean="0"/>
-              <a:t>9/21/2022</a:t>
+              <a:t>9/28/2022</a:t>
             </a:fld>
             <a:endParaRPr lang="en-US"/>
           </a:p>
@@ -2731,7 +2732,7 @@
           <a:p>
             <a:fld id="{FC366D49-0BBA-4C5A-AD96-6448CA63451A}" type="datetime1">
               <a:rPr lang="en-US" smtClean="0"/>
-              <a:t>9/21/2022</a:t>
+              <a:t>9/28/2022</a:t>
             </a:fld>
             <a:endParaRPr lang="en-US"/>
           </a:p>
@@ -3028,7 +3029,7 @@
           <a:p>
             <a:fld id="{4F4EB293-A316-472D-A8B4-6947CF1A12B7}" type="datetime1">
               <a:rPr lang="en-US" smtClean="0"/>
-              <a:t>9/21/2022</a:t>
+              <a:t>9/28/2022</a:t>
             </a:fld>
             <a:endParaRPr lang="en-US"/>
           </a:p>
@@ -3307,7 +3308,7 @@
           <a:p>
             <a:fld id="{734BCCD4-CEB1-405B-A443-DD9CBCBEA552}" type="datetime1">
               <a:rPr lang="en-US" smtClean="0"/>
-              <a:t>9/21/2022</a:t>
+              <a:t>9/28/2022</a:t>
             </a:fld>
             <a:endParaRPr lang="en-US"/>
           </a:p>
@@ -4683,6 +4684,421 @@
           <p:cNvPr id="2" name="Title 1">
             <a:extLst>
               <a:ext uri="{FF2B5EF4-FFF2-40B4-BE49-F238E27FC236}">
+                <a16:creationId xmlns:a16="http://schemas.microsoft.com/office/drawing/2014/main" id="{32D1EE79-E0B2-4C6A-976F-177946C18C33}"/>
+              </a:ext>
+            </a:extLst>
+          </p:cNvPr>
+          <p:cNvSpPr>
+            <a:spLocks noGrp="1"/>
+          </p:cNvSpPr>
+          <p:nvPr>
+            <p:ph type="title"/>
+          </p:nvPr>
+        </p:nvSpPr>
+        <p:spPr>
+          <a:xfrm>
+            <a:off x="517870" y="978409"/>
+            <a:ext cx="5021182" cy="1949350"/>
+          </a:xfrm>
+        </p:spPr>
+        <p:txBody>
+          <a:bodyPr/>
+          <a:lstStyle/>
+          <a:p>
+            <a:r>
+              <a:rPr lang="nb-NO" dirty="0" err="1"/>
+              <a:t>Current</a:t>
+            </a:r>
+            <a:r>
+              <a:rPr lang="nb-NO" dirty="0"/>
+              <a:t> status for </a:t>
+            </a:r>
+            <a:r>
+              <a:rPr lang="nb-NO" dirty="0" err="1"/>
+              <a:t>the</a:t>
+            </a:r>
+            <a:r>
+              <a:rPr lang="nb-NO" dirty="0"/>
+              <a:t> </a:t>
+            </a:r>
+            <a:r>
+              <a:rPr lang="nb-NO" dirty="0" err="1"/>
+              <a:t>models</a:t>
+            </a:r>
+            <a:endParaRPr lang="en-GB" dirty="0"/>
+          </a:p>
+        </p:txBody>
+      </p:sp>
+      <p:sp>
+        <p:nvSpPr>
+          <p:cNvPr id="3" name="Content Placeholder 2">
+            <a:extLst>
+              <a:ext uri="{FF2B5EF4-FFF2-40B4-BE49-F238E27FC236}">
+                <a16:creationId xmlns:a16="http://schemas.microsoft.com/office/drawing/2014/main" id="{FD05321F-3F64-4D06-B066-65739C62FD2A}"/>
+              </a:ext>
+            </a:extLst>
+          </p:cNvPr>
+          <p:cNvSpPr>
+            <a:spLocks noGrp="1"/>
+          </p:cNvSpPr>
+          <p:nvPr>
+            <p:ph idx="1"/>
+          </p:nvPr>
+        </p:nvSpPr>
+        <p:spPr>
+          <a:xfrm>
+            <a:off x="578840" y="2927759"/>
+            <a:ext cx="11104510" cy="2911962"/>
+          </a:xfrm>
+        </p:spPr>
+        <p:txBody>
+          <a:bodyPr/>
+          <a:lstStyle/>
+          <a:p>
+            <a:r>
+              <a:rPr lang="nb-NO" dirty="0"/>
+              <a:t>I have ran </a:t>
+            </a:r>
+            <a:r>
+              <a:rPr lang="nb-NO" dirty="0" err="1"/>
+              <a:t>some</a:t>
+            </a:r>
+            <a:r>
+              <a:rPr lang="nb-NO" dirty="0"/>
+              <a:t> 1D </a:t>
+            </a:r>
+            <a:r>
+              <a:rPr lang="nb-NO" dirty="0" err="1"/>
+              <a:t>reconstruction</a:t>
+            </a:r>
+            <a:r>
+              <a:rPr lang="nb-NO" dirty="0"/>
+              <a:t> </a:t>
+            </a:r>
+            <a:r>
+              <a:rPr lang="nb-NO" dirty="0" err="1"/>
+              <a:t>models</a:t>
+            </a:r>
+            <a:r>
+              <a:rPr lang="nb-NO" dirty="0"/>
+              <a:t>;</a:t>
+            </a:r>
+          </a:p>
+          <a:p>
+            <a:r>
+              <a:rPr lang="nb-NO" dirty="0" err="1"/>
+              <a:t>Focusing</a:t>
+            </a:r>
+            <a:r>
+              <a:rPr lang="nb-NO" dirty="0"/>
+              <a:t> </a:t>
+            </a:r>
+            <a:r>
+              <a:rPr lang="nb-NO" dirty="0" err="1"/>
+              <a:t>on</a:t>
+            </a:r>
+            <a:r>
+              <a:rPr lang="nb-NO" dirty="0"/>
+              <a:t> </a:t>
+            </a:r>
+            <a:r>
+              <a:rPr lang="nb-NO" dirty="0" err="1"/>
+              <a:t>getting</a:t>
+            </a:r>
+            <a:r>
+              <a:rPr lang="nb-NO" dirty="0"/>
+              <a:t> </a:t>
+            </a:r>
+            <a:r>
+              <a:rPr lang="nb-NO" dirty="0" err="1"/>
+              <a:t>good</a:t>
+            </a:r>
+            <a:r>
+              <a:rPr lang="nb-NO" dirty="0"/>
+              <a:t> </a:t>
+            </a:r>
+            <a:r>
+              <a:rPr lang="nb-NO" dirty="0" err="1"/>
+              <a:t>procedures</a:t>
+            </a:r>
+            <a:r>
+              <a:rPr lang="nb-NO" dirty="0"/>
+              <a:t> for </a:t>
+            </a:r>
+            <a:r>
+              <a:rPr lang="nb-NO" dirty="0" err="1"/>
+              <a:t>running</a:t>
+            </a:r>
+            <a:r>
+              <a:rPr lang="nb-NO" dirty="0"/>
+              <a:t> </a:t>
+            </a:r>
+            <a:r>
+              <a:rPr lang="nb-NO" dirty="0" err="1"/>
+              <a:t>the</a:t>
+            </a:r>
+            <a:r>
+              <a:rPr lang="nb-NO" dirty="0"/>
+              <a:t> </a:t>
+            </a:r>
+            <a:r>
+              <a:rPr lang="nb-NO" dirty="0" err="1"/>
+              <a:t>models</a:t>
+            </a:r>
+            <a:r>
+              <a:rPr lang="nb-NO" dirty="0"/>
+              <a:t> </a:t>
+            </a:r>
+            <a:r>
+              <a:rPr lang="nb-NO" dirty="0" err="1"/>
+              <a:t>on</a:t>
+            </a:r>
+            <a:r>
+              <a:rPr lang="nb-NO" dirty="0"/>
+              <a:t> </a:t>
+            </a:r>
+            <a:r>
+              <a:rPr lang="nb-NO" dirty="0" err="1"/>
+              <a:t>the</a:t>
+            </a:r>
+            <a:r>
+              <a:rPr lang="nb-NO" dirty="0"/>
+              <a:t> servers</a:t>
+            </a:r>
+          </a:p>
+          <a:p>
+            <a:r>
+              <a:rPr lang="nb-NO" b="1" dirty="0"/>
+              <a:t>Profiling:</a:t>
+            </a:r>
+          </a:p>
+          <a:p>
+            <a:r>
+              <a:rPr lang="nb-NO" b="1" dirty="0"/>
+              <a:t>	</a:t>
+            </a:r>
+            <a:r>
+              <a:rPr lang="nb-NO" dirty="0"/>
+              <a:t>I </a:t>
+            </a:r>
+            <a:r>
+              <a:rPr lang="nb-NO" dirty="0" err="1"/>
+              <a:t>did</a:t>
+            </a:r>
+            <a:r>
+              <a:rPr lang="nb-NO" dirty="0"/>
+              <a:t> not </a:t>
+            </a:r>
+            <a:r>
+              <a:rPr lang="nb-NO" dirty="0" err="1"/>
+              <a:t>get</a:t>
+            </a:r>
+            <a:r>
+              <a:rPr lang="nb-NO" dirty="0"/>
+              <a:t> </a:t>
+            </a:r>
+            <a:r>
+              <a:rPr lang="nb-NO" dirty="0" err="1"/>
+              <a:t>very</a:t>
+            </a:r>
+            <a:r>
+              <a:rPr lang="nb-NO" dirty="0"/>
+              <a:t> </a:t>
+            </a:r>
+            <a:r>
+              <a:rPr lang="nb-NO" dirty="0" err="1"/>
+              <a:t>good</a:t>
+            </a:r>
+            <a:r>
+              <a:rPr lang="nb-NO" dirty="0"/>
+              <a:t> </a:t>
+            </a:r>
+            <a:r>
+              <a:rPr lang="nb-NO" dirty="0" err="1"/>
+              <a:t>results</a:t>
+            </a:r>
+            <a:r>
+              <a:rPr lang="nb-NO" dirty="0"/>
+              <a:t> for 	</a:t>
+            </a:r>
+            <a:r>
+              <a:rPr lang="nb-NO" dirty="0" err="1"/>
+              <a:t>running</a:t>
+            </a:r>
+            <a:r>
+              <a:rPr lang="nb-NO" dirty="0"/>
+              <a:t> </a:t>
+            </a:r>
+            <a:r>
+              <a:rPr lang="nb-NO" dirty="0" err="1"/>
+              <a:t>on</a:t>
+            </a:r>
+            <a:r>
+              <a:rPr lang="nb-NO" dirty="0"/>
+              <a:t> Odin. My laptop </a:t>
+            </a:r>
+            <a:r>
+              <a:rPr lang="nb-NO" dirty="0" err="1"/>
+              <a:t>performed</a:t>
+            </a:r>
+            <a:r>
+              <a:rPr lang="nb-NO" dirty="0"/>
+              <a:t> </a:t>
+            </a:r>
+            <a:r>
+              <a:rPr lang="nb-NO" dirty="0" err="1"/>
+              <a:t>better</a:t>
+            </a:r>
+            <a:r>
+              <a:rPr lang="nb-NO" dirty="0"/>
+              <a:t>; </a:t>
+            </a:r>
+            <a:r>
+              <a:rPr lang="nb-NO" dirty="0" err="1"/>
+              <a:t>Probably</a:t>
+            </a:r>
+            <a:r>
+              <a:rPr lang="nb-NO" dirty="0"/>
+              <a:t> 	</a:t>
+            </a:r>
+            <a:r>
+              <a:rPr lang="nb-NO" dirty="0" err="1"/>
+              <a:t>because</a:t>
+            </a:r>
+            <a:r>
+              <a:rPr lang="nb-NO" dirty="0"/>
+              <a:t> </a:t>
+            </a:r>
+            <a:r>
+              <a:rPr lang="nb-NO" dirty="0" err="1"/>
+              <a:t>tf</a:t>
+            </a:r>
+            <a:r>
+              <a:rPr lang="nb-NO" dirty="0"/>
+              <a:t> ran </a:t>
+            </a:r>
+            <a:r>
+              <a:rPr lang="nb-NO" dirty="0" err="1"/>
+              <a:t>things</a:t>
+            </a:r>
+            <a:r>
+              <a:rPr lang="nb-NO" dirty="0"/>
+              <a:t> in </a:t>
+            </a:r>
+            <a:r>
+              <a:rPr lang="nb-NO" dirty="0" err="1"/>
+              <a:t>parallel</a:t>
+            </a:r>
+            <a:r>
+              <a:rPr lang="nb-NO" dirty="0"/>
+              <a:t> </a:t>
+            </a:r>
+            <a:r>
+              <a:rPr lang="nb-NO" dirty="0" err="1"/>
+              <a:t>on</a:t>
+            </a:r>
+            <a:r>
+              <a:rPr lang="nb-NO" dirty="0"/>
+              <a:t> </a:t>
+            </a:r>
+            <a:r>
+              <a:rPr lang="nb-NO" dirty="0" err="1"/>
+              <a:t>the</a:t>
+            </a:r>
+            <a:r>
+              <a:rPr lang="nb-NO" dirty="0"/>
+              <a:t> laptop </a:t>
+            </a:r>
+            <a:r>
+              <a:rPr lang="nb-NO" dirty="0" err="1"/>
+              <a:t>graphics</a:t>
+            </a:r>
+            <a:r>
+              <a:rPr lang="nb-NO" dirty="0"/>
+              <a:t> </a:t>
+            </a:r>
+            <a:r>
+              <a:rPr lang="nb-NO" dirty="0" err="1"/>
+              <a:t>processor</a:t>
+            </a:r>
+            <a:r>
+              <a:rPr lang="nb-NO" dirty="0"/>
+              <a:t> (</a:t>
+            </a:r>
+            <a:r>
+              <a:rPr lang="nb-NO" dirty="0" err="1"/>
+              <a:t>much</a:t>
+            </a:r>
+            <a:r>
+              <a:rPr lang="nb-NO" dirty="0"/>
+              <a:t> </a:t>
+            </a:r>
+            <a:r>
+              <a:rPr lang="nb-NO" dirty="0" err="1"/>
+              <a:t>better</a:t>
+            </a:r>
+            <a:r>
+              <a:rPr lang="nb-NO" dirty="0"/>
+              <a:t> </a:t>
+            </a:r>
+            <a:r>
+              <a:rPr lang="nb-NO" dirty="0" err="1"/>
+              <a:t>parallel</a:t>
+            </a:r>
+            <a:r>
+              <a:rPr lang="nb-NO" dirty="0"/>
+              <a:t> 	</a:t>
+            </a:r>
+            <a:r>
+              <a:rPr lang="nb-NO" dirty="0" err="1"/>
+              <a:t>compute</a:t>
+            </a:r>
+            <a:r>
+              <a:rPr lang="nb-NO" dirty="0"/>
+              <a:t>)</a:t>
+            </a:r>
+            <a:endParaRPr lang="nb-NO" b="1" dirty="0"/>
+          </a:p>
+          <a:p>
+            <a:endParaRPr lang="en-GB" dirty="0"/>
+          </a:p>
+        </p:txBody>
+      </p:sp>
+    </p:spTree>
+    <p:extLst>
+      <p:ext uri="{BB962C8B-B14F-4D97-AF65-F5344CB8AC3E}">
+        <p14:creationId xmlns:p14="http://schemas.microsoft.com/office/powerpoint/2010/main" val="2749952209"/>
+      </p:ext>
+    </p:extLst>
+  </p:cSld>
+  <p:clrMapOvr>
+    <a:masterClrMapping/>
+  </p:clrMapOvr>
+</p:sld>
+</file>
+
+<file path=ppt/slides/slide5.xml><?xml version="1.0" encoding="utf-8"?>
+<p:sld xmlns:a="http://schemas.openxmlformats.org/drawingml/2006/main" xmlns:r="http://schemas.openxmlformats.org/officeDocument/2006/relationships" xmlns:p="http://schemas.openxmlformats.org/presentationml/2006/main">
+  <p:cSld>
+    <p:spTree>
+      <p:nvGrpSpPr>
+        <p:cNvPr id="1" name=""/>
+        <p:cNvGrpSpPr/>
+        <p:nvPr/>
+      </p:nvGrpSpPr>
+      <p:grpSpPr>
+        <a:xfrm>
+          <a:off x="0" y="0"/>
+          <a:ext cx="0" cy="0"/>
+          <a:chOff x="0" y="0"/>
+          <a:chExt cx="0" cy="0"/>
+        </a:xfrm>
+      </p:grpSpPr>
+      <p:sp>
+        <p:nvSpPr>
+          <p:cNvPr id="2" name="Title 1">
+            <a:extLst>
+              <a:ext uri="{FF2B5EF4-FFF2-40B4-BE49-F238E27FC236}">
                 <a16:creationId xmlns:a16="http://schemas.microsoft.com/office/drawing/2014/main" id="{0101512F-ECF0-4CDC-8C8D-1FE82858E1A7}"/>
               </a:ext>
             </a:extLst>
@@ -4831,7 +5247,7 @@
 </p:sld>
 </file>
 
-<file path=ppt/slides/slide5.xml><?xml version="1.0" encoding="utf-8"?>
+<file path=ppt/slides/slide6.xml><?xml version="1.0" encoding="utf-8"?>
 <p:sld xmlns:a="http://schemas.openxmlformats.org/drawingml/2006/main" xmlns:r="http://schemas.openxmlformats.org/officeDocument/2006/relationships" xmlns:p="http://schemas.openxmlformats.org/presentationml/2006/main">
   <p:cSld>
     <p:bg>
@@ -5419,7 +5835,7 @@
 </p:sld>
 </file>
 
-<file path=ppt/slides/slide6.xml><?xml version="1.0" encoding="utf-8"?>
+<file path=ppt/slides/slide7.xml><?xml version="1.0" encoding="utf-8"?>
 <p:sld xmlns:a="http://schemas.openxmlformats.org/drawingml/2006/main" xmlns:r="http://schemas.openxmlformats.org/officeDocument/2006/relationships" xmlns:p="http://schemas.openxmlformats.org/presentationml/2006/main">
   <p:cSld>
     <p:spTree>
@@ -5512,6 +5928,35 @@
               <a:rPr lang="nb-NO" sz="1800" dirty="0"/>
               <a:t> for Conv2D</a:t>
             </a:r>
+          </a:p>
+          <a:p>
+            <a:r>
+              <a:rPr lang="nb-NO" sz="1800" dirty="0"/>
+              <a:t>	</a:t>
+            </a:r>
+            <a:r>
+              <a:rPr lang="nb-NO" sz="1800" dirty="0" err="1"/>
+              <a:t>Discussion</a:t>
+            </a:r>
+            <a:r>
+              <a:rPr lang="nb-NO" sz="1800" dirty="0"/>
+              <a:t> </a:t>
+            </a:r>
+            <a:r>
+              <a:rPr lang="nb-NO" sz="1800" dirty="0" err="1"/>
+              <a:t>around</a:t>
+            </a:r>
+            <a:r>
+              <a:rPr lang="nb-NO" sz="1800" dirty="0"/>
+              <a:t> </a:t>
+            </a:r>
+            <a:r>
+              <a:rPr lang="nb-NO" sz="1800" dirty="0" err="1"/>
+              <a:t>this</a:t>
+            </a:r>
+            <a:endParaRPr lang="nb-NO" sz="1800" dirty="0"/>
+          </a:p>
+          <a:p>
             <a:endParaRPr lang="en-GB" sz="1800" dirty="0"/>
           </a:p>
         </p:txBody>

--- a/Meeting Presentations/06.10.2022_General_meeting.pptx
+++ b/Meeting Presentations/06.10.2022_General_meeting.pptx
@@ -11,7 +11,9 @@
     <p:sldId id="262" r:id="rId5"/>
     <p:sldId id="259" r:id="rId6"/>
     <p:sldId id="261" r:id="rId7"/>
-    <p:sldId id="260" r:id="rId8"/>
+    <p:sldId id="263" r:id="rId8"/>
+    <p:sldId id="264" r:id="rId9"/>
+    <p:sldId id="260" r:id="rId10"/>
   </p:sldIdLst>
   <p:sldSz cx="12192000" cy="6858000"/>
   <p:notesSz cx="6858000" cy="9144000"/>
@@ -274,7 +276,7 @@
           <a:p>
             <a:fld id="{5E7AA473-D82F-4EFF-9DF7-AE6D83C51288}" type="datetime1">
               <a:rPr lang="en-US" smtClean="0"/>
-              <a:t>9/28/2022</a:t>
+              <a:t>9/29/2022</a:t>
             </a:fld>
             <a:endParaRPr lang="en-US"/>
           </a:p>
@@ -528,7 +530,7 @@
           <a:p>
             <a:fld id="{1E12F1F0-FE2D-4C1C-B320-8CB9BE735F0F}" type="datetime1">
               <a:rPr lang="en-US" smtClean="0"/>
-              <a:t>9/28/2022</a:t>
+              <a:t>9/29/2022</a:t>
             </a:fld>
             <a:endParaRPr lang="en-US"/>
           </a:p>
@@ -796,7 +798,7 @@
           <a:p>
             <a:fld id="{2CF1B96C-10FD-4EBC-9029-9652B7535D02}" type="datetime1">
               <a:rPr lang="en-US" smtClean="0"/>
-              <a:t>9/28/2022</a:t>
+              <a:t>9/29/2022</a:t>
             </a:fld>
             <a:endParaRPr lang="en-US"/>
           </a:p>
@@ -1050,7 +1052,7 @@
           <a:p>
             <a:fld id="{14878474-CC00-4A95-9D50-A41C12D1EEC4}" type="datetime1">
               <a:rPr lang="en-US" smtClean="0"/>
-              <a:t>9/28/2022</a:t>
+              <a:t>9/29/2022</a:t>
             </a:fld>
             <a:endParaRPr lang="en-US"/>
           </a:p>
@@ -1328,7 +1330,7 @@
           <a:p>
             <a:fld id="{7F38C8B4-7FBB-408F-BDB9-F0496874AFB2}" type="datetime1">
               <a:rPr lang="en-US" smtClean="0"/>
-              <a:t>9/28/2022</a:t>
+              <a:t>9/29/2022</a:t>
             </a:fld>
             <a:endParaRPr lang="en-US"/>
           </a:p>
@@ -1600,7 +1602,7 @@
           <a:p>
             <a:fld id="{2BB8EE20-A5E2-47D3-8F6D-A2BA7AB2E093}" type="datetime1">
               <a:rPr lang="en-US" smtClean="0"/>
-              <a:t>9/28/2022</a:t>
+              <a:t>9/29/2022</a:t>
             </a:fld>
             <a:endParaRPr lang="en-US"/>
           </a:p>
@@ -2158,7 +2160,7 @@
           <a:p>
             <a:fld id="{3382CF99-132F-413F-B7EF-71A5C33F2ED6}" type="datetime1">
               <a:rPr lang="en-US" smtClean="0"/>
-              <a:t>9/28/2022</a:t>
+              <a:t>9/29/2022</a:t>
             </a:fld>
             <a:endParaRPr lang="en-US"/>
           </a:p>
@@ -2300,7 +2302,7 @@
           <a:p>
             <a:fld id="{1F17AE06-98E0-4D9F-A059-92C3548821BB}" type="datetime1">
               <a:rPr lang="en-US" smtClean="0"/>
-              <a:t>9/28/2022</a:t>
+              <a:t>9/29/2022</a:t>
             </a:fld>
             <a:endParaRPr lang="en-US"/>
           </a:p>
@@ -2413,7 +2415,7 @@
           <a:p>
             <a:fld id="{FFBA00CA-3DDC-4705-B840-978EF5EA0707}" type="datetime1">
               <a:rPr lang="en-US" smtClean="0"/>
-              <a:t>9/28/2022</a:t>
+              <a:t>9/29/2022</a:t>
             </a:fld>
             <a:endParaRPr lang="en-US"/>
           </a:p>
@@ -2732,7 +2734,7 @@
           <a:p>
             <a:fld id="{FC366D49-0BBA-4C5A-AD96-6448CA63451A}" type="datetime1">
               <a:rPr lang="en-US" smtClean="0"/>
-              <a:t>9/28/2022</a:t>
+              <a:t>9/29/2022</a:t>
             </a:fld>
             <a:endParaRPr lang="en-US"/>
           </a:p>
@@ -3029,7 +3031,7 @@
           <a:p>
             <a:fld id="{4F4EB293-A316-472D-A8B4-6947CF1A12B7}" type="datetime1">
               <a:rPr lang="en-US" smtClean="0"/>
-              <a:t>9/28/2022</a:t>
+              <a:t>9/29/2022</a:t>
             </a:fld>
             <a:endParaRPr lang="en-US"/>
           </a:p>
@@ -3308,7 +3310,7 @@
           <a:p>
             <a:fld id="{734BCCD4-CEB1-405B-A443-DD9CBCBEA552}" type="datetime1">
               <a:rPr lang="en-US" smtClean="0"/>
-              <a:t>9/28/2022</a:t>
+              <a:t>9/29/2022</a:t>
             </a:fld>
             <a:endParaRPr lang="en-US"/>
           </a:p>
@@ -4487,7 +4489,183 @@
           <a:p>
             <a:r>
               <a:rPr lang="nb-NO" dirty="0"/>
-              <a:t>[fra </a:t>
+              <a:t>I </a:t>
+            </a:r>
+            <a:r>
+              <a:rPr lang="nb-NO" dirty="0" err="1"/>
+              <a:t>changed</a:t>
+            </a:r>
+            <a:r>
+              <a:rPr lang="nb-NO" dirty="0"/>
+              <a:t> from </a:t>
+            </a:r>
+            <a:r>
+              <a:rPr lang="nb-NO" dirty="0" err="1"/>
+              <a:t>using</a:t>
+            </a:r>
+            <a:r>
+              <a:rPr lang="nb-NO" dirty="0"/>
+              <a:t> </a:t>
+            </a:r>
+            <a:r>
+              <a:rPr lang="nb-NO" dirty="0" err="1"/>
+              <a:t>Otokens</a:t>
+            </a:r>
+            <a:r>
+              <a:rPr lang="nb-NO" dirty="0"/>
+              <a:t> to </a:t>
+            </a:r>
+            <a:r>
+              <a:rPr lang="nb-NO" dirty="0" err="1"/>
+              <a:t>having</a:t>
+            </a:r>
+            <a:r>
+              <a:rPr lang="nb-NO" dirty="0"/>
+              <a:t> a SSL </a:t>
+            </a:r>
+            <a:r>
+              <a:rPr lang="nb-NO" dirty="0" err="1"/>
+              <a:t>based</a:t>
+            </a:r>
+            <a:r>
+              <a:rPr lang="nb-NO" dirty="0"/>
+              <a:t> </a:t>
+            </a:r>
+            <a:r>
+              <a:rPr lang="nb-NO" dirty="0" err="1"/>
+              <a:t>git</a:t>
+            </a:r>
+            <a:r>
+              <a:rPr lang="nb-NO" dirty="0"/>
+              <a:t> </a:t>
+            </a:r>
+            <a:r>
+              <a:rPr lang="nb-NO" dirty="0" err="1"/>
+              <a:t>connection</a:t>
+            </a:r>
+            <a:r>
+              <a:rPr lang="nb-NO" dirty="0"/>
+              <a:t>. If </a:t>
+            </a:r>
+            <a:r>
+              <a:rPr lang="nb-NO" dirty="0" err="1"/>
+              <a:t>you</a:t>
+            </a:r>
+            <a:r>
+              <a:rPr lang="nb-NO" dirty="0"/>
+              <a:t> </a:t>
+            </a:r>
+            <a:r>
+              <a:rPr lang="nb-NO" dirty="0" err="1"/>
+              <a:t>are</a:t>
+            </a:r>
+            <a:r>
+              <a:rPr lang="nb-NO" dirty="0"/>
+              <a:t> </a:t>
+            </a:r>
+            <a:r>
+              <a:rPr lang="nb-NO" dirty="0" err="1"/>
+              <a:t>added</a:t>
+            </a:r>
+            <a:r>
+              <a:rPr lang="nb-NO" dirty="0"/>
+              <a:t> as a </a:t>
+            </a:r>
+            <a:r>
+              <a:rPr lang="nb-NO" dirty="0" err="1"/>
+              <a:t>contributor</a:t>
+            </a:r>
+            <a:r>
+              <a:rPr lang="nb-NO" dirty="0"/>
+              <a:t>, </a:t>
+            </a:r>
+            <a:r>
+              <a:rPr lang="nb-NO" dirty="0" err="1"/>
+              <a:t>you</a:t>
+            </a:r>
+            <a:r>
+              <a:rPr lang="nb-NO" dirty="0"/>
+              <a:t> </a:t>
+            </a:r>
+            <a:r>
+              <a:rPr lang="nb-NO" dirty="0" err="1"/>
+              <a:t>should</a:t>
+            </a:r>
+            <a:r>
+              <a:rPr lang="nb-NO" dirty="0"/>
+              <a:t> </a:t>
+            </a:r>
+            <a:r>
+              <a:rPr lang="nb-NO" dirty="0" err="1"/>
+              <a:t>add</a:t>
+            </a:r>
+            <a:r>
+              <a:rPr lang="nb-NO" dirty="0"/>
+              <a:t> a SSL </a:t>
+            </a:r>
+            <a:r>
+              <a:rPr lang="nb-NO" dirty="0" err="1"/>
+              <a:t>key</a:t>
+            </a:r>
+            <a:r>
+              <a:rPr lang="nb-NO" dirty="0"/>
+              <a:t> to </a:t>
+            </a:r>
+            <a:r>
+              <a:rPr lang="nb-NO" dirty="0" err="1"/>
+              <a:t>your</a:t>
+            </a:r>
+            <a:r>
+              <a:rPr lang="nb-NO" dirty="0"/>
+              <a:t> </a:t>
+            </a:r>
+            <a:r>
+              <a:rPr lang="nb-NO" dirty="0" err="1"/>
+              <a:t>github</a:t>
+            </a:r>
+            <a:r>
+              <a:rPr lang="nb-NO" dirty="0"/>
+              <a:t> </a:t>
+            </a:r>
+            <a:r>
+              <a:rPr lang="nb-NO" dirty="0" err="1"/>
+              <a:t>account</a:t>
+            </a:r>
+            <a:r>
+              <a:rPr lang="nb-NO" dirty="0"/>
+              <a:t> </a:t>
+            </a:r>
+            <a:r>
+              <a:rPr lang="nb-NO" dirty="0" err="1"/>
+              <a:t>if</a:t>
+            </a:r>
+            <a:r>
+              <a:rPr lang="nb-NO" dirty="0"/>
+              <a:t> </a:t>
+            </a:r>
+            <a:r>
+              <a:rPr lang="nb-NO" dirty="0" err="1"/>
+              <a:t>you</a:t>
+            </a:r>
+            <a:r>
+              <a:rPr lang="nb-NO" dirty="0"/>
+              <a:t> </a:t>
+            </a:r>
+            <a:r>
+              <a:rPr lang="nb-NO" dirty="0" err="1"/>
+              <a:t>want</a:t>
+            </a:r>
+            <a:r>
+              <a:rPr lang="nb-NO" dirty="0"/>
+              <a:t> to </a:t>
+            </a:r>
+            <a:r>
+              <a:rPr lang="nb-NO" dirty="0" err="1"/>
+              <a:t>clone</a:t>
+            </a:r>
+            <a:r>
+              <a:rPr lang="nb-NO" dirty="0"/>
+              <a:t> </a:t>
             </a:r>
             <a:r>
               <a:rPr lang="nb-NO" dirty="0" err="1"/>
@@ -4499,153 +4677,12 @@
             </a:r>
             <a:r>
               <a:rPr lang="nb-NO" dirty="0" err="1"/>
-              <a:t>git</a:t>
-            </a:r>
-            <a:r>
-              <a:rPr lang="nb-NO" dirty="0"/>
-              <a:t> </a:t>
-            </a:r>
-            <a:r>
-              <a:rPr lang="nb-NO" dirty="0" err="1"/>
-              <a:t>env</a:t>
-            </a:r>
-            <a:r>
-              <a:rPr lang="nb-NO" dirty="0"/>
-              <a:t> på </a:t>
-            </a:r>
-            <a:r>
-              <a:rPr lang="nb-NO" dirty="0" err="1"/>
-              <a:t>paden</a:t>
-            </a:r>
-            <a:r>
-              <a:rPr lang="nb-NO" dirty="0"/>
-              <a:t>]</a:t>
-            </a:r>
-          </a:p>
-          <a:p>
-            <a:r>
-              <a:rPr lang="nb-NO" dirty="0"/>
-              <a:t>Code for </a:t>
-            </a:r>
-            <a:r>
-              <a:rPr lang="nb-NO" dirty="0" err="1"/>
-              <a:t>accessing</a:t>
-            </a:r>
-            <a:r>
-              <a:rPr lang="nb-NO" dirty="0"/>
-              <a:t> </a:t>
-            </a:r>
-            <a:r>
-              <a:rPr lang="nb-NO" dirty="0" err="1"/>
-              <a:t>the</a:t>
-            </a:r>
-            <a:r>
-              <a:rPr lang="nb-NO" dirty="0"/>
-              <a:t> </a:t>
-            </a:r>
-            <a:r>
-              <a:rPr lang="nb-NO" dirty="0" err="1"/>
-              <a:t>repo</a:t>
-            </a:r>
-            <a:r>
-              <a:rPr lang="nb-NO" dirty="0"/>
-              <a:t> </a:t>
-            </a:r>
-            <a:r>
-              <a:rPr lang="nb-NO" dirty="0" err="1"/>
-              <a:t>will</a:t>
-            </a:r>
-            <a:r>
-              <a:rPr lang="nb-NO" dirty="0"/>
-              <a:t> be in </a:t>
-            </a:r>
-            <a:r>
-              <a:rPr lang="nb-NO" dirty="0" err="1"/>
-              <a:t>the</a:t>
-            </a:r>
-            <a:r>
-              <a:rPr lang="nb-NO" dirty="0"/>
-              <a:t> </a:t>
-            </a:r>
-            <a:r>
-              <a:rPr lang="nb-NO" dirty="0" err="1"/>
-              <a:t>endnote</a:t>
-            </a:r>
-            <a:r>
-              <a:rPr lang="nb-NO" dirty="0"/>
-              <a:t> </a:t>
-            </a:r>
-            <a:r>
-              <a:rPr lang="nb-NO" dirty="0" err="1"/>
-              <a:t>on</a:t>
-            </a:r>
-            <a:r>
-              <a:rPr lang="nb-NO" dirty="0"/>
-              <a:t> teams</a:t>
-            </a:r>
-          </a:p>
-          <a:p>
-            <a:r>
-              <a:rPr lang="nb-NO" dirty="0" err="1"/>
-              <a:t>You</a:t>
-            </a:r>
-            <a:r>
-              <a:rPr lang="nb-NO" dirty="0"/>
-              <a:t> </a:t>
-            </a:r>
-            <a:r>
-              <a:rPr lang="nb-NO" dirty="0" err="1"/>
-              <a:t>will</a:t>
-            </a:r>
-            <a:r>
-              <a:rPr lang="nb-NO" dirty="0"/>
-              <a:t> </a:t>
-            </a:r>
-            <a:r>
-              <a:rPr lang="nb-NO" dirty="0" err="1"/>
-              <a:t>need</a:t>
-            </a:r>
-            <a:r>
-              <a:rPr lang="nb-NO" dirty="0"/>
-              <a:t> </a:t>
-            </a:r>
-            <a:r>
-              <a:rPr lang="nb-NO" dirty="0" err="1"/>
-              <a:t>this</a:t>
-            </a:r>
-            <a:r>
-              <a:rPr lang="nb-NO" dirty="0"/>
-              <a:t> </a:t>
-            </a:r>
-            <a:r>
-              <a:rPr lang="nb-NO" dirty="0" err="1"/>
-              <a:t>code</a:t>
-            </a:r>
-            <a:r>
-              <a:rPr lang="nb-NO" dirty="0"/>
-              <a:t> to </a:t>
-            </a:r>
-            <a:r>
-              <a:rPr lang="nb-NO" dirty="0" err="1"/>
-              <a:t>set</a:t>
-            </a:r>
-            <a:r>
-              <a:rPr lang="nb-NO" dirty="0"/>
-              <a:t> up </a:t>
-            </a:r>
-            <a:r>
-              <a:rPr lang="nb-NO" dirty="0" err="1"/>
-              <a:t>the</a:t>
-            </a:r>
-            <a:r>
-              <a:rPr lang="nb-NO" dirty="0"/>
-              <a:t> </a:t>
-            </a:r>
-            <a:r>
-              <a:rPr lang="nb-NO" dirty="0" err="1"/>
-              <a:t>repo</a:t>
-            </a:r>
-            <a:endParaRPr lang="nb-NO" dirty="0"/>
+              <a:t>repository</a:t>
+            </a:r>
+            <a:r>
+              <a:rPr lang="nb-NO" dirty="0"/>
+              <a:t>. </a:t>
+            </a:r>
           </a:p>
         </p:txBody>
       </p:sp>
@@ -5836,6 +5873,723 @@
 </file>
 
 <file path=ppt/slides/slide7.xml><?xml version="1.0" encoding="utf-8"?>
+<p:sld xmlns:a="http://schemas.openxmlformats.org/drawingml/2006/main" xmlns:r="http://schemas.openxmlformats.org/officeDocument/2006/relationships" xmlns:p="http://schemas.openxmlformats.org/presentationml/2006/main">
+  <p:cSld>
+    <p:spTree>
+      <p:nvGrpSpPr>
+        <p:cNvPr id="1" name=""/>
+        <p:cNvGrpSpPr/>
+        <p:nvPr/>
+      </p:nvGrpSpPr>
+      <p:grpSpPr>
+        <a:xfrm>
+          <a:off x="0" y="0"/>
+          <a:ext cx="0" cy="0"/>
+          <a:chOff x="0" y="0"/>
+          <a:chExt cx="0" cy="0"/>
+        </a:xfrm>
+      </p:grpSpPr>
+      <p:sp>
+        <p:nvSpPr>
+          <p:cNvPr id="2" name="Title 1">
+            <a:extLst>
+              <a:ext uri="{FF2B5EF4-FFF2-40B4-BE49-F238E27FC236}">
+                <a16:creationId xmlns:a16="http://schemas.microsoft.com/office/drawing/2014/main" id="{030C621C-11EB-47E3-B807-A1498B6AE8FA}"/>
+              </a:ext>
+            </a:extLst>
+          </p:cNvPr>
+          <p:cNvSpPr>
+            <a:spLocks noGrp="1"/>
+          </p:cNvSpPr>
+          <p:nvPr>
+            <p:ph type="title"/>
+          </p:nvPr>
+        </p:nvSpPr>
+        <p:spPr>
+          <a:xfrm>
+            <a:off x="517870" y="978409"/>
+            <a:ext cx="5021182" cy="1018342"/>
+          </a:xfrm>
+        </p:spPr>
+        <p:txBody>
+          <a:bodyPr/>
+          <a:lstStyle/>
+          <a:p>
+            <a:r>
+              <a:rPr lang="nb-NO" dirty="0"/>
+              <a:t>Initial </a:t>
+            </a:r>
+            <a:r>
+              <a:rPr lang="nb-NO" dirty="0" err="1"/>
+              <a:t>results</a:t>
+            </a:r>
+            <a:endParaRPr lang="en-GB" dirty="0"/>
+          </a:p>
+        </p:txBody>
+      </p:sp>
+      <p:pic>
+        <p:nvPicPr>
+          <p:cNvPr id="5" name="Content Placeholder 4" descr="Background pattern&#10;&#10;Description automatically generated">
+            <a:extLst>
+              <a:ext uri="{FF2B5EF4-FFF2-40B4-BE49-F238E27FC236}">
+                <a16:creationId xmlns:a16="http://schemas.microsoft.com/office/drawing/2014/main" id="{3DC83484-0FF0-457E-BE7B-B68E74EA5741}"/>
+              </a:ext>
+            </a:extLst>
+          </p:cNvPr>
+          <p:cNvPicPr>
+            <a:picLocks noGrp="1" noChangeAspect="1"/>
+          </p:cNvPicPr>
+          <p:nvPr>
+            <p:ph idx="1"/>
+          </p:nvPr>
+        </p:nvPicPr>
+        <p:blipFill>
+          <a:blip r:embed="rId2">
+            <a:extLst>
+              <a:ext uri="{28A0092B-C50C-407E-A947-70E740481C1C}">
+                <a14:useLocalDpi xmlns:a14="http://schemas.microsoft.com/office/drawing/2010/main" val="0"/>
+              </a:ext>
+            </a:extLst>
+          </a:blip>
+          <a:stretch>
+            <a:fillRect/>
+          </a:stretch>
+        </p:blipFill>
+        <p:spPr>
+          <a:xfrm>
+            <a:off x="6453675" y="512624"/>
+            <a:ext cx="3787548" cy="2843504"/>
+          </a:xfrm>
+        </p:spPr>
+      </p:pic>
+      <p:pic>
+        <p:nvPicPr>
+          <p:cNvPr id="7" name="Picture 6" descr="A picture containing blue, crowd&#10;&#10;Description automatically generated">
+            <a:extLst>
+              <a:ext uri="{FF2B5EF4-FFF2-40B4-BE49-F238E27FC236}">
+                <a16:creationId xmlns:a16="http://schemas.microsoft.com/office/drawing/2014/main" id="{81D93269-967D-4DCF-ACAB-5920272F14FC}"/>
+              </a:ext>
+            </a:extLst>
+          </p:cNvPr>
+          <p:cNvPicPr>
+            <a:picLocks noChangeAspect="1"/>
+          </p:cNvPicPr>
+          <p:nvPr/>
+        </p:nvPicPr>
+        <p:blipFill>
+          <a:blip r:embed="rId3">
+            <a:extLst>
+              <a:ext uri="{28A0092B-C50C-407E-A947-70E740481C1C}">
+                <a14:useLocalDpi xmlns:a14="http://schemas.microsoft.com/office/drawing/2010/main" val="0"/>
+              </a:ext>
+            </a:extLst>
+          </a:blip>
+          <a:stretch>
+            <a:fillRect/>
+          </a:stretch>
+        </p:blipFill>
+        <p:spPr>
+          <a:xfrm>
+            <a:off x="6453675" y="3601226"/>
+            <a:ext cx="3787548" cy="2843505"/>
+          </a:xfrm>
+          <a:prstGeom prst="rect">
+            <a:avLst/>
+          </a:prstGeom>
+        </p:spPr>
+      </p:pic>
+      <p:sp>
+        <p:nvSpPr>
+          <p:cNvPr id="8" name="TextBox 7">
+            <a:extLst>
+              <a:ext uri="{FF2B5EF4-FFF2-40B4-BE49-F238E27FC236}">
+                <a16:creationId xmlns:a16="http://schemas.microsoft.com/office/drawing/2014/main" id="{222BD9E7-1A30-422B-936B-7FA8F5A364F1}"/>
+              </a:ext>
+            </a:extLst>
+          </p:cNvPr>
+          <p:cNvSpPr txBox="1"/>
+          <p:nvPr/>
+        </p:nvSpPr>
+        <p:spPr>
+          <a:xfrm>
+            <a:off x="517869" y="2233655"/>
+            <a:ext cx="5220457" cy="3970318"/>
+          </a:xfrm>
+          <a:prstGeom prst="rect">
+            <a:avLst/>
+          </a:prstGeom>
+          <a:noFill/>
+        </p:spPr>
+        <p:txBody>
+          <a:bodyPr wrap="square" rtlCol="0">
+            <a:spAutoFit/>
+          </a:bodyPr>
+          <a:lstStyle/>
+          <a:p>
+            <a:r>
+              <a:rPr lang="nb-NO" dirty="0"/>
+              <a:t>Testing </a:t>
+            </a:r>
+            <a:r>
+              <a:rPr lang="nb-NO" dirty="0" err="1"/>
+              <a:t>out</a:t>
+            </a:r>
+            <a:r>
+              <a:rPr lang="nb-NO" dirty="0"/>
+              <a:t> </a:t>
+            </a:r>
+            <a:r>
+              <a:rPr lang="nb-NO" dirty="0" err="1"/>
+              <a:t>reconstructing</a:t>
+            </a:r>
+            <a:r>
+              <a:rPr lang="nb-NO" dirty="0"/>
+              <a:t> </a:t>
+            </a:r>
+            <a:r>
+              <a:rPr lang="nb-NO" dirty="0" err="1"/>
+              <a:t>the</a:t>
+            </a:r>
+            <a:r>
+              <a:rPr lang="nb-NO" dirty="0"/>
+              <a:t> </a:t>
+            </a:r>
+            <a:r>
+              <a:rPr lang="nb-NO" dirty="0" err="1"/>
+              <a:t>seismic</a:t>
+            </a:r>
+            <a:r>
+              <a:rPr lang="nb-NO" dirty="0"/>
+              <a:t> data </a:t>
+            </a:r>
+            <a:r>
+              <a:rPr lang="nb-NO" dirty="0" err="1"/>
+              <a:t>with</a:t>
+            </a:r>
+            <a:r>
+              <a:rPr lang="nb-NO" dirty="0"/>
+              <a:t> 1D TCN</a:t>
+            </a:r>
+          </a:p>
+          <a:p>
+            <a:r>
+              <a:rPr lang="nb-NO" dirty="0"/>
+              <a:t>Model </a:t>
+            </a:r>
+            <a:r>
+              <a:rPr lang="nb-NO" dirty="0" err="1"/>
+              <a:t>converges</a:t>
+            </a:r>
+            <a:r>
+              <a:rPr lang="nb-NO" dirty="0"/>
+              <a:t> to </a:t>
+            </a:r>
+            <a:r>
+              <a:rPr lang="nb-NO" dirty="0" err="1"/>
+              <a:t>some</a:t>
+            </a:r>
+            <a:r>
+              <a:rPr lang="nb-NO" dirty="0"/>
+              <a:t> sort </a:t>
+            </a:r>
+            <a:r>
+              <a:rPr lang="nb-NO" dirty="0" err="1"/>
+              <a:t>of</a:t>
+            </a:r>
+            <a:r>
+              <a:rPr lang="nb-NO" dirty="0"/>
+              <a:t> </a:t>
+            </a:r>
+            <a:r>
+              <a:rPr lang="nb-NO" dirty="0" err="1"/>
+              <a:t>average</a:t>
+            </a:r>
+            <a:endParaRPr lang="nb-NO" dirty="0"/>
+          </a:p>
+          <a:p>
+            <a:endParaRPr lang="nb-NO" dirty="0"/>
+          </a:p>
+          <a:p>
+            <a:r>
+              <a:rPr lang="nb-NO" dirty="0"/>
+              <a:t>NB! </a:t>
+            </a:r>
+            <a:r>
+              <a:rPr lang="nb-NO" dirty="0" err="1"/>
+              <a:t>These</a:t>
+            </a:r>
+            <a:r>
+              <a:rPr lang="nb-NO" dirty="0"/>
+              <a:t> plots </a:t>
+            </a:r>
+            <a:r>
+              <a:rPr lang="nb-NO" dirty="0" err="1"/>
+              <a:t>are</a:t>
+            </a:r>
+            <a:r>
+              <a:rPr lang="nb-NO" dirty="0"/>
+              <a:t> not </a:t>
+            </a:r>
+            <a:r>
+              <a:rPr lang="nb-NO" dirty="0" err="1"/>
+              <a:t>normalized</a:t>
+            </a:r>
+            <a:endParaRPr lang="nb-NO" dirty="0"/>
+          </a:p>
+          <a:p>
+            <a:endParaRPr lang="nb-NO" dirty="0"/>
+          </a:p>
+          <a:p>
+            <a:r>
+              <a:rPr lang="nb-NO" dirty="0" err="1"/>
+              <a:t>Config</a:t>
+            </a:r>
+            <a:r>
+              <a:rPr lang="nb-NO" dirty="0"/>
+              <a:t>:</a:t>
+            </a:r>
+          </a:p>
+          <a:p>
+            <a:r>
+              <a:rPr lang="nb-NO" dirty="0" err="1"/>
+              <a:t>nb_filters</a:t>
+            </a:r>
+            <a:r>
+              <a:rPr lang="nb-NO" dirty="0"/>
+              <a:t> = 	64</a:t>
+            </a:r>
+          </a:p>
+          <a:p>
+            <a:r>
+              <a:rPr lang="nb-NO" dirty="0" err="1"/>
+              <a:t>Kernel</a:t>
+            </a:r>
+            <a:r>
+              <a:rPr lang="nb-NO" dirty="0"/>
+              <a:t> </a:t>
+            </a:r>
+            <a:r>
+              <a:rPr lang="nb-NO" dirty="0" err="1"/>
+              <a:t>size</a:t>
+            </a:r>
+            <a:r>
+              <a:rPr lang="nb-NO" dirty="0"/>
+              <a:t> = 	3 ( </a:t>
+            </a:r>
+            <a:r>
+              <a:rPr lang="nb-NO" dirty="0" err="1"/>
+              <a:t>which</a:t>
+            </a:r>
+            <a:r>
+              <a:rPr lang="nb-NO" dirty="0"/>
+              <a:t> </a:t>
+            </a:r>
+            <a:r>
+              <a:rPr lang="nb-NO" dirty="0" err="1"/>
+              <a:t>may</a:t>
+            </a:r>
+            <a:r>
+              <a:rPr lang="nb-NO" dirty="0"/>
+              <a:t> </a:t>
+            </a:r>
+            <a:r>
+              <a:rPr lang="nb-NO" dirty="0" err="1"/>
+              <a:t>explain</a:t>
+            </a:r>
+            <a:r>
+              <a:rPr lang="nb-NO" dirty="0"/>
+              <a:t> a lot)</a:t>
+            </a:r>
+          </a:p>
+          <a:p>
+            <a:r>
+              <a:rPr lang="nb-NO" dirty="0" err="1"/>
+              <a:t>Dilations</a:t>
+            </a:r>
+            <a:r>
+              <a:rPr lang="nb-NO" dirty="0"/>
+              <a:t> = 	[1, 2, 4, 8, 16]</a:t>
+            </a:r>
+          </a:p>
+          <a:p>
+            <a:r>
+              <a:rPr lang="nb-NO" dirty="0" err="1"/>
+              <a:t>batch_size</a:t>
+            </a:r>
+            <a:r>
+              <a:rPr lang="nb-NO" dirty="0"/>
+              <a:t> = 	20</a:t>
+            </a:r>
+          </a:p>
+          <a:p>
+            <a:r>
+              <a:rPr lang="nb-NO" dirty="0" err="1"/>
+              <a:t>Epochs</a:t>
+            </a:r>
+            <a:r>
+              <a:rPr lang="nb-NO" dirty="0"/>
+              <a:t> = 	10</a:t>
+            </a:r>
+          </a:p>
+          <a:p>
+            <a:endParaRPr lang="en-GB" dirty="0"/>
+          </a:p>
+          <a:p>
+            <a:r>
+              <a:rPr lang="en-GB" dirty="0"/>
+              <a:t>Loss approx. 3</a:t>
+            </a:r>
+          </a:p>
+        </p:txBody>
+      </p:sp>
+    </p:spTree>
+    <p:extLst>
+      <p:ext uri="{BB962C8B-B14F-4D97-AF65-F5344CB8AC3E}">
+        <p14:creationId xmlns:p14="http://schemas.microsoft.com/office/powerpoint/2010/main" val="2744942581"/>
+      </p:ext>
+    </p:extLst>
+  </p:cSld>
+  <p:clrMapOvr>
+    <a:masterClrMapping/>
+  </p:clrMapOvr>
+</p:sld>
+</file>
+
+<file path=ppt/slides/slide8.xml><?xml version="1.0" encoding="utf-8"?>
+<p:sld xmlns:a="http://schemas.openxmlformats.org/drawingml/2006/main" xmlns:r="http://schemas.openxmlformats.org/officeDocument/2006/relationships" xmlns:p="http://schemas.openxmlformats.org/presentationml/2006/main">
+  <p:cSld>
+    <p:spTree>
+      <p:nvGrpSpPr>
+        <p:cNvPr id="1" name=""/>
+        <p:cNvGrpSpPr/>
+        <p:nvPr/>
+      </p:nvGrpSpPr>
+      <p:grpSpPr>
+        <a:xfrm>
+          <a:off x="0" y="0"/>
+          <a:ext cx="0" cy="0"/>
+          <a:chOff x="0" y="0"/>
+          <a:chExt cx="0" cy="0"/>
+        </a:xfrm>
+      </p:grpSpPr>
+      <p:sp>
+        <p:nvSpPr>
+          <p:cNvPr id="2" name="Title 1">
+            <a:extLst>
+              <a:ext uri="{FF2B5EF4-FFF2-40B4-BE49-F238E27FC236}">
+                <a16:creationId xmlns:a16="http://schemas.microsoft.com/office/drawing/2014/main" id="{C9519876-F2DB-498A-895D-DC823225655D}"/>
+              </a:ext>
+            </a:extLst>
+          </p:cNvPr>
+          <p:cNvSpPr>
+            <a:spLocks noGrp="1"/>
+          </p:cNvSpPr>
+          <p:nvPr>
+            <p:ph type="title"/>
+          </p:nvPr>
+        </p:nvSpPr>
+        <p:spPr>
+          <a:xfrm>
+            <a:off x="517870" y="978409"/>
+            <a:ext cx="5021182" cy="1578180"/>
+          </a:xfrm>
+        </p:spPr>
+        <p:txBody>
+          <a:bodyPr/>
+          <a:lstStyle/>
+          <a:p>
+            <a:r>
+              <a:rPr lang="nb-NO" dirty="0"/>
+              <a:t>2nd </a:t>
+            </a:r>
+            <a:r>
+              <a:rPr lang="nb-NO" dirty="0" err="1"/>
+              <a:t>try</a:t>
+            </a:r>
+            <a:endParaRPr lang="en-GB" dirty="0"/>
+          </a:p>
+        </p:txBody>
+      </p:sp>
+      <p:pic>
+        <p:nvPicPr>
+          <p:cNvPr id="5" name="Content Placeholder 4" descr="A computer screen capture&#10;&#10;Description automatically generated with medium confidence">
+            <a:extLst>
+              <a:ext uri="{FF2B5EF4-FFF2-40B4-BE49-F238E27FC236}">
+                <a16:creationId xmlns:a16="http://schemas.microsoft.com/office/drawing/2014/main" id="{21E03888-DF5E-4193-9BDB-B79BCEFA01F1}"/>
+              </a:ext>
+            </a:extLst>
+          </p:cNvPr>
+          <p:cNvPicPr>
+            <a:picLocks noGrp="1" noChangeAspect="1"/>
+          </p:cNvPicPr>
+          <p:nvPr>
+            <p:ph idx="1"/>
+          </p:nvPr>
+        </p:nvPicPr>
+        <p:blipFill>
+          <a:blip r:embed="rId2">
+            <a:extLst>
+              <a:ext uri="{28A0092B-C50C-407E-A947-70E740481C1C}">
+                <a14:useLocalDpi xmlns:a14="http://schemas.microsoft.com/office/drawing/2010/main" val="0"/>
+              </a:ext>
+            </a:extLst>
+          </a:blip>
+          <a:stretch>
+            <a:fillRect/>
+          </a:stretch>
+        </p:blipFill>
+        <p:spPr>
+          <a:xfrm>
+            <a:off x="6494787" y="496192"/>
+            <a:ext cx="3728777" cy="2799382"/>
+          </a:xfrm>
+        </p:spPr>
+      </p:pic>
+      <p:pic>
+        <p:nvPicPr>
+          <p:cNvPr id="7" name="Picture 6" descr="A field of red flowers&#10;&#10;Description automatically generated with medium confidence">
+            <a:extLst>
+              <a:ext uri="{FF2B5EF4-FFF2-40B4-BE49-F238E27FC236}">
+                <a16:creationId xmlns:a16="http://schemas.microsoft.com/office/drawing/2014/main" id="{14625A65-1375-4462-894C-E356A01CC925}"/>
+              </a:ext>
+            </a:extLst>
+          </p:cNvPr>
+          <p:cNvPicPr>
+            <a:picLocks noChangeAspect="1"/>
+          </p:cNvPicPr>
+          <p:nvPr/>
+        </p:nvPicPr>
+        <p:blipFill>
+          <a:blip r:embed="rId3">
+            <a:extLst>
+              <a:ext uri="{28A0092B-C50C-407E-A947-70E740481C1C}">
+                <a14:useLocalDpi xmlns:a14="http://schemas.microsoft.com/office/drawing/2010/main" val="0"/>
+              </a:ext>
+            </a:extLst>
+          </a:blip>
+          <a:stretch>
+            <a:fillRect/>
+          </a:stretch>
+        </p:blipFill>
+        <p:spPr>
+          <a:xfrm>
+            <a:off x="6494789" y="3665064"/>
+            <a:ext cx="3728775" cy="2799381"/>
+          </a:xfrm>
+          <a:prstGeom prst="rect">
+            <a:avLst/>
+          </a:prstGeom>
+        </p:spPr>
+      </p:pic>
+      <p:sp>
+        <p:nvSpPr>
+          <p:cNvPr id="8" name="TextBox 7">
+            <a:extLst>
+              <a:ext uri="{FF2B5EF4-FFF2-40B4-BE49-F238E27FC236}">
+                <a16:creationId xmlns:a16="http://schemas.microsoft.com/office/drawing/2014/main" id="{EA9F4666-F997-4468-93E4-A3C378762A52}"/>
+              </a:ext>
+            </a:extLst>
+          </p:cNvPr>
+          <p:cNvSpPr txBox="1"/>
+          <p:nvPr/>
+        </p:nvSpPr>
+        <p:spPr>
+          <a:xfrm>
+            <a:off x="517870" y="2118050"/>
+            <a:ext cx="5179341" cy="3139321"/>
+          </a:xfrm>
+          <a:prstGeom prst="rect">
+            <a:avLst/>
+          </a:prstGeom>
+          <a:noFill/>
+        </p:spPr>
+        <p:txBody>
+          <a:bodyPr wrap="square" rtlCol="0">
+            <a:spAutoFit/>
+          </a:bodyPr>
+          <a:lstStyle/>
+          <a:p>
+            <a:r>
+              <a:rPr lang="nb-NO" dirty="0"/>
+              <a:t>This </a:t>
+            </a:r>
+            <a:r>
+              <a:rPr lang="nb-NO" dirty="0" err="1"/>
+              <a:t>one</a:t>
+            </a:r>
+            <a:r>
+              <a:rPr lang="nb-NO" dirty="0"/>
+              <a:t> </a:t>
+            </a:r>
+            <a:r>
+              <a:rPr lang="nb-NO" dirty="0" err="1"/>
+              <a:t>was</a:t>
+            </a:r>
+            <a:r>
+              <a:rPr lang="nb-NO" dirty="0"/>
+              <a:t> </a:t>
+            </a:r>
+            <a:r>
+              <a:rPr lang="nb-NO" dirty="0" err="1"/>
+              <a:t>able</a:t>
+            </a:r>
+            <a:r>
+              <a:rPr lang="nb-NO" dirty="0"/>
+              <a:t> to </a:t>
+            </a:r>
+            <a:r>
+              <a:rPr lang="nb-NO" dirty="0" err="1"/>
+              <a:t>capture</a:t>
+            </a:r>
+            <a:r>
+              <a:rPr lang="nb-NO" dirty="0"/>
+              <a:t> </a:t>
+            </a:r>
+            <a:r>
+              <a:rPr lang="nb-NO" dirty="0" err="1"/>
+              <a:t>the</a:t>
+            </a:r>
+            <a:r>
+              <a:rPr lang="nb-NO" dirty="0"/>
+              <a:t> </a:t>
+            </a:r>
+            <a:r>
+              <a:rPr lang="nb-NO" dirty="0" err="1"/>
+              <a:t>ocean</a:t>
+            </a:r>
+            <a:r>
+              <a:rPr lang="nb-NO" dirty="0"/>
+              <a:t> </a:t>
+            </a:r>
+            <a:r>
+              <a:rPr lang="nb-NO" dirty="0" err="1"/>
+              <a:t>bottom</a:t>
+            </a:r>
+            <a:r>
+              <a:rPr lang="nb-NO" dirty="0"/>
+              <a:t> </a:t>
+            </a:r>
+            <a:r>
+              <a:rPr lang="nb-NO" dirty="0" err="1"/>
+              <a:t>reflector</a:t>
+            </a:r>
+            <a:r>
+              <a:rPr lang="nb-NO" dirty="0"/>
+              <a:t> </a:t>
+            </a:r>
+            <a:r>
+              <a:rPr lang="nb-NO" dirty="0" err="1"/>
+              <a:t>pretty</a:t>
+            </a:r>
+            <a:r>
+              <a:rPr lang="nb-NO" dirty="0"/>
+              <a:t> </a:t>
+            </a:r>
+            <a:r>
+              <a:rPr lang="nb-NO" dirty="0" err="1"/>
+              <a:t>well</a:t>
+            </a:r>
+            <a:r>
+              <a:rPr lang="nb-NO" dirty="0"/>
+              <a:t>.</a:t>
+            </a:r>
+          </a:p>
+          <a:p>
+            <a:endParaRPr lang="nb-NO" dirty="0"/>
+          </a:p>
+          <a:p>
+            <a:r>
+              <a:rPr lang="nb-NO" dirty="0" err="1"/>
+              <a:t>Config</a:t>
+            </a:r>
+            <a:r>
+              <a:rPr lang="nb-NO" dirty="0"/>
+              <a:t>:</a:t>
+            </a:r>
+          </a:p>
+          <a:p>
+            <a:r>
+              <a:rPr lang="nb-NO" dirty="0" err="1"/>
+              <a:t>nb_filters</a:t>
+            </a:r>
+            <a:r>
+              <a:rPr lang="nb-NO" dirty="0"/>
+              <a:t> = 	64</a:t>
+            </a:r>
+          </a:p>
+          <a:p>
+            <a:r>
+              <a:rPr lang="nb-NO" dirty="0" err="1"/>
+              <a:t>Kernel</a:t>
+            </a:r>
+            <a:r>
+              <a:rPr lang="nb-NO" dirty="0"/>
+              <a:t> </a:t>
+            </a:r>
+            <a:r>
+              <a:rPr lang="nb-NO" dirty="0" err="1"/>
+              <a:t>size</a:t>
+            </a:r>
+            <a:r>
+              <a:rPr lang="nb-NO" dirty="0"/>
+              <a:t> = 	8 </a:t>
+            </a:r>
+          </a:p>
+          <a:p>
+            <a:r>
+              <a:rPr lang="nb-NO" dirty="0" err="1"/>
+              <a:t>Dilations</a:t>
+            </a:r>
+            <a:r>
+              <a:rPr lang="nb-NO" dirty="0"/>
+              <a:t> = 	[1, 2, 4, 8, 16, 32]</a:t>
+            </a:r>
+          </a:p>
+          <a:p>
+            <a:r>
+              <a:rPr lang="nb-NO" dirty="0" err="1"/>
+              <a:t>batch_size</a:t>
+            </a:r>
+            <a:r>
+              <a:rPr lang="nb-NO" dirty="0"/>
+              <a:t> = 	20</a:t>
+            </a:r>
+          </a:p>
+          <a:p>
+            <a:r>
+              <a:rPr lang="nb-NO" dirty="0" err="1"/>
+              <a:t>Epochs</a:t>
+            </a:r>
+            <a:r>
+              <a:rPr lang="nb-NO" dirty="0"/>
+              <a:t> = 	10</a:t>
+            </a:r>
+          </a:p>
+          <a:p>
+            <a:endParaRPr lang="en-GB" dirty="0"/>
+          </a:p>
+          <a:p>
+            <a:r>
+              <a:rPr lang="en-GB" dirty="0"/>
+              <a:t>Loss = 1.28</a:t>
+            </a:r>
+          </a:p>
+        </p:txBody>
+      </p:sp>
+    </p:spTree>
+    <p:extLst>
+      <p:ext uri="{BB962C8B-B14F-4D97-AF65-F5344CB8AC3E}">
+        <p14:creationId xmlns:p14="http://schemas.microsoft.com/office/powerpoint/2010/main" val="1374411736"/>
+      </p:ext>
+    </p:extLst>
+  </p:cSld>
+  <p:clrMapOvr>
+    <a:masterClrMapping/>
+  </p:clrMapOvr>
+</p:sld>
+</file>
+
+<file path=ppt/slides/slide9.xml><?xml version="1.0" encoding="utf-8"?>
 <p:sld xmlns:a="http://schemas.openxmlformats.org/drawingml/2006/main" xmlns:r="http://schemas.openxmlformats.org/officeDocument/2006/relationships" xmlns:p="http://schemas.openxmlformats.org/presentationml/2006/main">
   <p:cSld>
     <p:spTree>

--- a/Meeting Presentations/06.10.2022_General_meeting.pptx
+++ b/Meeting Presentations/06.10.2022_General_meeting.pptx
@@ -13,7 +13,12 @@
     <p:sldId id="261" r:id="rId7"/>
     <p:sldId id="263" r:id="rId8"/>
     <p:sldId id="264" r:id="rId9"/>
-    <p:sldId id="260" r:id="rId10"/>
+    <p:sldId id="265" r:id="rId10"/>
+    <p:sldId id="266" r:id="rId11"/>
+    <p:sldId id="260" r:id="rId12"/>
+    <p:sldId id="268" r:id="rId13"/>
+    <p:sldId id="269" r:id="rId14"/>
+    <p:sldId id="267" r:id="rId15"/>
   </p:sldIdLst>
   <p:sldSz cx="12192000" cy="6858000"/>
   <p:notesSz cx="6858000" cy="9144000"/>
@@ -4179,6 +4184,955 @@
 </p:sld>
 </file>
 
+<file path=ppt/slides/slide10.xml><?xml version="1.0" encoding="utf-8"?>
+<p:sld xmlns:a="http://schemas.openxmlformats.org/drawingml/2006/main" xmlns:r="http://schemas.openxmlformats.org/officeDocument/2006/relationships" xmlns:p="http://schemas.openxmlformats.org/presentationml/2006/main">
+  <p:cSld>
+    <p:spTree>
+      <p:nvGrpSpPr>
+        <p:cNvPr id="1" name=""/>
+        <p:cNvGrpSpPr/>
+        <p:nvPr/>
+      </p:nvGrpSpPr>
+      <p:grpSpPr>
+        <a:xfrm>
+          <a:off x="0" y="0"/>
+          <a:ext cx="0" cy="0"/>
+          <a:chOff x="0" y="0"/>
+          <a:chExt cx="0" cy="0"/>
+        </a:xfrm>
+      </p:grpSpPr>
+      <p:sp>
+        <p:nvSpPr>
+          <p:cNvPr id="2" name="Title 1">
+            <a:extLst>
+              <a:ext uri="{FF2B5EF4-FFF2-40B4-BE49-F238E27FC236}">
+                <a16:creationId xmlns:a16="http://schemas.microsoft.com/office/drawing/2014/main" id="{2BA28547-6B73-4D3A-8DAD-DF16285C8781}"/>
+              </a:ext>
+            </a:extLst>
+          </p:cNvPr>
+          <p:cNvSpPr>
+            <a:spLocks noGrp="1"/>
+          </p:cNvSpPr>
+          <p:nvPr>
+            <p:ph type="title"/>
+          </p:nvPr>
+        </p:nvSpPr>
+        <p:spPr>
+          <a:xfrm>
+            <a:off x="517869" y="978408"/>
+            <a:ext cx="5407069" cy="4870457"/>
+          </a:xfrm>
+        </p:spPr>
+        <p:txBody>
+          <a:bodyPr>
+            <a:normAutofit/>
+          </a:bodyPr>
+          <a:lstStyle/>
+          <a:p>
+            <a:r>
+              <a:rPr lang="nb-NO" sz="3200" dirty="0"/>
+              <a:t>All </a:t>
+            </a:r>
+            <a:r>
+              <a:rPr lang="nb-NO" sz="3200" dirty="0" err="1"/>
+              <a:t>of</a:t>
+            </a:r>
+            <a:r>
+              <a:rPr lang="nb-NO" sz="3200" dirty="0"/>
+              <a:t> </a:t>
+            </a:r>
+            <a:r>
+              <a:rPr lang="nb-NO" sz="3200" dirty="0" err="1"/>
+              <a:t>this</a:t>
+            </a:r>
+            <a:r>
+              <a:rPr lang="nb-NO" sz="3200" dirty="0"/>
+              <a:t> is </a:t>
+            </a:r>
+            <a:r>
+              <a:rPr lang="nb-NO" sz="3200" dirty="0" err="1"/>
+              <a:t>before</a:t>
+            </a:r>
+            <a:r>
+              <a:rPr lang="nb-NO" sz="3200" dirty="0"/>
+              <a:t> </a:t>
+            </a:r>
+            <a:r>
+              <a:rPr lang="nb-NO" sz="3200" dirty="0" err="1"/>
+              <a:t>any</a:t>
+            </a:r>
+            <a:r>
+              <a:rPr lang="nb-NO" sz="3200" dirty="0"/>
+              <a:t> data </a:t>
+            </a:r>
+            <a:r>
+              <a:rPr lang="nb-NO" sz="3200" dirty="0" err="1"/>
+              <a:t>preperation</a:t>
+            </a:r>
+            <a:endParaRPr lang="en-GB" sz="3200" dirty="0"/>
+          </a:p>
+        </p:txBody>
+      </p:sp>
+      <p:sp>
+        <p:nvSpPr>
+          <p:cNvPr id="3" name="Content Placeholder 2">
+            <a:extLst>
+              <a:ext uri="{FF2B5EF4-FFF2-40B4-BE49-F238E27FC236}">
+                <a16:creationId xmlns:a16="http://schemas.microsoft.com/office/drawing/2014/main" id="{E682927D-D2D3-4865-89CC-D77207BFA761}"/>
+              </a:ext>
+            </a:extLst>
+          </p:cNvPr>
+          <p:cNvSpPr>
+            <a:spLocks noGrp="1"/>
+          </p:cNvSpPr>
+          <p:nvPr>
+            <p:ph idx="1"/>
+          </p:nvPr>
+        </p:nvSpPr>
+        <p:spPr/>
+        <p:txBody>
+          <a:bodyPr/>
+          <a:lstStyle/>
+          <a:p>
+            <a:r>
+              <a:rPr lang="nb-NO" dirty="0"/>
+              <a:t>Data prep </a:t>
+            </a:r>
+            <a:r>
+              <a:rPr lang="nb-NO" dirty="0" err="1"/>
+              <a:t>will</a:t>
+            </a:r>
+            <a:r>
+              <a:rPr lang="nb-NO" dirty="0"/>
+              <a:t> most </a:t>
+            </a:r>
+            <a:r>
+              <a:rPr lang="nb-NO" dirty="0" err="1"/>
+              <a:t>likely</a:t>
+            </a:r>
+            <a:r>
+              <a:rPr lang="nb-NO" dirty="0"/>
+              <a:t> </a:t>
+            </a:r>
+            <a:r>
+              <a:rPr lang="nb-NO" dirty="0" err="1"/>
+              <a:t>improve</a:t>
+            </a:r>
+            <a:r>
+              <a:rPr lang="nb-NO" dirty="0"/>
+              <a:t> </a:t>
+            </a:r>
+            <a:r>
+              <a:rPr lang="nb-NO" dirty="0" err="1"/>
+              <a:t>results</a:t>
+            </a:r>
+            <a:r>
+              <a:rPr lang="nb-NO" dirty="0"/>
+              <a:t>:</a:t>
+            </a:r>
+          </a:p>
+          <a:p>
+            <a:pPr marL="342900" indent="-342900">
+              <a:buFont typeface="Arial" panose="020B0604020202020204" pitchFamily="34" charset="0"/>
+              <a:buChar char="•"/>
+            </a:pPr>
+            <a:r>
+              <a:rPr lang="nb-NO" dirty="0" err="1"/>
+              <a:t>Removing</a:t>
+            </a:r>
+            <a:r>
+              <a:rPr lang="nb-NO" dirty="0"/>
+              <a:t> </a:t>
+            </a:r>
+            <a:r>
+              <a:rPr lang="nb-NO" dirty="0" err="1"/>
+              <a:t>outliers</a:t>
+            </a:r>
+            <a:endParaRPr lang="nb-NO" dirty="0"/>
+          </a:p>
+          <a:p>
+            <a:pPr marL="342900" indent="-342900">
+              <a:buFont typeface="Arial" panose="020B0604020202020204" pitchFamily="34" charset="0"/>
+              <a:buChar char="•"/>
+            </a:pPr>
+            <a:r>
+              <a:rPr lang="nb-NO" dirty="0" err="1"/>
+              <a:t>Normalizing</a:t>
+            </a:r>
+            <a:r>
+              <a:rPr lang="nb-NO" dirty="0"/>
+              <a:t> </a:t>
+            </a:r>
+            <a:r>
+              <a:rPr lang="nb-NO" dirty="0" err="1"/>
+              <a:t>the</a:t>
+            </a:r>
+            <a:r>
+              <a:rPr lang="nb-NO" dirty="0"/>
+              <a:t> data</a:t>
+            </a:r>
+          </a:p>
+          <a:p>
+            <a:pPr marL="342900" indent="-342900">
+              <a:buFont typeface="Arial" panose="020B0604020202020204" pitchFamily="34" charset="0"/>
+              <a:buChar char="•"/>
+            </a:pPr>
+            <a:endParaRPr lang="en-GB" dirty="0"/>
+          </a:p>
+        </p:txBody>
+      </p:sp>
+    </p:spTree>
+    <p:extLst>
+      <p:ext uri="{BB962C8B-B14F-4D97-AF65-F5344CB8AC3E}">
+        <p14:creationId xmlns:p14="http://schemas.microsoft.com/office/powerpoint/2010/main" val="4195134594"/>
+      </p:ext>
+    </p:extLst>
+  </p:cSld>
+  <p:clrMapOvr>
+    <a:masterClrMapping/>
+  </p:clrMapOvr>
+</p:sld>
+</file>
+
+<file path=ppt/slides/slide11.xml><?xml version="1.0" encoding="utf-8"?>
+<p:sld xmlns:a="http://schemas.openxmlformats.org/drawingml/2006/main" xmlns:r="http://schemas.openxmlformats.org/officeDocument/2006/relationships" xmlns:p="http://schemas.openxmlformats.org/presentationml/2006/main">
+  <p:cSld>
+    <p:spTree>
+      <p:nvGrpSpPr>
+        <p:cNvPr id="1" name=""/>
+        <p:cNvGrpSpPr/>
+        <p:nvPr/>
+      </p:nvGrpSpPr>
+      <p:grpSpPr>
+        <a:xfrm>
+          <a:off x="0" y="0"/>
+          <a:ext cx="0" cy="0"/>
+          <a:chOff x="0" y="0"/>
+          <a:chExt cx="0" cy="0"/>
+        </a:xfrm>
+      </p:grpSpPr>
+      <p:sp>
+        <p:nvSpPr>
+          <p:cNvPr id="2" name="Title 1">
+            <a:extLst>
+              <a:ext uri="{FF2B5EF4-FFF2-40B4-BE49-F238E27FC236}">
+                <a16:creationId xmlns:a16="http://schemas.microsoft.com/office/drawing/2014/main" id="{12258E73-6AE5-4223-B21E-5F34CFBE2733}"/>
+              </a:ext>
+            </a:extLst>
+          </p:cNvPr>
+          <p:cNvSpPr>
+            <a:spLocks noGrp="1"/>
+          </p:cNvSpPr>
+          <p:nvPr>
+            <p:ph type="title"/>
+          </p:nvPr>
+        </p:nvSpPr>
+        <p:spPr/>
+        <p:txBody>
+          <a:bodyPr/>
+          <a:lstStyle/>
+          <a:p>
+            <a:r>
+              <a:rPr lang="nb-NO" dirty="0" err="1"/>
+              <a:t>Misc</a:t>
+            </a:r>
+            <a:endParaRPr lang="en-GB" dirty="0"/>
+          </a:p>
+        </p:txBody>
+      </p:sp>
+      <p:sp>
+        <p:nvSpPr>
+          <p:cNvPr id="3" name="Content Placeholder 2">
+            <a:extLst>
+              <a:ext uri="{FF2B5EF4-FFF2-40B4-BE49-F238E27FC236}">
+                <a16:creationId xmlns:a16="http://schemas.microsoft.com/office/drawing/2014/main" id="{E9B0CAFF-4335-4587-B8AD-BD8918EA374C}"/>
+              </a:ext>
+            </a:extLst>
+          </p:cNvPr>
+          <p:cNvSpPr>
+            <a:spLocks noGrp="1"/>
+          </p:cNvSpPr>
+          <p:nvPr>
+            <p:ph idx="1"/>
+          </p:nvPr>
+        </p:nvSpPr>
+        <p:spPr/>
+        <p:txBody>
+          <a:bodyPr>
+            <a:normAutofit/>
+          </a:bodyPr>
+          <a:lstStyle/>
+          <a:p>
+            <a:r>
+              <a:rPr lang="nb-NO" sz="1800" dirty="0" err="1"/>
+              <a:t>Causal</a:t>
+            </a:r>
+            <a:r>
+              <a:rPr lang="nb-NO" sz="1800" dirty="0"/>
+              <a:t> </a:t>
+            </a:r>
+            <a:r>
+              <a:rPr lang="nb-NO" sz="1800" dirty="0" err="1"/>
+              <a:t>padding</a:t>
+            </a:r>
+            <a:r>
+              <a:rPr lang="nb-NO" sz="1800" dirty="0"/>
+              <a:t> is not </a:t>
+            </a:r>
+            <a:r>
+              <a:rPr lang="nb-NO" sz="1800" dirty="0" err="1"/>
+              <a:t>supported</a:t>
+            </a:r>
+            <a:r>
+              <a:rPr lang="nb-NO" sz="1800" dirty="0"/>
+              <a:t> for Conv2D</a:t>
+            </a:r>
+          </a:p>
+          <a:p>
+            <a:r>
+              <a:rPr lang="nb-NO" sz="1800" dirty="0"/>
+              <a:t>	</a:t>
+            </a:r>
+            <a:r>
+              <a:rPr lang="nb-NO" sz="1800" dirty="0" err="1"/>
+              <a:t>Discussion</a:t>
+            </a:r>
+            <a:r>
+              <a:rPr lang="nb-NO" sz="1800" dirty="0"/>
+              <a:t> </a:t>
+            </a:r>
+            <a:r>
+              <a:rPr lang="nb-NO" sz="1800" dirty="0" err="1"/>
+              <a:t>around</a:t>
+            </a:r>
+            <a:r>
+              <a:rPr lang="nb-NO" sz="1800" dirty="0"/>
+              <a:t> </a:t>
+            </a:r>
+            <a:r>
+              <a:rPr lang="nb-NO" sz="1800" dirty="0" err="1"/>
+              <a:t>this</a:t>
+            </a:r>
+            <a:endParaRPr lang="nb-NO" sz="1800" dirty="0"/>
+          </a:p>
+          <a:p>
+            <a:endParaRPr lang="en-GB" sz="1800" dirty="0"/>
+          </a:p>
+        </p:txBody>
+      </p:sp>
+    </p:spTree>
+    <p:extLst>
+      <p:ext uri="{BB962C8B-B14F-4D97-AF65-F5344CB8AC3E}">
+        <p14:creationId xmlns:p14="http://schemas.microsoft.com/office/powerpoint/2010/main" val="1721430244"/>
+      </p:ext>
+    </p:extLst>
+  </p:cSld>
+  <p:clrMapOvr>
+    <a:masterClrMapping/>
+  </p:clrMapOvr>
+</p:sld>
+</file>
+
+<file path=ppt/slides/slide12.xml><?xml version="1.0" encoding="utf-8"?>
+<p:sld xmlns:a="http://schemas.openxmlformats.org/drawingml/2006/main" xmlns:r="http://schemas.openxmlformats.org/officeDocument/2006/relationships" xmlns:p="http://schemas.openxmlformats.org/presentationml/2006/main">
+  <p:cSld>
+    <p:spTree>
+      <p:nvGrpSpPr>
+        <p:cNvPr id="1" name=""/>
+        <p:cNvGrpSpPr/>
+        <p:nvPr/>
+      </p:nvGrpSpPr>
+      <p:grpSpPr>
+        <a:xfrm>
+          <a:off x="0" y="0"/>
+          <a:ext cx="0" cy="0"/>
+          <a:chOff x="0" y="0"/>
+          <a:chExt cx="0" cy="0"/>
+        </a:xfrm>
+      </p:grpSpPr>
+      <p:sp>
+        <p:nvSpPr>
+          <p:cNvPr id="2" name="Title 1">
+            <a:extLst>
+              <a:ext uri="{FF2B5EF4-FFF2-40B4-BE49-F238E27FC236}">
+                <a16:creationId xmlns:a16="http://schemas.microsoft.com/office/drawing/2014/main" id="{363286B4-45A3-4D3F-89BA-B04DF59B6064}"/>
+              </a:ext>
+            </a:extLst>
+          </p:cNvPr>
+          <p:cNvSpPr>
+            <a:spLocks noGrp="1"/>
+          </p:cNvSpPr>
+          <p:nvPr>
+            <p:ph type="title"/>
+          </p:nvPr>
+        </p:nvSpPr>
+        <p:spPr/>
+        <p:txBody>
+          <a:bodyPr/>
+          <a:lstStyle/>
+          <a:p>
+            <a:r>
+              <a:rPr lang="nb-NO" dirty="0" err="1"/>
+              <a:t>Academics</a:t>
+            </a:r>
+            <a:r>
+              <a:rPr lang="nb-NO" dirty="0"/>
+              <a:t> and </a:t>
+            </a:r>
+            <a:r>
+              <a:rPr lang="nb-NO" dirty="0" err="1"/>
+              <a:t>writing</a:t>
+            </a:r>
+            <a:endParaRPr lang="en-GB" dirty="0"/>
+          </a:p>
+        </p:txBody>
+      </p:sp>
+      <p:sp>
+        <p:nvSpPr>
+          <p:cNvPr id="3" name="Content Placeholder 2">
+            <a:extLst>
+              <a:ext uri="{FF2B5EF4-FFF2-40B4-BE49-F238E27FC236}">
+                <a16:creationId xmlns:a16="http://schemas.microsoft.com/office/drawing/2014/main" id="{6EC674BB-1C03-4AE5-BBD2-85061154A891}"/>
+              </a:ext>
+            </a:extLst>
+          </p:cNvPr>
+          <p:cNvSpPr>
+            <a:spLocks noGrp="1"/>
+          </p:cNvSpPr>
+          <p:nvPr>
+            <p:ph idx="1"/>
+          </p:nvPr>
+        </p:nvSpPr>
+        <p:spPr/>
+        <p:txBody>
+          <a:bodyPr/>
+          <a:lstStyle/>
+          <a:p>
+            <a:r>
+              <a:rPr lang="nb-NO" dirty="0" err="1"/>
+              <a:t>I’m</a:t>
+            </a:r>
+            <a:r>
+              <a:rPr lang="nb-NO" dirty="0"/>
+              <a:t> </a:t>
+            </a:r>
+            <a:r>
+              <a:rPr lang="nb-NO" dirty="0" err="1"/>
+              <a:t>collecting</a:t>
+            </a:r>
+            <a:r>
+              <a:rPr lang="nb-NO" dirty="0"/>
+              <a:t> </a:t>
+            </a:r>
+            <a:r>
+              <a:rPr lang="nb-NO" dirty="0" err="1"/>
+              <a:t>good</a:t>
+            </a:r>
+            <a:r>
+              <a:rPr lang="nb-NO" dirty="0"/>
+              <a:t> </a:t>
+            </a:r>
+            <a:r>
+              <a:rPr lang="nb-NO" dirty="0" err="1"/>
+              <a:t>sources</a:t>
+            </a:r>
+            <a:r>
+              <a:rPr lang="nb-NO" dirty="0"/>
+              <a:t>, and </a:t>
+            </a:r>
+            <a:r>
+              <a:rPr lang="nb-NO" dirty="0" err="1"/>
+              <a:t>outlining</a:t>
+            </a:r>
+            <a:r>
+              <a:rPr lang="nb-NO" dirty="0"/>
+              <a:t> </a:t>
+            </a:r>
+            <a:r>
+              <a:rPr lang="nb-NO" dirty="0" err="1"/>
+              <a:t>the</a:t>
+            </a:r>
+            <a:r>
+              <a:rPr lang="nb-NO" dirty="0"/>
+              <a:t> </a:t>
+            </a:r>
+            <a:r>
+              <a:rPr lang="nb-NO" dirty="0" err="1"/>
+              <a:t>structure</a:t>
+            </a:r>
+            <a:r>
+              <a:rPr lang="nb-NO" dirty="0"/>
+              <a:t> </a:t>
+            </a:r>
+            <a:r>
+              <a:rPr lang="nb-NO" dirty="0" err="1"/>
+              <a:t>of</a:t>
+            </a:r>
+            <a:r>
+              <a:rPr lang="nb-NO" dirty="0"/>
+              <a:t> </a:t>
+            </a:r>
+            <a:r>
+              <a:rPr lang="nb-NO" dirty="0" err="1"/>
+              <a:t>what</a:t>
+            </a:r>
+            <a:r>
+              <a:rPr lang="nb-NO" dirty="0"/>
+              <a:t> is to be </a:t>
+            </a:r>
+            <a:r>
+              <a:rPr lang="nb-NO" dirty="0" err="1"/>
+              <a:t>written</a:t>
+            </a:r>
+            <a:r>
+              <a:rPr lang="nb-NO" dirty="0"/>
+              <a:t>. </a:t>
+            </a:r>
+            <a:r>
+              <a:rPr lang="nb-NO" dirty="0" err="1"/>
+              <a:t>I’m</a:t>
+            </a:r>
+            <a:r>
+              <a:rPr lang="nb-NO" dirty="0"/>
+              <a:t> planning to </a:t>
+            </a:r>
+            <a:r>
+              <a:rPr lang="nb-NO" dirty="0" err="1"/>
+              <a:t>get</a:t>
+            </a:r>
+            <a:r>
+              <a:rPr lang="nb-NO" dirty="0"/>
+              <a:t> a lot </a:t>
+            </a:r>
+            <a:r>
+              <a:rPr lang="nb-NO" dirty="0" err="1"/>
+              <a:t>of</a:t>
+            </a:r>
+            <a:r>
+              <a:rPr lang="nb-NO" dirty="0"/>
+              <a:t> </a:t>
+            </a:r>
+            <a:r>
+              <a:rPr lang="nb-NO" dirty="0" err="1"/>
+              <a:t>writing</a:t>
+            </a:r>
+            <a:r>
+              <a:rPr lang="nb-NO" dirty="0"/>
+              <a:t> in </a:t>
+            </a:r>
+            <a:r>
+              <a:rPr lang="nb-NO" dirty="0" err="1"/>
+              <a:t>while</a:t>
+            </a:r>
+            <a:r>
+              <a:rPr lang="nb-NO" dirty="0"/>
+              <a:t> </a:t>
+            </a:r>
+            <a:r>
+              <a:rPr lang="nb-NO" dirty="0" err="1"/>
+              <a:t>the</a:t>
+            </a:r>
+            <a:r>
+              <a:rPr lang="nb-NO" dirty="0"/>
+              <a:t> </a:t>
+            </a:r>
+            <a:r>
+              <a:rPr lang="nb-NO" dirty="0" err="1"/>
+              <a:t>models</a:t>
+            </a:r>
+            <a:r>
+              <a:rPr lang="nb-NO" dirty="0"/>
+              <a:t> </a:t>
+            </a:r>
+            <a:r>
+              <a:rPr lang="nb-NO" dirty="0" err="1"/>
+              <a:t>are</a:t>
+            </a:r>
+            <a:r>
+              <a:rPr lang="nb-NO" dirty="0"/>
+              <a:t> </a:t>
+            </a:r>
+            <a:r>
+              <a:rPr lang="nb-NO" dirty="0" err="1"/>
+              <a:t>running</a:t>
+            </a:r>
+            <a:endParaRPr lang="nb-NO" dirty="0"/>
+          </a:p>
+          <a:p>
+            <a:endParaRPr lang="en-GB" dirty="0"/>
+          </a:p>
+        </p:txBody>
+      </p:sp>
+    </p:spTree>
+    <p:extLst>
+      <p:ext uri="{BB962C8B-B14F-4D97-AF65-F5344CB8AC3E}">
+        <p14:creationId xmlns:p14="http://schemas.microsoft.com/office/powerpoint/2010/main" val="2162221258"/>
+      </p:ext>
+    </p:extLst>
+  </p:cSld>
+  <p:clrMapOvr>
+    <a:masterClrMapping/>
+  </p:clrMapOvr>
+</p:sld>
+</file>
+
+<file path=ppt/slides/slide13.xml><?xml version="1.0" encoding="utf-8"?>
+<p:sld xmlns:a="http://schemas.openxmlformats.org/drawingml/2006/main" xmlns:r="http://schemas.openxmlformats.org/officeDocument/2006/relationships" xmlns:p="http://schemas.openxmlformats.org/presentationml/2006/main">
+  <p:cSld>
+    <p:spTree>
+      <p:nvGrpSpPr>
+        <p:cNvPr id="1" name=""/>
+        <p:cNvGrpSpPr/>
+        <p:nvPr/>
+      </p:nvGrpSpPr>
+      <p:grpSpPr>
+        <a:xfrm>
+          <a:off x="0" y="0"/>
+          <a:ext cx="0" cy="0"/>
+          <a:chOff x="0" y="0"/>
+          <a:chExt cx="0" cy="0"/>
+        </a:xfrm>
+      </p:grpSpPr>
+      <p:sp>
+        <p:nvSpPr>
+          <p:cNvPr id="2" name="Title 1">
+            <a:extLst>
+              <a:ext uri="{FF2B5EF4-FFF2-40B4-BE49-F238E27FC236}">
+                <a16:creationId xmlns:a16="http://schemas.microsoft.com/office/drawing/2014/main" id="{B37ED228-9C48-40A4-A83C-2079A15261D4}"/>
+              </a:ext>
+            </a:extLst>
+          </p:cNvPr>
+          <p:cNvSpPr>
+            <a:spLocks noGrp="1"/>
+          </p:cNvSpPr>
+          <p:nvPr>
+            <p:ph type="title"/>
+          </p:nvPr>
+        </p:nvSpPr>
+        <p:spPr/>
+        <p:txBody>
+          <a:bodyPr/>
+          <a:lstStyle/>
+          <a:p>
+            <a:r>
+              <a:rPr lang="nb-NO" dirty="0"/>
+              <a:t>Hardware</a:t>
+            </a:r>
+            <a:endParaRPr lang="en-GB" dirty="0"/>
+          </a:p>
+        </p:txBody>
+      </p:sp>
+      <p:sp>
+        <p:nvSpPr>
+          <p:cNvPr id="3" name="Content Placeholder 2">
+            <a:extLst>
+              <a:ext uri="{FF2B5EF4-FFF2-40B4-BE49-F238E27FC236}">
+                <a16:creationId xmlns:a16="http://schemas.microsoft.com/office/drawing/2014/main" id="{42851050-1CC1-4665-A21A-967FA74D6E79}"/>
+              </a:ext>
+            </a:extLst>
+          </p:cNvPr>
+          <p:cNvSpPr>
+            <a:spLocks noGrp="1"/>
+          </p:cNvSpPr>
+          <p:nvPr>
+            <p:ph idx="1"/>
+          </p:nvPr>
+        </p:nvSpPr>
+        <p:spPr/>
+        <p:txBody>
+          <a:bodyPr/>
+          <a:lstStyle/>
+          <a:p>
+            <a:pPr marL="342900" indent="-342900">
+              <a:buFont typeface="Arial" panose="020B0604020202020204" pitchFamily="34" charset="0"/>
+              <a:buChar char="•"/>
+            </a:pPr>
+            <a:r>
+              <a:rPr lang="nb-NO" dirty="0"/>
+              <a:t>More GPU </a:t>
+            </a:r>
+            <a:r>
+              <a:rPr lang="nb-NO" dirty="0" err="1"/>
+              <a:t>power</a:t>
+            </a:r>
+            <a:endParaRPr lang="nb-NO" dirty="0"/>
+          </a:p>
+          <a:p>
+            <a:pPr marL="617220" lvl="1" indent="-342900"/>
+            <a:r>
+              <a:rPr lang="nb-NO" dirty="0" err="1"/>
+              <a:t>Having</a:t>
+            </a:r>
+            <a:r>
+              <a:rPr lang="nb-NO" dirty="0"/>
+              <a:t> a GPU </a:t>
+            </a:r>
+            <a:r>
+              <a:rPr lang="nb-NO" dirty="0" err="1"/>
+              <a:t>hooked</a:t>
+            </a:r>
+            <a:r>
+              <a:rPr lang="nb-NO" dirty="0"/>
+              <a:t> up to my NGI laptop </a:t>
+            </a:r>
+            <a:r>
+              <a:rPr lang="nb-NO" dirty="0" err="1"/>
+              <a:t>would</a:t>
+            </a:r>
+            <a:r>
+              <a:rPr lang="nb-NO" dirty="0"/>
+              <a:t> </a:t>
+            </a:r>
+            <a:r>
+              <a:rPr lang="nb-NO" dirty="0" err="1"/>
+              <a:t>drastically</a:t>
+            </a:r>
+            <a:r>
+              <a:rPr lang="nb-NO" dirty="0"/>
+              <a:t> speed up training time</a:t>
+            </a:r>
+          </a:p>
+          <a:p>
+            <a:pPr marL="617220" lvl="2" indent="-342900">
+              <a:buFont typeface="Arial" panose="020B0604020202020204" pitchFamily="34" charset="0"/>
+              <a:buChar char="•"/>
+            </a:pPr>
+            <a:r>
+              <a:rPr lang="nb-NO" dirty="0"/>
+              <a:t>	CPU vs. GPU </a:t>
+            </a:r>
+            <a:r>
+              <a:rPr lang="nb-NO" dirty="0" err="1"/>
+              <a:t>wrt</a:t>
+            </a:r>
+            <a:r>
+              <a:rPr lang="nb-NO" dirty="0"/>
+              <a:t>. Odin</a:t>
+            </a:r>
+          </a:p>
+          <a:p>
+            <a:pPr marL="617220" lvl="2" indent="-342900">
+              <a:buFont typeface="Arial" panose="020B0604020202020204" pitchFamily="34" charset="0"/>
+              <a:buChar char="•"/>
+            </a:pPr>
+            <a:r>
+              <a:rPr lang="nb-NO" dirty="0" err="1"/>
+              <a:t>Azure</a:t>
+            </a:r>
+            <a:r>
+              <a:rPr lang="nb-NO" dirty="0"/>
+              <a:t> </a:t>
+            </a:r>
+            <a:r>
+              <a:rPr lang="nb-NO" dirty="0" err="1"/>
+              <a:t>cluster</a:t>
+            </a:r>
+            <a:endParaRPr lang="nb-NO" dirty="0"/>
+          </a:p>
+          <a:p>
+            <a:pPr marL="617220" lvl="2" indent="-342900">
+              <a:buFont typeface="Arial" panose="020B0604020202020204" pitchFamily="34" charset="0"/>
+              <a:buChar char="•"/>
+            </a:pPr>
+            <a:r>
+              <a:rPr lang="nb-NO" dirty="0"/>
+              <a:t>Amazon Web services</a:t>
+            </a:r>
+          </a:p>
+          <a:p>
+            <a:pPr marL="342900" indent="-342900">
+              <a:buFont typeface="Arial" panose="020B0604020202020204" pitchFamily="34" charset="0"/>
+              <a:buChar char="•"/>
+            </a:pPr>
+            <a:r>
+              <a:rPr lang="nb-NO"/>
+              <a:t>$$$</a:t>
+            </a:r>
+            <a:endParaRPr lang="en-GB" dirty="0"/>
+          </a:p>
+        </p:txBody>
+      </p:sp>
+    </p:spTree>
+    <p:extLst>
+      <p:ext uri="{BB962C8B-B14F-4D97-AF65-F5344CB8AC3E}">
+        <p14:creationId xmlns:p14="http://schemas.microsoft.com/office/powerpoint/2010/main" val="1337664835"/>
+      </p:ext>
+    </p:extLst>
+  </p:cSld>
+  <p:clrMapOvr>
+    <a:masterClrMapping/>
+  </p:clrMapOvr>
+</p:sld>
+</file>
+
+<file path=ppt/slides/slide14.xml><?xml version="1.0" encoding="utf-8"?>
+<p:sld xmlns:a="http://schemas.openxmlformats.org/drawingml/2006/main" xmlns:r="http://schemas.openxmlformats.org/officeDocument/2006/relationships" xmlns:p="http://schemas.openxmlformats.org/presentationml/2006/main">
+  <p:cSld>
+    <p:spTree>
+      <p:nvGrpSpPr>
+        <p:cNvPr id="1" name=""/>
+        <p:cNvGrpSpPr/>
+        <p:nvPr/>
+      </p:nvGrpSpPr>
+      <p:grpSpPr>
+        <a:xfrm>
+          <a:off x="0" y="0"/>
+          <a:ext cx="0" cy="0"/>
+          <a:chOff x="0" y="0"/>
+          <a:chExt cx="0" cy="0"/>
+        </a:xfrm>
+      </p:grpSpPr>
+      <p:sp>
+        <p:nvSpPr>
+          <p:cNvPr id="2" name="Title 1">
+            <a:extLst>
+              <a:ext uri="{FF2B5EF4-FFF2-40B4-BE49-F238E27FC236}">
+                <a16:creationId xmlns:a16="http://schemas.microsoft.com/office/drawing/2014/main" id="{DEF99137-97F8-4282-9F98-0512E8783DC1}"/>
+              </a:ext>
+            </a:extLst>
+          </p:cNvPr>
+          <p:cNvSpPr>
+            <a:spLocks noGrp="1"/>
+          </p:cNvSpPr>
+          <p:nvPr>
+            <p:ph type="title"/>
+          </p:nvPr>
+        </p:nvSpPr>
+        <p:spPr/>
+        <p:txBody>
+          <a:bodyPr/>
+          <a:lstStyle/>
+          <a:p>
+            <a:r>
+              <a:rPr lang="nb-NO" dirty="0" err="1"/>
+              <a:t>Next</a:t>
+            </a:r>
+            <a:r>
+              <a:rPr lang="nb-NO" dirty="0"/>
+              <a:t> </a:t>
+            </a:r>
+            <a:r>
+              <a:rPr lang="nb-NO" dirty="0" err="1"/>
+              <a:t>meeting</a:t>
+            </a:r>
+            <a:endParaRPr lang="en-GB" dirty="0"/>
+          </a:p>
+        </p:txBody>
+      </p:sp>
+      <p:sp>
+        <p:nvSpPr>
+          <p:cNvPr id="3" name="Content Placeholder 2">
+            <a:extLst>
+              <a:ext uri="{FF2B5EF4-FFF2-40B4-BE49-F238E27FC236}">
+                <a16:creationId xmlns:a16="http://schemas.microsoft.com/office/drawing/2014/main" id="{04F8BE0E-A5DA-4637-AF1D-4388A318D899}"/>
+              </a:ext>
+            </a:extLst>
+          </p:cNvPr>
+          <p:cNvSpPr>
+            <a:spLocks noGrp="1"/>
+          </p:cNvSpPr>
+          <p:nvPr>
+            <p:ph idx="1"/>
+          </p:nvPr>
+        </p:nvSpPr>
+        <p:spPr>
+          <a:xfrm>
+            <a:off x="6096000" y="969264"/>
+            <a:ext cx="5587350" cy="4870457"/>
+          </a:xfrm>
+        </p:spPr>
+        <p:txBody>
+          <a:bodyPr/>
+          <a:lstStyle/>
+          <a:p>
+            <a:r>
+              <a:rPr lang="nb-NO" dirty="0"/>
+              <a:t>13.10.2022: </a:t>
+            </a:r>
+            <a:r>
+              <a:rPr lang="nb-NO" dirty="0" err="1"/>
+              <a:t>Geotechnics</a:t>
+            </a:r>
+            <a:r>
+              <a:rPr lang="nb-NO" dirty="0"/>
+              <a:t> &amp; </a:t>
+            </a:r>
+            <a:r>
+              <a:rPr lang="nb-NO" dirty="0" err="1"/>
+              <a:t>geophysics</a:t>
+            </a:r>
+            <a:r>
+              <a:rPr lang="nb-NO" dirty="0"/>
+              <a:t> </a:t>
+            </a:r>
+            <a:r>
+              <a:rPr lang="nb-NO" dirty="0" err="1"/>
+              <a:t>meeting</a:t>
+            </a:r>
+            <a:endParaRPr lang="nb-NO" dirty="0"/>
+          </a:p>
+          <a:p>
+            <a:r>
+              <a:rPr lang="en-GB" dirty="0"/>
+              <a:t>Topics of discussion: </a:t>
+            </a:r>
+          </a:p>
+          <a:p>
+            <a:pPr marL="342900" indent="-342900">
+              <a:buFont typeface="Arial" panose="020B0604020202020204" pitchFamily="34" charset="0"/>
+              <a:buChar char="•"/>
+            </a:pPr>
+            <a:r>
+              <a:rPr lang="en-GB" dirty="0"/>
+              <a:t>Parameters for prediction</a:t>
+            </a:r>
+          </a:p>
+          <a:p>
+            <a:pPr marL="342900" indent="-342900">
+              <a:buFont typeface="Arial" panose="020B0604020202020204" pitchFamily="34" charset="0"/>
+              <a:buChar char="•"/>
+            </a:pPr>
+            <a:r>
+              <a:rPr lang="en-GB" dirty="0"/>
+              <a:t>Data treatment</a:t>
+            </a:r>
+          </a:p>
+          <a:p>
+            <a:pPr marL="342900" indent="-342900">
+              <a:buFont typeface="Arial" panose="020B0604020202020204" pitchFamily="34" charset="0"/>
+              <a:buChar char="•"/>
+            </a:pPr>
+            <a:r>
+              <a:rPr lang="en-GB" dirty="0"/>
+              <a:t>Good sources</a:t>
+            </a:r>
+          </a:p>
+          <a:p>
+            <a:pPr marL="342900" indent="-342900">
+              <a:buFont typeface="Arial" panose="020B0604020202020204" pitchFamily="34" charset="0"/>
+              <a:buChar char="•"/>
+            </a:pPr>
+            <a:r>
+              <a:rPr lang="en-GB" dirty="0"/>
+              <a:t>etc..</a:t>
+            </a:r>
+            <a:endParaRPr lang="nb-NO" dirty="0"/>
+          </a:p>
+        </p:txBody>
+      </p:sp>
+    </p:spTree>
+    <p:extLst>
+      <p:ext uri="{BB962C8B-B14F-4D97-AF65-F5344CB8AC3E}">
+        <p14:creationId xmlns:p14="http://schemas.microsoft.com/office/powerpoint/2010/main" val="3390131743"/>
+      </p:ext>
+    </p:extLst>
+  </p:cSld>
+  <p:clrMapOvr>
+    <a:masterClrMapping/>
+  </p:clrMapOvr>
+</p:sld>
+</file>
+
 <file path=ppt/slides/slide2.xml><?xml version="1.0" encoding="utf-8"?>
 <p:sld xmlns:a="http://schemas.openxmlformats.org/drawingml/2006/main" xmlns:r="http://schemas.openxmlformats.org/officeDocument/2006/relationships" xmlns:p="http://schemas.openxmlformats.org/presentationml/2006/main">
   <p:cSld>
@@ -5792,15 +6746,7 @@
             </a:r>
             <a:r>
               <a:rPr lang="nb-NO" dirty="0" err="1"/>
-              <a:t>throw</a:t>
-            </a:r>
-            <a:r>
-              <a:rPr lang="nb-NO" dirty="0"/>
-              <a:t> </a:t>
-            </a:r>
-            <a:r>
-              <a:rPr lang="nb-NO" dirty="0" err="1"/>
-              <a:t>off</a:t>
+              <a:t>distract</a:t>
             </a:r>
             <a:r>
               <a:rPr lang="nb-NO" dirty="0"/>
@@ -5957,7 +6903,7 @@
         </p:blipFill>
         <p:spPr>
           <a:xfrm>
-            <a:off x="6453675" y="512624"/>
+            <a:off x="8005638" y="445512"/>
             <a:ext cx="3787548" cy="2843504"/>
           </a:xfrm>
         </p:spPr>
@@ -5990,7 +6936,7 @@
         </p:blipFill>
         <p:spPr>
           <a:xfrm>
-            <a:off x="6453675" y="3601226"/>
+            <a:off x="8005638" y="3534114"/>
             <a:ext cx="3787548" cy="2843505"/>
           </a:xfrm>
           <a:prstGeom prst="rect">
@@ -6242,6 +7188,36 @@
           </a:p>
         </p:txBody>
       </p:sp>
+      <p:pic>
+        <p:nvPicPr>
+          <p:cNvPr id="9" name="Picture 8">
+            <a:extLst>
+              <a:ext uri="{FF2B5EF4-FFF2-40B4-BE49-F238E27FC236}">
+                <a16:creationId xmlns:a16="http://schemas.microsoft.com/office/drawing/2014/main" id="{4266D97D-A5C4-4AFD-8552-1412AEF406F4}"/>
+              </a:ext>
+            </a:extLst>
+          </p:cNvPr>
+          <p:cNvPicPr>
+            <a:picLocks noChangeAspect="1"/>
+          </p:cNvPicPr>
+          <p:nvPr/>
+        </p:nvPicPr>
+        <p:blipFill>
+          <a:blip r:embed="rId4"/>
+          <a:stretch>
+            <a:fillRect/>
+          </a:stretch>
+        </p:blipFill>
+        <p:spPr>
+          <a:xfrm>
+            <a:off x="6622690" y="2851513"/>
+            <a:ext cx="1261981" cy="3621338"/>
+          </a:xfrm>
+          <a:prstGeom prst="rect">
+            <a:avLst/>
+          </a:prstGeom>
+        </p:spPr>
+      </p:pic>
     </p:spTree>
     <p:extLst>
       <p:ext uri="{BB962C8B-B14F-4D97-AF65-F5344CB8AC3E}">
@@ -6340,7 +7316,7 @@
         </p:blipFill>
         <p:spPr>
           <a:xfrm>
-            <a:off x="6494787" y="496192"/>
+            <a:off x="7945353" y="445858"/>
             <a:ext cx="3728777" cy="2799382"/>
           </a:xfrm>
         </p:spPr>
@@ -6373,7 +7349,7 @@
         </p:blipFill>
         <p:spPr>
           <a:xfrm>
-            <a:off x="6494789" y="3665064"/>
+            <a:off x="7945355" y="3614730"/>
             <a:ext cx="3728775" cy="2799381"/>
           </a:xfrm>
           <a:prstGeom prst="rect">
@@ -6395,8 +7371,8 @@
         </p:nvSpPr>
         <p:spPr>
           <a:xfrm>
-            <a:off x="517870" y="2118050"/>
-            <a:ext cx="5179341" cy="3139321"/>
+            <a:off x="517869" y="2118050"/>
+            <a:ext cx="6016175" cy="3139321"/>
           </a:xfrm>
           <a:prstGeom prst="rect">
             <a:avLst/>
@@ -6454,27 +7430,27 @@
               <a:t> </a:t>
             </a:r>
             <a:r>
-              <a:rPr lang="nb-NO" dirty="0" err="1"/>
+              <a:rPr lang="nb-NO" b="1" dirty="0" err="1"/>
               <a:t>ocean</a:t>
             </a:r>
             <a:r>
-              <a:rPr lang="nb-NO" dirty="0"/>
-              <a:t> </a:t>
-            </a:r>
-            <a:r>
-              <a:rPr lang="nb-NO" dirty="0" err="1"/>
+              <a:rPr lang="nb-NO" b="1" dirty="0"/>
+              <a:t> </a:t>
+            </a:r>
+            <a:r>
+              <a:rPr lang="nb-NO" b="1" dirty="0" err="1"/>
               <a:t>bottom</a:t>
             </a:r>
             <a:r>
-              <a:rPr lang="nb-NO" dirty="0"/>
-              <a:t> </a:t>
-            </a:r>
-            <a:r>
-              <a:rPr lang="nb-NO" dirty="0" err="1"/>
+              <a:rPr lang="nb-NO" b="1" dirty="0"/>
+              <a:t> </a:t>
+            </a:r>
+            <a:r>
+              <a:rPr lang="nb-NO" b="1" dirty="0" err="1"/>
               <a:t>reflector</a:t>
             </a:r>
             <a:r>
-              <a:rPr lang="nb-NO" dirty="0"/>
+              <a:rPr lang="nb-NO" b="1" dirty="0"/>
               <a:t> </a:t>
             </a:r>
             <a:r>
@@ -6573,6 +7549,80 @@
               <a:rPr lang="en-GB" dirty="0"/>
               <a:t>Loss = 1.28</a:t>
             </a:r>
+          </a:p>
+        </p:txBody>
+      </p:sp>
+      <p:sp>
+        <p:nvSpPr>
+          <p:cNvPr id="9" name="TextBox 8">
+            <a:extLst>
+              <a:ext uri="{FF2B5EF4-FFF2-40B4-BE49-F238E27FC236}">
+                <a16:creationId xmlns:a16="http://schemas.microsoft.com/office/drawing/2014/main" id="{ECEC4A22-A1B3-40C4-9970-2B95DA8A4E2A}"/>
+              </a:ext>
+            </a:extLst>
+          </p:cNvPr>
+          <p:cNvSpPr txBox="1"/>
+          <p:nvPr/>
+        </p:nvSpPr>
+        <p:spPr>
+          <a:xfrm>
+            <a:off x="6610525" y="2875908"/>
+            <a:ext cx="1258348" cy="369332"/>
+          </a:xfrm>
+          <a:prstGeom prst="rect">
+            <a:avLst/>
+          </a:prstGeom>
+          <a:noFill/>
+        </p:spPr>
+        <p:txBody>
+          <a:bodyPr wrap="square" rtlCol="0">
+            <a:spAutoFit/>
+          </a:bodyPr>
+          <a:lstStyle/>
+          <a:p>
+            <a:pPr algn="ctr"/>
+            <a:r>
+              <a:rPr lang="nb-NO" dirty="0" err="1"/>
+              <a:t>Predicted</a:t>
+            </a:r>
+            <a:endParaRPr lang="en-GB" dirty="0"/>
+          </a:p>
+        </p:txBody>
+      </p:sp>
+      <p:sp>
+        <p:nvSpPr>
+          <p:cNvPr id="10" name="TextBox 9">
+            <a:extLst>
+              <a:ext uri="{FF2B5EF4-FFF2-40B4-BE49-F238E27FC236}">
+                <a16:creationId xmlns:a16="http://schemas.microsoft.com/office/drawing/2014/main" id="{9A3B85A9-FC18-4394-ADEC-47CF69CAF029}"/>
+              </a:ext>
+            </a:extLst>
+          </p:cNvPr>
+          <p:cNvSpPr txBox="1"/>
+          <p:nvPr/>
+        </p:nvSpPr>
+        <p:spPr>
+          <a:xfrm>
+            <a:off x="6610524" y="5998127"/>
+            <a:ext cx="1258349" cy="369332"/>
+          </a:xfrm>
+          <a:prstGeom prst="rect">
+            <a:avLst/>
+          </a:prstGeom>
+          <a:noFill/>
+        </p:spPr>
+        <p:txBody>
+          <a:bodyPr wrap="square" rtlCol="0">
+            <a:spAutoFit/>
+          </a:bodyPr>
+          <a:lstStyle/>
+          <a:p>
+            <a:pPr algn="ctr"/>
+            <a:r>
+              <a:rPr lang="nb-NO" dirty="0"/>
+              <a:t>True</a:t>
+            </a:r>
+            <a:endParaRPr lang="en-GB" dirty="0"/>
           </a:p>
         </p:txBody>
       </p:sp>
@@ -6611,7 +7661,7 @@
           <p:cNvPr id="2" name="Title 1">
             <a:extLst>
               <a:ext uri="{FF2B5EF4-FFF2-40B4-BE49-F238E27FC236}">
-                <a16:creationId xmlns:a16="http://schemas.microsoft.com/office/drawing/2014/main" id="{12258E73-6AE5-4223-B21E-5F34CFBE2733}"/>
+                <a16:creationId xmlns:a16="http://schemas.microsoft.com/office/drawing/2014/main" id="{C9519876-F2DB-498A-895D-DC823225655D}"/>
               </a:ext>
             </a:extLst>
           </p:cNvPr>
@@ -6622,103 +7672,282 @@
             <p:ph type="title"/>
           </p:nvPr>
         </p:nvSpPr>
-        <p:spPr/>
+        <p:spPr>
+          <a:xfrm>
+            <a:off x="517870" y="978409"/>
+            <a:ext cx="5021182" cy="1578180"/>
+          </a:xfrm>
+        </p:spPr>
         <p:txBody>
           <a:bodyPr/>
           <a:lstStyle/>
           <a:p>
             <a:r>
               <a:rPr lang="nb-NO" dirty="0" err="1"/>
-              <a:t>Misc</a:t>
+              <a:t>Optuna</a:t>
             </a:r>
             <a:endParaRPr lang="en-GB" dirty="0"/>
           </a:p>
         </p:txBody>
       </p:sp>
-      <p:sp>
-        <p:nvSpPr>
-          <p:cNvPr id="3" name="Content Placeholder 2">
-            <a:extLst>
-              <a:ext uri="{FF2B5EF4-FFF2-40B4-BE49-F238E27FC236}">
-                <a16:creationId xmlns:a16="http://schemas.microsoft.com/office/drawing/2014/main" id="{E9B0CAFF-4335-4587-B8AD-BD8918EA374C}"/>
-              </a:ext>
-            </a:extLst>
-          </p:cNvPr>
-          <p:cNvSpPr>
-            <a:spLocks noGrp="1"/>
-          </p:cNvSpPr>
+      <p:pic>
+        <p:nvPicPr>
+          <p:cNvPr id="5" name="Content Placeholder 4" descr="A computer screen capture&#10;&#10;Description automatically generated with medium confidence">
+            <a:extLst>
+              <a:ext uri="{FF2B5EF4-FFF2-40B4-BE49-F238E27FC236}">
+                <a16:creationId xmlns:a16="http://schemas.microsoft.com/office/drawing/2014/main" id="{21E03888-DF5E-4193-9BDB-B79BCEFA01F1}"/>
+              </a:ext>
+            </a:extLst>
+          </p:cNvPr>
+          <p:cNvPicPr>
+            <a:picLocks noGrp="1" noChangeAspect="1"/>
+          </p:cNvPicPr>
           <p:nvPr>
             <p:ph idx="1"/>
           </p:nvPr>
-        </p:nvSpPr>
-        <p:spPr/>
-        <p:txBody>
-          <a:bodyPr>
-            <a:normAutofit/>
+        </p:nvPicPr>
+        <p:blipFill>
+          <a:blip r:embed="rId2">
+            <a:extLst>
+              <a:ext uri="{28A0092B-C50C-407E-A947-70E740481C1C}">
+                <a14:useLocalDpi xmlns:a14="http://schemas.microsoft.com/office/drawing/2010/main" val="0"/>
+              </a:ext>
+            </a:extLst>
+          </a:blip>
+          <a:stretch>
+            <a:fillRect/>
+          </a:stretch>
+        </p:blipFill>
+        <p:spPr>
+          <a:xfrm>
+            <a:off x="7945353" y="445858"/>
+            <a:ext cx="3728777" cy="2799382"/>
+          </a:xfrm>
+        </p:spPr>
+      </p:pic>
+      <p:pic>
+        <p:nvPicPr>
+          <p:cNvPr id="7" name="Picture 6" descr="A field of red flowers&#10;&#10;Description automatically generated with medium confidence">
+            <a:extLst>
+              <a:ext uri="{FF2B5EF4-FFF2-40B4-BE49-F238E27FC236}">
+                <a16:creationId xmlns:a16="http://schemas.microsoft.com/office/drawing/2014/main" id="{14625A65-1375-4462-894C-E356A01CC925}"/>
+              </a:ext>
+            </a:extLst>
+          </p:cNvPr>
+          <p:cNvPicPr>
+            <a:picLocks noChangeAspect="1"/>
+          </p:cNvPicPr>
+          <p:nvPr/>
+        </p:nvPicPr>
+        <p:blipFill>
+          <a:blip r:embed="rId3">
+            <a:extLst>
+              <a:ext uri="{28A0092B-C50C-407E-A947-70E740481C1C}">
+                <a14:useLocalDpi xmlns:a14="http://schemas.microsoft.com/office/drawing/2010/main" val="0"/>
+              </a:ext>
+            </a:extLst>
+          </a:blip>
+          <a:stretch>
+            <a:fillRect/>
+          </a:stretch>
+        </p:blipFill>
+        <p:spPr>
+          <a:xfrm>
+            <a:off x="7945355" y="3614730"/>
+            <a:ext cx="3728775" cy="2799381"/>
+          </a:xfrm>
+          <a:prstGeom prst="rect">
+            <a:avLst/>
+          </a:prstGeom>
+        </p:spPr>
+      </p:pic>
+      <p:sp>
+        <p:nvSpPr>
+          <p:cNvPr id="8" name="TextBox 7">
+            <a:extLst>
+              <a:ext uri="{FF2B5EF4-FFF2-40B4-BE49-F238E27FC236}">
+                <a16:creationId xmlns:a16="http://schemas.microsoft.com/office/drawing/2014/main" id="{EA9F4666-F997-4468-93E4-A3C378762A52}"/>
+              </a:ext>
+            </a:extLst>
+          </p:cNvPr>
+          <p:cNvSpPr txBox="1"/>
+          <p:nvPr/>
+        </p:nvSpPr>
+        <p:spPr>
+          <a:xfrm>
+            <a:off x="517869" y="2118050"/>
+            <a:ext cx="6016175" cy="2585323"/>
+          </a:xfrm>
+          <a:prstGeom prst="rect">
+            <a:avLst/>
+          </a:prstGeom>
+          <a:noFill/>
+        </p:spPr>
+        <p:txBody>
+          <a:bodyPr wrap="square" rtlCol="0">
+            <a:spAutoFit/>
           </a:bodyPr>
           <a:lstStyle/>
           <a:p>
-            <a:r>
-              <a:rPr lang="nb-NO" sz="1800" dirty="0" err="1"/>
-              <a:t>Causal</a:t>
-            </a:r>
-            <a:r>
-              <a:rPr lang="nb-NO" sz="1800" dirty="0"/>
-              <a:t> </a:t>
-            </a:r>
-            <a:r>
-              <a:rPr lang="nb-NO" sz="1800" dirty="0" err="1"/>
-              <a:t>padding</a:t>
-            </a:r>
-            <a:r>
-              <a:rPr lang="nb-NO" sz="1800" dirty="0"/>
-              <a:t> is not </a:t>
-            </a:r>
-            <a:r>
-              <a:rPr lang="nb-NO" sz="1800" dirty="0" err="1"/>
-              <a:t>supported</a:t>
-            </a:r>
-            <a:r>
-              <a:rPr lang="nb-NO" sz="1800" dirty="0"/>
-              <a:t> for Conv2D</a:t>
-            </a:r>
-          </a:p>
-          <a:p>
-            <a:r>
-              <a:rPr lang="nb-NO" sz="1800" dirty="0"/>
-              <a:t>	</a:t>
-            </a:r>
-            <a:r>
-              <a:rPr lang="nb-NO" sz="1800" dirty="0" err="1"/>
-              <a:t>Discussion</a:t>
-            </a:r>
-            <a:r>
-              <a:rPr lang="nb-NO" sz="1800" dirty="0"/>
-              <a:t> </a:t>
-            </a:r>
-            <a:r>
-              <a:rPr lang="nb-NO" sz="1800" dirty="0" err="1"/>
-              <a:t>around</a:t>
-            </a:r>
-            <a:r>
-              <a:rPr lang="nb-NO" sz="1800" dirty="0"/>
-              <a:t> </a:t>
-            </a:r>
-            <a:r>
-              <a:rPr lang="nb-NO" sz="1800" dirty="0" err="1"/>
-              <a:t>this</a:t>
-            </a:r>
-            <a:endParaRPr lang="nb-NO" sz="1800" dirty="0"/>
-          </a:p>
-          <a:p>
-            <a:endParaRPr lang="en-GB" sz="1800" dirty="0"/>
+            <a:endParaRPr lang="nb-NO" dirty="0"/>
+          </a:p>
+          <a:p>
+            <a:r>
+              <a:rPr lang="nb-NO" dirty="0" err="1"/>
+              <a:t>Config</a:t>
+            </a:r>
+            <a:r>
+              <a:rPr lang="nb-NO" dirty="0"/>
+              <a:t>:</a:t>
+            </a:r>
+          </a:p>
+          <a:p>
+            <a:r>
+              <a:rPr lang="nb-NO" dirty="0" err="1"/>
+              <a:t>nb_filters</a:t>
+            </a:r>
+            <a:r>
+              <a:rPr lang="nb-NO" dirty="0"/>
+              <a:t> = 	</a:t>
+            </a:r>
+          </a:p>
+          <a:p>
+            <a:r>
+              <a:rPr lang="nb-NO" dirty="0" err="1"/>
+              <a:t>Kernel</a:t>
+            </a:r>
+            <a:r>
+              <a:rPr lang="nb-NO" dirty="0"/>
+              <a:t> </a:t>
+            </a:r>
+            <a:r>
+              <a:rPr lang="nb-NO" dirty="0" err="1"/>
+              <a:t>size</a:t>
+            </a:r>
+            <a:r>
+              <a:rPr lang="nb-NO" dirty="0"/>
+              <a:t> = 	</a:t>
+            </a:r>
+          </a:p>
+          <a:p>
+            <a:r>
+              <a:rPr lang="nb-NO" dirty="0" err="1"/>
+              <a:t>Dilations</a:t>
+            </a:r>
+            <a:r>
+              <a:rPr lang="nb-NO" dirty="0"/>
+              <a:t> = 	</a:t>
+            </a:r>
+          </a:p>
+          <a:p>
+            <a:r>
+              <a:rPr lang="nb-NO" dirty="0" err="1"/>
+              <a:t>batch_size</a:t>
+            </a:r>
+            <a:r>
+              <a:rPr lang="nb-NO" dirty="0"/>
+              <a:t> = 	</a:t>
+            </a:r>
+          </a:p>
+          <a:p>
+            <a:r>
+              <a:rPr lang="nb-NO" dirty="0" err="1"/>
+              <a:t>Epochs</a:t>
+            </a:r>
+            <a:r>
+              <a:rPr lang="nb-NO" dirty="0"/>
+              <a:t> = 	</a:t>
+            </a:r>
+          </a:p>
+          <a:p>
+            <a:endParaRPr lang="en-GB" dirty="0"/>
+          </a:p>
+          <a:p>
+            <a:r>
+              <a:rPr lang="en-GB" dirty="0"/>
+              <a:t>Loss = </a:t>
+            </a:r>
+          </a:p>
+        </p:txBody>
+      </p:sp>
+      <p:sp>
+        <p:nvSpPr>
+          <p:cNvPr id="9" name="TextBox 8">
+            <a:extLst>
+              <a:ext uri="{FF2B5EF4-FFF2-40B4-BE49-F238E27FC236}">
+                <a16:creationId xmlns:a16="http://schemas.microsoft.com/office/drawing/2014/main" id="{ECEC4A22-A1B3-40C4-9970-2B95DA8A4E2A}"/>
+              </a:ext>
+            </a:extLst>
+          </p:cNvPr>
+          <p:cNvSpPr txBox="1"/>
+          <p:nvPr/>
+        </p:nvSpPr>
+        <p:spPr>
+          <a:xfrm>
+            <a:off x="6610525" y="2875908"/>
+            <a:ext cx="1258348" cy="369332"/>
+          </a:xfrm>
+          <a:prstGeom prst="rect">
+            <a:avLst/>
+          </a:prstGeom>
+          <a:noFill/>
+        </p:spPr>
+        <p:txBody>
+          <a:bodyPr wrap="square" rtlCol="0">
+            <a:spAutoFit/>
+          </a:bodyPr>
+          <a:lstStyle/>
+          <a:p>
+            <a:pPr algn="ctr"/>
+            <a:r>
+              <a:rPr lang="nb-NO" dirty="0" err="1"/>
+              <a:t>Predicted</a:t>
+            </a:r>
+            <a:endParaRPr lang="en-GB" dirty="0"/>
+          </a:p>
+        </p:txBody>
+      </p:sp>
+      <p:sp>
+        <p:nvSpPr>
+          <p:cNvPr id="10" name="TextBox 9">
+            <a:extLst>
+              <a:ext uri="{FF2B5EF4-FFF2-40B4-BE49-F238E27FC236}">
+                <a16:creationId xmlns:a16="http://schemas.microsoft.com/office/drawing/2014/main" id="{9A3B85A9-FC18-4394-ADEC-47CF69CAF029}"/>
+              </a:ext>
+            </a:extLst>
+          </p:cNvPr>
+          <p:cNvSpPr txBox="1"/>
+          <p:nvPr/>
+        </p:nvSpPr>
+        <p:spPr>
+          <a:xfrm>
+            <a:off x="6610524" y="5998127"/>
+            <a:ext cx="1258349" cy="369332"/>
+          </a:xfrm>
+          <a:prstGeom prst="rect">
+            <a:avLst/>
+          </a:prstGeom>
+          <a:noFill/>
+        </p:spPr>
+        <p:txBody>
+          <a:bodyPr wrap="square" rtlCol="0">
+            <a:spAutoFit/>
+          </a:bodyPr>
+          <a:lstStyle/>
+          <a:p>
+            <a:pPr algn="ctr"/>
+            <a:r>
+              <a:rPr lang="nb-NO" dirty="0"/>
+              <a:t>True</a:t>
+            </a:r>
+            <a:endParaRPr lang="en-GB" dirty="0"/>
           </a:p>
         </p:txBody>
       </p:sp>
     </p:spTree>
     <p:extLst>
       <p:ext uri="{BB962C8B-B14F-4D97-AF65-F5344CB8AC3E}">
-        <p14:creationId xmlns:p14="http://schemas.microsoft.com/office/powerpoint/2010/main" val="1721430244"/>
+        <p14:creationId xmlns:p14="http://schemas.microsoft.com/office/powerpoint/2010/main" val="2341598790"/>
       </p:ext>
     </p:extLst>
   </p:cSld>

--- a/Meeting Presentations/06.10.2022_General_meeting.pptx
+++ b/Meeting Presentations/06.10.2022_General_meeting.pptx
@@ -281,7 +281,7 @@
           <a:p>
             <a:fld id="{5E7AA473-D82F-4EFF-9DF7-AE6D83C51288}" type="datetime1">
               <a:rPr lang="en-US" smtClean="0"/>
-              <a:t>9/29/2022</a:t>
+              <a:t>10/4/2022</a:t>
             </a:fld>
             <a:endParaRPr lang="en-US"/>
           </a:p>
@@ -535,7 +535,7 @@
           <a:p>
             <a:fld id="{1E12F1F0-FE2D-4C1C-B320-8CB9BE735F0F}" type="datetime1">
               <a:rPr lang="en-US" smtClean="0"/>
-              <a:t>9/29/2022</a:t>
+              <a:t>10/4/2022</a:t>
             </a:fld>
             <a:endParaRPr lang="en-US"/>
           </a:p>
@@ -803,7 +803,7 @@
           <a:p>
             <a:fld id="{2CF1B96C-10FD-4EBC-9029-9652B7535D02}" type="datetime1">
               <a:rPr lang="en-US" smtClean="0"/>
-              <a:t>9/29/2022</a:t>
+              <a:t>10/4/2022</a:t>
             </a:fld>
             <a:endParaRPr lang="en-US"/>
           </a:p>
@@ -1057,7 +1057,7 @@
           <a:p>
             <a:fld id="{14878474-CC00-4A95-9D50-A41C12D1EEC4}" type="datetime1">
               <a:rPr lang="en-US" smtClean="0"/>
-              <a:t>9/29/2022</a:t>
+              <a:t>10/4/2022</a:t>
             </a:fld>
             <a:endParaRPr lang="en-US"/>
           </a:p>
@@ -1335,7 +1335,7 @@
           <a:p>
             <a:fld id="{7F38C8B4-7FBB-408F-BDB9-F0496874AFB2}" type="datetime1">
               <a:rPr lang="en-US" smtClean="0"/>
-              <a:t>9/29/2022</a:t>
+              <a:t>10/4/2022</a:t>
             </a:fld>
             <a:endParaRPr lang="en-US"/>
           </a:p>
@@ -1607,7 +1607,7 @@
           <a:p>
             <a:fld id="{2BB8EE20-A5E2-47D3-8F6D-A2BA7AB2E093}" type="datetime1">
               <a:rPr lang="en-US" smtClean="0"/>
-              <a:t>9/29/2022</a:t>
+              <a:t>10/4/2022</a:t>
             </a:fld>
             <a:endParaRPr lang="en-US"/>
           </a:p>
@@ -2165,7 +2165,7 @@
           <a:p>
             <a:fld id="{3382CF99-132F-413F-B7EF-71A5C33F2ED6}" type="datetime1">
               <a:rPr lang="en-US" smtClean="0"/>
-              <a:t>9/29/2022</a:t>
+              <a:t>10/4/2022</a:t>
             </a:fld>
             <a:endParaRPr lang="en-US"/>
           </a:p>
@@ -2307,7 +2307,7 @@
           <a:p>
             <a:fld id="{1F17AE06-98E0-4D9F-A059-92C3548821BB}" type="datetime1">
               <a:rPr lang="en-US" smtClean="0"/>
-              <a:t>9/29/2022</a:t>
+              <a:t>10/4/2022</a:t>
             </a:fld>
             <a:endParaRPr lang="en-US"/>
           </a:p>
@@ -2420,7 +2420,7 @@
           <a:p>
             <a:fld id="{FFBA00CA-3DDC-4705-B840-978EF5EA0707}" type="datetime1">
               <a:rPr lang="en-US" smtClean="0"/>
-              <a:t>9/29/2022</a:t>
+              <a:t>10/4/2022</a:t>
             </a:fld>
             <a:endParaRPr lang="en-US"/>
           </a:p>
@@ -2739,7 +2739,7 @@
           <a:p>
             <a:fld id="{FC366D49-0BBA-4C5A-AD96-6448CA63451A}" type="datetime1">
               <a:rPr lang="en-US" smtClean="0"/>
-              <a:t>9/29/2022</a:t>
+              <a:t>10/4/2022</a:t>
             </a:fld>
             <a:endParaRPr lang="en-US"/>
           </a:p>
@@ -3036,7 +3036,7 @@
           <a:p>
             <a:fld id="{4F4EB293-A316-472D-A8B4-6947CF1A12B7}" type="datetime1">
               <a:rPr lang="en-US" smtClean="0"/>
-              <a:t>9/29/2022</a:t>
+              <a:t>10/4/2022</a:t>
             </a:fld>
             <a:endParaRPr lang="en-US"/>
           </a:p>
@@ -3315,7 +3315,7 @@
           <a:p>
             <a:fld id="{734BCCD4-CEB1-405B-A443-DD9CBCBEA552}" type="datetime1">
               <a:rPr lang="en-US" smtClean="0"/>
-              <a:t>9/29/2022</a:t>
+              <a:t>10/4/2022</a:t>
             </a:fld>
             <a:endParaRPr lang="en-US"/>
           </a:p>

--- a/Meeting Presentations/06.10.2022_General_meeting.pptx
+++ b/Meeting Presentations/06.10.2022_General_meeting.pptx
@@ -8,17 +8,22 @@
     <p:sldId id="256" r:id="rId2"/>
     <p:sldId id="257" r:id="rId3"/>
     <p:sldId id="258" r:id="rId4"/>
-    <p:sldId id="262" r:id="rId5"/>
-    <p:sldId id="259" r:id="rId6"/>
-    <p:sldId id="261" r:id="rId7"/>
-    <p:sldId id="263" r:id="rId8"/>
-    <p:sldId id="264" r:id="rId9"/>
-    <p:sldId id="265" r:id="rId10"/>
-    <p:sldId id="266" r:id="rId11"/>
-    <p:sldId id="260" r:id="rId12"/>
-    <p:sldId id="268" r:id="rId13"/>
-    <p:sldId id="269" r:id="rId14"/>
-    <p:sldId id="267" r:id="rId15"/>
+    <p:sldId id="275" r:id="rId5"/>
+    <p:sldId id="262" r:id="rId6"/>
+    <p:sldId id="259" r:id="rId7"/>
+    <p:sldId id="261" r:id="rId8"/>
+    <p:sldId id="272" r:id="rId9"/>
+    <p:sldId id="263" r:id="rId10"/>
+    <p:sldId id="264" r:id="rId11"/>
+    <p:sldId id="270" r:id="rId12"/>
+    <p:sldId id="273" r:id="rId13"/>
+    <p:sldId id="274" r:id="rId14"/>
+    <p:sldId id="265" r:id="rId15"/>
+    <p:sldId id="266" r:id="rId16"/>
+    <p:sldId id="260" r:id="rId17"/>
+    <p:sldId id="268" r:id="rId18"/>
+    <p:sldId id="269" r:id="rId19"/>
+    <p:sldId id="267" r:id="rId20"/>
   </p:sldIdLst>
   <p:sldSz cx="12192000" cy="6858000"/>
   <p:notesSz cx="6858000" cy="9144000"/>
@@ -281,7 +286,7 @@
           <a:p>
             <a:fld id="{5E7AA473-D82F-4EFF-9DF7-AE6D83C51288}" type="datetime1">
               <a:rPr lang="en-US" smtClean="0"/>
-              <a:t>10/4/2022</a:t>
+              <a:t>10/5/2022</a:t>
             </a:fld>
             <a:endParaRPr lang="en-US"/>
           </a:p>
@@ -535,7 +540,7 @@
           <a:p>
             <a:fld id="{1E12F1F0-FE2D-4C1C-B320-8CB9BE735F0F}" type="datetime1">
               <a:rPr lang="en-US" smtClean="0"/>
-              <a:t>10/4/2022</a:t>
+              <a:t>10/5/2022</a:t>
             </a:fld>
             <a:endParaRPr lang="en-US"/>
           </a:p>
@@ -803,7 +808,7 @@
           <a:p>
             <a:fld id="{2CF1B96C-10FD-4EBC-9029-9652B7535D02}" type="datetime1">
               <a:rPr lang="en-US" smtClean="0"/>
-              <a:t>10/4/2022</a:t>
+              <a:t>10/5/2022</a:t>
             </a:fld>
             <a:endParaRPr lang="en-US"/>
           </a:p>
@@ -1057,7 +1062,7 @@
           <a:p>
             <a:fld id="{14878474-CC00-4A95-9D50-A41C12D1EEC4}" type="datetime1">
               <a:rPr lang="en-US" smtClean="0"/>
-              <a:t>10/4/2022</a:t>
+              <a:t>10/5/2022</a:t>
             </a:fld>
             <a:endParaRPr lang="en-US"/>
           </a:p>
@@ -1335,7 +1340,7 @@
           <a:p>
             <a:fld id="{7F38C8B4-7FBB-408F-BDB9-F0496874AFB2}" type="datetime1">
               <a:rPr lang="en-US" smtClean="0"/>
-              <a:t>10/4/2022</a:t>
+              <a:t>10/5/2022</a:t>
             </a:fld>
             <a:endParaRPr lang="en-US"/>
           </a:p>
@@ -1607,7 +1612,7 @@
           <a:p>
             <a:fld id="{2BB8EE20-A5E2-47D3-8F6D-A2BA7AB2E093}" type="datetime1">
               <a:rPr lang="en-US" smtClean="0"/>
-              <a:t>10/4/2022</a:t>
+              <a:t>10/5/2022</a:t>
             </a:fld>
             <a:endParaRPr lang="en-US"/>
           </a:p>
@@ -2165,7 +2170,7 @@
           <a:p>
             <a:fld id="{3382CF99-132F-413F-B7EF-71A5C33F2ED6}" type="datetime1">
               <a:rPr lang="en-US" smtClean="0"/>
-              <a:t>10/4/2022</a:t>
+              <a:t>10/5/2022</a:t>
             </a:fld>
             <a:endParaRPr lang="en-US"/>
           </a:p>
@@ -2307,7 +2312,7 @@
           <a:p>
             <a:fld id="{1F17AE06-98E0-4D9F-A059-92C3548821BB}" type="datetime1">
               <a:rPr lang="en-US" smtClean="0"/>
-              <a:t>10/4/2022</a:t>
+              <a:t>10/5/2022</a:t>
             </a:fld>
             <a:endParaRPr lang="en-US"/>
           </a:p>
@@ -2420,7 +2425,7 @@
           <a:p>
             <a:fld id="{FFBA00CA-3DDC-4705-B840-978EF5EA0707}" type="datetime1">
               <a:rPr lang="en-US" smtClean="0"/>
-              <a:t>10/4/2022</a:t>
+              <a:t>10/5/2022</a:t>
             </a:fld>
             <a:endParaRPr lang="en-US"/>
           </a:p>
@@ -2739,7 +2744,7 @@
           <a:p>
             <a:fld id="{FC366D49-0BBA-4C5A-AD96-6448CA63451A}" type="datetime1">
               <a:rPr lang="en-US" smtClean="0"/>
-              <a:t>10/4/2022</a:t>
+              <a:t>10/5/2022</a:t>
             </a:fld>
             <a:endParaRPr lang="en-US"/>
           </a:p>
@@ -3036,7 +3041,7 @@
           <a:p>
             <a:fld id="{4F4EB293-A316-472D-A8B4-6947CF1A12B7}" type="datetime1">
               <a:rPr lang="en-US" smtClean="0"/>
-              <a:t>10/4/2022</a:t>
+              <a:t>10/5/2022</a:t>
             </a:fld>
             <a:endParaRPr lang="en-US"/>
           </a:p>
@@ -3315,7 +3320,7 @@
           <a:p>
             <a:fld id="{734BCCD4-CEB1-405B-A443-DD9CBCBEA552}" type="datetime1">
               <a:rPr lang="en-US" smtClean="0"/>
-              <a:t>10/4/2022</a:t>
+              <a:t>10/5/2022</a:t>
             </a:fld>
             <a:endParaRPr lang="en-US"/>
           </a:p>
@@ -4206,7 +4211,7 @@
           <p:cNvPr id="2" name="Title 1">
             <a:extLst>
               <a:ext uri="{FF2B5EF4-FFF2-40B4-BE49-F238E27FC236}">
-                <a16:creationId xmlns:a16="http://schemas.microsoft.com/office/drawing/2014/main" id="{2BA28547-6B73-4D3A-8DAD-DF16285C8781}"/>
+                <a16:creationId xmlns:a16="http://schemas.microsoft.com/office/drawing/2014/main" id="{C9519876-F2DB-498A-895D-DC823225655D}"/>
               </a:ext>
             </a:extLst>
           </p:cNvPr>
@@ -4219,112 +4224,217 @@
         </p:nvSpPr>
         <p:spPr>
           <a:xfrm>
-            <a:off x="517869" y="978408"/>
-            <a:ext cx="5407069" cy="4870457"/>
+            <a:off x="517870" y="978409"/>
+            <a:ext cx="5021182" cy="1578180"/>
           </a:xfrm>
         </p:spPr>
         <p:txBody>
-          <a:bodyPr>
-            <a:normAutofit/>
+          <a:bodyPr/>
+          <a:lstStyle/>
+          <a:p>
+            <a:r>
+              <a:rPr lang="nb-NO" dirty="0"/>
+              <a:t>2nd </a:t>
+            </a:r>
+            <a:r>
+              <a:rPr lang="nb-NO" dirty="0" err="1"/>
+              <a:t>try</a:t>
+            </a:r>
+            <a:endParaRPr lang="en-GB" dirty="0"/>
+          </a:p>
+        </p:txBody>
+      </p:sp>
+      <p:pic>
+        <p:nvPicPr>
+          <p:cNvPr id="5" name="Content Placeholder 4" descr="A computer screen capture&#10;&#10;Description automatically generated with medium confidence">
+            <a:extLst>
+              <a:ext uri="{FF2B5EF4-FFF2-40B4-BE49-F238E27FC236}">
+                <a16:creationId xmlns:a16="http://schemas.microsoft.com/office/drawing/2014/main" id="{21E03888-DF5E-4193-9BDB-B79BCEFA01F1}"/>
+              </a:ext>
+            </a:extLst>
+          </p:cNvPr>
+          <p:cNvPicPr>
+            <a:picLocks noGrp="1" noChangeAspect="1"/>
+          </p:cNvPicPr>
+          <p:nvPr>
+            <p:ph idx="1"/>
+          </p:nvPr>
+        </p:nvPicPr>
+        <p:blipFill>
+          <a:blip r:embed="rId2">
+            <a:extLst>
+              <a:ext uri="{28A0092B-C50C-407E-A947-70E740481C1C}">
+                <a14:useLocalDpi xmlns:a14="http://schemas.microsoft.com/office/drawing/2010/main" val="0"/>
+              </a:ext>
+            </a:extLst>
+          </a:blip>
+          <a:stretch>
+            <a:fillRect/>
+          </a:stretch>
+        </p:blipFill>
+        <p:spPr>
+          <a:xfrm>
+            <a:off x="7945353" y="445858"/>
+            <a:ext cx="3728777" cy="2799382"/>
+          </a:xfrm>
+        </p:spPr>
+      </p:pic>
+      <p:pic>
+        <p:nvPicPr>
+          <p:cNvPr id="7" name="Picture 6" descr="A field of red flowers&#10;&#10;Description automatically generated with medium confidence">
+            <a:extLst>
+              <a:ext uri="{FF2B5EF4-FFF2-40B4-BE49-F238E27FC236}">
+                <a16:creationId xmlns:a16="http://schemas.microsoft.com/office/drawing/2014/main" id="{14625A65-1375-4462-894C-E356A01CC925}"/>
+              </a:ext>
+            </a:extLst>
+          </p:cNvPr>
+          <p:cNvPicPr>
+            <a:picLocks noChangeAspect="1"/>
+          </p:cNvPicPr>
+          <p:nvPr/>
+        </p:nvPicPr>
+        <p:blipFill>
+          <a:blip r:embed="rId3">
+            <a:extLst>
+              <a:ext uri="{28A0092B-C50C-407E-A947-70E740481C1C}">
+                <a14:useLocalDpi xmlns:a14="http://schemas.microsoft.com/office/drawing/2010/main" val="0"/>
+              </a:ext>
+            </a:extLst>
+          </a:blip>
+          <a:stretch>
+            <a:fillRect/>
+          </a:stretch>
+        </p:blipFill>
+        <p:spPr>
+          <a:xfrm>
+            <a:off x="7945355" y="3614730"/>
+            <a:ext cx="3728775" cy="2799381"/>
+          </a:xfrm>
+          <a:prstGeom prst="rect">
+            <a:avLst/>
+          </a:prstGeom>
+        </p:spPr>
+      </p:pic>
+      <p:sp>
+        <p:nvSpPr>
+          <p:cNvPr id="8" name="TextBox 7">
+            <a:extLst>
+              <a:ext uri="{FF2B5EF4-FFF2-40B4-BE49-F238E27FC236}">
+                <a16:creationId xmlns:a16="http://schemas.microsoft.com/office/drawing/2014/main" id="{EA9F4666-F997-4468-93E4-A3C378762A52}"/>
+              </a:ext>
+            </a:extLst>
+          </p:cNvPr>
+          <p:cNvSpPr txBox="1"/>
+          <p:nvPr/>
+        </p:nvSpPr>
+        <p:spPr>
+          <a:xfrm>
+            <a:off x="517869" y="2118050"/>
+            <a:ext cx="6016175" cy="3139321"/>
+          </a:xfrm>
+          <a:prstGeom prst="rect">
+            <a:avLst/>
+          </a:prstGeom>
+          <a:noFill/>
+        </p:spPr>
+        <p:txBody>
+          <a:bodyPr wrap="square" rtlCol="0">
+            <a:spAutoFit/>
           </a:bodyPr>
           <a:lstStyle/>
           <a:p>
             <a:r>
-              <a:rPr lang="nb-NO" sz="3200" dirty="0"/>
-              <a:t>All </a:t>
-            </a:r>
-            <a:r>
-              <a:rPr lang="nb-NO" sz="3200" dirty="0" err="1"/>
-              <a:t>of</a:t>
-            </a:r>
-            <a:r>
-              <a:rPr lang="nb-NO" sz="3200" dirty="0"/>
-              <a:t> </a:t>
-            </a:r>
-            <a:r>
-              <a:rPr lang="nb-NO" sz="3200" dirty="0" err="1"/>
-              <a:t>this</a:t>
-            </a:r>
-            <a:r>
-              <a:rPr lang="nb-NO" sz="3200" dirty="0"/>
-              <a:t> is </a:t>
-            </a:r>
-            <a:r>
-              <a:rPr lang="nb-NO" sz="3200" dirty="0" err="1"/>
-              <a:t>before</a:t>
-            </a:r>
-            <a:r>
-              <a:rPr lang="nb-NO" sz="3200" dirty="0"/>
-              <a:t> </a:t>
-            </a:r>
-            <a:r>
-              <a:rPr lang="nb-NO" sz="3200" dirty="0" err="1"/>
-              <a:t>any</a:t>
-            </a:r>
-            <a:r>
-              <a:rPr lang="nb-NO" sz="3200" dirty="0"/>
-              <a:t> data </a:t>
-            </a:r>
-            <a:r>
-              <a:rPr lang="nb-NO" sz="3200" dirty="0" err="1"/>
-              <a:t>preperation</a:t>
-            </a:r>
-            <a:endParaRPr lang="en-GB" sz="3200" dirty="0"/>
-          </a:p>
-        </p:txBody>
-      </p:sp>
-      <p:sp>
-        <p:nvSpPr>
-          <p:cNvPr id="3" name="Content Placeholder 2">
-            <a:extLst>
-              <a:ext uri="{FF2B5EF4-FFF2-40B4-BE49-F238E27FC236}">
-                <a16:creationId xmlns:a16="http://schemas.microsoft.com/office/drawing/2014/main" id="{E682927D-D2D3-4865-89CC-D77207BFA761}"/>
-              </a:ext>
-            </a:extLst>
-          </p:cNvPr>
-          <p:cNvSpPr>
-            <a:spLocks noGrp="1"/>
-          </p:cNvSpPr>
-          <p:nvPr>
-            <p:ph idx="1"/>
-          </p:nvPr>
-        </p:nvSpPr>
-        <p:spPr/>
-        <p:txBody>
-          <a:bodyPr/>
-          <a:lstStyle/>
-          <a:p>
-            <a:r>
-              <a:rPr lang="nb-NO" dirty="0"/>
-              <a:t>Data prep </a:t>
-            </a:r>
-            <a:r>
-              <a:rPr lang="nb-NO" dirty="0" err="1"/>
-              <a:t>will</a:t>
-            </a:r>
-            <a:r>
-              <a:rPr lang="nb-NO" dirty="0"/>
-              <a:t> most </a:t>
-            </a:r>
-            <a:r>
-              <a:rPr lang="nb-NO" dirty="0" err="1"/>
-              <a:t>likely</a:t>
-            </a:r>
-            <a:r>
-              <a:rPr lang="nb-NO" dirty="0"/>
-              <a:t> </a:t>
-            </a:r>
-            <a:r>
-              <a:rPr lang="nb-NO" dirty="0" err="1"/>
-              <a:t>improve</a:t>
-            </a:r>
-            <a:r>
-              <a:rPr lang="nb-NO" dirty="0"/>
-              <a:t> </a:t>
-            </a:r>
-            <a:r>
-              <a:rPr lang="nb-NO" dirty="0" err="1"/>
-              <a:t>results</a:t>
+              <a:rPr lang="nb-NO" dirty="0"/>
+              <a:t>This </a:t>
+            </a:r>
+            <a:r>
+              <a:rPr lang="nb-NO" dirty="0" err="1"/>
+              <a:t>one</a:t>
+            </a:r>
+            <a:r>
+              <a:rPr lang="nb-NO" dirty="0"/>
+              <a:t> </a:t>
+            </a:r>
+            <a:r>
+              <a:rPr lang="nb-NO" dirty="0" err="1"/>
+              <a:t>was</a:t>
+            </a:r>
+            <a:r>
+              <a:rPr lang="nb-NO" dirty="0"/>
+              <a:t> </a:t>
+            </a:r>
+            <a:r>
+              <a:rPr lang="nb-NO" dirty="0" err="1"/>
+              <a:t>able</a:t>
+            </a:r>
+            <a:r>
+              <a:rPr lang="nb-NO" dirty="0"/>
+              <a:t> to </a:t>
+            </a:r>
+            <a:r>
+              <a:rPr lang="nb-NO" dirty="0" err="1"/>
+              <a:t>capture</a:t>
+            </a:r>
+            <a:r>
+              <a:rPr lang="nb-NO" dirty="0"/>
+              <a:t> </a:t>
+            </a:r>
+            <a:r>
+              <a:rPr lang="nb-NO" dirty="0" err="1"/>
+              <a:t>the</a:t>
+            </a:r>
+            <a:r>
+              <a:rPr lang="nb-NO" dirty="0"/>
+              <a:t> </a:t>
+            </a:r>
+            <a:r>
+              <a:rPr lang="nb-NO" b="1" dirty="0" err="1"/>
+              <a:t>ocean</a:t>
+            </a:r>
+            <a:r>
+              <a:rPr lang="nb-NO" b="1" dirty="0"/>
+              <a:t> </a:t>
+            </a:r>
+            <a:r>
+              <a:rPr lang="nb-NO" b="1" dirty="0" err="1"/>
+              <a:t>bottom</a:t>
+            </a:r>
+            <a:r>
+              <a:rPr lang="nb-NO" b="1" dirty="0"/>
+              <a:t> </a:t>
+            </a:r>
+            <a:r>
+              <a:rPr lang="nb-NO" b="1" dirty="0" err="1"/>
+              <a:t>reflector</a:t>
+            </a:r>
+            <a:r>
+              <a:rPr lang="nb-NO" b="1" dirty="0"/>
+              <a:t> </a:t>
+            </a:r>
+            <a:r>
+              <a:rPr lang="nb-NO" dirty="0" err="1"/>
+              <a:t>pretty</a:t>
+            </a:r>
+            <a:r>
+              <a:rPr lang="nb-NO" dirty="0"/>
+              <a:t> </a:t>
+            </a:r>
+            <a:r>
+              <a:rPr lang="nb-NO" dirty="0" err="1"/>
+              <a:t>well</a:t>
+            </a:r>
+            <a:r>
+              <a:rPr lang="nb-NO" dirty="0"/>
+              <a:t>.</a:t>
+            </a:r>
+          </a:p>
+          <a:p>
+            <a:endParaRPr lang="nb-NO" dirty="0"/>
+          </a:p>
+          <a:p>
+            <a:r>
+              <a:rPr lang="nb-NO" dirty="0" err="1"/>
+              <a:t>Config</a:t>
             </a:r>
             <a:r>
               <a:rPr lang="nb-NO" dirty="0"/>
@@ -4332,51 +4442,144 @@
             </a:r>
           </a:p>
           <a:p>
-            <a:pPr marL="342900" indent="-342900">
-              <a:buFont typeface="Arial" panose="020B0604020202020204" pitchFamily="34" charset="0"/>
-              <a:buChar char="•"/>
-            </a:pPr>
-            <a:r>
-              <a:rPr lang="nb-NO" dirty="0" err="1"/>
-              <a:t>Removing</a:t>
-            </a:r>
-            <a:r>
-              <a:rPr lang="nb-NO" dirty="0"/>
-              <a:t> </a:t>
-            </a:r>
-            <a:r>
-              <a:rPr lang="nb-NO" dirty="0" err="1"/>
-              <a:t>outliers</a:t>
-            </a:r>
-            <a:endParaRPr lang="nb-NO" dirty="0"/>
-          </a:p>
-          <a:p>
-            <a:pPr marL="342900" indent="-342900">
-              <a:buFont typeface="Arial" panose="020B0604020202020204" pitchFamily="34" charset="0"/>
-              <a:buChar char="•"/>
-            </a:pPr>
-            <a:r>
-              <a:rPr lang="nb-NO" dirty="0" err="1"/>
-              <a:t>Normalizing</a:t>
-            </a:r>
-            <a:r>
-              <a:rPr lang="nb-NO" dirty="0"/>
-              <a:t> </a:t>
-            </a:r>
-            <a:r>
-              <a:rPr lang="nb-NO" dirty="0" err="1"/>
-              <a:t>the</a:t>
-            </a:r>
-            <a:r>
-              <a:rPr lang="nb-NO" dirty="0"/>
-              <a:t> data</a:t>
-            </a:r>
-          </a:p>
-          <a:p>
-            <a:pPr marL="342900" indent="-342900">
-              <a:buFont typeface="Arial" panose="020B0604020202020204" pitchFamily="34" charset="0"/>
-              <a:buChar char="•"/>
-            </a:pPr>
+            <a:r>
+              <a:rPr lang="nb-NO" dirty="0" err="1"/>
+              <a:t>nb_filters</a:t>
+            </a:r>
+            <a:r>
+              <a:rPr lang="nb-NO" dirty="0"/>
+              <a:t> = 	64</a:t>
+            </a:r>
+          </a:p>
+          <a:p>
+            <a:r>
+              <a:rPr lang="nb-NO" dirty="0" err="1"/>
+              <a:t>Kernel</a:t>
+            </a:r>
+            <a:r>
+              <a:rPr lang="nb-NO" dirty="0"/>
+              <a:t> </a:t>
+            </a:r>
+            <a:r>
+              <a:rPr lang="nb-NO" dirty="0" err="1"/>
+              <a:t>size</a:t>
+            </a:r>
+            <a:r>
+              <a:rPr lang="nb-NO" dirty="0"/>
+              <a:t> = 	8 </a:t>
+            </a:r>
+          </a:p>
+          <a:p>
+            <a:r>
+              <a:rPr lang="nb-NO" dirty="0" err="1"/>
+              <a:t>Dilations</a:t>
+            </a:r>
+            <a:r>
+              <a:rPr lang="nb-NO" dirty="0"/>
+              <a:t> = 	[1, 2, 4, 8, 16, 32]</a:t>
+            </a:r>
+          </a:p>
+          <a:p>
+            <a:r>
+              <a:rPr lang="nb-NO" dirty="0" err="1"/>
+              <a:t>batch_size</a:t>
+            </a:r>
+            <a:r>
+              <a:rPr lang="nb-NO" dirty="0"/>
+              <a:t> = 	20</a:t>
+            </a:r>
+          </a:p>
+          <a:p>
+            <a:r>
+              <a:rPr lang="nb-NO" dirty="0" err="1"/>
+              <a:t>Epochs</a:t>
+            </a:r>
+            <a:r>
+              <a:rPr lang="nb-NO" dirty="0"/>
+              <a:t> = 	10</a:t>
+            </a:r>
+          </a:p>
+          <a:p>
+            <a:endParaRPr lang="en-GB" dirty="0"/>
+          </a:p>
+          <a:p>
+            <a:r>
+              <a:rPr lang="en-GB" dirty="0"/>
+              <a:t>Loss = 1.28</a:t>
+            </a:r>
+          </a:p>
+        </p:txBody>
+      </p:sp>
+      <p:sp>
+        <p:nvSpPr>
+          <p:cNvPr id="9" name="TextBox 8">
+            <a:extLst>
+              <a:ext uri="{FF2B5EF4-FFF2-40B4-BE49-F238E27FC236}">
+                <a16:creationId xmlns:a16="http://schemas.microsoft.com/office/drawing/2014/main" id="{ECEC4A22-A1B3-40C4-9970-2B95DA8A4E2A}"/>
+              </a:ext>
+            </a:extLst>
+          </p:cNvPr>
+          <p:cNvSpPr txBox="1"/>
+          <p:nvPr/>
+        </p:nvSpPr>
+        <p:spPr>
+          <a:xfrm>
+            <a:off x="6610525" y="2875908"/>
+            <a:ext cx="1258348" cy="369332"/>
+          </a:xfrm>
+          <a:prstGeom prst="rect">
+            <a:avLst/>
+          </a:prstGeom>
+          <a:noFill/>
+        </p:spPr>
+        <p:txBody>
+          <a:bodyPr wrap="square" rtlCol="0">
+            <a:spAutoFit/>
+          </a:bodyPr>
+          <a:lstStyle/>
+          <a:p>
+            <a:pPr algn="ctr"/>
+            <a:r>
+              <a:rPr lang="nb-NO" dirty="0" err="1"/>
+              <a:t>Predicted</a:t>
+            </a:r>
+            <a:endParaRPr lang="en-GB" dirty="0"/>
+          </a:p>
+        </p:txBody>
+      </p:sp>
+      <p:sp>
+        <p:nvSpPr>
+          <p:cNvPr id="10" name="TextBox 9">
+            <a:extLst>
+              <a:ext uri="{FF2B5EF4-FFF2-40B4-BE49-F238E27FC236}">
+                <a16:creationId xmlns:a16="http://schemas.microsoft.com/office/drawing/2014/main" id="{9A3B85A9-FC18-4394-ADEC-47CF69CAF029}"/>
+              </a:ext>
+            </a:extLst>
+          </p:cNvPr>
+          <p:cNvSpPr txBox="1"/>
+          <p:nvPr/>
+        </p:nvSpPr>
+        <p:spPr>
+          <a:xfrm>
+            <a:off x="6610524" y="5998127"/>
+            <a:ext cx="1258349" cy="369332"/>
+          </a:xfrm>
+          <a:prstGeom prst="rect">
+            <a:avLst/>
+          </a:prstGeom>
+          <a:noFill/>
+        </p:spPr>
+        <p:txBody>
+          <a:bodyPr wrap="square" rtlCol="0">
+            <a:spAutoFit/>
+          </a:bodyPr>
+          <a:lstStyle/>
+          <a:p>
+            <a:pPr algn="ctr"/>
+            <a:r>
+              <a:rPr lang="nb-NO" dirty="0"/>
+              <a:t>True</a:t>
+            </a:r>
             <a:endParaRPr lang="en-GB" dirty="0"/>
           </a:p>
         </p:txBody>
@@ -4384,7 +4587,7 @@
     </p:spTree>
     <p:extLst>
       <p:ext uri="{BB962C8B-B14F-4D97-AF65-F5344CB8AC3E}">
-        <p14:creationId xmlns:p14="http://schemas.microsoft.com/office/powerpoint/2010/main" val="4195134594"/>
+        <p14:creationId xmlns:p14="http://schemas.microsoft.com/office/powerpoint/2010/main" val="1374411736"/>
       </p:ext>
     </p:extLst>
   </p:cSld>
@@ -4416,7 +4619,7 @@
           <p:cNvPr id="2" name="Title 1">
             <a:extLst>
               <a:ext uri="{FF2B5EF4-FFF2-40B4-BE49-F238E27FC236}">
-                <a16:creationId xmlns:a16="http://schemas.microsoft.com/office/drawing/2014/main" id="{12258E73-6AE5-4223-B21E-5F34CFBE2733}"/>
+                <a16:creationId xmlns:a16="http://schemas.microsoft.com/office/drawing/2014/main" id="{24D45899-1F6E-4570-9D84-AD7909290267}"/>
               </a:ext>
             </a:extLst>
           </p:cNvPr>
@@ -4427,103 +4630,272 @@
             <p:ph type="title"/>
           </p:nvPr>
         </p:nvSpPr>
-        <p:spPr/>
+        <p:spPr>
+          <a:xfrm>
+            <a:off x="508081" y="993771"/>
+            <a:ext cx="5021182" cy="4870457"/>
+          </a:xfrm>
+        </p:spPr>
         <p:txBody>
           <a:bodyPr/>
           <a:lstStyle/>
           <a:p>
             <a:r>
-              <a:rPr lang="nb-NO" dirty="0" err="1"/>
-              <a:t>Misc</a:t>
+              <a:rPr lang="nb-NO" dirty="0"/>
+              <a:t>3rd </a:t>
+            </a:r>
+            <a:r>
+              <a:rPr lang="nb-NO" dirty="0" err="1"/>
+              <a:t>try</a:t>
             </a:r>
             <a:endParaRPr lang="en-GB" dirty="0"/>
           </a:p>
         </p:txBody>
       </p:sp>
-      <p:sp>
-        <p:nvSpPr>
-          <p:cNvPr id="3" name="Content Placeholder 2">
-            <a:extLst>
-              <a:ext uri="{FF2B5EF4-FFF2-40B4-BE49-F238E27FC236}">
-                <a16:creationId xmlns:a16="http://schemas.microsoft.com/office/drawing/2014/main" id="{E9B0CAFF-4335-4587-B8AD-BD8918EA374C}"/>
-              </a:ext>
-            </a:extLst>
-          </p:cNvPr>
-          <p:cNvSpPr>
-            <a:spLocks noGrp="1"/>
-          </p:cNvSpPr>
+      <p:pic>
+        <p:nvPicPr>
+          <p:cNvPr id="5" name="Content Placeholder 4" descr="A picture containing orange, blue&#10;&#10;Description automatically generated">
+            <a:extLst>
+              <a:ext uri="{FF2B5EF4-FFF2-40B4-BE49-F238E27FC236}">
+                <a16:creationId xmlns:a16="http://schemas.microsoft.com/office/drawing/2014/main" id="{B684979F-B809-444F-83E1-FEE1BB531450}"/>
+              </a:ext>
+            </a:extLst>
+          </p:cNvPr>
+          <p:cNvPicPr>
+            <a:picLocks noGrp="1" noChangeAspect="1"/>
+          </p:cNvPicPr>
           <p:nvPr>
             <p:ph idx="1"/>
           </p:nvPr>
-        </p:nvSpPr>
-        <p:spPr/>
-        <p:txBody>
-          <a:bodyPr>
-            <a:normAutofit/>
+        </p:nvPicPr>
+        <p:blipFill>
+          <a:blip r:embed="rId2">
+            <a:extLst>
+              <a:ext uri="{28A0092B-C50C-407E-A947-70E740481C1C}">
+                <a14:useLocalDpi xmlns:a14="http://schemas.microsoft.com/office/drawing/2010/main" val="0"/>
+              </a:ext>
+            </a:extLst>
+          </a:blip>
+          <a:stretch>
+            <a:fillRect/>
+          </a:stretch>
+        </p:blipFill>
+        <p:spPr>
+          <a:xfrm>
+            <a:off x="6662738" y="1520330"/>
+            <a:ext cx="5021262" cy="3769716"/>
+          </a:xfrm>
+        </p:spPr>
+      </p:pic>
+      <p:sp>
+        <p:nvSpPr>
+          <p:cNvPr id="7" name="TextBox 6">
+            <a:extLst>
+              <a:ext uri="{FF2B5EF4-FFF2-40B4-BE49-F238E27FC236}">
+                <a16:creationId xmlns:a16="http://schemas.microsoft.com/office/drawing/2014/main" id="{03B74B80-D54C-4BC5-80C2-F5B14EAEE2F9}"/>
+              </a:ext>
+            </a:extLst>
+          </p:cNvPr>
+          <p:cNvSpPr txBox="1"/>
+          <p:nvPr/>
+        </p:nvSpPr>
+        <p:spPr>
+          <a:xfrm>
+            <a:off x="849086" y="2472612"/>
+            <a:ext cx="3918857" cy="2585323"/>
+          </a:xfrm>
+          <a:prstGeom prst="rect">
+            <a:avLst/>
+          </a:prstGeom>
+          <a:noFill/>
+        </p:spPr>
+        <p:txBody>
+          <a:bodyPr wrap="square" rtlCol="0">
+            <a:spAutoFit/>
           </a:bodyPr>
           <a:lstStyle/>
           <a:p>
             <a:r>
-              <a:rPr lang="nb-NO" sz="1800" dirty="0" err="1"/>
-              <a:t>Causal</a:t>
-            </a:r>
-            <a:r>
-              <a:rPr lang="nb-NO" sz="1800" dirty="0"/>
-              <a:t> </a:t>
-            </a:r>
-            <a:r>
-              <a:rPr lang="nb-NO" sz="1800" dirty="0" err="1"/>
-              <a:t>padding</a:t>
-            </a:r>
-            <a:r>
-              <a:rPr lang="nb-NO" sz="1800" dirty="0"/>
-              <a:t> is not </a:t>
-            </a:r>
-            <a:r>
-              <a:rPr lang="nb-NO" sz="1800" dirty="0" err="1"/>
-              <a:t>supported</a:t>
-            </a:r>
-            <a:r>
-              <a:rPr lang="nb-NO" sz="1800" dirty="0"/>
-              <a:t> for Conv2D</a:t>
-            </a:r>
-          </a:p>
-          <a:p>
-            <a:r>
-              <a:rPr lang="nb-NO" sz="1800" dirty="0"/>
-              <a:t>	</a:t>
-            </a:r>
-            <a:r>
-              <a:rPr lang="nb-NO" sz="1800" dirty="0" err="1"/>
-              <a:t>Discussion</a:t>
-            </a:r>
-            <a:r>
-              <a:rPr lang="nb-NO" sz="1800" dirty="0"/>
-              <a:t> </a:t>
-            </a:r>
-            <a:r>
-              <a:rPr lang="nb-NO" sz="1800" dirty="0" err="1"/>
-              <a:t>around</a:t>
-            </a:r>
-            <a:r>
-              <a:rPr lang="nb-NO" sz="1800" dirty="0"/>
-              <a:t> </a:t>
-            </a:r>
-            <a:r>
-              <a:rPr lang="nb-NO" sz="1800" dirty="0" err="1"/>
-              <a:t>this</a:t>
-            </a:r>
-            <a:endParaRPr lang="nb-NO" sz="1800" dirty="0"/>
-          </a:p>
-          <a:p>
-            <a:endParaRPr lang="en-GB" sz="1800" dirty="0"/>
+              <a:rPr lang="nb-NO" dirty="0" err="1"/>
+              <a:t>Config</a:t>
+            </a:r>
+            <a:r>
+              <a:rPr lang="nb-NO" dirty="0"/>
+              <a:t>:</a:t>
+            </a:r>
+          </a:p>
+          <a:p>
+            <a:r>
+              <a:rPr lang="nb-NO" dirty="0" err="1"/>
+              <a:t>nb_filters</a:t>
+            </a:r>
+            <a:r>
+              <a:rPr lang="nb-NO" dirty="0"/>
+              <a:t> = 	</a:t>
+            </a:r>
+            <a:r>
+              <a:rPr lang="nb-NO" b="1" dirty="0">
+                <a:solidFill>
+                  <a:srgbClr val="FF0000"/>
+                </a:solidFill>
+              </a:rPr>
+              <a:t>128</a:t>
+            </a:r>
+          </a:p>
+          <a:p>
+            <a:r>
+              <a:rPr lang="nb-NO" dirty="0" err="1"/>
+              <a:t>Kernel</a:t>
+            </a:r>
+            <a:r>
+              <a:rPr lang="nb-NO" dirty="0"/>
+              <a:t> </a:t>
+            </a:r>
+            <a:r>
+              <a:rPr lang="nb-NO" dirty="0" err="1"/>
+              <a:t>size</a:t>
+            </a:r>
+            <a:r>
+              <a:rPr lang="nb-NO" dirty="0"/>
+              <a:t> = 	8 </a:t>
+            </a:r>
+          </a:p>
+          <a:p>
+            <a:r>
+              <a:rPr lang="nb-NO" dirty="0" err="1"/>
+              <a:t>Dilations</a:t>
+            </a:r>
+            <a:r>
+              <a:rPr lang="nb-NO" dirty="0"/>
+              <a:t> = 	[1, 2, 4, 8, 16, 32]</a:t>
+            </a:r>
+          </a:p>
+          <a:p>
+            <a:r>
+              <a:rPr lang="nb-NO" dirty="0" err="1"/>
+              <a:t>batch_size</a:t>
+            </a:r>
+            <a:r>
+              <a:rPr lang="nb-NO" dirty="0"/>
+              <a:t> = 	20</a:t>
+            </a:r>
+          </a:p>
+          <a:p>
+            <a:r>
+              <a:rPr lang="nb-NO" dirty="0" err="1"/>
+              <a:t>Epochs</a:t>
+            </a:r>
+            <a:r>
+              <a:rPr lang="nb-NO" dirty="0"/>
+              <a:t> = 	12</a:t>
+            </a:r>
+          </a:p>
+          <a:p>
+            <a:endParaRPr lang="en-GB" dirty="0"/>
+          </a:p>
+          <a:p>
+            <a:r>
+              <a:rPr lang="en-GB" dirty="0"/>
+              <a:t>Loss 	</a:t>
+            </a:r>
+            <a:r>
+              <a:rPr lang="nb-NO" dirty="0"/>
+              <a:t>≈ </a:t>
+            </a:r>
+            <a:r>
+              <a:rPr lang="en-GB" dirty="0"/>
+              <a:t>0.016</a:t>
+            </a:r>
+          </a:p>
+          <a:p>
+            <a:r>
+              <a:rPr lang="en-GB" dirty="0"/>
+              <a:t>Runtime 	</a:t>
+            </a:r>
+            <a:r>
+              <a:rPr lang="nb-NO" dirty="0"/>
+              <a:t>≈ 2h</a:t>
+            </a:r>
+            <a:endParaRPr lang="en-GB" dirty="0"/>
+          </a:p>
+        </p:txBody>
+      </p:sp>
+      <p:sp>
+        <p:nvSpPr>
+          <p:cNvPr id="8" name="TextBox 7">
+            <a:extLst>
+              <a:ext uri="{FF2B5EF4-FFF2-40B4-BE49-F238E27FC236}">
+                <a16:creationId xmlns:a16="http://schemas.microsoft.com/office/drawing/2014/main" id="{7930D637-7B48-4C5B-849F-99C3865A1AA5}"/>
+              </a:ext>
+            </a:extLst>
+          </p:cNvPr>
+          <p:cNvSpPr txBox="1"/>
+          <p:nvPr/>
+        </p:nvSpPr>
+        <p:spPr>
+          <a:xfrm>
+            <a:off x="6662738" y="1107347"/>
+            <a:ext cx="1692697" cy="369332"/>
+          </a:xfrm>
+          <a:prstGeom prst="rect">
+            <a:avLst/>
+          </a:prstGeom>
+          <a:noFill/>
+        </p:spPr>
+        <p:txBody>
+          <a:bodyPr wrap="square" rtlCol="0">
+            <a:spAutoFit/>
+          </a:bodyPr>
+          <a:lstStyle/>
+          <a:p>
+            <a:r>
+              <a:rPr lang="nb-NO" dirty="0" err="1"/>
+              <a:t>Predicted</a:t>
+            </a:r>
+            <a:endParaRPr lang="en-GB" dirty="0"/>
+          </a:p>
+        </p:txBody>
+      </p:sp>
+      <p:sp>
+        <p:nvSpPr>
+          <p:cNvPr id="9" name="TextBox 8">
+            <a:extLst>
+              <a:ext uri="{FF2B5EF4-FFF2-40B4-BE49-F238E27FC236}">
+                <a16:creationId xmlns:a16="http://schemas.microsoft.com/office/drawing/2014/main" id="{7101D176-E9F5-4C83-868A-5506EFD176F5}"/>
+              </a:ext>
+            </a:extLst>
+          </p:cNvPr>
+          <p:cNvSpPr txBox="1"/>
+          <p:nvPr/>
+        </p:nvSpPr>
+        <p:spPr>
+          <a:xfrm>
+            <a:off x="9278224" y="1107347"/>
+            <a:ext cx="1342238" cy="369332"/>
+          </a:xfrm>
+          <a:prstGeom prst="rect">
+            <a:avLst/>
+          </a:prstGeom>
+          <a:noFill/>
+        </p:spPr>
+        <p:txBody>
+          <a:bodyPr wrap="square" rtlCol="0">
+            <a:spAutoFit/>
+          </a:bodyPr>
+          <a:lstStyle/>
+          <a:p>
+            <a:r>
+              <a:rPr lang="nb-NO" dirty="0"/>
+              <a:t>True</a:t>
+            </a:r>
+            <a:endParaRPr lang="en-GB" dirty="0"/>
           </a:p>
         </p:txBody>
       </p:sp>
     </p:spTree>
     <p:extLst>
       <p:ext uri="{BB962C8B-B14F-4D97-AF65-F5344CB8AC3E}">
-        <p14:creationId xmlns:p14="http://schemas.microsoft.com/office/powerpoint/2010/main" val="1721430244"/>
+        <p14:creationId xmlns:p14="http://schemas.microsoft.com/office/powerpoint/2010/main" val="2436697817"/>
       </p:ext>
     </p:extLst>
   </p:cSld>
@@ -4555,7 +4927,7 @@
           <p:cNvPr id="2" name="Title 1">
             <a:extLst>
               <a:ext uri="{FF2B5EF4-FFF2-40B4-BE49-F238E27FC236}">
-                <a16:creationId xmlns:a16="http://schemas.microsoft.com/office/drawing/2014/main" id="{363286B4-45A3-4D3F-89BA-B04DF59B6064}"/>
+                <a16:creationId xmlns:a16="http://schemas.microsoft.com/office/drawing/2014/main" id="{24D45899-1F6E-4570-9D84-AD7909290267}"/>
               </a:ext>
             </a:extLst>
           </p:cNvPr>
@@ -4566,22 +4938,23 @@
             <p:ph type="title"/>
           </p:nvPr>
         </p:nvSpPr>
-        <p:spPr/>
+        <p:spPr>
+          <a:xfrm>
+            <a:off x="508081" y="993771"/>
+            <a:ext cx="5021182" cy="4870457"/>
+          </a:xfrm>
+        </p:spPr>
         <p:txBody>
           <a:bodyPr/>
           <a:lstStyle/>
           <a:p>
             <a:r>
-              <a:rPr lang="nb-NO" dirty="0" err="1"/>
-              <a:t>Academics</a:t>
-            </a:r>
-            <a:r>
-              <a:rPr lang="nb-NO" dirty="0"/>
-              <a:t> and </a:t>
-            </a:r>
-            <a:r>
-              <a:rPr lang="nb-NO" dirty="0" err="1"/>
-              <a:t>writing</a:t>
+              <a:rPr lang="nb-NO" dirty="0"/>
+              <a:t>4th </a:t>
+            </a:r>
+            <a:r>
+              <a:rPr lang="nb-NO" dirty="0" err="1"/>
+              <a:t>try</a:t>
             </a:r>
             <a:endParaRPr lang="en-GB" dirty="0"/>
           </a:p>
@@ -4589,176 +4962,240 @@
       </p:sp>
       <p:sp>
         <p:nvSpPr>
-          <p:cNvPr id="3" name="Content Placeholder 2">
-            <a:extLst>
-              <a:ext uri="{FF2B5EF4-FFF2-40B4-BE49-F238E27FC236}">
-                <a16:creationId xmlns:a16="http://schemas.microsoft.com/office/drawing/2014/main" id="{6EC674BB-1C03-4AE5-BBD2-85061154A891}"/>
-              </a:ext>
-            </a:extLst>
-          </p:cNvPr>
-          <p:cNvSpPr>
-            <a:spLocks noGrp="1"/>
-          </p:cNvSpPr>
+          <p:cNvPr id="7" name="TextBox 6">
+            <a:extLst>
+              <a:ext uri="{FF2B5EF4-FFF2-40B4-BE49-F238E27FC236}">
+                <a16:creationId xmlns:a16="http://schemas.microsoft.com/office/drawing/2014/main" id="{03B74B80-D54C-4BC5-80C2-F5B14EAEE2F9}"/>
+              </a:ext>
+            </a:extLst>
+          </p:cNvPr>
+          <p:cNvSpPr txBox="1"/>
+          <p:nvPr/>
+        </p:nvSpPr>
+        <p:spPr>
+          <a:xfrm>
+            <a:off x="849086" y="2472612"/>
+            <a:ext cx="3918857" cy="2585323"/>
+          </a:xfrm>
+          <a:prstGeom prst="rect">
+            <a:avLst/>
+          </a:prstGeom>
+          <a:noFill/>
+        </p:spPr>
+        <p:txBody>
+          <a:bodyPr wrap="square" rtlCol="0">
+            <a:spAutoFit/>
+          </a:bodyPr>
+          <a:lstStyle/>
+          <a:p>
+            <a:r>
+              <a:rPr lang="nb-NO" dirty="0" err="1"/>
+              <a:t>Config</a:t>
+            </a:r>
+            <a:r>
+              <a:rPr lang="nb-NO" dirty="0"/>
+              <a:t>:</a:t>
+            </a:r>
+          </a:p>
+          <a:p>
+            <a:r>
+              <a:rPr lang="nb-NO" dirty="0" err="1"/>
+              <a:t>nb_filters</a:t>
+            </a:r>
+            <a:r>
+              <a:rPr lang="nb-NO" dirty="0"/>
+              <a:t> = 	</a:t>
+            </a:r>
+            <a:r>
+              <a:rPr lang="nb-NO" b="1" dirty="0">
+                <a:solidFill>
+                  <a:srgbClr val="FF0000"/>
+                </a:solidFill>
+              </a:rPr>
+              <a:t>1</a:t>
+            </a:r>
+          </a:p>
+          <a:p>
+            <a:r>
+              <a:rPr lang="nb-NO" dirty="0" err="1"/>
+              <a:t>Kernel</a:t>
+            </a:r>
+            <a:r>
+              <a:rPr lang="nb-NO" dirty="0"/>
+              <a:t> </a:t>
+            </a:r>
+            <a:r>
+              <a:rPr lang="nb-NO" dirty="0" err="1"/>
+              <a:t>size</a:t>
+            </a:r>
+            <a:r>
+              <a:rPr lang="nb-NO" dirty="0"/>
+              <a:t> = 	8 </a:t>
+            </a:r>
+          </a:p>
+          <a:p>
+            <a:r>
+              <a:rPr lang="nb-NO" dirty="0" err="1"/>
+              <a:t>Dilations</a:t>
+            </a:r>
+            <a:r>
+              <a:rPr lang="nb-NO" dirty="0"/>
+              <a:t> = 	[1, 2, 4, 8, 16, 32]</a:t>
+            </a:r>
+          </a:p>
+          <a:p>
+            <a:r>
+              <a:rPr lang="nb-NO" dirty="0" err="1"/>
+              <a:t>batch_size</a:t>
+            </a:r>
+            <a:r>
+              <a:rPr lang="nb-NO" dirty="0"/>
+              <a:t> = 	20</a:t>
+            </a:r>
+          </a:p>
+          <a:p>
+            <a:r>
+              <a:rPr lang="nb-NO" dirty="0" err="1"/>
+              <a:t>Epochs</a:t>
+            </a:r>
+            <a:r>
+              <a:rPr lang="nb-NO" dirty="0"/>
+              <a:t> = 	12</a:t>
+            </a:r>
+          </a:p>
+          <a:p>
+            <a:endParaRPr lang="en-GB" dirty="0"/>
+          </a:p>
+          <a:p>
+            <a:r>
+              <a:rPr lang="en-GB" dirty="0"/>
+              <a:t>Loss 	</a:t>
+            </a:r>
+            <a:r>
+              <a:rPr lang="nb-NO" dirty="0"/>
+              <a:t>≈ </a:t>
+            </a:r>
+            <a:r>
+              <a:rPr lang="en-GB" dirty="0"/>
+              <a:t>0.4842</a:t>
+            </a:r>
+          </a:p>
+          <a:p>
+            <a:r>
+              <a:rPr lang="en-GB" dirty="0"/>
+              <a:t>Runtime 	</a:t>
+            </a:r>
+            <a:r>
+              <a:rPr lang="nb-NO" dirty="0"/>
+              <a:t>≈ 31min</a:t>
+            </a:r>
+            <a:endParaRPr lang="en-GB" dirty="0"/>
+          </a:p>
+        </p:txBody>
+      </p:sp>
+      <p:pic>
+        <p:nvPicPr>
+          <p:cNvPr id="10" name="Content Placeholder 9" descr="A picture containing blue, crowd&#10;&#10;Description automatically generated">
+            <a:extLst>
+              <a:ext uri="{FF2B5EF4-FFF2-40B4-BE49-F238E27FC236}">
+                <a16:creationId xmlns:a16="http://schemas.microsoft.com/office/drawing/2014/main" id="{DFCE7B82-A24A-4E7C-81DA-B6AA967A2CBD}"/>
+              </a:ext>
+            </a:extLst>
+          </p:cNvPr>
+          <p:cNvPicPr>
+            <a:picLocks noGrp="1" noChangeAspect="1"/>
+          </p:cNvPicPr>
           <p:nvPr>
             <p:ph idx="1"/>
           </p:nvPr>
-        </p:nvSpPr>
-        <p:spPr/>
-        <p:txBody>
-          <a:bodyPr/>
-          <a:lstStyle/>
-          <a:p>
-            <a:r>
-              <a:rPr lang="nb-NO" dirty="0" err="1"/>
-              <a:t>I’m</a:t>
-            </a:r>
-            <a:r>
-              <a:rPr lang="nb-NO" dirty="0"/>
-              <a:t> </a:t>
-            </a:r>
-            <a:r>
-              <a:rPr lang="nb-NO" dirty="0" err="1"/>
-              <a:t>collecting</a:t>
-            </a:r>
-            <a:r>
-              <a:rPr lang="nb-NO" dirty="0"/>
-              <a:t> </a:t>
-            </a:r>
-            <a:r>
-              <a:rPr lang="nb-NO" dirty="0" err="1"/>
-              <a:t>good</a:t>
-            </a:r>
-            <a:r>
-              <a:rPr lang="nb-NO" dirty="0"/>
-              <a:t> </a:t>
-            </a:r>
-            <a:r>
-              <a:rPr lang="nb-NO" dirty="0" err="1"/>
-              <a:t>sources</a:t>
-            </a:r>
-            <a:r>
-              <a:rPr lang="nb-NO" dirty="0"/>
-              <a:t>, and </a:t>
-            </a:r>
-            <a:r>
-              <a:rPr lang="nb-NO" dirty="0" err="1"/>
-              <a:t>outlining</a:t>
-            </a:r>
-            <a:r>
-              <a:rPr lang="nb-NO" dirty="0"/>
-              <a:t> </a:t>
-            </a:r>
-            <a:r>
-              <a:rPr lang="nb-NO" dirty="0" err="1"/>
-              <a:t>the</a:t>
-            </a:r>
-            <a:r>
-              <a:rPr lang="nb-NO" dirty="0"/>
-              <a:t> </a:t>
-            </a:r>
-            <a:r>
-              <a:rPr lang="nb-NO" dirty="0" err="1"/>
-              <a:t>structure</a:t>
-            </a:r>
-            <a:r>
-              <a:rPr lang="nb-NO" dirty="0"/>
-              <a:t> </a:t>
-            </a:r>
-            <a:r>
-              <a:rPr lang="nb-NO" dirty="0" err="1"/>
-              <a:t>of</a:t>
-            </a:r>
-            <a:r>
-              <a:rPr lang="nb-NO" dirty="0"/>
-              <a:t> </a:t>
-            </a:r>
-            <a:r>
-              <a:rPr lang="nb-NO" dirty="0" err="1"/>
-              <a:t>what</a:t>
-            </a:r>
-            <a:r>
-              <a:rPr lang="nb-NO" dirty="0"/>
-              <a:t> is to be </a:t>
-            </a:r>
-            <a:r>
-              <a:rPr lang="nb-NO" dirty="0" err="1"/>
-              <a:t>written</a:t>
-            </a:r>
-            <a:r>
-              <a:rPr lang="nb-NO" dirty="0"/>
-              <a:t>. </a:t>
-            </a:r>
-            <a:r>
-              <a:rPr lang="nb-NO" dirty="0" err="1"/>
-              <a:t>I’m</a:t>
-            </a:r>
-            <a:r>
-              <a:rPr lang="nb-NO" dirty="0"/>
-              <a:t> planning to </a:t>
-            </a:r>
-            <a:r>
-              <a:rPr lang="nb-NO" dirty="0" err="1"/>
-              <a:t>get</a:t>
-            </a:r>
-            <a:r>
-              <a:rPr lang="nb-NO" dirty="0"/>
-              <a:t> a lot </a:t>
-            </a:r>
-            <a:r>
-              <a:rPr lang="nb-NO" dirty="0" err="1"/>
-              <a:t>of</a:t>
-            </a:r>
-            <a:r>
-              <a:rPr lang="nb-NO" dirty="0"/>
-              <a:t> </a:t>
-            </a:r>
-            <a:r>
-              <a:rPr lang="nb-NO" dirty="0" err="1"/>
-              <a:t>writing</a:t>
-            </a:r>
-            <a:r>
-              <a:rPr lang="nb-NO" dirty="0"/>
-              <a:t> in </a:t>
-            </a:r>
-            <a:r>
-              <a:rPr lang="nb-NO" dirty="0" err="1"/>
-              <a:t>while</a:t>
-            </a:r>
-            <a:r>
-              <a:rPr lang="nb-NO" dirty="0"/>
-              <a:t> </a:t>
-            </a:r>
-            <a:r>
-              <a:rPr lang="nb-NO" dirty="0" err="1"/>
-              <a:t>the</a:t>
-            </a:r>
-            <a:r>
-              <a:rPr lang="nb-NO" dirty="0"/>
-              <a:t> </a:t>
-            </a:r>
-            <a:r>
-              <a:rPr lang="nb-NO" dirty="0" err="1"/>
-              <a:t>models</a:t>
-            </a:r>
-            <a:r>
-              <a:rPr lang="nb-NO" dirty="0"/>
-              <a:t> </a:t>
-            </a:r>
-            <a:r>
-              <a:rPr lang="nb-NO" dirty="0" err="1"/>
-              <a:t>are</a:t>
-            </a:r>
-            <a:r>
-              <a:rPr lang="nb-NO" dirty="0"/>
-              <a:t> </a:t>
-            </a:r>
-            <a:r>
-              <a:rPr lang="nb-NO" dirty="0" err="1"/>
-              <a:t>running</a:t>
-            </a:r>
-            <a:endParaRPr lang="nb-NO" dirty="0"/>
-          </a:p>
-          <a:p>
+        </p:nvPicPr>
+        <p:blipFill>
+          <a:blip r:embed="rId2">
+            <a:extLst>
+              <a:ext uri="{28A0092B-C50C-407E-A947-70E740481C1C}">
+                <a14:useLocalDpi xmlns:a14="http://schemas.microsoft.com/office/drawing/2010/main" val="0"/>
+              </a:ext>
+            </a:extLst>
+          </a:blip>
+          <a:stretch>
+            <a:fillRect/>
+          </a:stretch>
+        </p:blipFill>
+        <p:spPr>
+          <a:xfrm>
+            <a:off x="6662738" y="1520330"/>
+            <a:ext cx="5021262" cy="3769716"/>
+          </a:xfrm>
+        </p:spPr>
+      </p:pic>
+      <p:sp>
+        <p:nvSpPr>
+          <p:cNvPr id="11" name="TextBox 10">
+            <a:extLst>
+              <a:ext uri="{FF2B5EF4-FFF2-40B4-BE49-F238E27FC236}">
+                <a16:creationId xmlns:a16="http://schemas.microsoft.com/office/drawing/2014/main" id="{705C8293-CCBA-439A-A1FD-7093E4A5EE81}"/>
+              </a:ext>
+            </a:extLst>
+          </p:cNvPr>
+          <p:cNvSpPr txBox="1"/>
+          <p:nvPr/>
+        </p:nvSpPr>
+        <p:spPr>
+          <a:xfrm>
+            <a:off x="6662738" y="1107347"/>
+            <a:ext cx="1692697" cy="369332"/>
+          </a:xfrm>
+          <a:prstGeom prst="rect">
+            <a:avLst/>
+          </a:prstGeom>
+          <a:noFill/>
+        </p:spPr>
+        <p:txBody>
+          <a:bodyPr wrap="square" rtlCol="0">
+            <a:spAutoFit/>
+          </a:bodyPr>
+          <a:lstStyle/>
+          <a:p>
+            <a:r>
+              <a:rPr lang="nb-NO" dirty="0" err="1"/>
+              <a:t>Predicted</a:t>
+            </a:r>
+            <a:endParaRPr lang="en-GB" dirty="0"/>
+          </a:p>
+        </p:txBody>
+      </p:sp>
+      <p:sp>
+        <p:nvSpPr>
+          <p:cNvPr id="12" name="TextBox 11">
+            <a:extLst>
+              <a:ext uri="{FF2B5EF4-FFF2-40B4-BE49-F238E27FC236}">
+                <a16:creationId xmlns:a16="http://schemas.microsoft.com/office/drawing/2014/main" id="{8794CD21-0C85-44A0-A2D2-E1A3AB0591CE}"/>
+              </a:ext>
+            </a:extLst>
+          </p:cNvPr>
+          <p:cNvSpPr txBox="1"/>
+          <p:nvPr/>
+        </p:nvSpPr>
+        <p:spPr>
+          <a:xfrm>
+            <a:off x="9278224" y="1107347"/>
+            <a:ext cx="1342238" cy="369332"/>
+          </a:xfrm>
+          <a:prstGeom prst="rect">
+            <a:avLst/>
+          </a:prstGeom>
+          <a:noFill/>
+        </p:spPr>
+        <p:txBody>
+          <a:bodyPr wrap="square" rtlCol="0">
+            <a:spAutoFit/>
+          </a:bodyPr>
+          <a:lstStyle/>
+          <a:p>
+            <a:r>
+              <a:rPr lang="nb-NO" dirty="0"/>
+              <a:t>True</a:t>
+            </a:r>
             <a:endParaRPr lang="en-GB" dirty="0"/>
           </a:p>
         </p:txBody>
@@ -4766,7 +5203,7 @@
     </p:spTree>
     <p:extLst>
       <p:ext uri="{BB962C8B-B14F-4D97-AF65-F5344CB8AC3E}">
-        <p14:creationId xmlns:p14="http://schemas.microsoft.com/office/powerpoint/2010/main" val="2162221258"/>
+        <p14:creationId xmlns:p14="http://schemas.microsoft.com/office/powerpoint/2010/main" val="4005574261"/>
       </p:ext>
     </p:extLst>
   </p:cSld>
@@ -4798,7 +5235,7 @@
           <p:cNvPr id="2" name="Title 1">
             <a:extLst>
               <a:ext uri="{FF2B5EF4-FFF2-40B4-BE49-F238E27FC236}">
-                <a16:creationId xmlns:a16="http://schemas.microsoft.com/office/drawing/2014/main" id="{B37ED228-9C48-40A4-A83C-2079A15261D4}"/>
+                <a16:creationId xmlns:a16="http://schemas.microsoft.com/office/drawing/2014/main" id="{79A3DC96-2E5B-4C41-8177-1B20DA454956}"/>
               </a:ext>
             </a:extLst>
           </p:cNvPr>
@@ -4809,144 +5246,259 @@
             <p:ph type="title"/>
           </p:nvPr>
         </p:nvSpPr>
-        <p:spPr/>
+        <p:spPr>
+          <a:xfrm>
+            <a:off x="517870" y="978409"/>
+            <a:ext cx="5367364" cy="1074128"/>
+          </a:xfrm>
+        </p:spPr>
         <p:txBody>
           <a:bodyPr/>
           <a:lstStyle/>
           <a:p>
             <a:r>
               <a:rPr lang="nb-NO" dirty="0"/>
-              <a:t>Hardware</a:t>
+              <a:t>5th</a:t>
             </a:r>
             <a:endParaRPr lang="en-GB" dirty="0"/>
           </a:p>
         </p:txBody>
       </p:sp>
-      <p:sp>
-        <p:nvSpPr>
-          <p:cNvPr id="3" name="Content Placeholder 2">
-            <a:extLst>
-              <a:ext uri="{FF2B5EF4-FFF2-40B4-BE49-F238E27FC236}">
-                <a16:creationId xmlns:a16="http://schemas.microsoft.com/office/drawing/2014/main" id="{42851050-1CC1-4665-A21A-967FA74D6E79}"/>
-              </a:ext>
-            </a:extLst>
-          </p:cNvPr>
-          <p:cNvSpPr>
-            <a:spLocks noGrp="1"/>
-          </p:cNvSpPr>
+      <p:pic>
+        <p:nvPicPr>
+          <p:cNvPr id="5" name="Content Placeholder 4" descr="A picture containing blue&#10;&#10;Description automatically generated">
+            <a:extLst>
+              <a:ext uri="{FF2B5EF4-FFF2-40B4-BE49-F238E27FC236}">
+                <a16:creationId xmlns:a16="http://schemas.microsoft.com/office/drawing/2014/main" id="{FA8DEE59-AF73-4E1C-BACD-52470B2956E5}"/>
+              </a:ext>
+            </a:extLst>
+          </p:cNvPr>
+          <p:cNvPicPr>
+            <a:picLocks noGrp="1" noChangeAspect="1"/>
+          </p:cNvPicPr>
           <p:nvPr>
             <p:ph idx="1"/>
           </p:nvPr>
-        </p:nvSpPr>
-        <p:spPr/>
-        <p:txBody>
-          <a:bodyPr/>
-          <a:lstStyle/>
-          <a:p>
-            <a:pPr marL="342900" indent="-342900">
-              <a:buFont typeface="Arial" panose="020B0604020202020204" pitchFamily="34" charset="0"/>
-              <a:buChar char="•"/>
-            </a:pPr>
-            <a:r>
-              <a:rPr lang="nb-NO" dirty="0"/>
-              <a:t>More GPU </a:t>
-            </a:r>
-            <a:r>
-              <a:rPr lang="nb-NO" dirty="0" err="1"/>
-              <a:t>power</a:t>
-            </a:r>
-            <a:endParaRPr lang="nb-NO" dirty="0"/>
-          </a:p>
-          <a:p>
-            <a:pPr marL="617220" lvl="1" indent="-342900"/>
-            <a:r>
-              <a:rPr lang="nb-NO" dirty="0" err="1"/>
-              <a:t>Having</a:t>
-            </a:r>
-            <a:r>
-              <a:rPr lang="nb-NO" dirty="0"/>
-              <a:t> a GPU </a:t>
-            </a:r>
-            <a:r>
-              <a:rPr lang="nb-NO" dirty="0" err="1"/>
-              <a:t>hooked</a:t>
-            </a:r>
-            <a:r>
-              <a:rPr lang="nb-NO" dirty="0"/>
-              <a:t> up to my NGI laptop </a:t>
-            </a:r>
-            <a:r>
-              <a:rPr lang="nb-NO" dirty="0" err="1"/>
-              <a:t>would</a:t>
-            </a:r>
-            <a:r>
-              <a:rPr lang="nb-NO" dirty="0"/>
-              <a:t> </a:t>
-            </a:r>
-            <a:r>
-              <a:rPr lang="nb-NO" dirty="0" err="1"/>
-              <a:t>drastically</a:t>
-            </a:r>
-            <a:r>
-              <a:rPr lang="nb-NO" dirty="0"/>
-              <a:t> speed up training time</a:t>
-            </a:r>
-          </a:p>
-          <a:p>
-            <a:pPr marL="617220" lvl="2" indent="-342900">
-              <a:buFont typeface="Arial" panose="020B0604020202020204" pitchFamily="34" charset="0"/>
-              <a:buChar char="•"/>
-            </a:pPr>
-            <a:r>
-              <a:rPr lang="nb-NO" dirty="0"/>
-              <a:t>	CPU vs. GPU </a:t>
-            </a:r>
-            <a:r>
-              <a:rPr lang="nb-NO" dirty="0" err="1"/>
-              <a:t>wrt</a:t>
-            </a:r>
-            <a:r>
-              <a:rPr lang="nb-NO" dirty="0"/>
-              <a:t>. Odin</a:t>
-            </a:r>
-          </a:p>
-          <a:p>
-            <a:pPr marL="617220" lvl="2" indent="-342900">
-              <a:buFont typeface="Arial" panose="020B0604020202020204" pitchFamily="34" charset="0"/>
-              <a:buChar char="•"/>
-            </a:pPr>
-            <a:r>
-              <a:rPr lang="nb-NO" dirty="0" err="1"/>
-              <a:t>Azure</a:t>
-            </a:r>
-            <a:r>
-              <a:rPr lang="nb-NO" dirty="0"/>
-              <a:t> </a:t>
-            </a:r>
-            <a:r>
-              <a:rPr lang="nb-NO" dirty="0" err="1"/>
-              <a:t>cluster</a:t>
-            </a:r>
-            <a:endParaRPr lang="nb-NO" dirty="0"/>
-          </a:p>
-          <a:p>
-            <a:pPr marL="617220" lvl="2" indent="-342900">
-              <a:buFont typeface="Arial" panose="020B0604020202020204" pitchFamily="34" charset="0"/>
-              <a:buChar char="•"/>
-            </a:pPr>
-            <a:r>
-              <a:rPr lang="nb-NO" dirty="0"/>
-              <a:t>Amazon Web services</a:t>
-            </a:r>
-          </a:p>
-          <a:p>
-            <a:pPr marL="342900" indent="-342900">
-              <a:buFont typeface="Arial" panose="020B0604020202020204" pitchFamily="34" charset="0"/>
-              <a:buChar char="•"/>
-            </a:pPr>
-            <a:r>
-              <a:rPr lang="nb-NO"/>
-              <a:t>$$$</a:t>
+        </p:nvPicPr>
+        <p:blipFill>
+          <a:blip r:embed="rId2">
+            <a:extLst>
+              <a:ext uri="{28A0092B-C50C-407E-A947-70E740481C1C}">
+                <a14:useLocalDpi xmlns:a14="http://schemas.microsoft.com/office/drawing/2010/main" val="0"/>
+              </a:ext>
+            </a:extLst>
+          </a:blip>
+          <a:stretch>
+            <a:fillRect/>
+          </a:stretch>
+        </p:blipFill>
+        <p:spPr>
+          <a:xfrm>
+            <a:off x="6662738" y="1520330"/>
+            <a:ext cx="5021262" cy="3769716"/>
+          </a:xfrm>
+        </p:spPr>
+      </p:pic>
+      <p:sp>
+        <p:nvSpPr>
+          <p:cNvPr id="7" name="TextBox 6">
+            <a:extLst>
+              <a:ext uri="{FF2B5EF4-FFF2-40B4-BE49-F238E27FC236}">
+                <a16:creationId xmlns:a16="http://schemas.microsoft.com/office/drawing/2014/main" id="{E2D27FA8-2397-4E10-A2B3-C7804157CD4C}"/>
+              </a:ext>
+            </a:extLst>
+          </p:cNvPr>
+          <p:cNvSpPr txBox="1"/>
+          <p:nvPr/>
+        </p:nvSpPr>
+        <p:spPr>
+          <a:xfrm>
+            <a:off x="819428" y="2476807"/>
+            <a:ext cx="5737015" cy="2585323"/>
+          </a:xfrm>
+          <a:prstGeom prst="rect">
+            <a:avLst/>
+          </a:prstGeom>
+          <a:noFill/>
+        </p:spPr>
+        <p:txBody>
+          <a:bodyPr wrap="square">
+            <a:spAutoFit/>
+          </a:bodyPr>
+          <a:lstStyle/>
+          <a:p>
+            <a:r>
+              <a:rPr lang="nb-NO" dirty="0" err="1"/>
+              <a:t>Config</a:t>
+            </a:r>
+            <a:r>
+              <a:rPr lang="nb-NO" dirty="0"/>
+              <a:t>:</a:t>
+            </a:r>
+          </a:p>
+          <a:p>
+            <a:r>
+              <a:rPr lang="nb-NO" dirty="0" err="1"/>
+              <a:t>nb_filters</a:t>
+            </a:r>
+            <a:r>
+              <a:rPr lang="nb-NO" dirty="0"/>
+              <a:t> = 	</a:t>
+            </a:r>
+            <a:r>
+              <a:rPr lang="nb-NO" b="1" dirty="0">
+                <a:solidFill>
+                  <a:srgbClr val="FF0000"/>
+                </a:solidFill>
+              </a:rPr>
+              <a:t>2</a:t>
+            </a:r>
+          </a:p>
+          <a:p>
+            <a:r>
+              <a:rPr lang="nb-NO" dirty="0" err="1"/>
+              <a:t>Kernel</a:t>
+            </a:r>
+            <a:r>
+              <a:rPr lang="nb-NO" dirty="0"/>
+              <a:t> </a:t>
+            </a:r>
+            <a:r>
+              <a:rPr lang="nb-NO" dirty="0" err="1"/>
+              <a:t>size</a:t>
+            </a:r>
+            <a:r>
+              <a:rPr lang="nb-NO" dirty="0"/>
+              <a:t> = 	8 </a:t>
+            </a:r>
+          </a:p>
+          <a:p>
+            <a:r>
+              <a:rPr lang="nb-NO" dirty="0" err="1"/>
+              <a:t>Dilations</a:t>
+            </a:r>
+            <a:r>
+              <a:rPr lang="nb-NO" dirty="0"/>
+              <a:t> = 	[1, 2, 4, 8, 16, 32]</a:t>
+            </a:r>
+          </a:p>
+          <a:p>
+            <a:r>
+              <a:rPr lang="nb-NO" dirty="0" err="1"/>
+              <a:t>batch_size</a:t>
+            </a:r>
+            <a:r>
+              <a:rPr lang="nb-NO" dirty="0"/>
+              <a:t> = 	20</a:t>
+            </a:r>
+          </a:p>
+          <a:p>
+            <a:r>
+              <a:rPr lang="nb-NO" dirty="0" err="1"/>
+              <a:t>Epochs</a:t>
+            </a:r>
+            <a:r>
+              <a:rPr lang="nb-NO" dirty="0"/>
+              <a:t> = 	12</a:t>
+            </a:r>
+          </a:p>
+          <a:p>
+            <a:endParaRPr lang="en-GB" dirty="0"/>
+          </a:p>
+          <a:p>
+            <a:r>
+              <a:rPr lang="en-GB" dirty="0"/>
+              <a:t>Loss 	</a:t>
+            </a:r>
+            <a:r>
+              <a:rPr lang="nb-NO" dirty="0"/>
+              <a:t>≈ </a:t>
+            </a:r>
+            <a:r>
+              <a:rPr lang="en-GB" dirty="0"/>
+              <a:t>0.114</a:t>
+            </a:r>
+          </a:p>
+          <a:p>
+            <a:r>
+              <a:rPr lang="en-GB" dirty="0"/>
+              <a:t>Runtime 	</a:t>
+            </a:r>
+            <a:r>
+              <a:rPr lang="nb-NO" dirty="0"/>
+              <a:t>≈ 35min</a:t>
+            </a:r>
+            <a:endParaRPr lang="en-GB" dirty="0"/>
+          </a:p>
+        </p:txBody>
+      </p:sp>
+      <p:sp>
+        <p:nvSpPr>
+          <p:cNvPr id="8" name="TextBox 7">
+            <a:extLst>
+              <a:ext uri="{FF2B5EF4-FFF2-40B4-BE49-F238E27FC236}">
+                <a16:creationId xmlns:a16="http://schemas.microsoft.com/office/drawing/2014/main" id="{BF39F756-4580-4964-BF9B-CF0CD4D712BF}"/>
+              </a:ext>
+            </a:extLst>
+          </p:cNvPr>
+          <p:cNvSpPr txBox="1"/>
+          <p:nvPr/>
+        </p:nvSpPr>
+        <p:spPr>
+          <a:xfrm>
+            <a:off x="6662738" y="1107347"/>
+            <a:ext cx="1692697" cy="369332"/>
+          </a:xfrm>
+          <a:prstGeom prst="rect">
+            <a:avLst/>
+          </a:prstGeom>
+          <a:noFill/>
+        </p:spPr>
+        <p:txBody>
+          <a:bodyPr wrap="square" rtlCol="0">
+            <a:spAutoFit/>
+          </a:bodyPr>
+          <a:lstStyle/>
+          <a:p>
+            <a:r>
+              <a:rPr lang="nb-NO" dirty="0" err="1"/>
+              <a:t>Predicted</a:t>
+            </a:r>
+            <a:endParaRPr lang="en-GB" dirty="0"/>
+          </a:p>
+        </p:txBody>
+      </p:sp>
+      <p:sp>
+        <p:nvSpPr>
+          <p:cNvPr id="9" name="TextBox 8">
+            <a:extLst>
+              <a:ext uri="{FF2B5EF4-FFF2-40B4-BE49-F238E27FC236}">
+                <a16:creationId xmlns:a16="http://schemas.microsoft.com/office/drawing/2014/main" id="{2BEE7FDC-C3B7-4E1B-91D8-5647CDFD8E04}"/>
+              </a:ext>
+            </a:extLst>
+          </p:cNvPr>
+          <p:cNvSpPr txBox="1"/>
+          <p:nvPr/>
+        </p:nvSpPr>
+        <p:spPr>
+          <a:xfrm>
+            <a:off x="9278224" y="1107347"/>
+            <a:ext cx="1342238" cy="369332"/>
+          </a:xfrm>
+          <a:prstGeom prst="rect">
+            <a:avLst/>
+          </a:prstGeom>
+          <a:noFill/>
+        </p:spPr>
+        <p:txBody>
+          <a:bodyPr wrap="square" rtlCol="0">
+            <a:spAutoFit/>
+          </a:bodyPr>
+          <a:lstStyle/>
+          <a:p>
+            <a:r>
+              <a:rPr lang="nb-NO" dirty="0"/>
+              <a:t>True</a:t>
             </a:r>
             <a:endParaRPr lang="en-GB" dirty="0"/>
           </a:p>
@@ -4955,7 +5507,7 @@
     </p:spTree>
     <p:extLst>
       <p:ext uri="{BB962C8B-B14F-4D97-AF65-F5344CB8AC3E}">
-        <p14:creationId xmlns:p14="http://schemas.microsoft.com/office/powerpoint/2010/main" val="1337664835"/>
+        <p14:creationId xmlns:p14="http://schemas.microsoft.com/office/powerpoint/2010/main" val="587479323"/>
       </p:ext>
     </p:extLst>
   </p:cSld>
@@ -4987,7 +5539,7 @@
           <p:cNvPr id="2" name="Title 1">
             <a:extLst>
               <a:ext uri="{FF2B5EF4-FFF2-40B4-BE49-F238E27FC236}">
-                <a16:creationId xmlns:a16="http://schemas.microsoft.com/office/drawing/2014/main" id="{DEF99137-97F8-4282-9F98-0512E8783DC1}"/>
+                <a16:creationId xmlns:a16="http://schemas.microsoft.com/office/drawing/2014/main" id="{C9519876-F2DB-498A-895D-DC823225655D}"/>
               </a:ext>
             </a:extLst>
           </p:cNvPr>
@@ -4998,22 +5550,19 @@
             <p:ph type="title"/>
           </p:nvPr>
         </p:nvSpPr>
-        <p:spPr/>
+        <p:spPr>
+          <a:xfrm>
+            <a:off x="517870" y="978409"/>
+            <a:ext cx="5021182" cy="1578180"/>
+          </a:xfrm>
+        </p:spPr>
         <p:txBody>
           <a:bodyPr/>
           <a:lstStyle/>
           <a:p>
             <a:r>
               <a:rPr lang="nb-NO" dirty="0" err="1"/>
-              <a:t>Next</a:t>
-            </a:r>
-            <a:r>
-              <a:rPr lang="nb-NO" dirty="0"/>
-              <a:t> </a:t>
-            </a:r>
-            <a:r>
-              <a:rPr lang="nb-NO" dirty="0" err="1"/>
-              <a:t>meeting</a:t>
+              <a:t>Optuna</a:t>
             </a:r>
             <a:endParaRPr lang="en-GB" dirty="0"/>
           </a:p>
@@ -5021,10 +5570,119 @@
       </p:sp>
       <p:sp>
         <p:nvSpPr>
-          <p:cNvPr id="3" name="Content Placeholder 2">
-            <a:extLst>
-              <a:ext uri="{FF2B5EF4-FFF2-40B4-BE49-F238E27FC236}">
-                <a16:creationId xmlns:a16="http://schemas.microsoft.com/office/drawing/2014/main" id="{04F8BE0E-A5DA-4637-AF1D-4388A318D899}"/>
+          <p:cNvPr id="8" name="TextBox 7">
+            <a:extLst>
+              <a:ext uri="{FF2B5EF4-FFF2-40B4-BE49-F238E27FC236}">
+                <a16:creationId xmlns:a16="http://schemas.microsoft.com/office/drawing/2014/main" id="{EA9F4666-F997-4468-93E4-A3C378762A52}"/>
+              </a:ext>
+            </a:extLst>
+          </p:cNvPr>
+          <p:cNvSpPr txBox="1"/>
+          <p:nvPr/>
+        </p:nvSpPr>
+        <p:spPr>
+          <a:xfrm>
+            <a:off x="517869" y="2118050"/>
+            <a:ext cx="6016175" cy="2585323"/>
+          </a:xfrm>
+          <a:prstGeom prst="rect">
+            <a:avLst/>
+          </a:prstGeom>
+          <a:noFill/>
+        </p:spPr>
+        <p:txBody>
+          <a:bodyPr wrap="square" rtlCol="0">
+            <a:spAutoFit/>
+          </a:bodyPr>
+          <a:lstStyle/>
+          <a:p>
+            <a:endParaRPr lang="nb-NO" dirty="0"/>
+          </a:p>
+          <a:p>
+            <a:r>
+              <a:rPr lang="nb-NO" dirty="0" err="1"/>
+              <a:t>Config</a:t>
+            </a:r>
+            <a:r>
+              <a:rPr lang="nb-NO" dirty="0"/>
+              <a:t>:</a:t>
+            </a:r>
+          </a:p>
+          <a:p>
+            <a:r>
+              <a:rPr lang="nb-NO" dirty="0" err="1"/>
+              <a:t>nb_filters</a:t>
+            </a:r>
+            <a:r>
+              <a:rPr lang="nb-NO" dirty="0"/>
+              <a:t> = 	</a:t>
+            </a:r>
+          </a:p>
+          <a:p>
+            <a:r>
+              <a:rPr lang="nb-NO" dirty="0" err="1"/>
+              <a:t>Kernel</a:t>
+            </a:r>
+            <a:r>
+              <a:rPr lang="nb-NO" dirty="0"/>
+              <a:t> </a:t>
+            </a:r>
+            <a:r>
+              <a:rPr lang="nb-NO" dirty="0" err="1"/>
+              <a:t>size</a:t>
+            </a:r>
+            <a:r>
+              <a:rPr lang="nb-NO" dirty="0"/>
+              <a:t> = 	</a:t>
+            </a:r>
+          </a:p>
+          <a:p>
+            <a:r>
+              <a:rPr lang="nb-NO" dirty="0" err="1"/>
+              <a:t>Dilations</a:t>
+            </a:r>
+            <a:r>
+              <a:rPr lang="nb-NO" dirty="0"/>
+              <a:t> = 	</a:t>
+            </a:r>
+          </a:p>
+          <a:p>
+            <a:r>
+              <a:rPr lang="nb-NO" dirty="0" err="1"/>
+              <a:t>batch_size</a:t>
+            </a:r>
+            <a:r>
+              <a:rPr lang="nb-NO" dirty="0"/>
+              <a:t> = 	</a:t>
+            </a:r>
+          </a:p>
+          <a:p>
+            <a:r>
+              <a:rPr lang="nb-NO" dirty="0" err="1"/>
+              <a:t>Epochs</a:t>
+            </a:r>
+            <a:r>
+              <a:rPr lang="nb-NO" dirty="0"/>
+              <a:t> = 	</a:t>
+            </a:r>
+          </a:p>
+          <a:p>
+            <a:endParaRPr lang="en-GB" dirty="0"/>
+          </a:p>
+          <a:p>
+            <a:r>
+              <a:rPr lang="en-GB" dirty="0"/>
+              <a:t>Loss = </a:t>
+            </a:r>
+          </a:p>
+        </p:txBody>
+      </p:sp>
+      <p:sp>
+        <p:nvSpPr>
+          <p:cNvPr id="4" name="Content Placeholder 3">
+            <a:extLst>
+              <a:ext uri="{FF2B5EF4-FFF2-40B4-BE49-F238E27FC236}">
+                <a16:creationId xmlns:a16="http://schemas.microsoft.com/office/drawing/2014/main" id="{04ED5D42-CACB-4575-ABDF-6D777B9CED37}"/>
               </a:ext>
             </a:extLst>
           </p:cNvPr>
@@ -5035,46 +5693,215 @@
             <p:ph idx="1"/>
           </p:nvPr>
         </p:nvSpPr>
+        <p:spPr/>
+        <p:txBody>
+          <a:bodyPr/>
+          <a:lstStyle/>
+          <a:p>
+            <a:r>
+              <a:rPr lang="nb-NO" dirty="0"/>
+              <a:t>To be </a:t>
+            </a:r>
+            <a:r>
+              <a:rPr lang="nb-NO" dirty="0" err="1"/>
+              <a:t>continued</a:t>
+            </a:r>
+            <a:r>
+              <a:rPr lang="nb-NO" dirty="0"/>
+              <a:t>…</a:t>
+            </a:r>
+            <a:endParaRPr lang="en-GB" dirty="0"/>
+          </a:p>
+        </p:txBody>
+      </p:sp>
+      <p:pic>
+        <p:nvPicPr>
+          <p:cNvPr id="3" name="Picture 2">
+            <a:extLst>
+              <a:ext uri="{FF2B5EF4-FFF2-40B4-BE49-F238E27FC236}">
+                <a16:creationId xmlns:a16="http://schemas.microsoft.com/office/drawing/2014/main" id="{30DE88E3-81D2-4E05-9D86-BADEED75DD32}"/>
+              </a:ext>
+            </a:extLst>
+          </p:cNvPr>
+          <p:cNvPicPr>
+            <a:picLocks noChangeAspect="1"/>
+          </p:cNvPicPr>
+          <p:nvPr/>
+        </p:nvPicPr>
+        <p:blipFill>
+          <a:blip r:embed="rId2"/>
+          <a:stretch>
+            <a:fillRect/>
+          </a:stretch>
+        </p:blipFill>
         <p:spPr>
           <a:xfrm>
-            <a:off x="6096000" y="969264"/>
-            <a:ext cx="5587350" cy="4870457"/>
+            <a:off x="5862536" y="1767499"/>
+            <a:ext cx="5265096" cy="3510064"/>
+          </a:xfrm>
+          <a:prstGeom prst="rect">
+            <a:avLst/>
+          </a:prstGeom>
+        </p:spPr>
+      </p:pic>
+    </p:spTree>
+    <p:extLst>
+      <p:ext uri="{BB962C8B-B14F-4D97-AF65-F5344CB8AC3E}">
+        <p14:creationId xmlns:p14="http://schemas.microsoft.com/office/powerpoint/2010/main" val="2341598790"/>
+      </p:ext>
+    </p:extLst>
+  </p:cSld>
+  <p:clrMapOvr>
+    <a:masterClrMapping/>
+  </p:clrMapOvr>
+</p:sld>
+</file>
+
+<file path=ppt/slides/slide15.xml><?xml version="1.0" encoding="utf-8"?>
+<p:sld xmlns:a="http://schemas.openxmlformats.org/drawingml/2006/main" xmlns:r="http://schemas.openxmlformats.org/officeDocument/2006/relationships" xmlns:p="http://schemas.openxmlformats.org/presentationml/2006/main">
+  <p:cSld>
+    <p:spTree>
+      <p:nvGrpSpPr>
+        <p:cNvPr id="1" name=""/>
+        <p:cNvGrpSpPr/>
+        <p:nvPr/>
+      </p:nvGrpSpPr>
+      <p:grpSpPr>
+        <a:xfrm>
+          <a:off x="0" y="0"/>
+          <a:ext cx="0" cy="0"/>
+          <a:chOff x="0" y="0"/>
+          <a:chExt cx="0" cy="0"/>
+        </a:xfrm>
+      </p:grpSpPr>
+      <p:sp>
+        <p:nvSpPr>
+          <p:cNvPr id="2" name="Title 1">
+            <a:extLst>
+              <a:ext uri="{FF2B5EF4-FFF2-40B4-BE49-F238E27FC236}">
+                <a16:creationId xmlns:a16="http://schemas.microsoft.com/office/drawing/2014/main" id="{2BA28547-6B73-4D3A-8DAD-DF16285C8781}"/>
+              </a:ext>
+            </a:extLst>
+          </p:cNvPr>
+          <p:cNvSpPr>
+            <a:spLocks noGrp="1"/>
+          </p:cNvSpPr>
+          <p:nvPr>
+            <p:ph type="title"/>
+          </p:nvPr>
+        </p:nvSpPr>
+        <p:spPr>
+          <a:xfrm>
+            <a:off x="517869" y="978408"/>
+            <a:ext cx="5407069" cy="4870457"/>
           </a:xfrm>
         </p:spPr>
         <p:txBody>
+          <a:bodyPr>
+            <a:normAutofit/>
+          </a:bodyPr>
+          <a:lstStyle/>
+          <a:p>
+            <a:r>
+              <a:rPr lang="nb-NO" sz="3200" dirty="0"/>
+              <a:t>All </a:t>
+            </a:r>
+            <a:r>
+              <a:rPr lang="nb-NO" sz="3200" dirty="0" err="1"/>
+              <a:t>of</a:t>
+            </a:r>
+            <a:r>
+              <a:rPr lang="nb-NO" sz="3200" dirty="0"/>
+              <a:t> </a:t>
+            </a:r>
+            <a:r>
+              <a:rPr lang="nb-NO" sz="3200" dirty="0" err="1"/>
+              <a:t>this</a:t>
+            </a:r>
+            <a:r>
+              <a:rPr lang="nb-NO" sz="3200" dirty="0"/>
+              <a:t> is </a:t>
+            </a:r>
+            <a:r>
+              <a:rPr lang="nb-NO" sz="3200" dirty="0" err="1"/>
+              <a:t>before</a:t>
+            </a:r>
+            <a:r>
+              <a:rPr lang="nb-NO" sz="3200" dirty="0"/>
+              <a:t> </a:t>
+            </a:r>
+            <a:r>
+              <a:rPr lang="nb-NO" sz="3200" dirty="0" err="1"/>
+              <a:t>any</a:t>
+            </a:r>
+            <a:r>
+              <a:rPr lang="nb-NO" sz="3200" dirty="0"/>
+              <a:t> data </a:t>
+            </a:r>
+            <a:r>
+              <a:rPr lang="nb-NO" sz="3200" dirty="0" err="1"/>
+              <a:t>preperation</a:t>
+            </a:r>
+            <a:endParaRPr lang="en-GB" sz="3200" dirty="0"/>
+          </a:p>
+        </p:txBody>
+      </p:sp>
+      <p:sp>
+        <p:nvSpPr>
+          <p:cNvPr id="3" name="Content Placeholder 2">
+            <a:extLst>
+              <a:ext uri="{FF2B5EF4-FFF2-40B4-BE49-F238E27FC236}">
+                <a16:creationId xmlns:a16="http://schemas.microsoft.com/office/drawing/2014/main" id="{E682927D-D2D3-4865-89CC-D77207BFA761}"/>
+              </a:ext>
+            </a:extLst>
+          </p:cNvPr>
+          <p:cNvSpPr>
+            <a:spLocks noGrp="1"/>
+          </p:cNvSpPr>
+          <p:nvPr>
+            <p:ph idx="1"/>
+          </p:nvPr>
+        </p:nvSpPr>
+        <p:spPr/>
+        <p:txBody>
           <a:bodyPr/>
           <a:lstStyle/>
           <a:p>
             <a:r>
               <a:rPr lang="nb-NO" dirty="0"/>
-              <a:t>13.10.2022: </a:t>
-            </a:r>
-            <a:r>
-              <a:rPr lang="nb-NO" dirty="0" err="1"/>
-              <a:t>Geotechnics</a:t>
-            </a:r>
-            <a:r>
-              <a:rPr lang="nb-NO" dirty="0"/>
-              <a:t> &amp; </a:t>
-            </a:r>
-            <a:r>
-              <a:rPr lang="nb-NO" dirty="0" err="1"/>
-              <a:t>geophysics</a:t>
-            </a:r>
-            <a:r>
-              <a:rPr lang="nb-NO" dirty="0"/>
-              <a:t> </a:t>
-            </a:r>
-            <a:r>
-              <a:rPr lang="nb-NO" dirty="0" err="1"/>
-              <a:t>meeting</a:t>
-            </a:r>
-            <a:endParaRPr lang="nb-NO" dirty="0"/>
-          </a:p>
-          <a:p>
-            <a:r>
-              <a:rPr lang="en-GB" dirty="0"/>
-              <a:t>Topics of discussion: </a:t>
+              <a:t>Data prep </a:t>
+            </a:r>
+            <a:r>
+              <a:rPr lang="nb-NO" dirty="0" err="1"/>
+              <a:t>will</a:t>
+            </a:r>
+            <a:r>
+              <a:rPr lang="nb-NO" dirty="0"/>
+              <a:t> most </a:t>
+            </a:r>
+            <a:r>
+              <a:rPr lang="nb-NO" dirty="0" err="1"/>
+              <a:t>likely</a:t>
+            </a:r>
+            <a:r>
+              <a:rPr lang="nb-NO" dirty="0"/>
+              <a:t> </a:t>
+            </a:r>
+            <a:r>
+              <a:rPr lang="nb-NO" dirty="0" err="1"/>
+              <a:t>improve</a:t>
+            </a:r>
+            <a:r>
+              <a:rPr lang="nb-NO" dirty="0"/>
+              <a:t> </a:t>
+            </a:r>
+            <a:r>
+              <a:rPr lang="nb-NO" dirty="0" err="1"/>
+              <a:t>results</a:t>
+            </a:r>
+            <a:r>
+              <a:rPr lang="nb-NO" dirty="0"/>
+              <a:t>:</a:t>
             </a:r>
           </a:p>
           <a:p>
@@ -5083,9 +5910,18 @@
               <a:buChar char="•"/>
             </a:pPr>
             <a:r>
-              <a:rPr lang="en-GB" dirty="0"/>
-              <a:t>Parameters for prediction</a:t>
-            </a:r>
+              <a:rPr lang="nb-NO" dirty="0" err="1"/>
+              <a:t>Removing</a:t>
+            </a:r>
+            <a:r>
+              <a:rPr lang="nb-NO" dirty="0"/>
+              <a:t> </a:t>
+            </a:r>
+            <a:r>
+              <a:rPr lang="nb-NO" dirty="0" err="1"/>
+              <a:t>outliers</a:t>
+            </a:r>
+            <a:endParaRPr lang="nb-NO" dirty="0"/>
           </a:p>
           <a:p>
             <a:pPr marL="342900" indent="-342900">
@@ -5093,8 +5929,20 @@
               <a:buChar char="•"/>
             </a:pPr>
             <a:r>
-              <a:rPr lang="en-GB" dirty="0"/>
-              <a:t>Data treatment</a:t>
+              <a:rPr lang="nb-NO" dirty="0" err="1"/>
+              <a:t>Normalizing</a:t>
+            </a:r>
+            <a:r>
+              <a:rPr lang="nb-NO" dirty="0"/>
+              <a:t> </a:t>
+            </a:r>
+            <a:r>
+              <a:rPr lang="nb-NO" dirty="0" err="1"/>
+              <a:t>the</a:t>
+            </a:r>
+            <a:r>
+              <a:rPr lang="nb-NO" dirty="0"/>
+              <a:t> data</a:t>
             </a:r>
           </a:p>
           <a:p>
@@ -5102,9 +5950,1353 @@
               <a:buFont typeface="Arial" panose="020B0604020202020204" pitchFamily="34" charset="0"/>
               <a:buChar char="•"/>
             </a:pPr>
+            <a:endParaRPr lang="nb-NO" dirty="0"/>
+          </a:p>
+          <a:p>
+            <a:r>
+              <a:rPr lang="nb-NO" dirty="0"/>
+              <a:t>I </a:t>
+            </a:r>
+            <a:r>
+              <a:rPr lang="nb-NO" dirty="0" err="1"/>
+              <a:t>will</a:t>
+            </a:r>
+            <a:r>
+              <a:rPr lang="nb-NO" dirty="0"/>
+              <a:t> </a:t>
+            </a:r>
+            <a:r>
+              <a:rPr lang="nb-NO" dirty="0" err="1"/>
+              <a:t>investigate</a:t>
+            </a:r>
+            <a:r>
+              <a:rPr lang="nb-NO" dirty="0"/>
+              <a:t> </a:t>
+            </a:r>
+            <a:r>
+              <a:rPr lang="nb-NO" dirty="0" err="1"/>
+              <a:t>this</a:t>
+            </a:r>
+            <a:r>
+              <a:rPr lang="nb-NO" dirty="0"/>
+              <a:t> </a:t>
+            </a:r>
+            <a:r>
+              <a:rPr lang="nb-NO" dirty="0" err="1"/>
+              <a:t>until</a:t>
+            </a:r>
+            <a:r>
+              <a:rPr lang="nb-NO" dirty="0"/>
+              <a:t> </a:t>
+            </a:r>
+            <a:r>
+              <a:rPr lang="nb-NO" dirty="0" err="1"/>
+              <a:t>next</a:t>
+            </a:r>
+            <a:r>
+              <a:rPr lang="nb-NO" dirty="0"/>
+              <a:t> </a:t>
+            </a:r>
+            <a:r>
+              <a:rPr lang="nb-NO" dirty="0" err="1"/>
+              <a:t>meeting</a:t>
+            </a:r>
+            <a:endParaRPr lang="nb-NO" dirty="0"/>
+          </a:p>
+          <a:p>
+            <a:pPr marL="342900" indent="-342900">
+              <a:buFont typeface="Arial" panose="020B0604020202020204" pitchFamily="34" charset="0"/>
+              <a:buChar char="•"/>
+            </a:pPr>
+            <a:endParaRPr lang="en-GB" dirty="0"/>
+          </a:p>
+        </p:txBody>
+      </p:sp>
+      <p:pic>
+        <p:nvPicPr>
+          <p:cNvPr id="4" name="Picture 3">
+            <a:extLst>
+              <a:ext uri="{FF2B5EF4-FFF2-40B4-BE49-F238E27FC236}">
+                <a16:creationId xmlns:a16="http://schemas.microsoft.com/office/drawing/2014/main" id="{0B0D60A3-8D71-4164-B5B8-C5D361CC638F}"/>
+              </a:ext>
+            </a:extLst>
+          </p:cNvPr>
+          <p:cNvPicPr>
+            <a:picLocks noChangeAspect="1"/>
+          </p:cNvPicPr>
+          <p:nvPr/>
+        </p:nvPicPr>
+        <p:blipFill>
+          <a:blip r:embed="rId2"/>
+          <a:stretch>
+            <a:fillRect/>
+          </a:stretch>
+        </p:blipFill>
+        <p:spPr>
+          <a:xfrm>
+            <a:off x="517869" y="2617584"/>
+            <a:ext cx="5259988" cy="3262008"/>
+          </a:xfrm>
+          <a:prstGeom prst="rect">
+            <a:avLst/>
+          </a:prstGeom>
+        </p:spPr>
+      </p:pic>
+    </p:spTree>
+    <p:extLst>
+      <p:ext uri="{BB962C8B-B14F-4D97-AF65-F5344CB8AC3E}">
+        <p14:creationId xmlns:p14="http://schemas.microsoft.com/office/powerpoint/2010/main" val="4195134594"/>
+      </p:ext>
+    </p:extLst>
+  </p:cSld>
+  <p:clrMapOvr>
+    <a:masterClrMapping/>
+  </p:clrMapOvr>
+</p:sld>
+</file>
+
+<file path=ppt/slides/slide16.xml><?xml version="1.0" encoding="utf-8"?>
+<p:sld xmlns:a="http://schemas.openxmlformats.org/drawingml/2006/main" xmlns:r="http://schemas.openxmlformats.org/officeDocument/2006/relationships" xmlns:p="http://schemas.openxmlformats.org/presentationml/2006/main">
+  <p:cSld>
+    <p:spTree>
+      <p:nvGrpSpPr>
+        <p:cNvPr id="1" name=""/>
+        <p:cNvGrpSpPr/>
+        <p:nvPr/>
+      </p:nvGrpSpPr>
+      <p:grpSpPr>
+        <a:xfrm>
+          <a:off x="0" y="0"/>
+          <a:ext cx="0" cy="0"/>
+          <a:chOff x="0" y="0"/>
+          <a:chExt cx="0" cy="0"/>
+        </a:xfrm>
+      </p:grpSpPr>
+      <p:sp>
+        <p:nvSpPr>
+          <p:cNvPr id="2" name="Title 1">
+            <a:extLst>
+              <a:ext uri="{FF2B5EF4-FFF2-40B4-BE49-F238E27FC236}">
+                <a16:creationId xmlns:a16="http://schemas.microsoft.com/office/drawing/2014/main" id="{12258E73-6AE5-4223-B21E-5F34CFBE2733}"/>
+              </a:ext>
+            </a:extLst>
+          </p:cNvPr>
+          <p:cNvSpPr>
+            <a:spLocks noGrp="1"/>
+          </p:cNvSpPr>
+          <p:nvPr>
+            <p:ph type="title"/>
+          </p:nvPr>
+        </p:nvSpPr>
+        <p:spPr/>
+        <p:txBody>
+          <a:bodyPr/>
+          <a:lstStyle/>
+          <a:p>
+            <a:r>
+              <a:rPr lang="nb-NO" dirty="0" err="1"/>
+              <a:t>Misc</a:t>
+            </a:r>
+            <a:endParaRPr lang="en-GB" dirty="0"/>
+          </a:p>
+        </p:txBody>
+      </p:sp>
+      <p:sp>
+        <p:nvSpPr>
+          <p:cNvPr id="3" name="Content Placeholder 2">
+            <a:extLst>
+              <a:ext uri="{FF2B5EF4-FFF2-40B4-BE49-F238E27FC236}">
+                <a16:creationId xmlns:a16="http://schemas.microsoft.com/office/drawing/2014/main" id="{E9B0CAFF-4335-4587-B8AD-BD8918EA374C}"/>
+              </a:ext>
+            </a:extLst>
+          </p:cNvPr>
+          <p:cNvSpPr>
+            <a:spLocks noGrp="1"/>
+          </p:cNvSpPr>
+          <p:nvPr>
+            <p:ph idx="1"/>
+          </p:nvPr>
+        </p:nvSpPr>
+        <p:spPr>
+          <a:xfrm>
+            <a:off x="6662168" y="969264"/>
+            <a:ext cx="5021182" cy="5353715"/>
+          </a:xfrm>
+        </p:spPr>
+        <p:txBody>
+          <a:bodyPr>
+            <a:normAutofit/>
+          </a:bodyPr>
+          <a:lstStyle/>
+          <a:p>
+            <a:r>
+              <a:rPr lang="nb-NO" sz="1800" dirty="0"/>
+              <a:t>Still, a lot </a:t>
+            </a:r>
+            <a:r>
+              <a:rPr lang="nb-NO" sz="1800" dirty="0" err="1"/>
+              <a:t>of</a:t>
+            </a:r>
+            <a:r>
+              <a:rPr lang="nb-NO" sz="1800" dirty="0"/>
+              <a:t> </a:t>
+            </a:r>
+            <a:r>
+              <a:rPr lang="nb-NO" sz="1800" dirty="0" err="1"/>
+              <a:t>code</a:t>
+            </a:r>
+            <a:r>
+              <a:rPr lang="nb-NO" sz="1800" dirty="0"/>
+              <a:t> </a:t>
+            </a:r>
+            <a:r>
+              <a:rPr lang="nb-NO" sz="1800" dirty="0" err="1"/>
+              <a:t>needs</a:t>
+            </a:r>
+            <a:r>
+              <a:rPr lang="nb-NO" sz="1800" dirty="0"/>
+              <a:t> </a:t>
+            </a:r>
+            <a:r>
+              <a:rPr lang="nb-NO" sz="1800" dirty="0" err="1"/>
+              <a:t>refinement</a:t>
+            </a:r>
+            <a:r>
+              <a:rPr lang="nb-NO" sz="1800" dirty="0"/>
+              <a:t>..</a:t>
+            </a:r>
+          </a:p>
+          <a:p>
+            <a:pPr marL="560070" lvl="1" indent="-285750"/>
+            <a:r>
+              <a:rPr lang="nb-NO" sz="1600" dirty="0" err="1"/>
+              <a:t>Summary</a:t>
+            </a:r>
+            <a:r>
+              <a:rPr lang="nb-NO" sz="1600" dirty="0"/>
+              <a:t> stats</a:t>
+            </a:r>
+          </a:p>
+          <a:p>
+            <a:pPr marL="834390" lvl="3" indent="-285750"/>
+            <a:r>
+              <a:rPr lang="nb-NO" sz="1400" dirty="0"/>
+              <a:t>In </a:t>
+            </a:r>
+            <a:r>
+              <a:rPr lang="nb-NO" sz="1400" dirty="0" err="1"/>
+              <a:t>keras</a:t>
+            </a:r>
+            <a:r>
+              <a:rPr lang="nb-NO" sz="1400" dirty="0"/>
+              <a:t>, </a:t>
+            </a:r>
+            <a:r>
+              <a:rPr lang="nb-NO" sz="1400" dirty="0" err="1"/>
+              <a:t>you</a:t>
+            </a:r>
+            <a:r>
+              <a:rPr lang="nb-NO" sz="1400" dirty="0"/>
+              <a:t> </a:t>
+            </a:r>
+            <a:r>
+              <a:rPr lang="nb-NO" sz="1400" dirty="0" err="1"/>
+              <a:t>can</a:t>
+            </a:r>
+            <a:r>
+              <a:rPr lang="nb-NO" sz="1400" dirty="0"/>
+              <a:t> </a:t>
+            </a:r>
+            <a:r>
+              <a:rPr lang="nb-NO" sz="1400" dirty="0" err="1"/>
+              <a:t>add</a:t>
+            </a:r>
+            <a:r>
+              <a:rPr lang="nb-NO" sz="1400" dirty="0"/>
+              <a:t> </a:t>
+            </a:r>
+            <a:r>
+              <a:rPr lang="nb-NO" sz="1400" dirty="0" err="1"/>
+              <a:t>metrics</a:t>
+            </a:r>
+            <a:r>
+              <a:rPr lang="nb-NO" sz="1400" dirty="0"/>
+              <a:t> (</a:t>
+            </a:r>
+            <a:r>
+              <a:rPr lang="nb-NO" sz="1400" dirty="0" err="1"/>
+              <a:t>exploring</a:t>
+            </a:r>
+            <a:r>
+              <a:rPr lang="nb-NO" sz="1400" dirty="0"/>
+              <a:t> </a:t>
+            </a:r>
+            <a:r>
+              <a:rPr lang="nb-NO" sz="1400" dirty="0" err="1"/>
+              <a:t>this</a:t>
+            </a:r>
+            <a:r>
+              <a:rPr lang="nb-NO" sz="1400" dirty="0"/>
+              <a:t>)</a:t>
+            </a:r>
+          </a:p>
+          <a:p>
+            <a:pPr marL="560070" lvl="1" indent="-285750"/>
+            <a:r>
+              <a:rPr lang="nb-NO" sz="1600" dirty="0" err="1"/>
+              <a:t>Saving</a:t>
+            </a:r>
+            <a:r>
+              <a:rPr lang="nb-NO" sz="1600" dirty="0"/>
+              <a:t> input </a:t>
+            </a:r>
+            <a:r>
+              <a:rPr lang="nb-NO" sz="1600" dirty="0" err="1"/>
+              <a:t>config</a:t>
+            </a:r>
+            <a:endParaRPr lang="nb-NO" sz="1600" dirty="0"/>
+          </a:p>
+          <a:p>
+            <a:pPr marL="560070" lvl="1" indent="-285750"/>
+            <a:r>
+              <a:rPr lang="nb-NO" sz="1600" dirty="0" err="1"/>
+              <a:t>Config</a:t>
+            </a:r>
+            <a:r>
+              <a:rPr lang="nb-NO" sz="1600" dirty="0"/>
+              <a:t> </a:t>
+            </a:r>
+            <a:r>
+              <a:rPr lang="nb-NO" sz="1600" dirty="0" err="1"/>
+              <a:t>permutations</a:t>
+            </a:r>
+            <a:endParaRPr lang="nb-NO" sz="1600" dirty="0"/>
+          </a:p>
+          <a:p>
+            <a:pPr marL="560070" lvl="1" indent="-285750"/>
+            <a:r>
+              <a:rPr lang="nb-NO" sz="1600" dirty="0" err="1"/>
+              <a:t>Custom</a:t>
+            </a:r>
+            <a:r>
+              <a:rPr lang="nb-NO" sz="1600" dirty="0"/>
+              <a:t> loss </a:t>
+            </a:r>
+            <a:r>
+              <a:rPr lang="nb-NO" sz="1600" dirty="0" err="1"/>
+              <a:t>functions</a:t>
+            </a:r>
+            <a:endParaRPr lang="nb-NO" sz="1600" dirty="0"/>
+          </a:p>
+          <a:p>
+            <a:pPr marL="560070" lvl="1" indent="-285750"/>
+            <a:r>
+              <a:rPr lang="nb-NO" sz="1600" dirty="0"/>
+              <a:t>2D </a:t>
+            </a:r>
+            <a:r>
+              <a:rPr lang="nb-NO" sz="1600" dirty="0" err="1"/>
+              <a:t>convolutions</a:t>
+            </a:r>
+            <a:endParaRPr lang="nb-NO" sz="1800" dirty="0"/>
+          </a:p>
+          <a:p>
+            <a:r>
+              <a:rPr lang="nb-NO" sz="1800" dirty="0" err="1"/>
+              <a:t>Causal</a:t>
+            </a:r>
+            <a:r>
+              <a:rPr lang="nb-NO" sz="1800" dirty="0"/>
+              <a:t> </a:t>
+            </a:r>
+            <a:r>
+              <a:rPr lang="nb-NO" sz="1800" dirty="0" err="1"/>
+              <a:t>padding</a:t>
+            </a:r>
+            <a:r>
+              <a:rPr lang="nb-NO" sz="1800" dirty="0"/>
+              <a:t> is not </a:t>
+            </a:r>
+            <a:r>
+              <a:rPr lang="nb-NO" sz="1800" dirty="0" err="1"/>
+              <a:t>supported</a:t>
+            </a:r>
+            <a:r>
+              <a:rPr lang="nb-NO" sz="1800" dirty="0"/>
+              <a:t> for Conv2D</a:t>
+            </a:r>
+          </a:p>
+          <a:p>
+            <a:pPr marL="285750" indent="-285750">
+              <a:buFont typeface="Arial" panose="020B0604020202020204" pitchFamily="34" charset="0"/>
+              <a:buChar char="•"/>
+            </a:pPr>
+            <a:r>
+              <a:rPr lang="nb-NO" sz="1800" dirty="0"/>
+              <a:t>Not </a:t>
+            </a:r>
+            <a:r>
+              <a:rPr lang="nb-NO" sz="1800" dirty="0" err="1"/>
+              <a:t>supported</a:t>
+            </a:r>
+            <a:r>
+              <a:rPr lang="nb-NO" sz="1800" dirty="0"/>
+              <a:t> for </a:t>
+            </a:r>
+            <a:r>
+              <a:rPr lang="nb-NO" sz="1800" dirty="0" err="1"/>
+              <a:t>the</a:t>
+            </a:r>
+            <a:r>
+              <a:rPr lang="nb-NO" sz="1800" dirty="0"/>
+              <a:t> </a:t>
+            </a:r>
+            <a:r>
+              <a:rPr lang="nb-NO" sz="1800" dirty="0" err="1"/>
+              <a:t>keras</a:t>
+            </a:r>
+            <a:r>
+              <a:rPr lang="nb-NO" sz="1800" dirty="0"/>
+              <a:t> </a:t>
+            </a:r>
+            <a:r>
+              <a:rPr lang="nb-NO" sz="1800" dirty="0" err="1"/>
+              <a:t>function</a:t>
+            </a:r>
+            <a:r>
+              <a:rPr lang="nb-NO" sz="1800" dirty="0"/>
+              <a:t>. Must </a:t>
+            </a:r>
+            <a:r>
+              <a:rPr lang="nb-NO" sz="1800" dirty="0" err="1"/>
+              <a:t>review</a:t>
+            </a:r>
+            <a:r>
+              <a:rPr lang="nb-NO" sz="1800" dirty="0"/>
+              <a:t> Mustafa, 2021 </a:t>
+            </a:r>
+            <a:r>
+              <a:rPr lang="nb-NO" sz="1800" dirty="0" err="1"/>
+              <a:t>paper</a:t>
+            </a:r>
+            <a:r>
+              <a:rPr lang="nb-NO" sz="1800" dirty="0"/>
+              <a:t> for </a:t>
+            </a:r>
+            <a:r>
+              <a:rPr lang="nb-NO" sz="1800" dirty="0" err="1"/>
+              <a:t>this</a:t>
+            </a:r>
+            <a:endParaRPr lang="nb-NO" sz="1800" dirty="0"/>
+          </a:p>
+          <a:p>
+            <a:pPr marL="560070" lvl="1" indent="-285750"/>
+            <a:r>
+              <a:rPr lang="nb-NO" sz="1600" dirty="0"/>
+              <a:t>I have </a:t>
+            </a:r>
+            <a:r>
+              <a:rPr lang="nb-NO" sz="1600" dirty="0" err="1"/>
+              <a:t>also</a:t>
+            </a:r>
+            <a:r>
+              <a:rPr lang="nb-NO" sz="1600" dirty="0"/>
+              <a:t> </a:t>
+            </a:r>
+            <a:r>
+              <a:rPr lang="nb-NO" sz="1600" dirty="0" err="1"/>
+              <a:t>found</a:t>
+            </a:r>
+            <a:r>
+              <a:rPr lang="nb-NO" sz="1600" dirty="0"/>
+              <a:t> his </a:t>
+            </a:r>
+            <a:r>
+              <a:rPr lang="nb-NO" sz="1600" dirty="0" err="1"/>
+              <a:t>code</a:t>
+            </a:r>
+            <a:r>
+              <a:rPr lang="nb-NO" sz="1600" dirty="0"/>
+              <a:t>, </a:t>
+            </a:r>
+            <a:r>
+              <a:rPr lang="nb-NO" sz="1600" dirty="0" err="1"/>
+              <a:t>however</a:t>
+            </a:r>
+            <a:r>
+              <a:rPr lang="nb-NO" sz="1600" dirty="0"/>
+              <a:t> </a:t>
+            </a:r>
+            <a:r>
+              <a:rPr lang="nb-NO" sz="1600" dirty="0" err="1"/>
+              <a:t>he</a:t>
+            </a:r>
+            <a:r>
+              <a:rPr lang="nb-NO" sz="1600" dirty="0"/>
+              <a:t> </a:t>
+            </a:r>
+            <a:r>
+              <a:rPr lang="nb-NO" sz="1600" dirty="0" err="1"/>
+              <a:t>uses</a:t>
+            </a:r>
+            <a:r>
+              <a:rPr lang="nb-NO" sz="1600" dirty="0"/>
+              <a:t> </a:t>
+            </a:r>
+            <a:r>
+              <a:rPr lang="nb-NO" sz="1600" dirty="0" err="1"/>
+              <a:t>pyTorch</a:t>
+            </a:r>
+            <a:endParaRPr lang="nb-NO" sz="1800" dirty="0"/>
+          </a:p>
+          <a:p>
+            <a:r>
+              <a:rPr lang="nb-NO" sz="1800" dirty="0" err="1"/>
+              <a:t>Prestack</a:t>
+            </a:r>
+            <a:r>
+              <a:rPr lang="nb-NO" sz="1800" dirty="0"/>
+              <a:t> data in </a:t>
+            </a:r>
+            <a:r>
+              <a:rPr lang="nb-NO" sz="1800" dirty="0" err="1"/>
+              <a:t>stead</a:t>
+            </a:r>
+            <a:r>
+              <a:rPr lang="nb-NO" sz="1800" dirty="0"/>
+              <a:t> </a:t>
+            </a:r>
+            <a:r>
+              <a:rPr lang="nb-NO" sz="1800" dirty="0" err="1"/>
+              <a:t>of</a:t>
+            </a:r>
+            <a:r>
+              <a:rPr lang="nb-NO" sz="1800" dirty="0"/>
+              <a:t> </a:t>
+            </a:r>
+            <a:r>
+              <a:rPr lang="nb-NO" sz="1800" dirty="0" err="1"/>
+              <a:t>poststack</a:t>
+            </a:r>
+            <a:r>
+              <a:rPr lang="nb-NO" sz="1800" dirty="0"/>
+              <a:t>?</a:t>
+            </a:r>
+          </a:p>
+          <a:p>
+            <a:r>
+              <a:rPr lang="nb-NO" sz="1800" dirty="0"/>
+              <a:t>	</a:t>
+            </a:r>
+            <a:r>
+              <a:rPr lang="nb-NO" sz="1800" dirty="0" err="1"/>
+              <a:t>Poststack</a:t>
+            </a:r>
+            <a:r>
+              <a:rPr lang="nb-NO" sz="1800" dirty="0"/>
+              <a:t> </a:t>
+            </a:r>
+            <a:r>
+              <a:rPr lang="nb-NO" sz="1800" dirty="0" err="1"/>
+              <a:t>sacrifices</a:t>
+            </a:r>
+            <a:r>
+              <a:rPr lang="nb-NO" sz="1800" dirty="0"/>
+              <a:t> </a:t>
+            </a:r>
+            <a:r>
+              <a:rPr lang="nb-NO" sz="1800" dirty="0" err="1"/>
+              <a:t>information</a:t>
+            </a:r>
+            <a:r>
+              <a:rPr lang="nb-NO" sz="1800" dirty="0"/>
+              <a:t> for 	</a:t>
+            </a:r>
+            <a:r>
+              <a:rPr lang="nb-NO" sz="1800" dirty="0" err="1"/>
+              <a:t>better</a:t>
+            </a:r>
+            <a:r>
+              <a:rPr lang="nb-NO" sz="1800" dirty="0"/>
+              <a:t> human </a:t>
+            </a:r>
+            <a:r>
+              <a:rPr lang="nb-NO" sz="1800" dirty="0" err="1"/>
+              <a:t>comprehension</a:t>
+            </a:r>
+            <a:endParaRPr lang="en-GB" sz="1800" dirty="0"/>
+          </a:p>
+        </p:txBody>
+      </p:sp>
+      <p:pic>
+        <p:nvPicPr>
+          <p:cNvPr id="4" name="Picture 3">
+            <a:extLst>
+              <a:ext uri="{FF2B5EF4-FFF2-40B4-BE49-F238E27FC236}">
+                <a16:creationId xmlns:a16="http://schemas.microsoft.com/office/drawing/2014/main" id="{D7EEA5E8-2D57-4931-9A1F-48D0FE71F820}"/>
+              </a:ext>
+            </a:extLst>
+          </p:cNvPr>
+          <p:cNvPicPr>
+            <a:picLocks noChangeAspect="1"/>
+          </p:cNvPicPr>
+          <p:nvPr/>
+        </p:nvPicPr>
+        <p:blipFill rotWithShape="1">
+          <a:blip r:embed="rId2"/>
+          <a:srcRect l="22829" t="7873" r="20622" b="8916"/>
+          <a:stretch/>
+        </p:blipFill>
+        <p:spPr>
+          <a:xfrm>
+            <a:off x="1228843" y="2348715"/>
+            <a:ext cx="3599235" cy="3530877"/>
+          </a:xfrm>
+          <a:prstGeom prst="rect">
+            <a:avLst/>
+          </a:prstGeom>
+        </p:spPr>
+      </p:pic>
+    </p:spTree>
+    <p:extLst>
+      <p:ext uri="{BB962C8B-B14F-4D97-AF65-F5344CB8AC3E}">
+        <p14:creationId xmlns:p14="http://schemas.microsoft.com/office/powerpoint/2010/main" val="1721430244"/>
+      </p:ext>
+    </p:extLst>
+  </p:cSld>
+  <p:clrMapOvr>
+    <a:masterClrMapping/>
+  </p:clrMapOvr>
+</p:sld>
+</file>
+
+<file path=ppt/slides/slide17.xml><?xml version="1.0" encoding="utf-8"?>
+<p:sld xmlns:a="http://schemas.openxmlformats.org/drawingml/2006/main" xmlns:r="http://schemas.openxmlformats.org/officeDocument/2006/relationships" xmlns:p="http://schemas.openxmlformats.org/presentationml/2006/main">
+  <p:cSld>
+    <p:spTree>
+      <p:nvGrpSpPr>
+        <p:cNvPr id="1" name=""/>
+        <p:cNvGrpSpPr/>
+        <p:nvPr/>
+      </p:nvGrpSpPr>
+      <p:grpSpPr>
+        <a:xfrm>
+          <a:off x="0" y="0"/>
+          <a:ext cx="0" cy="0"/>
+          <a:chOff x="0" y="0"/>
+          <a:chExt cx="0" cy="0"/>
+        </a:xfrm>
+      </p:grpSpPr>
+      <p:sp>
+        <p:nvSpPr>
+          <p:cNvPr id="2" name="Title 1">
+            <a:extLst>
+              <a:ext uri="{FF2B5EF4-FFF2-40B4-BE49-F238E27FC236}">
+                <a16:creationId xmlns:a16="http://schemas.microsoft.com/office/drawing/2014/main" id="{363286B4-45A3-4D3F-89BA-B04DF59B6064}"/>
+              </a:ext>
+            </a:extLst>
+          </p:cNvPr>
+          <p:cNvSpPr>
+            <a:spLocks noGrp="1"/>
+          </p:cNvSpPr>
+          <p:nvPr>
+            <p:ph type="title"/>
+          </p:nvPr>
+        </p:nvSpPr>
+        <p:spPr/>
+        <p:txBody>
+          <a:bodyPr/>
+          <a:lstStyle/>
+          <a:p>
+            <a:r>
+              <a:rPr lang="nb-NO" dirty="0" err="1"/>
+              <a:t>Academics</a:t>
+            </a:r>
+            <a:r>
+              <a:rPr lang="nb-NO" dirty="0"/>
+              <a:t> and </a:t>
+            </a:r>
+            <a:r>
+              <a:rPr lang="nb-NO" dirty="0" err="1"/>
+              <a:t>writing</a:t>
+            </a:r>
+            <a:endParaRPr lang="en-GB" dirty="0"/>
+          </a:p>
+        </p:txBody>
+      </p:sp>
+      <p:sp>
+        <p:nvSpPr>
+          <p:cNvPr id="3" name="Content Placeholder 2">
+            <a:extLst>
+              <a:ext uri="{FF2B5EF4-FFF2-40B4-BE49-F238E27FC236}">
+                <a16:creationId xmlns:a16="http://schemas.microsoft.com/office/drawing/2014/main" id="{6EC674BB-1C03-4AE5-BBD2-85061154A891}"/>
+              </a:ext>
+            </a:extLst>
+          </p:cNvPr>
+          <p:cNvSpPr>
+            <a:spLocks noGrp="1"/>
+          </p:cNvSpPr>
+          <p:nvPr>
+            <p:ph idx="1"/>
+          </p:nvPr>
+        </p:nvSpPr>
+        <p:spPr/>
+        <p:txBody>
+          <a:bodyPr/>
+          <a:lstStyle/>
+          <a:p>
+            <a:r>
+              <a:rPr lang="nb-NO" dirty="0" err="1"/>
+              <a:t>I’m</a:t>
+            </a:r>
+            <a:r>
+              <a:rPr lang="nb-NO" dirty="0"/>
+              <a:t> </a:t>
+            </a:r>
+            <a:r>
+              <a:rPr lang="nb-NO" dirty="0" err="1"/>
+              <a:t>collecting</a:t>
+            </a:r>
+            <a:r>
+              <a:rPr lang="nb-NO" dirty="0"/>
+              <a:t> </a:t>
+            </a:r>
+            <a:r>
+              <a:rPr lang="nb-NO" dirty="0" err="1"/>
+              <a:t>good</a:t>
+            </a:r>
+            <a:r>
+              <a:rPr lang="nb-NO" dirty="0"/>
+              <a:t> </a:t>
+            </a:r>
+            <a:r>
+              <a:rPr lang="nb-NO" dirty="0" err="1"/>
+              <a:t>sources</a:t>
+            </a:r>
+            <a:r>
+              <a:rPr lang="nb-NO" dirty="0"/>
+              <a:t>, and </a:t>
+            </a:r>
+            <a:r>
+              <a:rPr lang="nb-NO" dirty="0" err="1"/>
+              <a:t>outlining</a:t>
+            </a:r>
+            <a:r>
+              <a:rPr lang="nb-NO" dirty="0"/>
+              <a:t> </a:t>
+            </a:r>
+            <a:r>
+              <a:rPr lang="nb-NO" dirty="0" err="1"/>
+              <a:t>the</a:t>
+            </a:r>
+            <a:r>
+              <a:rPr lang="nb-NO" dirty="0"/>
+              <a:t> </a:t>
+            </a:r>
+            <a:r>
+              <a:rPr lang="nb-NO" dirty="0" err="1"/>
+              <a:t>structure</a:t>
+            </a:r>
+            <a:r>
+              <a:rPr lang="nb-NO" dirty="0"/>
+              <a:t> </a:t>
+            </a:r>
+            <a:r>
+              <a:rPr lang="nb-NO" dirty="0" err="1"/>
+              <a:t>of</a:t>
+            </a:r>
+            <a:r>
+              <a:rPr lang="nb-NO" dirty="0"/>
+              <a:t> </a:t>
+            </a:r>
+            <a:r>
+              <a:rPr lang="nb-NO" dirty="0" err="1"/>
+              <a:t>what</a:t>
+            </a:r>
+            <a:r>
+              <a:rPr lang="nb-NO" dirty="0"/>
+              <a:t> is to be </a:t>
+            </a:r>
+            <a:r>
+              <a:rPr lang="nb-NO" dirty="0" err="1"/>
+              <a:t>written</a:t>
+            </a:r>
+            <a:r>
+              <a:rPr lang="nb-NO" dirty="0"/>
+              <a:t>. </a:t>
+            </a:r>
+          </a:p>
+          <a:p>
+            <a:r>
+              <a:rPr lang="nb-NO" dirty="0" err="1"/>
+              <a:t>I’m</a:t>
+            </a:r>
+            <a:r>
+              <a:rPr lang="nb-NO" dirty="0"/>
+              <a:t> planning to </a:t>
+            </a:r>
+            <a:r>
+              <a:rPr lang="nb-NO" dirty="0" err="1"/>
+              <a:t>get</a:t>
+            </a:r>
+            <a:r>
+              <a:rPr lang="nb-NO" dirty="0"/>
+              <a:t> a lot </a:t>
+            </a:r>
+            <a:r>
+              <a:rPr lang="nb-NO" dirty="0" err="1"/>
+              <a:t>of</a:t>
+            </a:r>
+            <a:r>
+              <a:rPr lang="nb-NO" dirty="0"/>
+              <a:t> </a:t>
+            </a:r>
+            <a:r>
+              <a:rPr lang="nb-NO" dirty="0" err="1"/>
+              <a:t>writing</a:t>
+            </a:r>
+            <a:r>
+              <a:rPr lang="nb-NO" dirty="0"/>
+              <a:t> in </a:t>
+            </a:r>
+            <a:r>
+              <a:rPr lang="nb-NO" dirty="0" err="1"/>
+              <a:t>while</a:t>
+            </a:r>
+            <a:r>
+              <a:rPr lang="nb-NO" dirty="0"/>
+              <a:t> </a:t>
+            </a:r>
+            <a:r>
+              <a:rPr lang="nb-NO" dirty="0" err="1"/>
+              <a:t>the</a:t>
+            </a:r>
+            <a:r>
+              <a:rPr lang="nb-NO" dirty="0"/>
+              <a:t> </a:t>
+            </a:r>
+            <a:r>
+              <a:rPr lang="nb-NO" dirty="0" err="1"/>
+              <a:t>models</a:t>
+            </a:r>
+            <a:r>
+              <a:rPr lang="nb-NO" dirty="0"/>
+              <a:t> </a:t>
+            </a:r>
+            <a:r>
+              <a:rPr lang="nb-NO" dirty="0" err="1"/>
+              <a:t>are</a:t>
+            </a:r>
+            <a:r>
+              <a:rPr lang="nb-NO" dirty="0"/>
+              <a:t> </a:t>
+            </a:r>
+            <a:r>
+              <a:rPr lang="nb-NO" dirty="0" err="1"/>
+              <a:t>running</a:t>
+            </a:r>
+            <a:r>
+              <a:rPr lang="nb-NO" dirty="0"/>
+              <a:t>.</a:t>
+            </a:r>
+          </a:p>
+          <a:p>
+            <a:endParaRPr lang="en-GB" dirty="0"/>
+          </a:p>
+        </p:txBody>
+      </p:sp>
+      <p:pic>
+        <p:nvPicPr>
+          <p:cNvPr id="4" name="Picture 3">
+            <a:extLst>
+              <a:ext uri="{FF2B5EF4-FFF2-40B4-BE49-F238E27FC236}">
+                <a16:creationId xmlns:a16="http://schemas.microsoft.com/office/drawing/2014/main" id="{3680D21E-CC5D-41DF-81F3-D2686A89EDE8}"/>
+              </a:ext>
+            </a:extLst>
+          </p:cNvPr>
+          <p:cNvPicPr>
+            <a:picLocks noChangeAspect="1"/>
+          </p:cNvPicPr>
+          <p:nvPr/>
+        </p:nvPicPr>
+        <p:blipFill>
+          <a:blip r:embed="rId2"/>
+          <a:stretch>
+            <a:fillRect/>
+          </a:stretch>
+        </p:blipFill>
+        <p:spPr>
+          <a:xfrm>
+            <a:off x="518369" y="3200399"/>
+            <a:ext cx="5020683" cy="2932079"/>
+          </a:xfrm>
+          <a:prstGeom prst="rect">
+            <a:avLst/>
+          </a:prstGeom>
+        </p:spPr>
+      </p:pic>
+    </p:spTree>
+    <p:extLst>
+      <p:ext uri="{BB962C8B-B14F-4D97-AF65-F5344CB8AC3E}">
+        <p14:creationId xmlns:p14="http://schemas.microsoft.com/office/powerpoint/2010/main" val="2162221258"/>
+      </p:ext>
+    </p:extLst>
+  </p:cSld>
+  <p:clrMapOvr>
+    <a:masterClrMapping/>
+  </p:clrMapOvr>
+</p:sld>
+</file>
+
+<file path=ppt/slides/slide18.xml><?xml version="1.0" encoding="utf-8"?>
+<p:sld xmlns:a="http://schemas.openxmlformats.org/drawingml/2006/main" xmlns:r="http://schemas.openxmlformats.org/officeDocument/2006/relationships" xmlns:p="http://schemas.openxmlformats.org/presentationml/2006/main">
+  <p:cSld>
+    <p:spTree>
+      <p:nvGrpSpPr>
+        <p:cNvPr id="1" name=""/>
+        <p:cNvGrpSpPr/>
+        <p:nvPr/>
+      </p:nvGrpSpPr>
+      <p:grpSpPr>
+        <a:xfrm>
+          <a:off x="0" y="0"/>
+          <a:ext cx="0" cy="0"/>
+          <a:chOff x="0" y="0"/>
+          <a:chExt cx="0" cy="0"/>
+        </a:xfrm>
+      </p:grpSpPr>
+      <p:sp>
+        <p:nvSpPr>
+          <p:cNvPr id="2" name="Title 1">
+            <a:extLst>
+              <a:ext uri="{FF2B5EF4-FFF2-40B4-BE49-F238E27FC236}">
+                <a16:creationId xmlns:a16="http://schemas.microsoft.com/office/drawing/2014/main" id="{B37ED228-9C48-40A4-A83C-2079A15261D4}"/>
+              </a:ext>
+            </a:extLst>
+          </p:cNvPr>
+          <p:cNvSpPr>
+            <a:spLocks noGrp="1"/>
+          </p:cNvSpPr>
+          <p:nvPr>
+            <p:ph type="title"/>
+          </p:nvPr>
+        </p:nvSpPr>
+        <p:spPr/>
+        <p:txBody>
+          <a:bodyPr/>
+          <a:lstStyle/>
+          <a:p>
+            <a:r>
+              <a:rPr lang="nb-NO" dirty="0"/>
+              <a:t>Hardware</a:t>
+            </a:r>
+            <a:endParaRPr lang="en-GB" dirty="0"/>
+          </a:p>
+        </p:txBody>
+      </p:sp>
+      <p:sp>
+        <p:nvSpPr>
+          <p:cNvPr id="3" name="Content Placeholder 2">
+            <a:extLst>
+              <a:ext uri="{FF2B5EF4-FFF2-40B4-BE49-F238E27FC236}">
+                <a16:creationId xmlns:a16="http://schemas.microsoft.com/office/drawing/2014/main" id="{42851050-1CC1-4665-A21A-967FA74D6E79}"/>
+              </a:ext>
+            </a:extLst>
+          </p:cNvPr>
+          <p:cNvSpPr>
+            <a:spLocks noGrp="1"/>
+          </p:cNvSpPr>
+          <p:nvPr>
+            <p:ph idx="1"/>
+          </p:nvPr>
+        </p:nvSpPr>
+        <p:spPr>
+          <a:xfrm>
+            <a:off x="6662168" y="969264"/>
+            <a:ext cx="5176394" cy="5535123"/>
+          </a:xfrm>
+        </p:spPr>
+        <p:txBody>
+          <a:bodyPr>
+            <a:normAutofit/>
+          </a:bodyPr>
+          <a:lstStyle/>
+          <a:p>
+            <a:pPr marL="342900" indent="-342900">
+              <a:buFont typeface="Arial" panose="020B0604020202020204" pitchFamily="34" charset="0"/>
+              <a:buChar char="•"/>
+            </a:pPr>
+            <a:r>
+              <a:rPr lang="nb-NO" dirty="0"/>
+              <a:t>More GPU </a:t>
+            </a:r>
+            <a:r>
+              <a:rPr lang="nb-NO" dirty="0" err="1"/>
+              <a:t>power</a:t>
+            </a:r>
+            <a:endParaRPr lang="nb-NO" dirty="0"/>
+          </a:p>
+          <a:p>
+            <a:pPr marL="617220" lvl="1" indent="-342900"/>
+            <a:r>
+              <a:rPr lang="nb-NO" dirty="0" err="1"/>
+              <a:t>Having</a:t>
+            </a:r>
+            <a:r>
+              <a:rPr lang="nb-NO" dirty="0"/>
+              <a:t> a GPU </a:t>
+            </a:r>
+            <a:r>
+              <a:rPr lang="nb-NO" dirty="0" err="1"/>
+              <a:t>hooked</a:t>
+            </a:r>
+            <a:r>
+              <a:rPr lang="nb-NO" dirty="0"/>
+              <a:t> up to my NGI laptop </a:t>
+            </a:r>
+            <a:r>
+              <a:rPr lang="nb-NO" dirty="0" err="1"/>
+              <a:t>would</a:t>
+            </a:r>
+            <a:r>
+              <a:rPr lang="nb-NO" dirty="0"/>
+              <a:t> </a:t>
+            </a:r>
+            <a:r>
+              <a:rPr lang="nb-NO" dirty="0" err="1"/>
+              <a:t>drastically</a:t>
+            </a:r>
+            <a:r>
+              <a:rPr lang="nb-NO" dirty="0"/>
+              <a:t> speed up training time</a:t>
+            </a:r>
+          </a:p>
+          <a:p>
+            <a:pPr marL="617220" lvl="2" indent="-342900">
+              <a:buFont typeface="Arial" panose="020B0604020202020204" pitchFamily="34" charset="0"/>
+              <a:buChar char="•"/>
+            </a:pPr>
+            <a:r>
+              <a:rPr lang="nb-NO" dirty="0"/>
+              <a:t>	CPU vs. GPU </a:t>
+            </a:r>
+            <a:r>
+              <a:rPr lang="nb-NO" dirty="0" err="1"/>
+              <a:t>wrt</a:t>
+            </a:r>
+            <a:r>
+              <a:rPr lang="nb-NO" dirty="0"/>
+              <a:t>. Odin</a:t>
+            </a:r>
+          </a:p>
+          <a:p>
+            <a:pPr marL="617220" lvl="2" indent="-342900">
+              <a:buFont typeface="Arial" panose="020B0604020202020204" pitchFamily="34" charset="0"/>
+              <a:buChar char="•"/>
+            </a:pPr>
+            <a:r>
+              <a:rPr lang="nb-NO" dirty="0" err="1"/>
+              <a:t>Azure</a:t>
+            </a:r>
+            <a:r>
+              <a:rPr lang="nb-NO" dirty="0"/>
+              <a:t> </a:t>
+            </a:r>
+            <a:r>
+              <a:rPr lang="nb-NO" dirty="0" err="1"/>
+              <a:t>cluster</a:t>
+            </a:r>
+            <a:endParaRPr lang="nb-NO" dirty="0"/>
+          </a:p>
+          <a:p>
+            <a:pPr marL="617220" lvl="2" indent="-342900">
+              <a:buFont typeface="Arial" panose="020B0604020202020204" pitchFamily="34" charset="0"/>
+              <a:buChar char="•"/>
+            </a:pPr>
+            <a:r>
+              <a:rPr lang="nb-NO" dirty="0"/>
+              <a:t>Amazon Web services</a:t>
+            </a:r>
+          </a:p>
+          <a:p>
+            <a:pPr marL="342900" indent="-342900">
+              <a:buFont typeface="Arial" panose="020B0604020202020204" pitchFamily="34" charset="0"/>
+              <a:buChar char="•"/>
+            </a:pPr>
+            <a:r>
+              <a:rPr lang="nb-NO" dirty="0"/>
+              <a:t>$$$</a:t>
+            </a:r>
+          </a:p>
+          <a:p>
+            <a:pPr marL="617220" lvl="1" indent="-342900"/>
+            <a:r>
+              <a:rPr lang="nb-NO" dirty="0" err="1"/>
+              <a:t>Nvidia</a:t>
+            </a:r>
+            <a:r>
+              <a:rPr lang="nb-NO" dirty="0"/>
+              <a:t> </a:t>
+            </a:r>
+            <a:r>
+              <a:rPr lang="nb-NO" dirty="0" err="1"/>
+              <a:t>Gforce</a:t>
+            </a:r>
+            <a:r>
+              <a:rPr lang="nb-NO" dirty="0"/>
+              <a:t> RTX 3090: 15 000 NOK</a:t>
+            </a:r>
+          </a:p>
+          <a:p>
+            <a:pPr marL="617220" lvl="1" indent="-342900"/>
+            <a:r>
+              <a:rPr lang="nb-NO" dirty="0" err="1"/>
+              <a:t>Razer</a:t>
+            </a:r>
+            <a:r>
+              <a:rPr lang="nb-NO" dirty="0"/>
+              <a:t> </a:t>
+            </a:r>
+            <a:r>
+              <a:rPr lang="nb-NO" dirty="0" err="1"/>
+              <a:t>eGPU</a:t>
+            </a:r>
+            <a:r>
+              <a:rPr lang="nb-NO" dirty="0"/>
+              <a:t>: </a:t>
+            </a:r>
+            <a:r>
+              <a:rPr lang="nb-NO" dirty="0" err="1"/>
+              <a:t>approx</a:t>
+            </a:r>
+            <a:r>
+              <a:rPr lang="nb-NO" dirty="0"/>
+              <a:t> 4 000 NOK</a:t>
+            </a:r>
+            <a:endParaRPr lang="en-GB" dirty="0"/>
+          </a:p>
+          <a:p>
+            <a:pPr marL="342900" indent="-342900"/>
+            <a:r>
+              <a:rPr lang="nb-NO" dirty="0"/>
+              <a:t>Forum post: </a:t>
+            </a:r>
+            <a:r>
+              <a:rPr lang="nb-NO" dirty="0">
+                <a:hlinkClick r:id="rId2"/>
+              </a:rPr>
+              <a:t>https://egpu.io/forums/builds/2020-12-5-lenovo-thinkpad-x280-intel-hd-620-8th-4-i7-8550u-pny-rtx-3090-xlr8-gddr6-24gb-32gbps-tb3-razer-core-x-ubuntu-20-04-lessse/</a:t>
+            </a:r>
+            <a:r>
+              <a:rPr lang="nb-NO" dirty="0"/>
+              <a:t> </a:t>
+            </a:r>
+            <a:endParaRPr lang="en-GB" dirty="0"/>
+          </a:p>
+        </p:txBody>
+      </p:sp>
+      <p:pic>
+        <p:nvPicPr>
+          <p:cNvPr id="4" name="Picture 3">
+            <a:extLst>
+              <a:ext uri="{FF2B5EF4-FFF2-40B4-BE49-F238E27FC236}">
+                <a16:creationId xmlns:a16="http://schemas.microsoft.com/office/drawing/2014/main" id="{EAC0ABC9-A251-4D89-A5DE-05D06F49ECE2}"/>
+              </a:ext>
+            </a:extLst>
+          </p:cNvPr>
+          <p:cNvPicPr>
+            <a:picLocks noChangeAspect="1"/>
+          </p:cNvPicPr>
+          <p:nvPr/>
+        </p:nvPicPr>
+        <p:blipFill>
+          <a:blip r:embed="rId3"/>
+          <a:stretch>
+            <a:fillRect/>
+          </a:stretch>
+        </p:blipFill>
+        <p:spPr>
+          <a:xfrm>
+            <a:off x="517871" y="2135959"/>
+            <a:ext cx="5021182" cy="4368428"/>
+          </a:xfrm>
+          <a:prstGeom prst="rect">
+            <a:avLst/>
+          </a:prstGeom>
+        </p:spPr>
+      </p:pic>
+    </p:spTree>
+    <p:extLst>
+      <p:ext uri="{BB962C8B-B14F-4D97-AF65-F5344CB8AC3E}">
+        <p14:creationId xmlns:p14="http://schemas.microsoft.com/office/powerpoint/2010/main" val="1337664835"/>
+      </p:ext>
+    </p:extLst>
+  </p:cSld>
+  <p:clrMapOvr>
+    <a:masterClrMapping/>
+  </p:clrMapOvr>
+</p:sld>
+</file>
+
+<file path=ppt/slides/slide19.xml><?xml version="1.0" encoding="utf-8"?>
+<p:sld xmlns:a="http://schemas.openxmlformats.org/drawingml/2006/main" xmlns:r="http://schemas.openxmlformats.org/officeDocument/2006/relationships" xmlns:p="http://schemas.openxmlformats.org/presentationml/2006/main">
+  <p:cSld>
+    <p:spTree>
+      <p:nvGrpSpPr>
+        <p:cNvPr id="1" name=""/>
+        <p:cNvGrpSpPr/>
+        <p:nvPr/>
+      </p:nvGrpSpPr>
+      <p:grpSpPr>
+        <a:xfrm>
+          <a:off x="0" y="0"/>
+          <a:ext cx="0" cy="0"/>
+          <a:chOff x="0" y="0"/>
+          <a:chExt cx="0" cy="0"/>
+        </a:xfrm>
+      </p:grpSpPr>
+      <p:sp>
+        <p:nvSpPr>
+          <p:cNvPr id="2" name="Title 1">
+            <a:extLst>
+              <a:ext uri="{FF2B5EF4-FFF2-40B4-BE49-F238E27FC236}">
+                <a16:creationId xmlns:a16="http://schemas.microsoft.com/office/drawing/2014/main" id="{DEF99137-97F8-4282-9F98-0512E8783DC1}"/>
+              </a:ext>
+            </a:extLst>
+          </p:cNvPr>
+          <p:cNvSpPr>
+            <a:spLocks noGrp="1"/>
+          </p:cNvSpPr>
+          <p:nvPr>
+            <p:ph type="title"/>
+          </p:nvPr>
+        </p:nvSpPr>
+        <p:spPr/>
+        <p:txBody>
+          <a:bodyPr/>
+          <a:lstStyle/>
+          <a:p>
+            <a:r>
+              <a:rPr lang="nb-NO" dirty="0" err="1"/>
+              <a:t>Next</a:t>
+            </a:r>
+            <a:r>
+              <a:rPr lang="nb-NO" dirty="0"/>
+              <a:t> </a:t>
+            </a:r>
+            <a:r>
+              <a:rPr lang="nb-NO" dirty="0" err="1"/>
+              <a:t>meeting</a:t>
+            </a:r>
+            <a:endParaRPr lang="en-GB" dirty="0"/>
+          </a:p>
+        </p:txBody>
+      </p:sp>
+      <p:sp>
+        <p:nvSpPr>
+          <p:cNvPr id="3" name="Content Placeholder 2">
+            <a:extLst>
+              <a:ext uri="{FF2B5EF4-FFF2-40B4-BE49-F238E27FC236}">
+                <a16:creationId xmlns:a16="http://schemas.microsoft.com/office/drawing/2014/main" id="{04F8BE0E-A5DA-4637-AF1D-4388A318D899}"/>
+              </a:ext>
+            </a:extLst>
+          </p:cNvPr>
+          <p:cNvSpPr>
+            <a:spLocks noGrp="1"/>
+          </p:cNvSpPr>
+          <p:nvPr>
+            <p:ph idx="1"/>
+          </p:nvPr>
+        </p:nvSpPr>
+        <p:spPr>
+          <a:xfrm>
+            <a:off x="640487" y="2441643"/>
+            <a:ext cx="7258373" cy="3894189"/>
+          </a:xfrm>
+        </p:spPr>
+        <p:txBody>
+          <a:bodyPr>
+            <a:normAutofit lnSpcReduction="10000"/>
+          </a:bodyPr>
+          <a:lstStyle/>
+          <a:p>
+            <a:r>
+              <a:rPr lang="nb-NO" sz="2800" b="1" dirty="0"/>
+              <a:t>13.10.2022</a:t>
+            </a:r>
+            <a:r>
+              <a:rPr lang="nb-NO" sz="2800" dirty="0"/>
+              <a:t>: </a:t>
+            </a:r>
+            <a:r>
+              <a:rPr lang="nb-NO" sz="2800" dirty="0" err="1"/>
+              <a:t>Geotechnics</a:t>
+            </a:r>
+            <a:r>
+              <a:rPr lang="nb-NO" sz="2800" dirty="0"/>
+              <a:t> &amp; </a:t>
+            </a:r>
+            <a:r>
+              <a:rPr lang="nb-NO" sz="2800" dirty="0" err="1"/>
+              <a:t>geophysics</a:t>
+            </a:r>
+            <a:endParaRPr lang="nb-NO" sz="2800" dirty="0"/>
+          </a:p>
+          <a:p>
             <a:r>
               <a:rPr lang="en-GB" dirty="0"/>
-              <a:t>Good sources</a:t>
+              <a:t>Topics of discussion: </a:t>
+            </a:r>
+          </a:p>
+          <a:p>
+            <a:pPr marL="342900" indent="-342900">
+              <a:buFont typeface="Arial" panose="020B0604020202020204" pitchFamily="34" charset="0"/>
+              <a:buChar char="•"/>
+            </a:pPr>
+            <a:r>
+              <a:rPr lang="en-GB" dirty="0"/>
+              <a:t>Parameters for prediction</a:t>
+            </a:r>
+          </a:p>
+          <a:p>
+            <a:pPr marL="617220" lvl="1" indent="-342900"/>
+            <a:r>
+              <a:rPr lang="en-GB" dirty="0"/>
+              <a:t>Geotechnical parameters</a:t>
+            </a:r>
+          </a:p>
+          <a:p>
+            <a:pPr marL="617220" lvl="1" indent="-342900"/>
+            <a:r>
+              <a:rPr lang="en-GB" dirty="0"/>
+              <a:t>Seismic attributes</a:t>
+            </a:r>
+          </a:p>
+          <a:p>
+            <a:pPr marL="617220" lvl="1" indent="-342900"/>
+            <a:r>
+              <a:rPr lang="en-GB" dirty="0"/>
+              <a:t>Their relationships</a:t>
+            </a:r>
+          </a:p>
+          <a:p>
+            <a:pPr marL="342900" indent="-342900">
+              <a:buFont typeface="Arial" panose="020B0604020202020204" pitchFamily="34" charset="0"/>
+              <a:buChar char="•"/>
+            </a:pPr>
+            <a:r>
+              <a:rPr lang="en-GB" dirty="0"/>
+              <a:t>Data treatment</a:t>
+            </a:r>
+          </a:p>
+          <a:p>
+            <a:pPr marL="342900" indent="-342900">
+              <a:buFont typeface="Arial" panose="020B0604020202020204" pitchFamily="34" charset="0"/>
+              <a:buChar char="•"/>
+            </a:pPr>
+            <a:r>
+              <a:rPr lang="en-GB" dirty="0"/>
+              <a:t>Good sources (for citing and where to find them)</a:t>
             </a:r>
           </a:p>
           <a:p>
@@ -5200,10 +7392,212 @@
           <a:bodyPr/>
           <a:lstStyle/>
           <a:p>
-            <a:endParaRPr lang="en-GB"/>
-          </a:p>
-        </p:txBody>
-      </p:sp>
+            <a:pPr marL="342900" indent="-342900">
+              <a:buFont typeface="Arial" panose="020B0604020202020204" pitchFamily="34" charset="0"/>
+              <a:buChar char="•"/>
+            </a:pPr>
+            <a:r>
+              <a:rPr lang="nb-NO" dirty="0"/>
+              <a:t>Updates </a:t>
+            </a:r>
+            <a:r>
+              <a:rPr lang="nb-NO" dirty="0" err="1"/>
+              <a:t>on</a:t>
+            </a:r>
+            <a:r>
+              <a:rPr lang="nb-NO" dirty="0"/>
+              <a:t> </a:t>
+            </a:r>
+            <a:r>
+              <a:rPr lang="nb-NO" dirty="0" err="1"/>
+              <a:t>github</a:t>
+            </a:r>
+            <a:endParaRPr lang="nb-NO" dirty="0"/>
+          </a:p>
+          <a:p>
+            <a:pPr marL="342900" indent="-342900">
+              <a:buFont typeface="Arial" panose="020B0604020202020204" pitchFamily="34" charset="0"/>
+              <a:buChar char="•"/>
+            </a:pPr>
+            <a:r>
+              <a:rPr lang="nb-NO" dirty="0"/>
+              <a:t>Runtime and </a:t>
+            </a:r>
+            <a:r>
+              <a:rPr lang="nb-NO" dirty="0" err="1"/>
+              <a:t>compute</a:t>
+            </a:r>
+            <a:endParaRPr lang="nb-NO" dirty="0"/>
+          </a:p>
+          <a:p>
+            <a:pPr marL="342900" indent="-342900">
+              <a:buFont typeface="Arial" panose="020B0604020202020204" pitchFamily="34" charset="0"/>
+              <a:buChar char="•"/>
+            </a:pPr>
+            <a:r>
+              <a:rPr lang="nb-NO" dirty="0"/>
+              <a:t>Plan </a:t>
+            </a:r>
+            <a:r>
+              <a:rPr lang="nb-NO" dirty="0" err="1"/>
+              <a:t>going</a:t>
+            </a:r>
+            <a:r>
+              <a:rPr lang="nb-NO" dirty="0"/>
+              <a:t> forward</a:t>
+            </a:r>
+          </a:p>
+          <a:p>
+            <a:pPr marL="342900" indent="-342900">
+              <a:buFont typeface="Arial" panose="020B0604020202020204" pitchFamily="34" charset="0"/>
+              <a:buChar char="•"/>
+            </a:pPr>
+            <a:r>
+              <a:rPr lang="nb-NO" dirty="0" err="1"/>
+              <a:t>Brief</a:t>
+            </a:r>
+            <a:r>
+              <a:rPr lang="nb-NO" dirty="0"/>
+              <a:t> </a:t>
+            </a:r>
+            <a:r>
+              <a:rPr lang="nb-NO" dirty="0" err="1"/>
+              <a:t>overview</a:t>
+            </a:r>
+            <a:r>
+              <a:rPr lang="nb-NO" dirty="0"/>
+              <a:t> </a:t>
+            </a:r>
+            <a:r>
+              <a:rPr lang="nb-NO" dirty="0" err="1"/>
+              <a:t>of</a:t>
+            </a:r>
+            <a:r>
+              <a:rPr lang="nb-NO" dirty="0"/>
+              <a:t> </a:t>
+            </a:r>
+            <a:r>
+              <a:rPr lang="nb-NO" dirty="0" err="1"/>
+              <a:t>dataset</a:t>
+            </a:r>
+            <a:r>
+              <a:rPr lang="nb-NO" dirty="0"/>
+              <a:t> and </a:t>
+            </a:r>
+            <a:r>
+              <a:rPr lang="nb-NO" dirty="0" err="1"/>
+              <a:t>considerations</a:t>
+            </a:r>
+            <a:endParaRPr lang="nb-NO" dirty="0"/>
+          </a:p>
+          <a:p>
+            <a:pPr marL="342900" indent="-342900">
+              <a:buFont typeface="Arial" panose="020B0604020202020204" pitchFamily="34" charset="0"/>
+              <a:buChar char="•"/>
+            </a:pPr>
+            <a:r>
+              <a:rPr lang="nb-NO" dirty="0" err="1"/>
+              <a:t>Results</a:t>
+            </a:r>
+            <a:r>
+              <a:rPr lang="nb-NO" dirty="0"/>
+              <a:t> from </a:t>
+            </a:r>
+            <a:r>
+              <a:rPr lang="nb-NO" dirty="0" err="1"/>
+              <a:t>tinkering</a:t>
+            </a:r>
+            <a:endParaRPr lang="nb-NO" dirty="0"/>
+          </a:p>
+          <a:p>
+            <a:pPr marL="342900" indent="-342900">
+              <a:buFont typeface="Arial" panose="020B0604020202020204" pitchFamily="34" charset="0"/>
+              <a:buChar char="•"/>
+            </a:pPr>
+            <a:r>
+              <a:rPr lang="nb-NO" dirty="0"/>
+              <a:t>Minor </a:t>
+            </a:r>
+            <a:r>
+              <a:rPr lang="nb-NO" dirty="0" err="1"/>
+              <a:t>updates</a:t>
+            </a:r>
+            <a:endParaRPr lang="nb-NO" dirty="0"/>
+          </a:p>
+          <a:p>
+            <a:pPr marL="342900" indent="-342900">
+              <a:buFont typeface="Arial" panose="020B0604020202020204" pitchFamily="34" charset="0"/>
+              <a:buChar char="•"/>
+            </a:pPr>
+            <a:r>
+              <a:rPr lang="nb-NO" dirty="0"/>
+              <a:t>Hardware</a:t>
+            </a:r>
+          </a:p>
+          <a:p>
+            <a:pPr marL="342900" indent="-342900">
+              <a:buFont typeface="Arial" panose="020B0604020202020204" pitchFamily="34" charset="0"/>
+              <a:buChar char="•"/>
+            </a:pPr>
+            <a:r>
+              <a:rPr lang="nb-NO" dirty="0" err="1"/>
+              <a:t>Next</a:t>
+            </a:r>
+            <a:r>
+              <a:rPr lang="nb-NO" dirty="0"/>
+              <a:t> </a:t>
+            </a:r>
+            <a:r>
+              <a:rPr lang="nb-NO" dirty="0" err="1"/>
+              <a:t>meeting</a:t>
+            </a:r>
+            <a:endParaRPr lang="nb-NO" dirty="0"/>
+          </a:p>
+          <a:p>
+            <a:pPr marL="342900" indent="-342900">
+              <a:buFont typeface="Arial" panose="020B0604020202020204" pitchFamily="34" charset="0"/>
+              <a:buChar char="•"/>
+            </a:pPr>
+            <a:endParaRPr lang="en-GB" dirty="0"/>
+          </a:p>
+        </p:txBody>
+      </p:sp>
+      <p:pic>
+        <p:nvPicPr>
+          <p:cNvPr id="5" name="Picture 4" descr="A high angle view of a city&#10;&#10;Description automatically generated with medium confidence">
+            <a:extLst>
+              <a:ext uri="{FF2B5EF4-FFF2-40B4-BE49-F238E27FC236}">
+                <a16:creationId xmlns:a16="http://schemas.microsoft.com/office/drawing/2014/main" id="{E6D772CB-61F7-4A10-94D5-F219D673C5FC}"/>
+              </a:ext>
+            </a:extLst>
+          </p:cNvPr>
+          <p:cNvPicPr>
+            <a:picLocks noChangeAspect="1"/>
+          </p:cNvPicPr>
+          <p:nvPr/>
+        </p:nvPicPr>
+        <p:blipFill>
+          <a:blip r:embed="rId2">
+            <a:extLst>
+              <a:ext uri="{28A0092B-C50C-407E-A947-70E740481C1C}">
+                <a14:useLocalDpi xmlns:a14="http://schemas.microsoft.com/office/drawing/2010/main" val="0"/>
+              </a:ext>
+            </a:extLst>
+          </a:blip>
+          <a:stretch>
+            <a:fillRect/>
+          </a:stretch>
+        </p:blipFill>
+        <p:spPr>
+          <a:xfrm>
+            <a:off x="544843" y="2363821"/>
+            <a:ext cx="4967235" cy="3311491"/>
+          </a:xfrm>
+          <a:prstGeom prst="rect">
+            <a:avLst/>
+          </a:prstGeom>
+        </p:spPr>
+      </p:pic>
     </p:spTree>
     <p:extLst>
       <p:ext uri="{BB962C8B-B14F-4D97-AF65-F5344CB8AC3E}">
@@ -5463,7 +7857,7 @@
             </a:r>
             <a:r>
               <a:rPr lang="nb-NO" dirty="0" err="1"/>
-              <a:t>Otokens</a:t>
+              <a:t>OTokens</a:t>
             </a:r>
             <a:r>
               <a:rPr lang="nb-NO" dirty="0"/>
@@ -5636,6 +8030,139 @@
             <a:r>
               <a:rPr lang="nb-NO" dirty="0"/>
               <a:t>. </a:t>
+            </a:r>
+          </a:p>
+          <a:p>
+            <a:endParaRPr lang="nb-NO" dirty="0"/>
+          </a:p>
+          <a:p>
+            <a:r>
+              <a:rPr lang="nb-NO" dirty="0" err="1"/>
+              <a:t>Initially</a:t>
+            </a:r>
+            <a:r>
+              <a:rPr lang="nb-NO" dirty="0"/>
+              <a:t> I </a:t>
+            </a:r>
+            <a:r>
+              <a:rPr lang="nb-NO" dirty="0" err="1"/>
+              <a:t>planned</a:t>
+            </a:r>
+            <a:r>
+              <a:rPr lang="nb-NO" dirty="0"/>
+              <a:t> to have </a:t>
+            </a:r>
+            <a:r>
+              <a:rPr lang="nb-NO" dirty="0" err="1"/>
+              <a:t>the</a:t>
+            </a:r>
+            <a:r>
+              <a:rPr lang="nb-NO" dirty="0"/>
+              <a:t> </a:t>
+            </a:r>
+            <a:r>
+              <a:rPr lang="nb-NO" dirty="0" err="1"/>
+              <a:t>models</a:t>
+            </a:r>
+            <a:r>
+              <a:rPr lang="nb-NO" dirty="0"/>
+              <a:t> </a:t>
+            </a:r>
+            <a:r>
+              <a:rPr lang="nb-NO" dirty="0" err="1"/>
+              <a:t>saved</a:t>
+            </a:r>
+            <a:r>
+              <a:rPr lang="nb-NO" dirty="0"/>
+              <a:t> in </a:t>
+            </a:r>
+            <a:r>
+              <a:rPr lang="nb-NO" dirty="0" err="1"/>
+              <a:t>the</a:t>
+            </a:r>
+            <a:r>
+              <a:rPr lang="nb-NO" dirty="0"/>
+              <a:t> </a:t>
+            </a:r>
+            <a:r>
+              <a:rPr lang="nb-NO" dirty="0" err="1"/>
+              <a:t>repo</a:t>
+            </a:r>
+            <a:r>
+              <a:rPr lang="nb-NO" dirty="0"/>
+              <a:t>. </a:t>
+            </a:r>
+            <a:r>
+              <a:rPr lang="nb-NO" dirty="0" err="1"/>
+              <a:t>However</a:t>
+            </a:r>
+            <a:r>
+              <a:rPr lang="nb-NO" dirty="0"/>
+              <a:t>, </a:t>
+            </a:r>
+            <a:r>
+              <a:rPr lang="nb-NO" dirty="0" err="1"/>
+              <a:t>github</a:t>
+            </a:r>
+            <a:r>
+              <a:rPr lang="nb-NO" dirty="0"/>
+              <a:t> limits </a:t>
+            </a:r>
+            <a:r>
+              <a:rPr lang="nb-NO" dirty="0" err="1"/>
+              <a:t>the</a:t>
+            </a:r>
+            <a:r>
+              <a:rPr lang="nb-NO" dirty="0"/>
+              <a:t> </a:t>
+            </a:r>
+            <a:r>
+              <a:rPr lang="nb-NO" dirty="0" err="1"/>
+              <a:t>size</a:t>
+            </a:r>
+            <a:r>
+              <a:rPr lang="nb-NO" dirty="0"/>
+              <a:t> </a:t>
+            </a:r>
+            <a:r>
+              <a:rPr lang="nb-NO" dirty="0" err="1"/>
+              <a:t>of</a:t>
+            </a:r>
+            <a:r>
+              <a:rPr lang="nb-NO" dirty="0"/>
+              <a:t> files to 100MB, </a:t>
+            </a:r>
+            <a:r>
+              <a:rPr lang="nb-NO" dirty="0" err="1"/>
+              <a:t>which</a:t>
+            </a:r>
+            <a:r>
+              <a:rPr lang="nb-NO" dirty="0"/>
+              <a:t> </a:t>
+            </a:r>
+            <a:r>
+              <a:rPr lang="nb-NO" dirty="0" err="1"/>
+              <a:t>caused</a:t>
+            </a:r>
+            <a:r>
+              <a:rPr lang="nb-NO" dirty="0"/>
+              <a:t> </a:t>
+            </a:r>
+            <a:r>
+              <a:rPr lang="nb-NO" dirty="0" err="1"/>
+              <a:t>some</a:t>
+            </a:r>
+            <a:r>
+              <a:rPr lang="nb-NO" dirty="0"/>
+              <a:t> </a:t>
+            </a:r>
+            <a:r>
+              <a:rPr lang="nb-NO" dirty="0" err="1"/>
+              <a:t>issues</a:t>
+            </a:r>
+            <a:r>
+              <a:rPr lang="nb-NO" dirty="0"/>
+              <a:t>…</a:t>
             </a:r>
           </a:p>
         </p:txBody>
@@ -5675,7 +8202,7 @@
           <p:cNvPr id="2" name="Title 1">
             <a:extLst>
               <a:ext uri="{FF2B5EF4-FFF2-40B4-BE49-F238E27FC236}">
-                <a16:creationId xmlns:a16="http://schemas.microsoft.com/office/drawing/2014/main" id="{32D1EE79-E0B2-4C6A-976F-177946C18C33}"/>
+                <a16:creationId xmlns:a16="http://schemas.microsoft.com/office/drawing/2014/main" id="{A3C20BA2-1A83-410F-B8A4-87470892EAA6}"/>
               </a:ext>
             </a:extLst>
           </p:cNvPr>
@@ -5686,35 +8213,14 @@
             <p:ph type="title"/>
           </p:nvPr>
         </p:nvSpPr>
-        <p:spPr>
-          <a:xfrm>
-            <a:off x="517870" y="978409"/>
-            <a:ext cx="5021182" cy="1949350"/>
-          </a:xfrm>
-        </p:spPr>
+        <p:spPr/>
         <p:txBody>
           <a:bodyPr/>
           <a:lstStyle/>
           <a:p>
             <a:r>
-              <a:rPr lang="nb-NO" dirty="0" err="1"/>
-              <a:t>Current</a:t>
-            </a:r>
-            <a:r>
-              <a:rPr lang="nb-NO" dirty="0"/>
-              <a:t> status for </a:t>
-            </a:r>
-            <a:r>
-              <a:rPr lang="nb-NO" dirty="0" err="1"/>
-              <a:t>the</a:t>
-            </a:r>
-            <a:r>
-              <a:rPr lang="nb-NO" dirty="0"/>
-              <a:t> </a:t>
-            </a:r>
-            <a:r>
-              <a:rPr lang="nb-NO" dirty="0" err="1"/>
-              <a:t>models</a:t>
+              <a:rPr lang="nb-NO" dirty="0"/>
+              <a:t>MS Teams</a:t>
             </a:r>
             <a:endParaRPr lang="en-GB" dirty="0"/>
           </a:p>
@@ -5725,7 +8231,7 @@
           <p:cNvPr id="3" name="Content Placeholder 2">
             <a:extLst>
               <a:ext uri="{FF2B5EF4-FFF2-40B4-BE49-F238E27FC236}">
-                <a16:creationId xmlns:a16="http://schemas.microsoft.com/office/drawing/2014/main" id="{FD05321F-3F64-4D06-B066-65739C62FD2A}"/>
+                <a16:creationId xmlns:a16="http://schemas.microsoft.com/office/drawing/2014/main" id="{A09BBBC4-5185-45B0-BF0D-8EDA525A83CD}"/>
               </a:ext>
             </a:extLst>
           </p:cNvPr>
@@ -5736,329 +8242,163 @@
             <p:ph idx="1"/>
           </p:nvPr>
         </p:nvSpPr>
+        <p:spPr/>
+        <p:txBody>
+          <a:bodyPr/>
+          <a:lstStyle/>
+          <a:p>
+            <a:r>
+              <a:rPr lang="nb-NO" dirty="0"/>
+              <a:t>The </a:t>
+            </a:r>
+            <a:r>
+              <a:rPr lang="nb-NO" dirty="0" err="1"/>
+              <a:t>current</a:t>
+            </a:r>
+            <a:r>
+              <a:rPr lang="nb-NO" dirty="0"/>
+              <a:t> </a:t>
+            </a:r>
+            <a:r>
+              <a:rPr lang="nb-NO" dirty="0" err="1"/>
+              <a:t>solution</a:t>
+            </a:r>
+            <a:r>
+              <a:rPr lang="nb-NO" dirty="0"/>
+              <a:t> </a:t>
+            </a:r>
+            <a:r>
+              <a:rPr lang="nb-NO" dirty="0" err="1"/>
+              <a:t>could</a:t>
+            </a:r>
+            <a:r>
+              <a:rPr lang="nb-NO" dirty="0"/>
+              <a:t> be </a:t>
+            </a:r>
+            <a:r>
+              <a:rPr lang="nb-NO" dirty="0" err="1"/>
+              <a:t>better</a:t>
+            </a:r>
+            <a:r>
+              <a:rPr lang="nb-NO" dirty="0"/>
+              <a:t>..</a:t>
+            </a:r>
+          </a:p>
+          <a:p>
+            <a:r>
+              <a:rPr lang="nb-NO" dirty="0"/>
+              <a:t>I </a:t>
+            </a:r>
+            <a:r>
+              <a:rPr lang="nb-NO" dirty="0" err="1"/>
+              <a:t>suggest</a:t>
+            </a:r>
+            <a:r>
+              <a:rPr lang="nb-NO" dirty="0"/>
+              <a:t> </a:t>
+            </a:r>
+            <a:r>
+              <a:rPr lang="nb-NO" dirty="0" err="1"/>
+              <a:t>that</a:t>
+            </a:r>
+            <a:r>
+              <a:rPr lang="nb-NO" dirty="0"/>
+              <a:t> I </a:t>
+            </a:r>
+            <a:r>
+              <a:rPr lang="nb-NO" dirty="0" err="1"/>
+              <a:t>set</a:t>
+            </a:r>
+            <a:r>
+              <a:rPr lang="nb-NO" dirty="0"/>
+              <a:t> up </a:t>
+            </a:r>
+            <a:r>
+              <a:rPr lang="nb-NO" dirty="0" err="1"/>
+              <a:t>mailing</a:t>
+            </a:r>
+            <a:r>
+              <a:rPr lang="nb-NO" dirty="0"/>
+              <a:t> lists </a:t>
+            </a:r>
+            <a:r>
+              <a:rPr lang="nb-NO" dirty="0" err="1"/>
+              <a:t>instead</a:t>
+            </a:r>
+            <a:endParaRPr lang="nb-NO" dirty="0"/>
+          </a:p>
+          <a:p>
+            <a:endParaRPr lang="nb-NO" dirty="0"/>
+          </a:p>
+          <a:p>
+            <a:r>
+              <a:rPr lang="nb-NO" dirty="0" err="1"/>
+              <a:t>Other</a:t>
+            </a:r>
+            <a:r>
+              <a:rPr lang="nb-NO" dirty="0"/>
+              <a:t> </a:t>
+            </a:r>
+            <a:r>
+              <a:rPr lang="nb-NO" dirty="0" err="1"/>
+              <a:t>suggestions</a:t>
+            </a:r>
+            <a:r>
+              <a:rPr lang="nb-NO" dirty="0"/>
+              <a:t>?</a:t>
+            </a:r>
+          </a:p>
+          <a:p>
+            <a:r>
+              <a:rPr lang="nb-NO" dirty="0"/>
+              <a:t>	Setting up a team </a:t>
+            </a:r>
+            <a:r>
+              <a:rPr lang="nb-NO" dirty="0" err="1"/>
+              <a:t>on</a:t>
+            </a:r>
+            <a:r>
+              <a:rPr lang="nb-NO" dirty="0"/>
+              <a:t> NGI teams 	system?</a:t>
+            </a:r>
+            <a:endParaRPr lang="en-GB" dirty="0"/>
+          </a:p>
+        </p:txBody>
+      </p:sp>
+      <p:pic>
+        <p:nvPicPr>
+          <p:cNvPr id="4" name="Picture 3">
+            <a:extLst>
+              <a:ext uri="{FF2B5EF4-FFF2-40B4-BE49-F238E27FC236}">
+                <a16:creationId xmlns:a16="http://schemas.microsoft.com/office/drawing/2014/main" id="{FD7EFCF7-8F08-46E3-9568-D9F927D58F5F}"/>
+              </a:ext>
+            </a:extLst>
+          </p:cNvPr>
+          <p:cNvPicPr>
+            <a:picLocks noChangeAspect="1"/>
+          </p:cNvPicPr>
+          <p:nvPr/>
+        </p:nvPicPr>
+        <p:blipFill>
+          <a:blip r:embed="rId2"/>
+          <a:stretch>
+            <a:fillRect/>
+          </a:stretch>
+        </p:blipFill>
         <p:spPr>
           <a:xfrm>
-            <a:off x="578840" y="2927759"/>
-            <a:ext cx="11104510" cy="2911962"/>
+            <a:off x="517870" y="2918298"/>
+            <a:ext cx="4928139" cy="2772078"/>
           </a:xfrm>
+          <a:prstGeom prst="rect">
+            <a:avLst/>
+          </a:prstGeom>
         </p:spPr>
-        <p:txBody>
-          <a:bodyPr/>
-          <a:lstStyle/>
-          <a:p>
-            <a:r>
-              <a:rPr lang="nb-NO" dirty="0"/>
-              <a:t>I have ran </a:t>
-            </a:r>
-            <a:r>
-              <a:rPr lang="nb-NO" dirty="0" err="1"/>
-              <a:t>some</a:t>
-            </a:r>
-            <a:r>
-              <a:rPr lang="nb-NO" dirty="0"/>
-              <a:t> 1D </a:t>
-            </a:r>
-            <a:r>
-              <a:rPr lang="nb-NO" dirty="0" err="1"/>
-              <a:t>reconstruction</a:t>
-            </a:r>
-            <a:r>
-              <a:rPr lang="nb-NO" dirty="0"/>
-              <a:t> </a:t>
-            </a:r>
-            <a:r>
-              <a:rPr lang="nb-NO" dirty="0" err="1"/>
-              <a:t>models</a:t>
-            </a:r>
-            <a:r>
-              <a:rPr lang="nb-NO" dirty="0"/>
-              <a:t>;</a:t>
-            </a:r>
-          </a:p>
-          <a:p>
-            <a:r>
-              <a:rPr lang="nb-NO" dirty="0" err="1"/>
-              <a:t>Focusing</a:t>
-            </a:r>
-            <a:r>
-              <a:rPr lang="nb-NO" dirty="0"/>
-              <a:t> </a:t>
-            </a:r>
-            <a:r>
-              <a:rPr lang="nb-NO" dirty="0" err="1"/>
-              <a:t>on</a:t>
-            </a:r>
-            <a:r>
-              <a:rPr lang="nb-NO" dirty="0"/>
-              <a:t> </a:t>
-            </a:r>
-            <a:r>
-              <a:rPr lang="nb-NO" dirty="0" err="1"/>
-              <a:t>getting</a:t>
-            </a:r>
-            <a:r>
-              <a:rPr lang="nb-NO" dirty="0"/>
-              <a:t> </a:t>
-            </a:r>
-            <a:r>
-              <a:rPr lang="nb-NO" dirty="0" err="1"/>
-              <a:t>good</a:t>
-            </a:r>
-            <a:r>
-              <a:rPr lang="nb-NO" dirty="0"/>
-              <a:t> </a:t>
-            </a:r>
-            <a:r>
-              <a:rPr lang="nb-NO" dirty="0" err="1"/>
-              <a:t>procedures</a:t>
-            </a:r>
-            <a:r>
-              <a:rPr lang="nb-NO" dirty="0"/>
-              <a:t> for </a:t>
-            </a:r>
-            <a:r>
-              <a:rPr lang="nb-NO" dirty="0" err="1"/>
-              <a:t>running</a:t>
-            </a:r>
-            <a:r>
-              <a:rPr lang="nb-NO" dirty="0"/>
-              <a:t> </a:t>
-            </a:r>
-            <a:r>
-              <a:rPr lang="nb-NO" dirty="0" err="1"/>
-              <a:t>the</a:t>
-            </a:r>
-            <a:r>
-              <a:rPr lang="nb-NO" dirty="0"/>
-              <a:t> </a:t>
-            </a:r>
-            <a:r>
-              <a:rPr lang="nb-NO" dirty="0" err="1"/>
-              <a:t>models</a:t>
-            </a:r>
-            <a:r>
-              <a:rPr lang="nb-NO" dirty="0"/>
-              <a:t> </a:t>
-            </a:r>
-            <a:r>
-              <a:rPr lang="nb-NO" dirty="0" err="1"/>
-              <a:t>on</a:t>
-            </a:r>
-            <a:r>
-              <a:rPr lang="nb-NO" dirty="0"/>
-              <a:t> </a:t>
-            </a:r>
-            <a:r>
-              <a:rPr lang="nb-NO" dirty="0" err="1"/>
-              <a:t>the</a:t>
-            </a:r>
-            <a:r>
-              <a:rPr lang="nb-NO" dirty="0"/>
-              <a:t> servers</a:t>
-            </a:r>
-          </a:p>
-          <a:p>
-            <a:r>
-              <a:rPr lang="nb-NO" b="1" dirty="0"/>
-              <a:t>Profiling:</a:t>
-            </a:r>
-          </a:p>
-          <a:p>
-            <a:r>
-              <a:rPr lang="nb-NO" b="1" dirty="0"/>
-              <a:t>	</a:t>
-            </a:r>
-            <a:r>
-              <a:rPr lang="nb-NO" dirty="0"/>
-              <a:t>I </a:t>
-            </a:r>
-            <a:r>
-              <a:rPr lang="nb-NO" dirty="0" err="1"/>
-              <a:t>did</a:t>
-            </a:r>
-            <a:r>
-              <a:rPr lang="nb-NO" dirty="0"/>
-              <a:t> not </a:t>
-            </a:r>
-            <a:r>
-              <a:rPr lang="nb-NO" dirty="0" err="1"/>
-              <a:t>get</a:t>
-            </a:r>
-            <a:r>
-              <a:rPr lang="nb-NO" dirty="0"/>
-              <a:t> </a:t>
-            </a:r>
-            <a:r>
-              <a:rPr lang="nb-NO" dirty="0" err="1"/>
-              <a:t>very</a:t>
-            </a:r>
-            <a:r>
-              <a:rPr lang="nb-NO" dirty="0"/>
-              <a:t> </a:t>
-            </a:r>
-            <a:r>
-              <a:rPr lang="nb-NO" dirty="0" err="1"/>
-              <a:t>good</a:t>
-            </a:r>
-            <a:r>
-              <a:rPr lang="nb-NO" dirty="0"/>
-              <a:t> </a:t>
-            </a:r>
-            <a:r>
-              <a:rPr lang="nb-NO" dirty="0" err="1"/>
-              <a:t>results</a:t>
-            </a:r>
-            <a:r>
-              <a:rPr lang="nb-NO" dirty="0"/>
-              <a:t> for 	</a:t>
-            </a:r>
-            <a:r>
-              <a:rPr lang="nb-NO" dirty="0" err="1"/>
-              <a:t>running</a:t>
-            </a:r>
-            <a:r>
-              <a:rPr lang="nb-NO" dirty="0"/>
-              <a:t> </a:t>
-            </a:r>
-            <a:r>
-              <a:rPr lang="nb-NO" dirty="0" err="1"/>
-              <a:t>on</a:t>
-            </a:r>
-            <a:r>
-              <a:rPr lang="nb-NO" dirty="0"/>
-              <a:t> Odin. My laptop </a:t>
-            </a:r>
-            <a:r>
-              <a:rPr lang="nb-NO" dirty="0" err="1"/>
-              <a:t>performed</a:t>
-            </a:r>
-            <a:r>
-              <a:rPr lang="nb-NO" dirty="0"/>
-              <a:t> </a:t>
-            </a:r>
-            <a:r>
-              <a:rPr lang="nb-NO" dirty="0" err="1"/>
-              <a:t>better</a:t>
-            </a:r>
-            <a:r>
-              <a:rPr lang="nb-NO" dirty="0"/>
-              <a:t>; </a:t>
-            </a:r>
-            <a:r>
-              <a:rPr lang="nb-NO" dirty="0" err="1"/>
-              <a:t>Probably</a:t>
-            </a:r>
-            <a:r>
-              <a:rPr lang="nb-NO" dirty="0"/>
-              <a:t> 	</a:t>
-            </a:r>
-            <a:r>
-              <a:rPr lang="nb-NO" dirty="0" err="1"/>
-              <a:t>because</a:t>
-            </a:r>
-            <a:r>
-              <a:rPr lang="nb-NO" dirty="0"/>
-              <a:t> </a:t>
-            </a:r>
-            <a:r>
-              <a:rPr lang="nb-NO" dirty="0" err="1"/>
-              <a:t>tf</a:t>
-            </a:r>
-            <a:r>
-              <a:rPr lang="nb-NO" dirty="0"/>
-              <a:t> ran </a:t>
-            </a:r>
-            <a:r>
-              <a:rPr lang="nb-NO" dirty="0" err="1"/>
-              <a:t>things</a:t>
-            </a:r>
-            <a:r>
-              <a:rPr lang="nb-NO" dirty="0"/>
-              <a:t> in </a:t>
-            </a:r>
-            <a:r>
-              <a:rPr lang="nb-NO" dirty="0" err="1"/>
-              <a:t>parallel</a:t>
-            </a:r>
-            <a:r>
-              <a:rPr lang="nb-NO" dirty="0"/>
-              <a:t> </a:t>
-            </a:r>
-            <a:r>
-              <a:rPr lang="nb-NO" dirty="0" err="1"/>
-              <a:t>on</a:t>
-            </a:r>
-            <a:r>
-              <a:rPr lang="nb-NO" dirty="0"/>
-              <a:t> </a:t>
-            </a:r>
-            <a:r>
-              <a:rPr lang="nb-NO" dirty="0" err="1"/>
-              <a:t>the</a:t>
-            </a:r>
-            <a:r>
-              <a:rPr lang="nb-NO" dirty="0"/>
-              <a:t> laptop </a:t>
-            </a:r>
-            <a:r>
-              <a:rPr lang="nb-NO" dirty="0" err="1"/>
-              <a:t>graphics</a:t>
-            </a:r>
-            <a:r>
-              <a:rPr lang="nb-NO" dirty="0"/>
-              <a:t> </a:t>
-            </a:r>
-            <a:r>
-              <a:rPr lang="nb-NO" dirty="0" err="1"/>
-              <a:t>processor</a:t>
-            </a:r>
-            <a:r>
-              <a:rPr lang="nb-NO" dirty="0"/>
-              <a:t> (</a:t>
-            </a:r>
-            <a:r>
-              <a:rPr lang="nb-NO" dirty="0" err="1"/>
-              <a:t>much</a:t>
-            </a:r>
-            <a:r>
-              <a:rPr lang="nb-NO" dirty="0"/>
-              <a:t> </a:t>
-            </a:r>
-            <a:r>
-              <a:rPr lang="nb-NO" dirty="0" err="1"/>
-              <a:t>better</a:t>
-            </a:r>
-            <a:r>
-              <a:rPr lang="nb-NO" dirty="0"/>
-              <a:t> </a:t>
-            </a:r>
-            <a:r>
-              <a:rPr lang="nb-NO" dirty="0" err="1"/>
-              <a:t>parallel</a:t>
-            </a:r>
-            <a:r>
-              <a:rPr lang="nb-NO" dirty="0"/>
-              <a:t> 	</a:t>
-            </a:r>
-            <a:r>
-              <a:rPr lang="nb-NO" dirty="0" err="1"/>
-              <a:t>compute</a:t>
-            </a:r>
-            <a:r>
-              <a:rPr lang="nb-NO" dirty="0"/>
-              <a:t>)</a:t>
-            </a:r>
-            <a:endParaRPr lang="nb-NO" b="1" dirty="0"/>
-          </a:p>
-          <a:p>
-            <a:endParaRPr lang="en-GB" dirty="0"/>
-          </a:p>
-        </p:txBody>
-      </p:sp>
+      </p:pic>
     </p:spTree>
     <p:extLst>
       <p:ext uri="{BB962C8B-B14F-4D97-AF65-F5344CB8AC3E}">
-        <p14:creationId xmlns:p14="http://schemas.microsoft.com/office/powerpoint/2010/main" val="2749952209"/>
+        <p14:creationId xmlns:p14="http://schemas.microsoft.com/office/powerpoint/2010/main" val="1694971266"/>
       </p:ext>
     </p:extLst>
   </p:cSld>
@@ -6090,7 +8430,7 @@
           <p:cNvPr id="2" name="Title 1">
             <a:extLst>
               <a:ext uri="{FF2B5EF4-FFF2-40B4-BE49-F238E27FC236}">
-                <a16:creationId xmlns:a16="http://schemas.microsoft.com/office/drawing/2014/main" id="{0101512F-ECF0-4CDC-8C8D-1FE82858E1A7}"/>
+                <a16:creationId xmlns:a16="http://schemas.microsoft.com/office/drawing/2014/main" id="{32D1EE79-E0B2-4C6A-976F-177946C18C33}"/>
               </a:ext>
             </a:extLst>
           </p:cNvPr>
@@ -6101,14 +8441,35 @@
             <p:ph type="title"/>
           </p:nvPr>
         </p:nvSpPr>
-        <p:spPr/>
+        <p:spPr>
+          <a:xfrm>
+            <a:off x="517870" y="978409"/>
+            <a:ext cx="5021182" cy="1949350"/>
+          </a:xfrm>
+        </p:spPr>
         <p:txBody>
           <a:bodyPr/>
           <a:lstStyle/>
           <a:p>
             <a:r>
-              <a:rPr lang="nb-NO" dirty="0"/>
-              <a:t>Plan</a:t>
+              <a:rPr lang="nb-NO" dirty="0" err="1"/>
+              <a:t>Current</a:t>
+            </a:r>
+            <a:r>
+              <a:rPr lang="nb-NO" dirty="0"/>
+              <a:t> status for </a:t>
+            </a:r>
+            <a:r>
+              <a:rPr lang="nb-NO" dirty="0" err="1"/>
+              <a:t>the</a:t>
+            </a:r>
+            <a:r>
+              <a:rPr lang="nb-NO" dirty="0"/>
+              <a:t> </a:t>
+            </a:r>
+            <a:r>
+              <a:rPr lang="nb-NO" dirty="0" err="1"/>
+              <a:t>models</a:t>
             </a:r>
             <a:endParaRPr lang="en-GB" dirty="0"/>
           </a:p>
@@ -6119,7 +8480,7 @@
           <p:cNvPr id="3" name="Content Placeholder 2">
             <a:extLst>
               <a:ext uri="{FF2B5EF4-FFF2-40B4-BE49-F238E27FC236}">
-                <a16:creationId xmlns:a16="http://schemas.microsoft.com/office/drawing/2014/main" id="{92DD4BF0-2CED-4E4A-BC8C-833B3C2A9C25}"/>
+                <a16:creationId xmlns:a16="http://schemas.microsoft.com/office/drawing/2014/main" id="{FD05321F-3F64-4D06-B066-65739C62FD2A}"/>
               </a:ext>
             </a:extLst>
           </p:cNvPr>
@@ -6130,101 +8491,491 @@
             <p:ph idx="1"/>
           </p:nvPr>
         </p:nvSpPr>
+        <p:spPr>
+          <a:xfrm>
+            <a:off x="578840" y="2927759"/>
+            <a:ext cx="11104510" cy="2911962"/>
+          </a:xfrm>
+        </p:spPr>
+        <p:txBody>
+          <a:bodyPr/>
+          <a:lstStyle/>
+          <a:p>
+            <a:r>
+              <a:rPr lang="nb-NO" dirty="0"/>
+              <a:t>I have ran </a:t>
+            </a:r>
+            <a:r>
+              <a:rPr lang="nb-NO" dirty="0" err="1"/>
+              <a:t>some</a:t>
+            </a:r>
+            <a:r>
+              <a:rPr lang="nb-NO" dirty="0"/>
+              <a:t> 1D </a:t>
+            </a:r>
+            <a:r>
+              <a:rPr lang="nb-NO" dirty="0" err="1"/>
+              <a:t>reconstruction</a:t>
+            </a:r>
+            <a:r>
+              <a:rPr lang="nb-NO" dirty="0"/>
+              <a:t> </a:t>
+            </a:r>
+            <a:r>
+              <a:rPr lang="nb-NO" dirty="0" err="1"/>
+              <a:t>models</a:t>
+            </a:r>
+            <a:r>
+              <a:rPr lang="nb-NO" dirty="0"/>
+              <a:t>;</a:t>
+            </a:r>
+          </a:p>
+          <a:p>
+            <a:r>
+              <a:rPr lang="nb-NO" dirty="0" err="1"/>
+              <a:t>Focusing</a:t>
+            </a:r>
+            <a:r>
+              <a:rPr lang="nb-NO" dirty="0"/>
+              <a:t> </a:t>
+            </a:r>
+            <a:r>
+              <a:rPr lang="nb-NO" dirty="0" err="1"/>
+              <a:t>on</a:t>
+            </a:r>
+            <a:r>
+              <a:rPr lang="nb-NO" dirty="0"/>
+              <a:t> </a:t>
+            </a:r>
+            <a:r>
+              <a:rPr lang="nb-NO" dirty="0" err="1"/>
+              <a:t>getting</a:t>
+            </a:r>
+            <a:r>
+              <a:rPr lang="nb-NO" dirty="0"/>
+              <a:t> </a:t>
+            </a:r>
+            <a:r>
+              <a:rPr lang="nb-NO" dirty="0" err="1"/>
+              <a:t>good</a:t>
+            </a:r>
+            <a:r>
+              <a:rPr lang="nb-NO" dirty="0"/>
+              <a:t> </a:t>
+            </a:r>
+            <a:r>
+              <a:rPr lang="nb-NO" dirty="0" err="1"/>
+              <a:t>procedures</a:t>
+            </a:r>
+            <a:r>
+              <a:rPr lang="nb-NO" dirty="0"/>
+              <a:t> for </a:t>
+            </a:r>
+            <a:r>
+              <a:rPr lang="nb-NO" dirty="0" err="1"/>
+              <a:t>running</a:t>
+            </a:r>
+            <a:r>
+              <a:rPr lang="nb-NO" dirty="0"/>
+              <a:t> </a:t>
+            </a:r>
+            <a:r>
+              <a:rPr lang="nb-NO" dirty="0" err="1"/>
+              <a:t>the</a:t>
+            </a:r>
+            <a:r>
+              <a:rPr lang="nb-NO" dirty="0"/>
+              <a:t> </a:t>
+            </a:r>
+            <a:r>
+              <a:rPr lang="nb-NO" dirty="0" err="1"/>
+              <a:t>models</a:t>
+            </a:r>
+            <a:r>
+              <a:rPr lang="nb-NO" dirty="0"/>
+              <a:t> </a:t>
+            </a:r>
+            <a:r>
+              <a:rPr lang="nb-NO" dirty="0" err="1"/>
+              <a:t>on</a:t>
+            </a:r>
+            <a:r>
+              <a:rPr lang="nb-NO" dirty="0"/>
+              <a:t> </a:t>
+            </a:r>
+            <a:r>
+              <a:rPr lang="nb-NO" dirty="0" err="1"/>
+              <a:t>the</a:t>
+            </a:r>
+            <a:r>
+              <a:rPr lang="nb-NO" dirty="0"/>
+              <a:t> servers</a:t>
+            </a:r>
+          </a:p>
+          <a:p>
+            <a:r>
+              <a:rPr lang="nb-NO" b="1" dirty="0"/>
+              <a:t>Profiling:</a:t>
+            </a:r>
+          </a:p>
+          <a:p>
+            <a:r>
+              <a:rPr lang="nb-NO" b="1" dirty="0"/>
+              <a:t>	</a:t>
+            </a:r>
+            <a:r>
+              <a:rPr lang="nb-NO" dirty="0"/>
+              <a:t>I </a:t>
+            </a:r>
+            <a:r>
+              <a:rPr lang="nb-NO" dirty="0" err="1"/>
+              <a:t>did</a:t>
+            </a:r>
+            <a:r>
+              <a:rPr lang="nb-NO" dirty="0"/>
+              <a:t> not </a:t>
+            </a:r>
+            <a:r>
+              <a:rPr lang="nb-NO" dirty="0" err="1"/>
+              <a:t>get</a:t>
+            </a:r>
+            <a:r>
+              <a:rPr lang="nb-NO" dirty="0"/>
+              <a:t> </a:t>
+            </a:r>
+            <a:r>
+              <a:rPr lang="nb-NO" dirty="0" err="1"/>
+              <a:t>very</a:t>
+            </a:r>
+            <a:r>
+              <a:rPr lang="nb-NO" dirty="0"/>
+              <a:t> </a:t>
+            </a:r>
+            <a:r>
+              <a:rPr lang="nb-NO" dirty="0" err="1"/>
+              <a:t>good</a:t>
+            </a:r>
+            <a:r>
+              <a:rPr lang="nb-NO" dirty="0"/>
+              <a:t> </a:t>
+            </a:r>
+            <a:r>
+              <a:rPr lang="nb-NO" dirty="0" err="1"/>
+              <a:t>results</a:t>
+            </a:r>
+            <a:r>
+              <a:rPr lang="nb-NO" dirty="0"/>
+              <a:t> for 	</a:t>
+            </a:r>
+            <a:r>
+              <a:rPr lang="nb-NO" dirty="0" err="1"/>
+              <a:t>running</a:t>
+            </a:r>
+            <a:r>
+              <a:rPr lang="nb-NO" dirty="0"/>
+              <a:t> </a:t>
+            </a:r>
+            <a:r>
+              <a:rPr lang="nb-NO" dirty="0" err="1"/>
+              <a:t>on</a:t>
+            </a:r>
+            <a:r>
+              <a:rPr lang="nb-NO" dirty="0"/>
+              <a:t> Odin. My laptop </a:t>
+            </a:r>
+            <a:r>
+              <a:rPr lang="nb-NO" dirty="0" err="1"/>
+              <a:t>performed</a:t>
+            </a:r>
+            <a:r>
+              <a:rPr lang="nb-NO" dirty="0"/>
+              <a:t> </a:t>
+            </a:r>
+            <a:r>
+              <a:rPr lang="nb-NO" dirty="0" err="1"/>
+              <a:t>better</a:t>
+            </a:r>
+            <a:r>
+              <a:rPr lang="nb-NO" dirty="0"/>
+              <a:t>; </a:t>
+            </a:r>
+            <a:r>
+              <a:rPr lang="nb-NO" dirty="0" err="1"/>
+              <a:t>Probably</a:t>
+            </a:r>
+            <a:r>
+              <a:rPr lang="nb-NO" dirty="0"/>
+              <a:t> 	</a:t>
+            </a:r>
+            <a:r>
+              <a:rPr lang="nb-NO" dirty="0" err="1"/>
+              <a:t>because</a:t>
+            </a:r>
+            <a:r>
+              <a:rPr lang="nb-NO" dirty="0"/>
+              <a:t> </a:t>
+            </a:r>
+            <a:r>
+              <a:rPr lang="nb-NO" dirty="0" err="1"/>
+              <a:t>keras</a:t>
+            </a:r>
+            <a:r>
+              <a:rPr lang="nb-NO" dirty="0"/>
+              <a:t> ran </a:t>
+            </a:r>
+            <a:r>
+              <a:rPr lang="nb-NO" dirty="0" err="1"/>
+              <a:t>things</a:t>
+            </a:r>
+            <a:r>
+              <a:rPr lang="nb-NO" dirty="0"/>
+              <a:t> in </a:t>
+            </a:r>
+            <a:r>
+              <a:rPr lang="nb-NO" dirty="0" err="1"/>
+              <a:t>parallel</a:t>
+            </a:r>
+            <a:r>
+              <a:rPr lang="nb-NO" dirty="0"/>
+              <a:t> </a:t>
+            </a:r>
+            <a:r>
+              <a:rPr lang="nb-NO" dirty="0" err="1"/>
+              <a:t>on</a:t>
+            </a:r>
+            <a:r>
+              <a:rPr lang="nb-NO" dirty="0"/>
+              <a:t> </a:t>
+            </a:r>
+            <a:r>
+              <a:rPr lang="nb-NO" dirty="0" err="1"/>
+              <a:t>the</a:t>
+            </a:r>
+            <a:r>
+              <a:rPr lang="nb-NO" dirty="0"/>
+              <a:t> laptop </a:t>
+            </a:r>
+            <a:r>
+              <a:rPr lang="nb-NO" dirty="0" err="1"/>
+              <a:t>graphics</a:t>
+            </a:r>
+            <a:r>
+              <a:rPr lang="nb-NO" dirty="0"/>
+              <a:t> </a:t>
+            </a:r>
+            <a:r>
+              <a:rPr lang="nb-NO" dirty="0" err="1"/>
+              <a:t>processor</a:t>
+            </a:r>
+            <a:r>
+              <a:rPr lang="nb-NO" dirty="0"/>
+              <a:t> (</a:t>
+            </a:r>
+            <a:r>
+              <a:rPr lang="nb-NO" dirty="0" err="1"/>
+              <a:t>much</a:t>
+            </a:r>
+            <a:r>
+              <a:rPr lang="nb-NO" dirty="0"/>
+              <a:t> </a:t>
+            </a:r>
+            <a:r>
+              <a:rPr lang="nb-NO" dirty="0" err="1"/>
+              <a:t>better</a:t>
+            </a:r>
+            <a:r>
+              <a:rPr lang="nb-NO" dirty="0"/>
+              <a:t> </a:t>
+            </a:r>
+            <a:r>
+              <a:rPr lang="nb-NO" dirty="0" err="1"/>
+              <a:t>parallel</a:t>
+            </a:r>
+            <a:r>
+              <a:rPr lang="nb-NO" dirty="0"/>
+              <a:t> 	</a:t>
+            </a:r>
+            <a:r>
+              <a:rPr lang="nb-NO" dirty="0" err="1"/>
+              <a:t>compute</a:t>
+            </a:r>
+            <a:r>
+              <a:rPr lang="nb-NO" dirty="0"/>
+              <a:t>)</a:t>
+            </a:r>
+            <a:endParaRPr lang="nb-NO" b="1" dirty="0"/>
+          </a:p>
+          <a:p>
+            <a:endParaRPr lang="en-GB" dirty="0"/>
+          </a:p>
+        </p:txBody>
+      </p:sp>
+    </p:spTree>
+    <p:extLst>
+      <p:ext uri="{BB962C8B-B14F-4D97-AF65-F5344CB8AC3E}">
+        <p14:creationId xmlns:p14="http://schemas.microsoft.com/office/powerpoint/2010/main" val="2749952209"/>
+      </p:ext>
+    </p:extLst>
+  </p:cSld>
+  <p:clrMapOvr>
+    <a:masterClrMapping/>
+  </p:clrMapOvr>
+</p:sld>
+</file>
+
+<file path=ppt/slides/slide6.xml><?xml version="1.0" encoding="utf-8"?>
+<p:sld xmlns:a="http://schemas.openxmlformats.org/drawingml/2006/main" xmlns:r="http://schemas.openxmlformats.org/officeDocument/2006/relationships" xmlns:p="http://schemas.openxmlformats.org/presentationml/2006/main">
+  <p:cSld>
+    <p:spTree>
+      <p:nvGrpSpPr>
+        <p:cNvPr id="1" name=""/>
+        <p:cNvGrpSpPr/>
+        <p:nvPr/>
+      </p:nvGrpSpPr>
+      <p:grpSpPr>
+        <a:xfrm>
+          <a:off x="0" y="0"/>
+          <a:ext cx="0" cy="0"/>
+          <a:chOff x="0" y="0"/>
+          <a:chExt cx="0" cy="0"/>
+        </a:xfrm>
+      </p:grpSpPr>
+      <p:sp>
+        <p:nvSpPr>
+          <p:cNvPr id="2" name="Title 1">
+            <a:extLst>
+              <a:ext uri="{FF2B5EF4-FFF2-40B4-BE49-F238E27FC236}">
+                <a16:creationId xmlns:a16="http://schemas.microsoft.com/office/drawing/2014/main" id="{0101512F-ECF0-4CDC-8C8D-1FE82858E1A7}"/>
+              </a:ext>
+            </a:extLst>
+          </p:cNvPr>
+          <p:cNvSpPr>
+            <a:spLocks noGrp="1"/>
+          </p:cNvSpPr>
+          <p:nvPr>
+            <p:ph type="title"/>
+          </p:nvPr>
+        </p:nvSpPr>
         <p:spPr/>
         <p:txBody>
           <a:bodyPr/>
           <a:lstStyle/>
           <a:p>
             <a:r>
-              <a:rPr lang="nb-NO" dirty="0" err="1"/>
+              <a:rPr lang="nb-NO" dirty="0"/>
+              <a:t>Plan </a:t>
+            </a:r>
+            <a:r>
+              <a:rPr lang="nb-NO" dirty="0" err="1"/>
+              <a:t>going</a:t>
+            </a:r>
+            <a:r>
+              <a:rPr lang="nb-NO" dirty="0"/>
+              <a:t> forward</a:t>
+            </a:r>
+            <a:endParaRPr lang="en-GB" dirty="0"/>
+          </a:p>
+        </p:txBody>
+      </p:sp>
+      <p:sp>
+        <p:nvSpPr>
+          <p:cNvPr id="3" name="Content Placeholder 2">
+            <a:extLst>
+              <a:ext uri="{FF2B5EF4-FFF2-40B4-BE49-F238E27FC236}">
+                <a16:creationId xmlns:a16="http://schemas.microsoft.com/office/drawing/2014/main" id="{92DD4BF0-2CED-4E4A-BC8C-833B3C2A9C25}"/>
+              </a:ext>
+            </a:extLst>
+          </p:cNvPr>
+          <p:cNvSpPr>
+            <a:spLocks noGrp="1"/>
+          </p:cNvSpPr>
+          <p:nvPr>
+            <p:ph idx="1"/>
+          </p:nvPr>
+        </p:nvSpPr>
+        <p:spPr>
+          <a:xfrm>
+            <a:off x="6662168" y="2704289"/>
+            <a:ext cx="5021182" cy="3135432"/>
+          </a:xfrm>
+        </p:spPr>
+        <p:txBody>
+          <a:bodyPr/>
+          <a:lstStyle/>
+          <a:p>
+            <a:r>
+              <a:rPr lang="nb-NO" sz="3200" dirty="0" err="1"/>
               <a:t>Running</a:t>
             </a:r>
             <a:r>
-              <a:rPr lang="nb-NO" dirty="0"/>
-              <a:t> </a:t>
-            </a:r>
-            <a:r>
-              <a:rPr lang="nb-NO" dirty="0" err="1"/>
+              <a:rPr lang="nb-NO" sz="3200" dirty="0"/>
+              <a:t> </a:t>
+            </a:r>
+            <a:r>
+              <a:rPr lang="nb-NO" sz="3200" dirty="0" err="1"/>
               <a:t>models</a:t>
             </a:r>
             <a:r>
-              <a:rPr lang="nb-NO" dirty="0"/>
+              <a:rPr lang="nb-NO" sz="3200" dirty="0"/>
               <a:t> - </a:t>
             </a:r>
             <a:r>
-              <a:rPr lang="nb-NO" dirty="0" err="1"/>
+              <a:rPr lang="nb-NO" sz="3200" dirty="0" err="1"/>
               <a:t>meanwhile</a:t>
             </a:r>
             <a:r>
-              <a:rPr lang="nb-NO" dirty="0"/>
-              <a:t> </a:t>
-            </a:r>
-            <a:r>
-              <a:rPr lang="nb-NO" dirty="0" err="1"/>
+              <a:rPr lang="nb-NO" sz="3200" dirty="0"/>
+              <a:t> </a:t>
+            </a:r>
+            <a:r>
+              <a:rPr lang="nb-NO" sz="3200" dirty="0" err="1"/>
               <a:t>writing</a:t>
             </a:r>
             <a:r>
-              <a:rPr lang="nb-NO" dirty="0"/>
-              <a:t> </a:t>
-            </a:r>
-            <a:r>
-              <a:rPr lang="nb-NO" dirty="0" err="1"/>
+              <a:rPr lang="nb-NO" sz="3200" dirty="0"/>
+              <a:t> </a:t>
+            </a:r>
+            <a:r>
+              <a:rPr lang="nb-NO" sz="3200" dirty="0" err="1"/>
               <a:t>theory</a:t>
             </a:r>
-            <a:endParaRPr lang="nb-NO" dirty="0"/>
-          </a:p>
-          <a:p>
-            <a:r>
-              <a:rPr lang="nb-NO" dirty="0" err="1"/>
-              <a:t>Depending</a:t>
-            </a:r>
-            <a:r>
-              <a:rPr lang="nb-NO" dirty="0"/>
-              <a:t> </a:t>
-            </a:r>
-            <a:r>
-              <a:rPr lang="nb-NO" dirty="0" err="1"/>
-              <a:t>on</a:t>
-            </a:r>
-            <a:r>
-              <a:rPr lang="nb-NO" dirty="0"/>
-              <a:t> </a:t>
-            </a:r>
-            <a:r>
-              <a:rPr lang="nb-NO" dirty="0" err="1"/>
-              <a:t>results</a:t>
-            </a:r>
-            <a:r>
-              <a:rPr lang="nb-NO" dirty="0"/>
-              <a:t> </a:t>
-            </a:r>
-            <a:r>
-              <a:rPr lang="nb-NO" dirty="0" err="1"/>
-              <a:t>change</a:t>
-            </a:r>
-            <a:r>
-              <a:rPr lang="nb-NO" dirty="0"/>
-              <a:t> </a:t>
-            </a:r>
-            <a:r>
-              <a:rPr lang="nb-NO" dirty="0" err="1"/>
-              <a:t>things</a:t>
-            </a:r>
-            <a:r>
-              <a:rPr lang="nb-NO" dirty="0"/>
-              <a:t> </a:t>
-            </a:r>
-            <a:r>
-              <a:rPr lang="nb-NO" dirty="0" err="1"/>
-              <a:t>underway</a:t>
-            </a:r>
-            <a:endParaRPr lang="nb-NO" dirty="0"/>
+            <a:endParaRPr lang="nb-NO" sz="3200" dirty="0"/>
           </a:p>
           <a:p>
             <a:endParaRPr lang="en-GB" dirty="0"/>
           </a:p>
         </p:txBody>
       </p:sp>
+      <p:pic>
+        <p:nvPicPr>
+          <p:cNvPr id="4" name="Picture 3">
+            <a:extLst>
+              <a:ext uri="{FF2B5EF4-FFF2-40B4-BE49-F238E27FC236}">
+                <a16:creationId xmlns:a16="http://schemas.microsoft.com/office/drawing/2014/main" id="{891C9729-C8F5-4A25-9E99-E7F3E377FD1D}"/>
+              </a:ext>
+            </a:extLst>
+          </p:cNvPr>
+          <p:cNvPicPr>
+            <a:picLocks noChangeAspect="1"/>
+          </p:cNvPicPr>
+          <p:nvPr/>
+        </p:nvPicPr>
+        <p:blipFill>
+          <a:blip r:embed="rId2"/>
+          <a:stretch>
+            <a:fillRect/>
+          </a:stretch>
+        </p:blipFill>
+        <p:spPr>
+          <a:xfrm>
+            <a:off x="517870" y="2822744"/>
+            <a:ext cx="5021182" cy="3344674"/>
+          </a:xfrm>
+          <a:prstGeom prst="rect">
+            <a:avLst/>
+          </a:prstGeom>
+        </p:spPr>
+      </p:pic>
     </p:spTree>
     <p:extLst>
       <p:ext uri="{BB962C8B-B14F-4D97-AF65-F5344CB8AC3E}">
@@ -6238,7 +8989,7 @@
 </p:sld>
 </file>
 
-<file path=ppt/slides/slide6.xml><?xml version="1.0" encoding="utf-8"?>
+<file path=ppt/slides/slide7.xml><?xml version="1.0" encoding="utf-8"?>
 <p:sld xmlns:a="http://schemas.openxmlformats.org/drawingml/2006/main" xmlns:r="http://schemas.openxmlformats.org/officeDocument/2006/relationships" xmlns:p="http://schemas.openxmlformats.org/presentationml/2006/main">
   <p:cSld>
     <p:bg>
@@ -6805,92 +9556,22 @@
           </a:p>
         </p:txBody>
       </p:sp>
-    </p:spTree>
-    <p:extLst>
-      <p:ext uri="{BB962C8B-B14F-4D97-AF65-F5344CB8AC3E}">
-        <p14:creationId xmlns:p14="http://schemas.microsoft.com/office/powerpoint/2010/main" val="3045047177"/>
-      </p:ext>
-    </p:extLst>
-  </p:cSld>
-  <p:clrMapOvr>
-    <a:masterClrMapping/>
-  </p:clrMapOvr>
-</p:sld>
-</file>
-
-<file path=ppt/slides/slide7.xml><?xml version="1.0" encoding="utf-8"?>
-<p:sld xmlns:a="http://schemas.openxmlformats.org/drawingml/2006/main" xmlns:r="http://schemas.openxmlformats.org/officeDocument/2006/relationships" xmlns:p="http://schemas.openxmlformats.org/presentationml/2006/main">
-  <p:cSld>
-    <p:spTree>
-      <p:nvGrpSpPr>
-        <p:cNvPr id="1" name=""/>
-        <p:cNvGrpSpPr/>
-        <p:nvPr/>
-      </p:nvGrpSpPr>
-      <p:grpSpPr>
-        <a:xfrm>
-          <a:off x="0" y="0"/>
-          <a:ext cx="0" cy="0"/>
-          <a:chOff x="0" y="0"/>
-          <a:chExt cx="0" cy="0"/>
-        </a:xfrm>
-      </p:grpSpPr>
-      <p:sp>
-        <p:nvSpPr>
-          <p:cNvPr id="2" name="Title 1">
-            <a:extLst>
-              <a:ext uri="{FF2B5EF4-FFF2-40B4-BE49-F238E27FC236}">
-                <a16:creationId xmlns:a16="http://schemas.microsoft.com/office/drawing/2014/main" id="{030C621C-11EB-47E3-B807-A1498B6AE8FA}"/>
-              </a:ext>
-            </a:extLst>
-          </p:cNvPr>
-          <p:cNvSpPr>
-            <a:spLocks noGrp="1"/>
-          </p:cNvSpPr>
-          <p:nvPr>
-            <p:ph type="title"/>
-          </p:nvPr>
-        </p:nvSpPr>
-        <p:spPr>
-          <a:xfrm>
-            <a:off x="517870" y="978409"/>
-            <a:ext cx="5021182" cy="1018342"/>
-          </a:xfrm>
-        </p:spPr>
-        <p:txBody>
-          <a:bodyPr/>
-          <a:lstStyle/>
-          <a:p>
-            <a:r>
-              <a:rPr lang="nb-NO" dirty="0"/>
-              <a:t>Initial </a:t>
-            </a:r>
-            <a:r>
-              <a:rPr lang="nb-NO" dirty="0" err="1"/>
-              <a:t>results</a:t>
-            </a:r>
-            <a:endParaRPr lang="en-GB" dirty="0"/>
-          </a:p>
-        </p:txBody>
-      </p:sp>
       <p:pic>
         <p:nvPicPr>
-          <p:cNvPr id="5" name="Content Placeholder 4" descr="Background pattern&#10;&#10;Description automatically generated">
-            <a:extLst>
-              <a:ext uri="{FF2B5EF4-FFF2-40B4-BE49-F238E27FC236}">
-                <a16:creationId xmlns:a16="http://schemas.microsoft.com/office/drawing/2014/main" id="{3DC83484-0FF0-457E-BE7B-B68E74EA5741}"/>
+          <p:cNvPr id="4" name="Picture 3" descr="Chart, histogram&#10;&#10;Description automatically generated">
+            <a:extLst>
+              <a:ext uri="{FF2B5EF4-FFF2-40B4-BE49-F238E27FC236}">
+                <a16:creationId xmlns:a16="http://schemas.microsoft.com/office/drawing/2014/main" id="{6C794C01-C1CC-4253-BEEA-6FE5FA2FC6D6}"/>
               </a:ext>
             </a:extLst>
           </p:cNvPr>
           <p:cNvPicPr>
-            <a:picLocks noGrp="1" noChangeAspect="1"/>
+            <a:picLocks noChangeAspect="1"/>
           </p:cNvPicPr>
-          <p:nvPr>
-            <p:ph idx="1"/>
-          </p:nvPr>
+          <p:nvPr/>
         </p:nvPicPr>
         <p:blipFill>
-          <a:blip r:embed="rId2">
+          <a:blip r:embed="rId3">
             <a:extLst>
               <a:ext uri="{28A0092B-C50C-407E-A947-70E740481C1C}">
                 <a14:useLocalDpi xmlns:a14="http://schemas.microsoft.com/office/drawing/2010/main" val="0"/>
@@ -6903,41 +9584,8 @@
         </p:blipFill>
         <p:spPr>
           <a:xfrm>
-            <a:off x="8005638" y="445512"/>
-            <a:ext cx="3787548" cy="2843504"/>
-          </a:xfrm>
-        </p:spPr>
-      </p:pic>
-      <p:pic>
-        <p:nvPicPr>
-          <p:cNvPr id="7" name="Picture 6" descr="A picture containing blue, crowd&#10;&#10;Description automatically generated">
-            <a:extLst>
-              <a:ext uri="{FF2B5EF4-FFF2-40B4-BE49-F238E27FC236}">
-                <a16:creationId xmlns:a16="http://schemas.microsoft.com/office/drawing/2014/main" id="{81D93269-967D-4DCF-ACAB-5920272F14FC}"/>
-              </a:ext>
-            </a:extLst>
-          </p:cNvPr>
-          <p:cNvPicPr>
-            <a:picLocks noChangeAspect="1"/>
-          </p:cNvPicPr>
-          <p:nvPr/>
-        </p:nvPicPr>
-        <p:blipFill>
-          <a:blip r:embed="rId3">
-            <a:extLst>
-              <a:ext uri="{28A0092B-C50C-407E-A947-70E740481C1C}">
-                <a14:useLocalDpi xmlns:a14="http://schemas.microsoft.com/office/drawing/2010/main" val="0"/>
-              </a:ext>
-            </a:extLst>
-          </a:blip>
-          <a:stretch>
-            <a:fillRect/>
-          </a:stretch>
-        </p:blipFill>
-        <p:spPr>
-          <a:xfrm>
-            <a:off x="8005638" y="3534114"/>
-            <a:ext cx="3787548" cy="2843505"/>
+            <a:off x="5654334" y="3921865"/>
+            <a:ext cx="3111706" cy="2333779"/>
           </a:xfrm>
           <a:prstGeom prst="rect">
             <a:avLst/>
@@ -6946,10 +9594,10 @@
       </p:pic>
       <p:sp>
         <p:nvSpPr>
-          <p:cNvPr id="8" name="TextBox 7">
-            <a:extLst>
-              <a:ext uri="{FF2B5EF4-FFF2-40B4-BE49-F238E27FC236}">
-                <a16:creationId xmlns:a16="http://schemas.microsoft.com/office/drawing/2014/main" id="{222BD9E7-1A30-422B-936B-7FA8F5A364F1}"/>
+          <p:cNvPr id="7" name="TextBox 6">
+            <a:extLst>
+              <a:ext uri="{FF2B5EF4-FFF2-40B4-BE49-F238E27FC236}">
+                <a16:creationId xmlns:a16="http://schemas.microsoft.com/office/drawing/2014/main" id="{0C028D02-F824-47E1-B136-2D1960D658C3}"/>
               </a:ext>
             </a:extLst>
           </p:cNvPr>
@@ -6958,8 +9606,8 @@
         </p:nvSpPr>
         <p:spPr>
           <a:xfrm>
-            <a:off x="517869" y="2233655"/>
-            <a:ext cx="5220457" cy="3970318"/>
+            <a:off x="8959173" y="3921865"/>
+            <a:ext cx="2917311" cy="2585323"/>
           </a:xfrm>
           <a:prstGeom prst="rect">
             <a:avLst/>
@@ -6974,23 +9622,15 @@
           <a:p>
             <a:r>
               <a:rPr lang="nb-NO" dirty="0"/>
-              <a:t>Testing </a:t>
-            </a:r>
-            <a:r>
-              <a:rPr lang="nb-NO" dirty="0" err="1"/>
-              <a:t>out</a:t>
-            </a:r>
-            <a:r>
-              <a:rPr lang="nb-NO" dirty="0"/>
-              <a:t> </a:t>
-            </a:r>
-            <a:r>
-              <a:rPr lang="nb-NO" dirty="0" err="1"/>
-              <a:t>reconstructing</a:t>
-            </a:r>
-            <a:r>
-              <a:rPr lang="nb-NO" dirty="0"/>
-              <a:t> </a:t>
+              <a:t>In </a:t>
+            </a:r>
+            <a:r>
+              <a:rPr lang="nb-NO" dirty="0" err="1"/>
+              <a:t>this</a:t>
+            </a:r>
+            <a:r>
+              <a:rPr lang="nb-NO" dirty="0"/>
+              <a:t> histogram </a:t>
             </a:r>
             <a:r>
               <a:rPr lang="nb-NO" dirty="0" err="1"/>
@@ -7002,41 +9642,43 @@
             </a:r>
             <a:r>
               <a:rPr lang="nb-NO" dirty="0" err="1"/>
-              <a:t>seismic</a:t>
-            </a:r>
-            <a:r>
-              <a:rPr lang="nb-NO" dirty="0"/>
-              <a:t> data </a:t>
-            </a:r>
-            <a:r>
-              <a:rPr lang="nb-NO" dirty="0" err="1"/>
-              <a:t>with</a:t>
-            </a:r>
-            <a:r>
-              <a:rPr lang="nb-NO" dirty="0"/>
-              <a:t> 1D TCN</a:t>
-            </a:r>
-          </a:p>
-          <a:p>
-            <a:r>
-              <a:rPr lang="nb-NO" dirty="0"/>
-              <a:t>Model </a:t>
-            </a:r>
-            <a:r>
-              <a:rPr lang="nb-NO" dirty="0" err="1"/>
-              <a:t>converges</a:t>
-            </a:r>
-            <a:r>
-              <a:rPr lang="nb-NO" dirty="0"/>
-              <a:t> to </a:t>
-            </a:r>
-            <a:r>
-              <a:rPr lang="nb-NO" dirty="0" err="1"/>
-              <a:t>some</a:t>
-            </a:r>
-            <a:r>
-              <a:rPr lang="nb-NO" dirty="0"/>
-              <a:t> sort </a:t>
+              <a:t>bins</a:t>
+            </a:r>
+            <a:r>
+              <a:rPr lang="nb-NO" dirty="0"/>
+              <a:t> </a:t>
+            </a:r>
+            <a:r>
+              <a:rPr lang="nb-NO" dirty="0" err="1"/>
+              <a:t>were</a:t>
+            </a:r>
+            <a:r>
+              <a:rPr lang="nb-NO" dirty="0"/>
+              <a:t> </a:t>
+            </a:r>
+            <a:r>
+              <a:rPr lang="nb-NO" dirty="0" err="1"/>
+              <a:t>set</a:t>
+            </a:r>
+            <a:r>
+              <a:rPr lang="nb-NO" dirty="0"/>
+              <a:t> to be 20, </a:t>
+            </a:r>
+            <a:r>
+              <a:rPr lang="nb-NO" dirty="0" err="1"/>
+              <a:t>yet</a:t>
+            </a:r>
+            <a:r>
+              <a:rPr lang="nb-NO" dirty="0"/>
+              <a:t> </a:t>
+            </a:r>
+            <a:r>
+              <a:rPr lang="nb-NO" dirty="0" err="1"/>
+              <a:t>only</a:t>
+            </a:r>
+            <a:r>
+              <a:rPr lang="nb-NO" dirty="0"/>
+              <a:t> 6 </a:t>
             </a:r>
             <a:r>
               <a:rPr lang="nb-NO" dirty="0" err="1"/>
@@ -7048,152 +9690,111 @@
             </a:r>
             <a:r>
               <a:rPr lang="nb-NO" dirty="0" err="1"/>
-              <a:t>average</a:t>
-            </a:r>
+              <a:t>them</a:t>
+            </a:r>
+            <a:r>
+              <a:rPr lang="nb-NO" dirty="0"/>
+              <a:t> </a:t>
+            </a:r>
+            <a:r>
+              <a:rPr lang="nb-NO" dirty="0" err="1"/>
+              <a:t>are</a:t>
+            </a:r>
+            <a:r>
+              <a:rPr lang="nb-NO" dirty="0"/>
+              <a:t> visible.</a:t>
+            </a:r>
+          </a:p>
+          <a:p>
             <a:endParaRPr lang="nb-NO" dirty="0"/>
           </a:p>
           <a:p>
+            <a:r>
+              <a:rPr lang="nb-NO" dirty="0" err="1"/>
+              <a:t>There</a:t>
+            </a:r>
+            <a:r>
+              <a:rPr lang="nb-NO" dirty="0"/>
+              <a:t> </a:t>
+            </a:r>
+            <a:r>
+              <a:rPr lang="nb-NO" dirty="0" err="1"/>
+              <a:t>are</a:t>
+            </a:r>
+            <a:r>
+              <a:rPr lang="nb-NO" dirty="0"/>
+              <a:t> </a:t>
+            </a:r>
+            <a:r>
+              <a:rPr lang="nb-NO" dirty="0" err="1"/>
+              <a:t>outliers</a:t>
+            </a:r>
+            <a:r>
+              <a:rPr lang="nb-NO" dirty="0"/>
+              <a:t> in </a:t>
+            </a:r>
+            <a:r>
+              <a:rPr lang="nb-NO" dirty="0" err="1"/>
+              <a:t>the</a:t>
+            </a:r>
+            <a:r>
+              <a:rPr lang="nb-NO" dirty="0"/>
+              <a:t> </a:t>
+            </a:r>
+            <a:r>
+              <a:rPr lang="nb-NO" dirty="0" err="1"/>
+              <a:t>dataset</a:t>
+            </a:r>
+            <a:r>
+              <a:rPr lang="nb-NO" dirty="0"/>
+              <a:t>.</a:t>
+            </a:r>
+          </a:p>
+          <a:p>
             <a:endParaRPr lang="nb-NO" dirty="0"/>
           </a:p>
           <a:p>
             <a:r>
-              <a:rPr lang="nb-NO" dirty="0"/>
-              <a:t>NB! </a:t>
-            </a:r>
-            <a:r>
-              <a:rPr lang="nb-NO" dirty="0" err="1"/>
-              <a:t>These</a:t>
-            </a:r>
-            <a:r>
-              <a:rPr lang="nb-NO" dirty="0"/>
-              <a:t> plots </a:t>
-            </a:r>
-            <a:r>
-              <a:rPr lang="nb-NO" dirty="0" err="1"/>
-              <a:t>are</a:t>
-            </a:r>
-            <a:r>
-              <a:rPr lang="nb-NO" dirty="0"/>
-              <a:t> not </a:t>
-            </a:r>
-            <a:r>
-              <a:rPr lang="nb-NO" dirty="0" err="1"/>
-              <a:t>normalized</a:t>
+              <a:rPr lang="nb-NO" dirty="0" err="1"/>
+              <a:t>Yellow</a:t>
+            </a:r>
+            <a:r>
+              <a:rPr lang="nb-NO" dirty="0"/>
+              <a:t> 	= </a:t>
+            </a:r>
+            <a:r>
+              <a:rPr lang="nb-NO" dirty="0" err="1"/>
+              <a:t>predicted</a:t>
+            </a:r>
+            <a:r>
+              <a:rPr lang="nb-NO" dirty="0"/>
+              <a:t> </a:t>
+            </a:r>
+            <a:r>
+              <a:rPr lang="nb-NO" dirty="0" err="1"/>
+              <a:t>values</a:t>
             </a:r>
             <a:endParaRPr lang="nb-NO" dirty="0"/>
           </a:p>
           <a:p>
-            <a:endParaRPr lang="nb-NO" dirty="0"/>
-          </a:p>
-          <a:p>
-            <a:r>
-              <a:rPr lang="nb-NO" dirty="0" err="1"/>
-              <a:t>Config</a:t>
-            </a:r>
-            <a:r>
-              <a:rPr lang="nb-NO" dirty="0"/>
-              <a:t>:</a:t>
-            </a:r>
-          </a:p>
-          <a:p>
-            <a:r>
-              <a:rPr lang="nb-NO" dirty="0" err="1"/>
-              <a:t>nb_filters</a:t>
-            </a:r>
-            <a:r>
-              <a:rPr lang="nb-NO" dirty="0"/>
-              <a:t> = 	64</a:t>
-            </a:r>
-          </a:p>
-          <a:p>
-            <a:r>
-              <a:rPr lang="nb-NO" dirty="0" err="1"/>
-              <a:t>Kernel</a:t>
-            </a:r>
-            <a:r>
-              <a:rPr lang="nb-NO" dirty="0"/>
-              <a:t> </a:t>
-            </a:r>
-            <a:r>
-              <a:rPr lang="nb-NO" dirty="0" err="1"/>
-              <a:t>size</a:t>
-            </a:r>
-            <a:r>
-              <a:rPr lang="nb-NO" dirty="0"/>
-              <a:t> = 	3 ( </a:t>
-            </a:r>
-            <a:r>
-              <a:rPr lang="nb-NO" dirty="0" err="1"/>
-              <a:t>which</a:t>
-            </a:r>
-            <a:r>
-              <a:rPr lang="nb-NO" dirty="0"/>
-              <a:t> </a:t>
-            </a:r>
-            <a:r>
-              <a:rPr lang="nb-NO" dirty="0" err="1"/>
-              <a:t>may</a:t>
-            </a:r>
-            <a:r>
-              <a:rPr lang="nb-NO" dirty="0"/>
-              <a:t> </a:t>
-            </a:r>
-            <a:r>
-              <a:rPr lang="nb-NO" dirty="0" err="1"/>
-              <a:t>explain</a:t>
-            </a:r>
-            <a:r>
-              <a:rPr lang="nb-NO" dirty="0"/>
-              <a:t> a lot)</a:t>
-            </a:r>
-          </a:p>
-          <a:p>
-            <a:r>
-              <a:rPr lang="nb-NO" dirty="0" err="1"/>
-              <a:t>Dilations</a:t>
-            </a:r>
-            <a:r>
-              <a:rPr lang="nb-NO" dirty="0"/>
-              <a:t> = 	[1, 2, 4, 8, 16]</a:t>
-            </a:r>
-          </a:p>
-          <a:p>
-            <a:r>
-              <a:rPr lang="nb-NO" dirty="0" err="1"/>
-              <a:t>batch_size</a:t>
-            </a:r>
-            <a:r>
-              <a:rPr lang="nb-NO" dirty="0"/>
-              <a:t> = 	20</a:t>
-            </a:r>
-          </a:p>
-          <a:p>
-            <a:r>
-              <a:rPr lang="nb-NO" dirty="0" err="1"/>
-              <a:t>Epochs</a:t>
-            </a:r>
-            <a:r>
-              <a:rPr lang="nb-NO" dirty="0"/>
-              <a:t> = 	10</a:t>
-            </a:r>
-          </a:p>
-          <a:p>
+            <a:r>
+              <a:rPr lang="nb-NO" dirty="0"/>
+              <a:t>Blue 	= true </a:t>
+            </a:r>
+            <a:r>
+              <a:rPr lang="nb-NO" dirty="0" err="1"/>
+              <a:t>values</a:t>
+            </a:r>
             <a:endParaRPr lang="en-GB" dirty="0"/>
-          </a:p>
-          <a:p>
-            <a:r>
-              <a:rPr lang="en-GB" dirty="0"/>
-              <a:t>Loss approx. 3</a:t>
-            </a:r>
           </a:p>
         </p:txBody>
       </p:sp>
       <p:pic>
         <p:nvPicPr>
-          <p:cNvPr id="9" name="Picture 8">
-            <a:extLst>
-              <a:ext uri="{FF2B5EF4-FFF2-40B4-BE49-F238E27FC236}">
-                <a16:creationId xmlns:a16="http://schemas.microsoft.com/office/drawing/2014/main" id="{4266D97D-A5C4-4AFD-8552-1412AEF406F4}"/>
+          <p:cNvPr id="8" name="Picture 7" descr="Chart, histogram&#10;&#10;Description automatically generated">
+            <a:extLst>
+              <a:ext uri="{FF2B5EF4-FFF2-40B4-BE49-F238E27FC236}">
+                <a16:creationId xmlns:a16="http://schemas.microsoft.com/office/drawing/2014/main" id="{B99E2F75-8172-4DCE-840E-316876726CF8}"/>
               </a:ext>
             </a:extLst>
           </p:cNvPr>
@@ -7202,26 +9803,36 @@
           </p:cNvPicPr>
           <p:nvPr/>
         </p:nvPicPr>
-        <p:blipFill>
-          <a:blip r:embed="rId4"/>
-          <a:stretch>
-            <a:fillRect/>
-          </a:stretch>
+        <p:blipFill rotWithShape="1">
+          <a:blip r:embed="rId4">
+            <a:extLst>
+              <a:ext uri="{28A0092B-C50C-407E-A947-70E740481C1C}">
+                <a14:useLocalDpi xmlns:a14="http://schemas.microsoft.com/office/drawing/2010/main" val="0"/>
+              </a:ext>
+            </a:extLst>
+          </a:blip>
+          <a:srcRect l="-722" t="71380" r="722"/>
+          <a:stretch/>
         </p:blipFill>
         <p:spPr>
           <a:xfrm>
-            <a:off x="6622690" y="2851513"/>
-            <a:ext cx="1261981" cy="3621338"/>
+            <a:off x="6553547" y="6128479"/>
+            <a:ext cx="2063179" cy="442862"/>
           </a:xfrm>
           <a:prstGeom prst="rect">
             <a:avLst/>
           </a:prstGeom>
+          <a:ln>
+            <a:solidFill>
+              <a:schemeClr val="accent1"/>
+            </a:solidFill>
+          </a:ln>
         </p:spPr>
       </p:pic>
     </p:spTree>
     <p:extLst>
       <p:ext uri="{BB962C8B-B14F-4D97-AF65-F5344CB8AC3E}">
-        <p14:creationId xmlns:p14="http://schemas.microsoft.com/office/powerpoint/2010/main" val="2744942581"/>
+        <p14:creationId xmlns:p14="http://schemas.microsoft.com/office/powerpoint/2010/main" val="3045047177"/>
       </p:ext>
     </p:extLst>
   </p:cSld>
@@ -7253,7 +9864,7 @@
           <p:cNvPr id="2" name="Title 1">
             <a:extLst>
               <a:ext uri="{FF2B5EF4-FFF2-40B4-BE49-F238E27FC236}">
-                <a16:creationId xmlns:a16="http://schemas.microsoft.com/office/drawing/2014/main" id="{C9519876-F2DB-498A-895D-DC823225655D}"/>
+                <a16:creationId xmlns:a16="http://schemas.microsoft.com/office/drawing/2014/main" id="{91EF5120-5EB0-480E-9F8B-FA09B6ACB691}"/>
               </a:ext>
             </a:extLst>
           </p:cNvPr>
@@ -7264,23 +9875,246 @@
             <p:ph type="title"/>
           </p:nvPr>
         </p:nvSpPr>
-        <p:spPr>
-          <a:xfrm>
-            <a:off x="517870" y="978409"/>
-            <a:ext cx="5021182" cy="1578180"/>
-          </a:xfrm>
-        </p:spPr>
+        <p:spPr/>
         <p:txBody>
           <a:bodyPr/>
           <a:lstStyle/>
           <a:p>
             <a:r>
               <a:rPr lang="nb-NO" dirty="0"/>
-              <a:t>2nd </a:t>
-            </a:r>
-            <a:r>
-              <a:rPr lang="nb-NO" dirty="0" err="1"/>
-              <a:t>try</a:t>
+              <a:t>Preliminary </a:t>
+            </a:r>
+            <a:r>
+              <a:rPr lang="nb-NO" dirty="0" err="1"/>
+              <a:t>experiments</a:t>
+            </a:r>
+            <a:endParaRPr lang="en-GB" dirty="0"/>
+          </a:p>
+        </p:txBody>
+      </p:sp>
+      <p:sp>
+        <p:nvSpPr>
+          <p:cNvPr id="3" name="Content Placeholder 2">
+            <a:extLst>
+              <a:ext uri="{FF2B5EF4-FFF2-40B4-BE49-F238E27FC236}">
+                <a16:creationId xmlns:a16="http://schemas.microsoft.com/office/drawing/2014/main" id="{B0282BCB-03DE-4725-8755-6A1959728CF6}"/>
+              </a:ext>
+            </a:extLst>
+          </p:cNvPr>
+          <p:cNvSpPr>
+            <a:spLocks noGrp="1"/>
+          </p:cNvSpPr>
+          <p:nvPr>
+            <p:ph idx="1"/>
+          </p:nvPr>
+        </p:nvSpPr>
+        <p:spPr/>
+        <p:txBody>
+          <a:bodyPr/>
+          <a:lstStyle/>
+          <a:p>
+            <a:r>
+              <a:rPr lang="nb-NO" dirty="0"/>
+              <a:t>Goal: </a:t>
+            </a:r>
+          </a:p>
+          <a:p>
+            <a:r>
+              <a:rPr lang="nb-NO" dirty="0" err="1"/>
+              <a:t>Try</a:t>
+            </a:r>
+            <a:r>
+              <a:rPr lang="nb-NO" dirty="0"/>
+              <a:t> to </a:t>
+            </a:r>
+            <a:r>
+              <a:rPr lang="nb-NO" dirty="0" err="1"/>
+              <a:t>overfit</a:t>
+            </a:r>
+            <a:r>
+              <a:rPr lang="nb-NO" dirty="0"/>
+              <a:t> to </a:t>
+            </a:r>
+            <a:r>
+              <a:rPr lang="nb-NO" dirty="0" err="1"/>
+              <a:t>reconstructing</a:t>
+            </a:r>
+            <a:r>
+              <a:rPr lang="nb-NO" dirty="0"/>
+              <a:t> </a:t>
+            </a:r>
+            <a:r>
+              <a:rPr lang="nb-NO" dirty="0" err="1"/>
+              <a:t>seismic</a:t>
+            </a:r>
+            <a:r>
+              <a:rPr lang="nb-NO" dirty="0"/>
+              <a:t>, and </a:t>
+            </a:r>
+            <a:r>
+              <a:rPr lang="nb-NO" dirty="0" err="1"/>
+              <a:t>explore</a:t>
+            </a:r>
+            <a:r>
+              <a:rPr lang="nb-NO" dirty="0"/>
+              <a:t> </a:t>
+            </a:r>
+            <a:r>
+              <a:rPr lang="nb-NO" dirty="0" err="1"/>
+              <a:t>which</a:t>
+            </a:r>
+            <a:r>
+              <a:rPr lang="nb-NO" dirty="0"/>
+              <a:t> parameters </a:t>
+            </a:r>
+            <a:r>
+              <a:rPr lang="nb-NO" dirty="0" err="1"/>
+              <a:t>are</a:t>
+            </a:r>
+            <a:r>
+              <a:rPr lang="nb-NO" dirty="0"/>
+              <a:t> best for </a:t>
+            </a:r>
+            <a:r>
+              <a:rPr lang="nb-NO" dirty="0" err="1"/>
+              <a:t>this</a:t>
+            </a:r>
+            <a:r>
+              <a:rPr lang="nb-NO" dirty="0"/>
+              <a:t> </a:t>
+            </a:r>
+            <a:r>
+              <a:rPr lang="nb-NO" dirty="0" err="1"/>
+              <a:t>task</a:t>
+            </a:r>
+            <a:r>
+              <a:rPr lang="nb-NO" dirty="0"/>
+              <a:t>.</a:t>
+            </a:r>
+          </a:p>
+          <a:p>
+            <a:endParaRPr lang="nb-NO" dirty="0"/>
+          </a:p>
+          <a:p>
+            <a:r>
+              <a:rPr lang="nb-NO" dirty="0" err="1"/>
+              <a:t>Afterwards</a:t>
+            </a:r>
+            <a:r>
+              <a:rPr lang="nb-NO" dirty="0"/>
+              <a:t> </a:t>
+            </a:r>
+            <a:r>
+              <a:rPr lang="nb-NO" dirty="0" err="1"/>
+              <a:t>it’s</a:t>
+            </a:r>
+            <a:r>
+              <a:rPr lang="nb-NO" dirty="0"/>
+              <a:t> </a:t>
+            </a:r>
+            <a:r>
+              <a:rPr lang="nb-NO" dirty="0" err="1"/>
+              <a:t>possible</a:t>
+            </a:r>
+            <a:r>
+              <a:rPr lang="nb-NO" dirty="0"/>
+              <a:t> to </a:t>
+            </a:r>
+            <a:r>
+              <a:rPr lang="nb-NO" dirty="0" err="1"/>
+              <a:t>generalize</a:t>
+            </a:r>
+            <a:r>
+              <a:rPr lang="nb-NO" dirty="0"/>
+              <a:t> for </a:t>
+            </a:r>
+            <a:r>
+              <a:rPr lang="nb-NO" dirty="0" err="1"/>
+              <a:t>good</a:t>
+            </a:r>
+            <a:r>
+              <a:rPr lang="nb-NO" dirty="0"/>
+              <a:t> </a:t>
+            </a:r>
+            <a:r>
+              <a:rPr lang="nb-NO" dirty="0" err="1"/>
+              <a:t>results</a:t>
+            </a:r>
+            <a:r>
+              <a:rPr lang="nb-NO" dirty="0"/>
+              <a:t>. This </a:t>
+            </a:r>
+            <a:r>
+              <a:rPr lang="nb-NO" dirty="0" err="1"/>
+              <a:t>method</a:t>
+            </a:r>
+            <a:r>
+              <a:rPr lang="nb-NO" dirty="0"/>
+              <a:t> </a:t>
+            </a:r>
+            <a:r>
+              <a:rPr lang="nb-NO" dirty="0" err="1"/>
+              <a:t>of</a:t>
+            </a:r>
+            <a:r>
+              <a:rPr lang="nb-NO" dirty="0"/>
+              <a:t> </a:t>
+            </a:r>
+            <a:r>
+              <a:rPr lang="nb-NO" dirty="0" err="1"/>
+              <a:t>working</a:t>
+            </a:r>
+            <a:r>
+              <a:rPr lang="nb-NO" dirty="0"/>
+              <a:t> is </a:t>
+            </a:r>
+            <a:r>
+              <a:rPr lang="nb-NO" dirty="0" err="1"/>
+              <a:t>recommended</a:t>
+            </a:r>
+            <a:r>
+              <a:rPr lang="nb-NO" dirty="0"/>
+              <a:t> from a </a:t>
+            </a:r>
+            <a:r>
+              <a:rPr lang="nb-NO" dirty="0" err="1"/>
+              <a:t>friend</a:t>
+            </a:r>
+            <a:r>
+              <a:rPr lang="nb-NO" dirty="0"/>
+              <a:t> </a:t>
+            </a:r>
+            <a:r>
+              <a:rPr lang="nb-NO" dirty="0" err="1"/>
+              <a:t>who</a:t>
+            </a:r>
+            <a:r>
+              <a:rPr lang="nb-NO" dirty="0"/>
+              <a:t> is </a:t>
+            </a:r>
+            <a:r>
+              <a:rPr lang="nb-NO" dirty="0" err="1"/>
+              <a:t>studying</a:t>
+            </a:r>
+            <a:r>
+              <a:rPr lang="nb-NO" dirty="0"/>
+              <a:t> informatics </a:t>
+            </a:r>
+            <a:r>
+              <a:rPr lang="nb-NO" dirty="0" err="1"/>
+              <a:t>with</a:t>
+            </a:r>
+            <a:r>
+              <a:rPr lang="nb-NO" dirty="0"/>
+              <a:t> a ML </a:t>
+            </a:r>
+            <a:r>
+              <a:rPr lang="nb-NO" dirty="0" err="1"/>
+              <a:t>specialization</a:t>
+            </a:r>
+            <a:r>
+              <a:rPr lang="nb-NO" dirty="0"/>
+              <a:t>.</a:t>
             </a:r>
             <a:endParaRPr lang="en-GB" dirty="0"/>
           </a:p>
@@ -7288,348 +10122,38 @@
       </p:sp>
       <p:pic>
         <p:nvPicPr>
-          <p:cNvPr id="5" name="Content Placeholder 4" descr="A computer screen capture&#10;&#10;Description automatically generated with medium confidence">
-            <a:extLst>
-              <a:ext uri="{FF2B5EF4-FFF2-40B4-BE49-F238E27FC236}">
-                <a16:creationId xmlns:a16="http://schemas.microsoft.com/office/drawing/2014/main" id="{21E03888-DF5E-4193-9BDB-B79BCEFA01F1}"/>
+          <p:cNvPr id="4" name="Picture 3">
+            <a:extLst>
+              <a:ext uri="{FF2B5EF4-FFF2-40B4-BE49-F238E27FC236}">
+                <a16:creationId xmlns:a16="http://schemas.microsoft.com/office/drawing/2014/main" id="{5AB9D41B-AA66-4D7A-A028-765EDCFBE761}"/>
               </a:ext>
             </a:extLst>
           </p:cNvPr>
           <p:cNvPicPr>
-            <a:picLocks noGrp="1" noChangeAspect="1"/>
+            <a:picLocks noChangeAspect="1"/>
           </p:cNvPicPr>
-          <p:nvPr>
-            <p:ph idx="1"/>
-          </p:nvPr>
+          <p:nvPr/>
         </p:nvPicPr>
         <p:blipFill>
-          <a:blip r:embed="rId2">
-            <a:extLst>
-              <a:ext uri="{28A0092B-C50C-407E-A947-70E740481C1C}">
-                <a14:useLocalDpi xmlns:a14="http://schemas.microsoft.com/office/drawing/2010/main" val="0"/>
-              </a:ext>
-            </a:extLst>
-          </a:blip>
+          <a:blip r:embed="rId2"/>
           <a:stretch>
             <a:fillRect/>
           </a:stretch>
         </p:blipFill>
         <p:spPr>
           <a:xfrm>
-            <a:off x="7945353" y="445858"/>
-            <a:ext cx="3728777" cy="2799382"/>
-          </a:xfrm>
-        </p:spPr>
-      </p:pic>
-      <p:pic>
-        <p:nvPicPr>
-          <p:cNvPr id="7" name="Picture 6" descr="A field of red flowers&#10;&#10;Description automatically generated with medium confidence">
-            <a:extLst>
-              <a:ext uri="{FF2B5EF4-FFF2-40B4-BE49-F238E27FC236}">
-                <a16:creationId xmlns:a16="http://schemas.microsoft.com/office/drawing/2014/main" id="{14625A65-1375-4462-894C-E356A01CC925}"/>
-              </a:ext>
-            </a:extLst>
-          </p:cNvPr>
-          <p:cNvPicPr>
-            <a:picLocks noChangeAspect="1"/>
-          </p:cNvPicPr>
-          <p:nvPr/>
-        </p:nvPicPr>
-        <p:blipFill>
-          <a:blip r:embed="rId3">
-            <a:extLst>
-              <a:ext uri="{28A0092B-C50C-407E-A947-70E740481C1C}">
-                <a14:useLocalDpi xmlns:a14="http://schemas.microsoft.com/office/drawing/2010/main" val="0"/>
-              </a:ext>
-            </a:extLst>
-          </a:blip>
-          <a:stretch>
-            <a:fillRect/>
-          </a:stretch>
-        </p:blipFill>
-        <p:spPr>
-          <a:xfrm>
-            <a:off x="7945355" y="3614730"/>
-            <a:ext cx="3728775" cy="2799381"/>
+            <a:off x="1189933" y="2889114"/>
+            <a:ext cx="3677055" cy="3677055"/>
           </a:xfrm>
           <a:prstGeom prst="rect">
             <a:avLst/>
           </a:prstGeom>
         </p:spPr>
       </p:pic>
-      <p:sp>
-        <p:nvSpPr>
-          <p:cNvPr id="8" name="TextBox 7">
-            <a:extLst>
-              <a:ext uri="{FF2B5EF4-FFF2-40B4-BE49-F238E27FC236}">
-                <a16:creationId xmlns:a16="http://schemas.microsoft.com/office/drawing/2014/main" id="{EA9F4666-F997-4468-93E4-A3C378762A52}"/>
-              </a:ext>
-            </a:extLst>
-          </p:cNvPr>
-          <p:cNvSpPr txBox="1"/>
-          <p:nvPr/>
-        </p:nvSpPr>
-        <p:spPr>
-          <a:xfrm>
-            <a:off x="517869" y="2118050"/>
-            <a:ext cx="6016175" cy="3139321"/>
-          </a:xfrm>
-          <a:prstGeom prst="rect">
-            <a:avLst/>
-          </a:prstGeom>
-          <a:noFill/>
-        </p:spPr>
-        <p:txBody>
-          <a:bodyPr wrap="square" rtlCol="0">
-            <a:spAutoFit/>
-          </a:bodyPr>
-          <a:lstStyle/>
-          <a:p>
-            <a:r>
-              <a:rPr lang="nb-NO" dirty="0"/>
-              <a:t>This </a:t>
-            </a:r>
-            <a:r>
-              <a:rPr lang="nb-NO" dirty="0" err="1"/>
-              <a:t>one</a:t>
-            </a:r>
-            <a:r>
-              <a:rPr lang="nb-NO" dirty="0"/>
-              <a:t> </a:t>
-            </a:r>
-            <a:r>
-              <a:rPr lang="nb-NO" dirty="0" err="1"/>
-              <a:t>was</a:t>
-            </a:r>
-            <a:r>
-              <a:rPr lang="nb-NO" dirty="0"/>
-              <a:t> </a:t>
-            </a:r>
-            <a:r>
-              <a:rPr lang="nb-NO" dirty="0" err="1"/>
-              <a:t>able</a:t>
-            </a:r>
-            <a:r>
-              <a:rPr lang="nb-NO" dirty="0"/>
-              <a:t> to </a:t>
-            </a:r>
-            <a:r>
-              <a:rPr lang="nb-NO" dirty="0" err="1"/>
-              <a:t>capture</a:t>
-            </a:r>
-            <a:r>
-              <a:rPr lang="nb-NO" dirty="0"/>
-              <a:t> </a:t>
-            </a:r>
-            <a:r>
-              <a:rPr lang="nb-NO" dirty="0" err="1"/>
-              <a:t>the</a:t>
-            </a:r>
-            <a:r>
-              <a:rPr lang="nb-NO" dirty="0"/>
-              <a:t> </a:t>
-            </a:r>
-            <a:r>
-              <a:rPr lang="nb-NO" b="1" dirty="0" err="1"/>
-              <a:t>ocean</a:t>
-            </a:r>
-            <a:r>
-              <a:rPr lang="nb-NO" b="1" dirty="0"/>
-              <a:t> </a:t>
-            </a:r>
-            <a:r>
-              <a:rPr lang="nb-NO" b="1" dirty="0" err="1"/>
-              <a:t>bottom</a:t>
-            </a:r>
-            <a:r>
-              <a:rPr lang="nb-NO" b="1" dirty="0"/>
-              <a:t> </a:t>
-            </a:r>
-            <a:r>
-              <a:rPr lang="nb-NO" b="1" dirty="0" err="1"/>
-              <a:t>reflector</a:t>
-            </a:r>
-            <a:r>
-              <a:rPr lang="nb-NO" b="1" dirty="0"/>
-              <a:t> </a:t>
-            </a:r>
-            <a:r>
-              <a:rPr lang="nb-NO" dirty="0" err="1"/>
-              <a:t>pretty</a:t>
-            </a:r>
-            <a:r>
-              <a:rPr lang="nb-NO" dirty="0"/>
-              <a:t> </a:t>
-            </a:r>
-            <a:r>
-              <a:rPr lang="nb-NO" dirty="0" err="1"/>
-              <a:t>well</a:t>
-            </a:r>
-            <a:r>
-              <a:rPr lang="nb-NO" dirty="0"/>
-              <a:t>.</a:t>
-            </a:r>
-          </a:p>
-          <a:p>
-            <a:endParaRPr lang="nb-NO" dirty="0"/>
-          </a:p>
-          <a:p>
-            <a:r>
-              <a:rPr lang="nb-NO" dirty="0" err="1"/>
-              <a:t>Config</a:t>
-            </a:r>
-            <a:r>
-              <a:rPr lang="nb-NO" dirty="0"/>
-              <a:t>:</a:t>
-            </a:r>
-          </a:p>
-          <a:p>
-            <a:r>
-              <a:rPr lang="nb-NO" dirty="0" err="1"/>
-              <a:t>nb_filters</a:t>
-            </a:r>
-            <a:r>
-              <a:rPr lang="nb-NO" dirty="0"/>
-              <a:t> = 	64</a:t>
-            </a:r>
-          </a:p>
-          <a:p>
-            <a:r>
-              <a:rPr lang="nb-NO" dirty="0" err="1"/>
-              <a:t>Kernel</a:t>
-            </a:r>
-            <a:r>
-              <a:rPr lang="nb-NO" dirty="0"/>
-              <a:t> </a:t>
-            </a:r>
-            <a:r>
-              <a:rPr lang="nb-NO" dirty="0" err="1"/>
-              <a:t>size</a:t>
-            </a:r>
-            <a:r>
-              <a:rPr lang="nb-NO" dirty="0"/>
-              <a:t> = 	8 </a:t>
-            </a:r>
-          </a:p>
-          <a:p>
-            <a:r>
-              <a:rPr lang="nb-NO" dirty="0" err="1"/>
-              <a:t>Dilations</a:t>
-            </a:r>
-            <a:r>
-              <a:rPr lang="nb-NO" dirty="0"/>
-              <a:t> = 	[1, 2, 4, 8, 16, 32]</a:t>
-            </a:r>
-          </a:p>
-          <a:p>
-            <a:r>
-              <a:rPr lang="nb-NO" dirty="0" err="1"/>
-              <a:t>batch_size</a:t>
-            </a:r>
-            <a:r>
-              <a:rPr lang="nb-NO" dirty="0"/>
-              <a:t> = 	20</a:t>
-            </a:r>
-          </a:p>
-          <a:p>
-            <a:r>
-              <a:rPr lang="nb-NO" dirty="0" err="1"/>
-              <a:t>Epochs</a:t>
-            </a:r>
-            <a:r>
-              <a:rPr lang="nb-NO" dirty="0"/>
-              <a:t> = 	10</a:t>
-            </a:r>
-          </a:p>
-          <a:p>
-            <a:endParaRPr lang="en-GB" dirty="0"/>
-          </a:p>
-          <a:p>
-            <a:r>
-              <a:rPr lang="en-GB" dirty="0"/>
-              <a:t>Loss = 1.28</a:t>
-            </a:r>
-          </a:p>
-        </p:txBody>
-      </p:sp>
-      <p:sp>
-        <p:nvSpPr>
-          <p:cNvPr id="9" name="TextBox 8">
-            <a:extLst>
-              <a:ext uri="{FF2B5EF4-FFF2-40B4-BE49-F238E27FC236}">
-                <a16:creationId xmlns:a16="http://schemas.microsoft.com/office/drawing/2014/main" id="{ECEC4A22-A1B3-40C4-9970-2B95DA8A4E2A}"/>
-              </a:ext>
-            </a:extLst>
-          </p:cNvPr>
-          <p:cNvSpPr txBox="1"/>
-          <p:nvPr/>
-        </p:nvSpPr>
-        <p:spPr>
-          <a:xfrm>
-            <a:off x="6610525" y="2875908"/>
-            <a:ext cx="1258348" cy="369332"/>
-          </a:xfrm>
-          <a:prstGeom prst="rect">
-            <a:avLst/>
-          </a:prstGeom>
-          <a:noFill/>
-        </p:spPr>
-        <p:txBody>
-          <a:bodyPr wrap="square" rtlCol="0">
-            <a:spAutoFit/>
-          </a:bodyPr>
-          <a:lstStyle/>
-          <a:p>
-            <a:pPr algn="ctr"/>
-            <a:r>
-              <a:rPr lang="nb-NO" dirty="0" err="1"/>
-              <a:t>Predicted</a:t>
-            </a:r>
-            <a:endParaRPr lang="en-GB" dirty="0"/>
-          </a:p>
-        </p:txBody>
-      </p:sp>
-      <p:sp>
-        <p:nvSpPr>
-          <p:cNvPr id="10" name="TextBox 9">
-            <a:extLst>
-              <a:ext uri="{FF2B5EF4-FFF2-40B4-BE49-F238E27FC236}">
-                <a16:creationId xmlns:a16="http://schemas.microsoft.com/office/drawing/2014/main" id="{9A3B85A9-FC18-4394-ADEC-47CF69CAF029}"/>
-              </a:ext>
-            </a:extLst>
-          </p:cNvPr>
-          <p:cNvSpPr txBox="1"/>
-          <p:nvPr/>
-        </p:nvSpPr>
-        <p:spPr>
-          <a:xfrm>
-            <a:off x="6610524" y="5998127"/>
-            <a:ext cx="1258349" cy="369332"/>
-          </a:xfrm>
-          <a:prstGeom prst="rect">
-            <a:avLst/>
-          </a:prstGeom>
-          <a:noFill/>
-        </p:spPr>
-        <p:txBody>
-          <a:bodyPr wrap="square" rtlCol="0">
-            <a:spAutoFit/>
-          </a:bodyPr>
-          <a:lstStyle/>
-          <a:p>
-            <a:pPr algn="ctr"/>
-            <a:r>
-              <a:rPr lang="nb-NO" dirty="0"/>
-              <a:t>True</a:t>
-            </a:r>
-            <a:endParaRPr lang="en-GB" dirty="0"/>
-          </a:p>
-        </p:txBody>
-      </p:sp>
     </p:spTree>
     <p:extLst>
       <p:ext uri="{BB962C8B-B14F-4D97-AF65-F5344CB8AC3E}">
-        <p14:creationId xmlns:p14="http://schemas.microsoft.com/office/powerpoint/2010/main" val="1374411736"/>
+        <p14:creationId xmlns:p14="http://schemas.microsoft.com/office/powerpoint/2010/main" val="3279950497"/>
       </p:ext>
     </p:extLst>
   </p:cSld>
@@ -7661,7 +10185,7 @@
           <p:cNvPr id="2" name="Title 1">
             <a:extLst>
               <a:ext uri="{FF2B5EF4-FFF2-40B4-BE49-F238E27FC236}">
-                <a16:creationId xmlns:a16="http://schemas.microsoft.com/office/drawing/2014/main" id="{C9519876-F2DB-498A-895D-DC823225655D}"/>
+                <a16:creationId xmlns:a16="http://schemas.microsoft.com/office/drawing/2014/main" id="{030C621C-11EB-47E3-B807-A1498B6AE8FA}"/>
               </a:ext>
             </a:extLst>
           </p:cNvPr>
@@ -7675,7 +10199,7 @@
         <p:spPr>
           <a:xfrm>
             <a:off x="517870" y="978409"/>
-            <a:ext cx="5021182" cy="1578180"/>
+            <a:ext cx="5021182" cy="1018342"/>
           </a:xfrm>
         </p:spPr>
         <p:txBody>
@@ -7683,8 +10207,12 @@
           <a:lstStyle/>
           <a:p>
             <a:r>
-              <a:rPr lang="nb-NO" dirty="0" err="1"/>
-              <a:t>Optuna</a:t>
+              <a:rPr lang="nb-NO" dirty="0"/>
+              <a:t>Initial </a:t>
+            </a:r>
+            <a:r>
+              <a:rPr lang="nb-NO" dirty="0" err="1"/>
+              <a:t>results</a:t>
             </a:r>
             <a:endParaRPr lang="en-GB" dirty="0"/>
           </a:p>
@@ -7692,10 +10220,10 @@
       </p:sp>
       <p:pic>
         <p:nvPicPr>
-          <p:cNvPr id="5" name="Content Placeholder 4" descr="A computer screen capture&#10;&#10;Description automatically generated with medium confidence">
-            <a:extLst>
-              <a:ext uri="{FF2B5EF4-FFF2-40B4-BE49-F238E27FC236}">
-                <a16:creationId xmlns:a16="http://schemas.microsoft.com/office/drawing/2014/main" id="{21E03888-DF5E-4193-9BDB-B79BCEFA01F1}"/>
+          <p:cNvPr id="5" name="Content Placeholder 4" descr="Background pattern&#10;&#10;Description automatically generated">
+            <a:extLst>
+              <a:ext uri="{FF2B5EF4-FFF2-40B4-BE49-F238E27FC236}">
+                <a16:creationId xmlns:a16="http://schemas.microsoft.com/office/drawing/2014/main" id="{3DC83484-0FF0-457E-BE7B-B68E74EA5741}"/>
               </a:ext>
             </a:extLst>
           </p:cNvPr>
@@ -7720,17 +10248,17 @@
         </p:blipFill>
         <p:spPr>
           <a:xfrm>
-            <a:off x="7945353" y="445858"/>
-            <a:ext cx="3728777" cy="2799382"/>
+            <a:off x="8005638" y="445512"/>
+            <a:ext cx="3787548" cy="2843504"/>
           </a:xfrm>
         </p:spPr>
       </p:pic>
       <p:pic>
         <p:nvPicPr>
-          <p:cNvPr id="7" name="Picture 6" descr="A field of red flowers&#10;&#10;Description automatically generated with medium confidence">
-            <a:extLst>
-              <a:ext uri="{FF2B5EF4-FFF2-40B4-BE49-F238E27FC236}">
-                <a16:creationId xmlns:a16="http://schemas.microsoft.com/office/drawing/2014/main" id="{14625A65-1375-4462-894C-E356A01CC925}"/>
+          <p:cNvPr id="7" name="Picture 6" descr="A picture containing blue, crowd&#10;&#10;Description automatically generated">
+            <a:extLst>
+              <a:ext uri="{FF2B5EF4-FFF2-40B4-BE49-F238E27FC236}">
+                <a16:creationId xmlns:a16="http://schemas.microsoft.com/office/drawing/2014/main" id="{81D93269-967D-4DCF-ACAB-5920272F14FC}"/>
               </a:ext>
             </a:extLst>
           </p:cNvPr>
@@ -7753,8 +10281,8 @@
         </p:blipFill>
         <p:spPr>
           <a:xfrm>
-            <a:off x="7945355" y="3614730"/>
-            <a:ext cx="3728775" cy="2799381"/>
+            <a:off x="8005638" y="3534114"/>
+            <a:ext cx="3787548" cy="2843505"/>
           </a:xfrm>
           <a:prstGeom prst="rect">
             <a:avLst/>
@@ -7766,7 +10294,7 @@
           <p:cNvPr id="8" name="TextBox 7">
             <a:extLst>
               <a:ext uri="{FF2B5EF4-FFF2-40B4-BE49-F238E27FC236}">
-                <a16:creationId xmlns:a16="http://schemas.microsoft.com/office/drawing/2014/main" id="{EA9F4666-F997-4468-93E4-A3C378762A52}"/>
+                <a16:creationId xmlns:a16="http://schemas.microsoft.com/office/drawing/2014/main" id="{222BD9E7-1A30-422B-936B-7FA8F5A364F1}"/>
               </a:ext>
             </a:extLst>
           </p:cNvPr>
@@ -7775,8 +10303,8 @@
         </p:nvSpPr>
         <p:spPr>
           <a:xfrm>
-            <a:off x="517869" y="2118050"/>
-            <a:ext cx="6016175" cy="2585323"/>
+            <a:off x="517869" y="2233655"/>
+            <a:ext cx="5220457" cy="3970318"/>
           </a:xfrm>
           <a:prstGeom prst="rect">
             <a:avLst/>
@@ -7789,9 +10317,120 @@
           </a:bodyPr>
           <a:lstStyle/>
           <a:p>
+            <a:r>
+              <a:rPr lang="nb-NO" dirty="0"/>
+              <a:t>Testing </a:t>
+            </a:r>
+            <a:r>
+              <a:rPr lang="nb-NO" dirty="0" err="1"/>
+              <a:t>out</a:t>
+            </a:r>
+            <a:r>
+              <a:rPr lang="nb-NO" dirty="0"/>
+              <a:t> </a:t>
+            </a:r>
+            <a:r>
+              <a:rPr lang="nb-NO" dirty="0" err="1"/>
+              <a:t>reconstructing</a:t>
+            </a:r>
+            <a:r>
+              <a:rPr lang="nb-NO" dirty="0"/>
+              <a:t> </a:t>
+            </a:r>
+            <a:r>
+              <a:rPr lang="nb-NO" dirty="0" err="1"/>
+              <a:t>the</a:t>
+            </a:r>
+            <a:r>
+              <a:rPr lang="nb-NO" dirty="0"/>
+              <a:t> </a:t>
+            </a:r>
+            <a:r>
+              <a:rPr lang="nb-NO" dirty="0" err="1"/>
+              <a:t>seismic</a:t>
+            </a:r>
+            <a:r>
+              <a:rPr lang="nb-NO" dirty="0"/>
+              <a:t> data </a:t>
+            </a:r>
+            <a:r>
+              <a:rPr lang="nb-NO" dirty="0" err="1"/>
+              <a:t>with</a:t>
+            </a:r>
+            <a:r>
+              <a:rPr lang="nb-NO" dirty="0"/>
+              <a:t> 1D TCN</a:t>
+            </a:r>
+          </a:p>
+          <a:p>
+            <a:r>
+              <a:rPr lang="nb-NO" dirty="0"/>
+              <a:t>Model </a:t>
+            </a:r>
+            <a:r>
+              <a:rPr lang="nb-NO" dirty="0" err="1"/>
+              <a:t>converges</a:t>
+            </a:r>
+            <a:r>
+              <a:rPr lang="nb-NO" dirty="0"/>
+              <a:t> to </a:t>
+            </a:r>
+            <a:r>
+              <a:rPr lang="nb-NO" dirty="0" err="1"/>
+              <a:t>some</a:t>
+            </a:r>
+            <a:r>
+              <a:rPr lang="nb-NO" dirty="0"/>
+              <a:t> sort </a:t>
+            </a:r>
+            <a:r>
+              <a:rPr lang="nb-NO" dirty="0" err="1"/>
+              <a:t>of</a:t>
+            </a:r>
+            <a:r>
+              <a:rPr lang="nb-NO" dirty="0"/>
+              <a:t> </a:t>
+            </a:r>
+            <a:r>
+              <a:rPr lang="nb-NO" dirty="0" err="1"/>
+              <a:t>average</a:t>
+            </a:r>
             <a:endParaRPr lang="nb-NO" dirty="0"/>
           </a:p>
           <a:p>
+            <a:endParaRPr lang="nb-NO" dirty="0"/>
+          </a:p>
+          <a:p>
+            <a:r>
+              <a:rPr lang="nb-NO" dirty="0"/>
+              <a:t>NB! </a:t>
+            </a:r>
+            <a:r>
+              <a:rPr lang="nb-NO" dirty="0" err="1"/>
+              <a:t>These</a:t>
+            </a:r>
+            <a:r>
+              <a:rPr lang="nb-NO" dirty="0"/>
+              <a:t> plots </a:t>
+            </a:r>
+            <a:r>
+              <a:rPr lang="nb-NO" dirty="0" err="1"/>
+              <a:t>are</a:t>
+            </a:r>
+            <a:r>
+              <a:rPr lang="nb-NO" dirty="0"/>
+              <a:t> not </a:t>
+            </a:r>
+            <a:r>
+              <a:rPr lang="nb-NO" dirty="0" err="1"/>
+              <a:t>normalized</a:t>
+            </a:r>
+            <a:endParaRPr lang="nb-NO" dirty="0"/>
+          </a:p>
+          <a:p>
+            <a:endParaRPr lang="nb-NO" dirty="0"/>
+          </a:p>
+          <a:p>
             <a:r>
               <a:rPr lang="nb-NO" dirty="0" err="1"/>
               <a:t>Config</a:t>
@@ -7808,7 +10447,7 @@
             </a:r>
             <a:r>
               <a:rPr lang="nb-NO" dirty="0"/>
-              <a:t> = 	</a:t>
+              <a:t> = 	64</a:t>
             </a:r>
           </a:p>
           <a:p>
@@ -7826,7 +10465,31 @@
             </a:r>
             <a:r>
               <a:rPr lang="nb-NO" dirty="0"/>
-              <a:t> = 	</a:t>
+              <a:t> = 	3 ( </a:t>
+            </a:r>
+            <a:r>
+              <a:rPr lang="nb-NO" dirty="0" err="1"/>
+              <a:t>which</a:t>
+            </a:r>
+            <a:r>
+              <a:rPr lang="nb-NO" dirty="0"/>
+              <a:t> </a:t>
+            </a:r>
+            <a:r>
+              <a:rPr lang="nb-NO" dirty="0" err="1"/>
+              <a:t>may</a:t>
+            </a:r>
+            <a:r>
+              <a:rPr lang="nb-NO" dirty="0"/>
+              <a:t> </a:t>
+            </a:r>
+            <a:r>
+              <a:rPr lang="nb-NO" dirty="0" err="1"/>
+              <a:t>explain</a:t>
+            </a:r>
+            <a:r>
+              <a:rPr lang="nb-NO" dirty="0"/>
+              <a:t> a lot)</a:t>
             </a:r>
           </a:p>
           <a:p>
@@ -7836,7 +10499,7 @@
             </a:r>
             <a:r>
               <a:rPr lang="nb-NO" dirty="0"/>
-              <a:t> = 	</a:t>
+              <a:t> = 	[1, 2, 4, 8, 16]</a:t>
             </a:r>
           </a:p>
           <a:p>
@@ -7846,7 +10509,7 @@
             </a:r>
             <a:r>
               <a:rPr lang="nb-NO" dirty="0"/>
-              <a:t> = 	</a:t>
+              <a:t> = 	20</a:t>
             </a:r>
           </a:p>
           <a:p>
@@ -7856,7 +10519,7 @@
             </a:r>
             <a:r>
               <a:rPr lang="nb-NO" dirty="0"/>
-              <a:t> = 	</a:t>
+              <a:t> = 	10</a:t>
             </a:r>
           </a:p>
           <a:p>
@@ -7865,89 +10528,45 @@
           <a:p>
             <a:r>
               <a:rPr lang="en-GB" dirty="0"/>
-              <a:t>Loss = </a:t>
-            </a:r>
-          </a:p>
-        </p:txBody>
-      </p:sp>
-      <p:sp>
-        <p:nvSpPr>
-          <p:cNvPr id="9" name="TextBox 8">
-            <a:extLst>
-              <a:ext uri="{FF2B5EF4-FFF2-40B4-BE49-F238E27FC236}">
-                <a16:creationId xmlns:a16="http://schemas.microsoft.com/office/drawing/2014/main" id="{ECEC4A22-A1B3-40C4-9970-2B95DA8A4E2A}"/>
-              </a:ext>
-            </a:extLst>
-          </p:cNvPr>
-          <p:cNvSpPr txBox="1"/>
+              <a:t>Loss approx. 3</a:t>
+            </a:r>
+          </a:p>
+        </p:txBody>
+      </p:sp>
+      <p:pic>
+        <p:nvPicPr>
+          <p:cNvPr id="9" name="Picture 8">
+            <a:extLst>
+              <a:ext uri="{FF2B5EF4-FFF2-40B4-BE49-F238E27FC236}">
+                <a16:creationId xmlns:a16="http://schemas.microsoft.com/office/drawing/2014/main" id="{4266D97D-A5C4-4AFD-8552-1412AEF406F4}"/>
+              </a:ext>
+            </a:extLst>
+          </p:cNvPr>
+          <p:cNvPicPr>
+            <a:picLocks noChangeAspect="1"/>
+          </p:cNvPicPr>
           <p:nvPr/>
-        </p:nvSpPr>
+        </p:nvPicPr>
+        <p:blipFill>
+          <a:blip r:embed="rId4"/>
+          <a:stretch>
+            <a:fillRect/>
+          </a:stretch>
+        </p:blipFill>
         <p:spPr>
           <a:xfrm>
-            <a:off x="6610525" y="2875908"/>
-            <a:ext cx="1258348" cy="369332"/>
+            <a:off x="6622690" y="2851513"/>
+            <a:ext cx="1261981" cy="3621338"/>
           </a:xfrm>
           <a:prstGeom prst="rect">
             <a:avLst/>
           </a:prstGeom>
-          <a:noFill/>
         </p:spPr>
-        <p:txBody>
-          <a:bodyPr wrap="square" rtlCol="0">
-            <a:spAutoFit/>
-          </a:bodyPr>
-          <a:lstStyle/>
-          <a:p>
-            <a:pPr algn="ctr"/>
-            <a:r>
-              <a:rPr lang="nb-NO" dirty="0" err="1"/>
-              <a:t>Predicted</a:t>
-            </a:r>
-            <a:endParaRPr lang="en-GB" dirty="0"/>
-          </a:p>
-        </p:txBody>
-      </p:sp>
-      <p:sp>
-        <p:nvSpPr>
-          <p:cNvPr id="10" name="TextBox 9">
-            <a:extLst>
-              <a:ext uri="{FF2B5EF4-FFF2-40B4-BE49-F238E27FC236}">
-                <a16:creationId xmlns:a16="http://schemas.microsoft.com/office/drawing/2014/main" id="{9A3B85A9-FC18-4394-ADEC-47CF69CAF029}"/>
-              </a:ext>
-            </a:extLst>
-          </p:cNvPr>
-          <p:cNvSpPr txBox="1"/>
-          <p:nvPr/>
-        </p:nvSpPr>
-        <p:spPr>
-          <a:xfrm>
-            <a:off x="6610524" y="5998127"/>
-            <a:ext cx="1258349" cy="369332"/>
-          </a:xfrm>
-          <a:prstGeom prst="rect">
-            <a:avLst/>
-          </a:prstGeom>
-          <a:noFill/>
-        </p:spPr>
-        <p:txBody>
-          <a:bodyPr wrap="square" rtlCol="0">
-            <a:spAutoFit/>
-          </a:bodyPr>
-          <a:lstStyle/>
-          <a:p>
-            <a:pPr algn="ctr"/>
-            <a:r>
-              <a:rPr lang="nb-NO" dirty="0"/>
-              <a:t>True</a:t>
-            </a:r>
-            <a:endParaRPr lang="en-GB" dirty="0"/>
-          </a:p>
-        </p:txBody>
-      </p:sp>
+      </p:pic>
     </p:spTree>
     <p:extLst>
       <p:ext uri="{BB962C8B-B14F-4D97-AF65-F5344CB8AC3E}">
-        <p14:creationId xmlns:p14="http://schemas.microsoft.com/office/powerpoint/2010/main" val="2341598790"/>
+        <p14:creationId xmlns:p14="http://schemas.microsoft.com/office/powerpoint/2010/main" val="2744942581"/>
       </p:ext>
     </p:extLst>
   </p:cSld>
